--- a/Week_1/Lectures/1.3_HTML_and_CSS.pptx
+++ b/Week_1/Lectures/1.3_HTML_and_CSS.pptx
@@ -411,7 +411,7 @@
     </p:spTree>
     <p:extLst>
       <p:ext uri="{BB962C8B-B14F-4D97-AF65-F5344CB8AC3E}">
-        <p14:creationId xmlns:p14="http://schemas.microsoft.com/office/powerpoint/2010/main" val="1894845881"/>
+        <p14:creationId xmlns:p14="http://schemas.microsoft.com/office/powerpoint/2010/main" val="1685714810"/>
       </p:ext>
     </p:extLst>
   </p:cSld>
@@ -594,7 +594,7 @@
           </a:bodyPr>
           <a:lstStyle/>
           <a:p>
-            <a:pPr lvl="0">
+            <a:pPr lvl="0" rtl="0">
               <a:spcBef>
                 <a:spcPts val="0"/>
               </a:spcBef>
@@ -693,7 +693,7 @@
         <p:spPr>
           <a:xfrm>
             <a:off x="685800" y="4343400"/>
-            <a:ext cx="5486399" cy="4114800"/>
+            <a:ext cx="5486400" cy="4114800"/>
           </a:xfrm>
           <a:prstGeom prst="rect">
             <a:avLst/>
@@ -810,7 +810,7 @@
         <p:spPr>
           <a:xfrm>
             <a:off x="685800" y="4343400"/>
-            <a:ext cx="5486399" cy="4114800"/>
+            <a:ext cx="5486400" cy="4114800"/>
           </a:xfrm>
           <a:prstGeom prst="rect">
             <a:avLst/>
@@ -1045,7 +1045,7 @@
         <p:spPr>
           <a:xfrm>
             <a:off x="685800" y="4343400"/>
-            <a:ext cx="5486399" cy="4114800"/>
+            <a:ext cx="5486400" cy="4114800"/>
           </a:xfrm>
           <a:prstGeom prst="rect">
             <a:avLst/>
@@ -1072,6 +1072,20 @@
             <a:r>
               <a:rPr lang="en"/>
               <a:t>Generally a bad idea to write CSS inline; generally people will write them in separate files to keep it organized.</a:t>
+            </a:r>
+          </a:p>
+          <a:p>
+            <a:pPr marL="0" marR="0" lvl="0" indent="0" algn="l" rtl="0">
+              <a:spcBef>
+                <a:spcPts val="0"/>
+              </a:spcBef>
+              <a:buSzPct val="25000"/>
+              <a:buFont typeface="Arial"/>
+              <a:buNone/>
+            </a:pPr>
+            <a:r>
+              <a:rPr lang="en"/>
+              <a:t>Color codes correspond to best &gt; worst practices.</a:t>
             </a:r>
           </a:p>
         </p:txBody>
@@ -1165,7 +1179,7 @@
         <p:spPr>
           <a:xfrm>
             <a:off x="685800" y="4343400"/>
-            <a:ext cx="5486399" cy="4114800"/>
+            <a:ext cx="5486400" cy="4114800"/>
           </a:xfrm>
           <a:prstGeom prst="rect">
             <a:avLst/>
@@ -1189,6 +1203,18 @@
             </a:pPr>
             <a:r>
               <a:rPr lang="en"/>
+              <a:t>Don’t use the universal selector</a:t>
+            </a:r>
+          </a:p>
+          <a:p>
+            <a:pPr marL="457200" marR="0" lvl="0" indent="-228600" algn="l" rtl="0">
+              <a:spcBef>
+                <a:spcPts val="0"/>
+              </a:spcBef>
+              <a:buChar char="●"/>
+            </a:pPr>
+            <a:r>
+              <a:rPr lang="en"/>
               <a:t>CSS styling definitions go inside those {}</a:t>
             </a:r>
           </a:p>
@@ -1202,6 +1228,30 @@
             <a:r>
               <a:rPr lang="en"/>
               <a:t>Child vs. descendent: child is nested only one layer deep. Descendant can be nested many layers deep.</a:t>
+            </a:r>
+          </a:p>
+          <a:p>
+            <a:pPr marL="457200" marR="0" lvl="0" indent="-228600" algn="l" rtl="0">
+              <a:spcBef>
+                <a:spcPts val="0"/>
+              </a:spcBef>
+              <a:buChar char="●"/>
+            </a:pPr>
+            <a:r>
+              <a:rPr lang="en"/>
+              <a:t>There are many other ways in CSS to traverse elements in relation to each other--child and descendant selectors are not the only ways. There are also sibling selectors, among others.</a:t>
+            </a:r>
+          </a:p>
+          <a:p>
+            <a:pPr marL="457200" marR="0" lvl="0" indent="-228600" algn="l" rtl="0">
+              <a:spcBef>
+                <a:spcPts val="0"/>
+              </a:spcBef>
+              <a:buChar char="●"/>
+            </a:pPr>
+            <a:r>
+              <a:rPr lang="en"/>
+              <a:t>You can also select by attribute. Attribute selectors allow you to apply styles to all elements that have a certain attribute value.</a:t>
             </a:r>
           </a:p>
         </p:txBody>
@@ -1297,7 +1347,7 @@
           </a:bodyPr>
           <a:lstStyle/>
           <a:p>
-            <a:pPr lvl="0">
+            <a:pPr lvl="0" rtl="0">
               <a:spcBef>
                 <a:spcPts val="0"/>
               </a:spcBef>
@@ -1309,7 +1359,7 @@
             </a:r>
           </a:p>
           <a:p>
-            <a:pPr lvl="0">
+            <a:pPr lvl="0" rtl="0">
               <a:spcBef>
                 <a:spcPts val="0"/>
               </a:spcBef>
@@ -1411,7 +1461,7 @@
         <p:spPr>
           <a:xfrm>
             <a:off x="685800" y="4343400"/>
-            <a:ext cx="5486399" cy="4114800"/>
+            <a:ext cx="5486400" cy="4114800"/>
           </a:xfrm>
           <a:prstGeom prst="rect">
             <a:avLst/>
@@ -1528,7 +1578,7 @@
         <p:spPr>
           <a:xfrm>
             <a:off x="685800" y="4343400"/>
-            <a:ext cx="5486399" cy="4114800"/>
+            <a:ext cx="5486400" cy="4114800"/>
           </a:xfrm>
           <a:prstGeom prst="rect">
             <a:avLst/>
@@ -1593,7 +1643,7 @@
         </p:nvSpPr>
         <p:spPr>
           <a:xfrm>
-            <a:off x="381000" y="685800"/>
+            <a:off x="381300" y="685800"/>
             <a:ext cx="6096000" cy="3429000"/>
           </a:xfrm>
           <a:custGeom>
@@ -1645,7 +1695,7 @@
         <p:spPr>
           <a:xfrm>
             <a:off x="685800" y="4343400"/>
-            <a:ext cx="5486399" cy="4114800"/>
+            <a:ext cx="5486400" cy="4114800"/>
           </a:xfrm>
           <a:prstGeom prst="rect">
             <a:avLst/>
@@ -1762,7 +1812,7 @@
         <p:spPr>
           <a:xfrm>
             <a:off x="685800" y="4343400"/>
-            <a:ext cx="5486399" cy="4114800"/>
+            <a:ext cx="5486400" cy="4114800"/>
           </a:xfrm>
           <a:prstGeom prst="rect">
             <a:avLst/>
@@ -1881,7 +1931,7 @@
           </a:bodyPr>
           <a:lstStyle/>
           <a:p>
-            <a:pPr lvl="0">
+            <a:pPr lvl="0" rtl="0">
               <a:spcBef>
                 <a:spcPts val="0"/>
               </a:spcBef>
@@ -1902,7 +1952,7 @@
             </a:r>
           </a:p>
           <a:p>
-            <a:pPr lvl="0">
+            <a:pPr lvl="0" rtl="0">
               <a:spcBef>
                 <a:spcPts val="0"/>
               </a:spcBef>
@@ -1911,7 +1961,7 @@
             <a:endParaRPr/>
           </a:p>
           <a:p>
-            <a:pPr lvl="0">
+            <a:pPr lvl="0" rtl="0">
               <a:spcBef>
                 <a:spcPts val="0"/>
               </a:spcBef>
@@ -1928,7 +1978,7 @@
             </a:r>
           </a:p>
           <a:p>
-            <a:pPr lvl="0">
+            <a:pPr lvl="0" rtl="0">
               <a:spcBef>
                 <a:spcPts val="0"/>
               </a:spcBef>
@@ -1975,7 +2025,7 @@
         </p:nvSpPr>
         <p:spPr>
           <a:xfrm>
-            <a:off x="381000" y="685800"/>
+            <a:off x="381300" y="685800"/>
             <a:ext cx="6096000" cy="3429000"/>
           </a:xfrm>
           <a:custGeom>
@@ -2027,7 +2077,7 @@
         <p:spPr>
           <a:xfrm>
             <a:off x="685800" y="4343400"/>
-            <a:ext cx="5486399" cy="4114800"/>
+            <a:ext cx="5486400" cy="4114800"/>
           </a:xfrm>
           <a:prstGeom prst="rect">
             <a:avLst/>
@@ -2051,7 +2101,10 @@
               <a:buFont typeface="Arial"/>
               <a:buNone/>
             </a:pPr>
-            <a:endParaRPr sz="1100" b="0" i="0" u="none" strike="noStrike" cap="none"/>
+            <a:r>
+              <a:rPr lang="en"/>
+              <a:t>Image from https://image.slidesharecdn.com/css-boxmodel-130811120108-phpapp02/95/css-box-model-2-638.jpg?cb=1376222562</a:t>
+            </a:r>
           </a:p>
         </p:txBody>
       </p:sp>
@@ -2068,7 +2121,7 @@
   <p:cSld>
     <p:spTree>
       <p:nvGrpSpPr>
-        <p:cNvPr id="1" name="Shape 182"/>
+        <p:cNvPr id="1" name="Shape 184"/>
         <p:cNvGrpSpPr/>
         <p:nvPr/>
       </p:nvGrpSpPr>
@@ -2082,7 +2135,342 @@
       </p:grpSpPr>
       <p:sp>
         <p:nvSpPr>
-          <p:cNvPr id="183" name="Shape 183"/>
+          <p:cNvPr id="185" name="Shape 185"/>
+          <p:cNvSpPr>
+            <a:spLocks noGrp="1" noRot="1" noChangeAspect="1"/>
+          </p:cNvSpPr>
+          <p:nvPr>
+            <p:ph type="sldImg" idx="2"/>
+          </p:nvPr>
+        </p:nvSpPr>
+        <p:spPr>
+          <a:xfrm>
+            <a:off x="381000" y="685800"/>
+            <a:ext cx="6096000" cy="3429000"/>
+          </a:xfrm>
+          <a:custGeom>
+            <a:avLst/>
+            <a:gdLst/>
+            <a:ahLst/>
+            <a:cxnLst/>
+            <a:rect l="0" t="0" r="0" b="0"/>
+            <a:pathLst>
+              <a:path w="120000" h="120000" extrusionOk="0">
+                <a:moveTo>
+                  <a:pt x="0" y="0"/>
+                </a:moveTo>
+                <a:lnTo>
+                  <a:pt x="120000" y="0"/>
+                </a:lnTo>
+                <a:lnTo>
+                  <a:pt x="120000" y="120000"/>
+                </a:lnTo>
+                <a:lnTo>
+                  <a:pt x="0" y="120000"/>
+                </a:lnTo>
+                <a:close/>
+              </a:path>
+            </a:pathLst>
+          </a:custGeom>
+          <a:noFill/>
+          <a:ln w="9525" cap="flat" cmpd="sng">
+            <a:solidFill>
+              <a:srgbClr val="000000"/>
+            </a:solidFill>
+            <a:prstDash val="solid"/>
+            <a:round/>
+            <a:headEnd type="none" w="med" len="med"/>
+            <a:tailEnd type="none" w="med" len="med"/>
+          </a:ln>
+        </p:spPr>
+      </p:sp>
+      <p:sp>
+        <p:nvSpPr>
+          <p:cNvPr id="186" name="Shape 186"/>
+          <p:cNvSpPr txBox="1">
+            <a:spLocks noGrp="1"/>
+          </p:cNvSpPr>
+          <p:nvPr>
+            <p:ph type="body" idx="1"/>
+          </p:nvPr>
+        </p:nvSpPr>
+        <p:spPr>
+          <a:xfrm>
+            <a:off x="685800" y="4343400"/>
+            <a:ext cx="5486400" cy="4114800"/>
+          </a:xfrm>
+          <a:prstGeom prst="rect">
+            <a:avLst/>
+          </a:prstGeom>
+          <a:noFill/>
+          <a:ln>
+            <a:noFill/>
+          </a:ln>
+        </p:spPr>
+        <p:txBody>
+          <a:bodyPr lIns="91425" tIns="91425" rIns="91425" bIns="91425" anchor="t" anchorCtr="0">
+            <a:noAutofit/>
+          </a:bodyPr>
+          <a:lstStyle/>
+          <a:p>
+            <a:pPr marL="0" marR="0" lvl="0" indent="0" algn="l" rtl="0">
+              <a:spcBef>
+                <a:spcPts val="0"/>
+              </a:spcBef>
+              <a:buSzPct val="25000"/>
+              <a:buFont typeface="Arial"/>
+              <a:buNone/>
+            </a:pPr>
+            <a:endParaRPr sz="1100" b="0" i="0" u="none" strike="noStrike" cap="none"/>
+          </a:p>
+        </p:txBody>
+      </p:sp>
+    </p:spTree>
+  </p:cSld>
+  <p:clrMapOvr>
+    <a:masterClrMapping/>
+  </p:clrMapOvr>
+</p:notes>
+</file>
+
+<file path=ppt/notesSlides/notesSlide22.xml><?xml version="1.0" encoding="utf-8"?>
+<p:notes xmlns:a="http://schemas.openxmlformats.org/drawingml/2006/main" xmlns:r="http://schemas.openxmlformats.org/officeDocument/2006/relationships" xmlns:p="http://schemas.openxmlformats.org/presentationml/2006/main" showMasterSp="0" showMasterPhAnim="0">
+  <p:cSld>
+    <p:spTree>
+      <p:nvGrpSpPr>
+        <p:cNvPr id="1" name="Shape 190"/>
+        <p:cNvGrpSpPr/>
+        <p:nvPr/>
+      </p:nvGrpSpPr>
+      <p:grpSpPr>
+        <a:xfrm>
+          <a:off x="0" y="0"/>
+          <a:ext cx="0" cy="0"/>
+          <a:chOff x="0" y="0"/>
+          <a:chExt cx="0" cy="0"/>
+        </a:xfrm>
+      </p:grpSpPr>
+      <p:sp>
+        <p:nvSpPr>
+          <p:cNvPr id="191" name="Shape 191"/>
+          <p:cNvSpPr>
+            <a:spLocks noGrp="1" noRot="1" noChangeAspect="1"/>
+          </p:cNvSpPr>
+          <p:nvPr>
+            <p:ph type="sldImg" idx="2"/>
+          </p:nvPr>
+        </p:nvSpPr>
+        <p:spPr>
+          <a:xfrm>
+            <a:off x="381000" y="685800"/>
+            <a:ext cx="6096000" cy="3429000"/>
+          </a:xfrm>
+          <a:custGeom>
+            <a:avLst/>
+            <a:gdLst/>
+            <a:ahLst/>
+            <a:cxnLst/>
+            <a:rect l="0" t="0" r="0" b="0"/>
+            <a:pathLst>
+              <a:path w="120000" h="120000" extrusionOk="0">
+                <a:moveTo>
+                  <a:pt x="0" y="0"/>
+                </a:moveTo>
+                <a:lnTo>
+                  <a:pt x="120000" y="0"/>
+                </a:lnTo>
+                <a:lnTo>
+                  <a:pt x="120000" y="120000"/>
+                </a:lnTo>
+                <a:lnTo>
+                  <a:pt x="0" y="120000"/>
+                </a:lnTo>
+                <a:close/>
+              </a:path>
+            </a:pathLst>
+          </a:custGeom>
+          <a:noFill/>
+          <a:ln w="9525" cap="flat" cmpd="sng">
+            <a:solidFill>
+              <a:srgbClr val="000000"/>
+            </a:solidFill>
+            <a:prstDash val="solid"/>
+            <a:round/>
+            <a:headEnd type="none" w="med" len="med"/>
+            <a:tailEnd type="none" w="med" len="med"/>
+          </a:ln>
+        </p:spPr>
+      </p:sp>
+      <p:sp>
+        <p:nvSpPr>
+          <p:cNvPr id="192" name="Shape 192"/>
+          <p:cNvSpPr txBox="1">
+            <a:spLocks noGrp="1"/>
+          </p:cNvSpPr>
+          <p:nvPr>
+            <p:ph type="body" idx="1"/>
+          </p:nvPr>
+        </p:nvSpPr>
+        <p:spPr>
+          <a:xfrm>
+            <a:off x="685800" y="4343400"/>
+            <a:ext cx="5486400" cy="4114800"/>
+          </a:xfrm>
+          <a:prstGeom prst="rect">
+            <a:avLst/>
+          </a:prstGeom>
+          <a:noFill/>
+          <a:ln>
+            <a:noFill/>
+          </a:ln>
+        </p:spPr>
+        <p:txBody>
+          <a:bodyPr lIns="91425" tIns="91425" rIns="91425" bIns="91425" anchor="t" anchorCtr="0">
+            <a:noAutofit/>
+          </a:bodyPr>
+          <a:lstStyle/>
+          <a:p>
+            <a:pPr marL="0" marR="0" lvl="0" indent="0" algn="l" rtl="0">
+              <a:spcBef>
+                <a:spcPts val="0"/>
+              </a:spcBef>
+              <a:buSzPct val="25000"/>
+              <a:buFont typeface="Arial"/>
+              <a:buNone/>
+            </a:pPr>
+            <a:endParaRPr sz="1100" b="0" i="0" u="none" strike="noStrike" cap="none"/>
+          </a:p>
+        </p:txBody>
+      </p:sp>
+    </p:spTree>
+  </p:cSld>
+  <p:clrMapOvr>
+    <a:masterClrMapping/>
+  </p:clrMapOvr>
+</p:notes>
+</file>
+
+<file path=ppt/notesSlides/notesSlide23.xml><?xml version="1.0" encoding="utf-8"?>
+<p:notes xmlns:a="http://schemas.openxmlformats.org/drawingml/2006/main" xmlns:r="http://schemas.openxmlformats.org/officeDocument/2006/relationships" xmlns:p="http://schemas.openxmlformats.org/presentationml/2006/main" showMasterSp="0" showMasterPhAnim="0">
+  <p:cSld>
+    <p:spTree>
+      <p:nvGrpSpPr>
+        <p:cNvPr id="1" name="Shape 196"/>
+        <p:cNvGrpSpPr/>
+        <p:nvPr/>
+      </p:nvGrpSpPr>
+      <p:grpSpPr>
+        <a:xfrm>
+          <a:off x="0" y="0"/>
+          <a:ext cx="0" cy="0"/>
+          <a:chOff x="0" y="0"/>
+          <a:chExt cx="0" cy="0"/>
+        </a:xfrm>
+      </p:grpSpPr>
+      <p:sp>
+        <p:nvSpPr>
+          <p:cNvPr id="197" name="Shape 197"/>
+          <p:cNvSpPr>
+            <a:spLocks noGrp="1" noRot="1" noChangeAspect="1"/>
+          </p:cNvSpPr>
+          <p:nvPr>
+            <p:ph type="sldImg" idx="2"/>
+          </p:nvPr>
+        </p:nvSpPr>
+        <p:spPr>
+          <a:xfrm>
+            <a:off x="381300" y="685800"/>
+            <a:ext cx="6096000" cy="3429000"/>
+          </a:xfrm>
+          <a:custGeom>
+            <a:avLst/>
+            <a:gdLst/>
+            <a:ahLst/>
+            <a:cxnLst/>
+            <a:rect l="0" t="0" r="0" b="0"/>
+            <a:pathLst>
+              <a:path w="120000" h="120000" extrusionOk="0">
+                <a:moveTo>
+                  <a:pt x="0" y="0"/>
+                </a:moveTo>
+                <a:lnTo>
+                  <a:pt x="120000" y="0"/>
+                </a:lnTo>
+                <a:lnTo>
+                  <a:pt x="120000" y="120000"/>
+                </a:lnTo>
+                <a:lnTo>
+                  <a:pt x="0" y="120000"/>
+                </a:lnTo>
+                <a:close/>
+              </a:path>
+            </a:pathLst>
+          </a:custGeom>
+        </p:spPr>
+      </p:sp>
+      <p:sp>
+        <p:nvSpPr>
+          <p:cNvPr id="198" name="Shape 198"/>
+          <p:cNvSpPr txBox="1">
+            <a:spLocks noGrp="1"/>
+          </p:cNvSpPr>
+          <p:nvPr>
+            <p:ph type="body" idx="1"/>
+          </p:nvPr>
+        </p:nvSpPr>
+        <p:spPr>
+          <a:xfrm>
+            <a:off x="685800" y="4343400"/>
+            <a:ext cx="5486400" cy="4114800"/>
+          </a:xfrm>
+          <a:prstGeom prst="rect">
+            <a:avLst/>
+          </a:prstGeom>
+        </p:spPr>
+        <p:txBody>
+          <a:bodyPr lIns="91425" tIns="91425" rIns="91425" bIns="91425" anchor="t" anchorCtr="0">
+            <a:noAutofit/>
+          </a:bodyPr>
+          <a:lstStyle/>
+          <a:p>
+            <a:pPr lvl="0">
+              <a:spcBef>
+                <a:spcPts val="0"/>
+              </a:spcBef>
+              <a:buNone/>
+            </a:pPr>
+            <a:endParaRPr/>
+          </a:p>
+        </p:txBody>
+      </p:sp>
+    </p:spTree>
+  </p:cSld>
+  <p:clrMapOvr>
+    <a:masterClrMapping/>
+  </p:clrMapOvr>
+</p:notes>
+</file>
+
+<file path=ppt/notesSlides/notesSlide24.xml><?xml version="1.0" encoding="utf-8"?>
+<p:notes xmlns:a="http://schemas.openxmlformats.org/drawingml/2006/main" xmlns:r="http://schemas.openxmlformats.org/officeDocument/2006/relationships" xmlns:p="http://schemas.openxmlformats.org/presentationml/2006/main" showMasterSp="0" showMasterPhAnim="0">
+  <p:cSld>
+    <p:spTree>
+      <p:nvGrpSpPr>
+        <p:cNvPr id="1" name="Shape 202"/>
+        <p:cNvGrpSpPr/>
+        <p:nvPr/>
+      </p:nvGrpSpPr>
+      <p:grpSpPr>
+        <a:xfrm>
+          <a:off x="0" y="0"/>
+          <a:ext cx="0" cy="0"/>
+          <a:chOff x="0" y="0"/>
+          <a:chExt cx="0" cy="0"/>
+        </a:xfrm>
+      </p:grpSpPr>
+      <p:sp>
+        <p:nvSpPr>
+          <p:cNvPr id="203" name="Shape 203"/>
           <p:cNvSpPr>
             <a:spLocks noGrp="1" noRot="1" noChangeAspect="1"/>
           </p:cNvSpPr>
@@ -2133,234 +2521,7 @@
       </p:sp>
       <p:sp>
         <p:nvSpPr>
-          <p:cNvPr id="184" name="Shape 184"/>
-          <p:cNvSpPr txBox="1">
-            <a:spLocks noGrp="1"/>
-          </p:cNvSpPr>
-          <p:nvPr>
-            <p:ph type="body" idx="1"/>
-          </p:nvPr>
-        </p:nvSpPr>
-        <p:spPr>
-          <a:xfrm>
-            <a:off x="685800" y="4343400"/>
-            <a:ext cx="5486399" cy="4114800"/>
-          </a:xfrm>
-          <a:prstGeom prst="rect">
-            <a:avLst/>
-          </a:prstGeom>
-          <a:noFill/>
-          <a:ln>
-            <a:noFill/>
-          </a:ln>
-        </p:spPr>
-        <p:txBody>
-          <a:bodyPr lIns="91425" tIns="91425" rIns="91425" bIns="91425" anchor="t" anchorCtr="0">
-            <a:noAutofit/>
-          </a:bodyPr>
-          <a:lstStyle/>
-          <a:p>
-            <a:pPr marL="0" marR="0" lvl="0" indent="0" algn="l" rtl="0">
-              <a:spcBef>
-                <a:spcPts val="0"/>
-              </a:spcBef>
-              <a:buSzPct val="25000"/>
-              <a:buFont typeface="Arial"/>
-              <a:buNone/>
-            </a:pPr>
-            <a:r>
-              <a:rPr lang="en"/>
-              <a:t>Image from https://image.slidesharecdn.com/css-boxmodel-130811120108-phpapp02/95/css-box-model-2-638.jpg?cb=1376222562</a:t>
-            </a:r>
-          </a:p>
-        </p:txBody>
-      </p:sp>
-    </p:spTree>
-  </p:cSld>
-  <p:clrMapOvr>
-    <a:masterClrMapping/>
-  </p:clrMapOvr>
-</p:notes>
-</file>
-
-<file path=ppt/notesSlides/notesSlide22.xml><?xml version="1.0" encoding="utf-8"?>
-<p:notes xmlns:a="http://schemas.openxmlformats.org/drawingml/2006/main" xmlns:r="http://schemas.openxmlformats.org/officeDocument/2006/relationships" xmlns:p="http://schemas.openxmlformats.org/presentationml/2006/main" showMasterSp="0" showMasterPhAnim="0">
-  <p:cSld>
-    <p:spTree>
-      <p:nvGrpSpPr>
-        <p:cNvPr id="1" name="Shape 188"/>
-        <p:cNvGrpSpPr/>
-        <p:nvPr/>
-      </p:nvGrpSpPr>
-      <p:grpSpPr>
-        <a:xfrm>
-          <a:off x="0" y="0"/>
-          <a:ext cx="0" cy="0"/>
-          <a:chOff x="0" y="0"/>
-          <a:chExt cx="0" cy="0"/>
-        </a:xfrm>
-      </p:grpSpPr>
-      <p:sp>
-        <p:nvSpPr>
-          <p:cNvPr id="189" name="Shape 189"/>
-          <p:cNvSpPr>
-            <a:spLocks noGrp="1" noRot="1" noChangeAspect="1"/>
-          </p:cNvSpPr>
-          <p:nvPr>
-            <p:ph type="sldImg" idx="2"/>
-          </p:nvPr>
-        </p:nvSpPr>
-        <p:spPr>
-          <a:xfrm>
-            <a:off x="381000" y="685800"/>
-            <a:ext cx="6096000" cy="3429000"/>
-          </a:xfrm>
-          <a:custGeom>
-            <a:avLst/>
-            <a:gdLst/>
-            <a:ahLst/>
-            <a:cxnLst/>
-            <a:rect l="0" t="0" r="0" b="0"/>
-            <a:pathLst>
-              <a:path w="120000" h="120000" extrusionOk="0">
-                <a:moveTo>
-                  <a:pt x="0" y="0"/>
-                </a:moveTo>
-                <a:lnTo>
-                  <a:pt x="120000" y="0"/>
-                </a:lnTo>
-                <a:lnTo>
-                  <a:pt x="120000" y="120000"/>
-                </a:lnTo>
-                <a:lnTo>
-                  <a:pt x="0" y="120000"/>
-                </a:lnTo>
-                <a:close/>
-              </a:path>
-            </a:pathLst>
-          </a:custGeom>
-          <a:noFill/>
-          <a:ln w="9525" cap="flat" cmpd="sng">
-            <a:solidFill>
-              <a:srgbClr val="000000"/>
-            </a:solidFill>
-            <a:prstDash val="solid"/>
-            <a:round/>
-            <a:headEnd type="none" w="med" len="med"/>
-            <a:tailEnd type="none" w="med" len="med"/>
-          </a:ln>
-        </p:spPr>
-      </p:sp>
-      <p:sp>
-        <p:nvSpPr>
-          <p:cNvPr id="190" name="Shape 190"/>
-          <p:cNvSpPr txBox="1">
-            <a:spLocks noGrp="1"/>
-          </p:cNvSpPr>
-          <p:nvPr>
-            <p:ph type="body" idx="1"/>
-          </p:nvPr>
-        </p:nvSpPr>
-        <p:spPr>
-          <a:xfrm>
-            <a:off x="685800" y="4343400"/>
-            <a:ext cx="5486399" cy="4114800"/>
-          </a:xfrm>
-          <a:prstGeom prst="rect">
-            <a:avLst/>
-          </a:prstGeom>
-          <a:noFill/>
-          <a:ln>
-            <a:noFill/>
-          </a:ln>
-        </p:spPr>
-        <p:txBody>
-          <a:bodyPr lIns="91425" tIns="91425" rIns="91425" bIns="91425" anchor="t" anchorCtr="0">
-            <a:noAutofit/>
-          </a:bodyPr>
-          <a:lstStyle/>
-          <a:p>
-            <a:pPr marL="0" marR="0" lvl="0" indent="0" algn="l" rtl="0">
-              <a:spcBef>
-                <a:spcPts val="0"/>
-              </a:spcBef>
-              <a:buSzPct val="25000"/>
-              <a:buFont typeface="Arial"/>
-              <a:buNone/>
-            </a:pPr>
-            <a:endParaRPr sz="1100" b="0" i="0" u="none" strike="noStrike" cap="none"/>
-          </a:p>
-        </p:txBody>
-      </p:sp>
-    </p:spTree>
-  </p:cSld>
-  <p:clrMapOvr>
-    <a:masterClrMapping/>
-  </p:clrMapOvr>
-</p:notes>
-</file>
-
-<file path=ppt/notesSlides/notesSlide23.xml><?xml version="1.0" encoding="utf-8"?>
-<p:notes xmlns:a="http://schemas.openxmlformats.org/drawingml/2006/main" xmlns:r="http://schemas.openxmlformats.org/officeDocument/2006/relationships" xmlns:p="http://schemas.openxmlformats.org/presentationml/2006/main" showMasterSp="0" showMasterPhAnim="0">
-  <p:cSld>
-    <p:spTree>
-      <p:nvGrpSpPr>
-        <p:cNvPr id="1" name="Shape 194"/>
-        <p:cNvGrpSpPr/>
-        <p:nvPr/>
-      </p:nvGrpSpPr>
-      <p:grpSpPr>
-        <a:xfrm>
-          <a:off x="0" y="0"/>
-          <a:ext cx="0" cy="0"/>
-          <a:chOff x="0" y="0"/>
-          <a:chExt cx="0" cy="0"/>
-        </a:xfrm>
-      </p:grpSpPr>
-      <p:sp>
-        <p:nvSpPr>
-          <p:cNvPr id="195" name="Shape 195"/>
-          <p:cNvSpPr>
-            <a:spLocks noGrp="1" noRot="1" noChangeAspect="1"/>
-          </p:cNvSpPr>
-          <p:nvPr>
-            <p:ph type="sldImg" idx="2"/>
-          </p:nvPr>
-        </p:nvSpPr>
-        <p:spPr>
-          <a:xfrm>
-            <a:off x="381300" y="685800"/>
-            <a:ext cx="6096000" cy="3429000"/>
-          </a:xfrm>
-          <a:custGeom>
-            <a:avLst/>
-            <a:gdLst/>
-            <a:ahLst/>
-            <a:cxnLst/>
-            <a:rect l="0" t="0" r="0" b="0"/>
-            <a:pathLst>
-              <a:path w="120000" h="120000" extrusionOk="0">
-                <a:moveTo>
-                  <a:pt x="0" y="0"/>
-                </a:moveTo>
-                <a:lnTo>
-                  <a:pt x="120000" y="0"/>
-                </a:lnTo>
-                <a:lnTo>
-                  <a:pt x="120000" y="120000"/>
-                </a:lnTo>
-                <a:lnTo>
-                  <a:pt x="0" y="120000"/>
-                </a:lnTo>
-                <a:close/>
-              </a:path>
-            </a:pathLst>
-          </a:custGeom>
-        </p:spPr>
-      </p:sp>
-      <p:sp>
-        <p:nvSpPr>
-          <p:cNvPr id="196" name="Shape 196"/>
+          <p:cNvPr id="204" name="Shape 204"/>
           <p:cNvSpPr txBox="1">
             <a:spLocks noGrp="1"/>
           </p:cNvSpPr>
@@ -2372,117 +2533,6 @@
           <a:xfrm>
             <a:off x="685800" y="4343400"/>
             <a:ext cx="5486400" cy="4114800"/>
-          </a:xfrm>
-          <a:prstGeom prst="rect">
-            <a:avLst/>
-          </a:prstGeom>
-        </p:spPr>
-        <p:txBody>
-          <a:bodyPr lIns="91425" tIns="91425" rIns="91425" bIns="91425" anchor="t" anchorCtr="0">
-            <a:noAutofit/>
-          </a:bodyPr>
-          <a:lstStyle/>
-          <a:p>
-            <a:pPr lvl="0">
-              <a:spcBef>
-                <a:spcPts val="0"/>
-              </a:spcBef>
-              <a:buNone/>
-            </a:pPr>
-            <a:endParaRPr/>
-          </a:p>
-        </p:txBody>
-      </p:sp>
-    </p:spTree>
-  </p:cSld>
-  <p:clrMapOvr>
-    <a:masterClrMapping/>
-  </p:clrMapOvr>
-</p:notes>
-</file>
-
-<file path=ppt/notesSlides/notesSlide24.xml><?xml version="1.0" encoding="utf-8"?>
-<p:notes xmlns:a="http://schemas.openxmlformats.org/drawingml/2006/main" xmlns:r="http://schemas.openxmlformats.org/officeDocument/2006/relationships" xmlns:p="http://schemas.openxmlformats.org/presentationml/2006/main" showMasterSp="0" showMasterPhAnim="0">
-  <p:cSld>
-    <p:spTree>
-      <p:nvGrpSpPr>
-        <p:cNvPr id="1" name="Shape 200"/>
-        <p:cNvGrpSpPr/>
-        <p:nvPr/>
-      </p:nvGrpSpPr>
-      <p:grpSpPr>
-        <a:xfrm>
-          <a:off x="0" y="0"/>
-          <a:ext cx="0" cy="0"/>
-          <a:chOff x="0" y="0"/>
-          <a:chExt cx="0" cy="0"/>
-        </a:xfrm>
-      </p:grpSpPr>
-      <p:sp>
-        <p:nvSpPr>
-          <p:cNvPr id="201" name="Shape 201"/>
-          <p:cNvSpPr>
-            <a:spLocks noGrp="1" noRot="1" noChangeAspect="1"/>
-          </p:cNvSpPr>
-          <p:nvPr>
-            <p:ph type="sldImg" idx="2"/>
-          </p:nvPr>
-        </p:nvSpPr>
-        <p:spPr>
-          <a:xfrm>
-            <a:off x="381300" y="685800"/>
-            <a:ext cx="6096000" cy="3429000"/>
-          </a:xfrm>
-          <a:custGeom>
-            <a:avLst/>
-            <a:gdLst/>
-            <a:ahLst/>
-            <a:cxnLst/>
-            <a:rect l="0" t="0" r="0" b="0"/>
-            <a:pathLst>
-              <a:path w="120000" h="120000" extrusionOk="0">
-                <a:moveTo>
-                  <a:pt x="0" y="0"/>
-                </a:moveTo>
-                <a:lnTo>
-                  <a:pt x="120000" y="0"/>
-                </a:lnTo>
-                <a:lnTo>
-                  <a:pt x="120000" y="120000"/>
-                </a:lnTo>
-                <a:lnTo>
-                  <a:pt x="0" y="120000"/>
-                </a:lnTo>
-                <a:close/>
-              </a:path>
-            </a:pathLst>
-          </a:custGeom>
-          <a:noFill/>
-          <a:ln w="9525" cap="flat" cmpd="sng">
-            <a:solidFill>
-              <a:srgbClr val="000000"/>
-            </a:solidFill>
-            <a:prstDash val="solid"/>
-            <a:round/>
-            <a:headEnd type="none" w="med" len="med"/>
-            <a:tailEnd type="none" w="med" len="med"/>
-          </a:ln>
-        </p:spPr>
-      </p:sp>
-      <p:sp>
-        <p:nvSpPr>
-          <p:cNvPr id="202" name="Shape 202"/>
-          <p:cNvSpPr txBox="1">
-            <a:spLocks noGrp="1"/>
-          </p:cNvSpPr>
-          <p:nvPr>
-            <p:ph type="body" idx="1"/>
-          </p:nvPr>
-        </p:nvSpPr>
-        <p:spPr>
-          <a:xfrm>
-            <a:off x="685800" y="4343400"/>
-            <a:ext cx="5486399" cy="4114800"/>
           </a:xfrm>
           <a:prstGeom prst="rect">
             <a:avLst/>
@@ -2601,7 +2651,7 @@
           </a:bodyPr>
           <a:lstStyle/>
           <a:p>
-            <a:pPr lvl="0">
+            <a:pPr lvl="0" rtl="0">
               <a:spcBef>
                 <a:spcPts val="0"/>
               </a:spcBef>
@@ -2651,7 +2701,7 @@
         </p:nvSpPr>
         <p:spPr>
           <a:xfrm>
-            <a:off x="381000" y="685800"/>
+            <a:off x="381300" y="685800"/>
             <a:ext cx="6096000" cy="3429000"/>
           </a:xfrm>
           <a:custGeom>
@@ -2804,7 +2854,7 @@
         <p:spPr>
           <a:xfrm>
             <a:off x="685800" y="4343400"/>
-            <a:ext cx="5486399" cy="4114800"/>
+            <a:ext cx="5486400" cy="4114800"/>
           </a:xfrm>
           <a:prstGeom prst="rect">
             <a:avLst/>
@@ -2923,7 +2973,7 @@
           </a:bodyPr>
           <a:lstStyle/>
           <a:p>
-            <a:pPr lvl="0">
+            <a:pPr lvl="0" rtl="0">
               <a:spcBef>
                 <a:spcPts val="0"/>
               </a:spcBef>
@@ -3025,7 +3075,7 @@
         <p:spPr>
           <a:xfrm>
             <a:off x="685800" y="4343400"/>
-            <a:ext cx="5486399" cy="4114800"/>
+            <a:ext cx="5486400" cy="4114800"/>
           </a:xfrm>
           <a:prstGeom prst="rect">
             <a:avLst/>
@@ -3142,7 +3192,7 @@
         <p:spPr>
           <a:xfrm>
             <a:off x="685800" y="4343400"/>
-            <a:ext cx="5486399" cy="4114800"/>
+            <a:ext cx="5486400" cy="4114800"/>
           </a:xfrm>
           <a:prstGeom prst="rect">
             <a:avLst/>
@@ -3261,7 +3311,7 @@
           </a:bodyPr>
           <a:lstStyle/>
           <a:p>
-            <a:pPr lvl="0">
+            <a:pPr lvl="0" rtl="0">
               <a:spcBef>
                 <a:spcPts val="0"/>
               </a:spcBef>
@@ -3269,7 +3319,19 @@
             </a:pPr>
             <a:r>
               <a:rPr lang="en"/>
-              <a:t>Can anyone guess what the “alt” attribute does?</a:t>
+              <a:t>The img tag is an example of a self-closing tag!</a:t>
+            </a:r>
+          </a:p>
+          <a:p>
+            <a:pPr lvl="0" rtl="0">
+              <a:spcBef>
+                <a:spcPts val="0"/>
+              </a:spcBef>
+              <a:buNone/>
+            </a:pPr>
+            <a:r>
+              <a:rPr lang="en"/>
+              <a:t>The alt attribute is very important and is required. Can anyone guess what the “alt” attribute does?</a:t>
             </a:r>
           </a:p>
         </p:txBody>
@@ -10024,7 +10086,7 @@
           </a:bodyPr>
           <a:lstStyle/>
           <a:p>
-            <a:pPr lvl="0">
+            <a:pPr lvl="0" rtl="0">
               <a:spcBef>
                 <a:spcPts val="0"/>
               </a:spcBef>
@@ -10037,7 +10099,7 @@
             </a:pPr>
             <a:r>
               <a:rPr lang="en"/>
-              <a:t>HTML5 &amp; CSS3</a:t>
+              <a:t>HTML &amp; CSS</a:t>
             </a:r>
           </a:p>
         </p:txBody>
@@ -10080,7 +10142,7 @@
         <p:spPr>
           <a:xfrm>
             <a:off x="311700" y="445025"/>
-            <a:ext cx="8520599" cy="707399"/>
+            <a:ext cx="8520600" cy="707400"/>
           </a:xfrm>
           <a:prstGeom prst="rect">
             <a:avLst/>
@@ -10141,7 +10203,7 @@
         <p:spPr>
           <a:xfrm>
             <a:off x="311700" y="1266325"/>
-            <a:ext cx="8520599" cy="3302700"/>
+            <a:ext cx="8520600" cy="3302700"/>
           </a:xfrm>
           <a:prstGeom prst="rect">
             <a:avLst/>
@@ -10175,32 +10237,8 @@
               <a:buNone/>
             </a:pPr>
             <a:r>
-              <a:rPr lang="en" sz="1800" b="0" i="0" u="none" strike="noStrike" cap="none">
-                <a:solidFill>
-                  <a:schemeClr val="dk2"/>
-                </a:solidFill>
-                <a:latin typeface="Open Sans"/>
-                <a:ea typeface="Open Sans"/>
-                <a:cs typeface="Open Sans"/>
-                <a:sym typeface="Open Sans"/>
-              </a:rPr>
-              <a:t>Display</a:t>
-            </a:r>
-            <a:r>
               <a:rPr lang="en"/>
-              <a:t>s</a:t>
-            </a:r>
-            <a:r>
-              <a:rPr lang="en" sz="1800" b="0" i="0" u="none" strike="noStrike" cap="none">
-                <a:solidFill>
-                  <a:schemeClr val="dk2"/>
-                </a:solidFill>
-                <a:latin typeface="Open Sans"/>
-                <a:ea typeface="Open Sans"/>
-                <a:cs typeface="Open Sans"/>
-                <a:sym typeface="Open Sans"/>
-              </a:rPr>
-              <a:t> content in a grid format</a:t>
+              <a:t>Used for displaying tabular data</a:t>
             </a:r>
           </a:p>
           <a:p>
@@ -10364,7 +10402,7 @@
         <p:spPr>
           <a:xfrm>
             <a:off x="311700" y="445025"/>
-            <a:ext cx="8520599" cy="707399"/>
+            <a:ext cx="8520600" cy="707400"/>
           </a:xfrm>
           <a:prstGeom prst="rect">
             <a:avLst/>
@@ -10425,7 +10463,7 @@
         <p:spPr>
           <a:xfrm>
             <a:off x="311700" y="1266325"/>
-            <a:ext cx="8520599" cy="3302700"/>
+            <a:ext cx="8520600" cy="3302700"/>
           </a:xfrm>
           <a:prstGeom prst="rect">
             <a:avLst/>
@@ -10613,7 +10651,7 @@
             </a:r>
             <a:r>
               <a:rPr lang="en" sz="1400"/>
-              <a:t>P</a:t>
+              <a:t>-p</a:t>
             </a:r>
             <a:r>
               <a:rPr lang="en" sz="1400" b="0" i="0" u="none" strike="noStrike" cap="none">
@@ -10923,7 +10961,7 @@
           </a:bodyPr>
           <a:lstStyle/>
           <a:p>
-            <a:pPr lvl="0">
+            <a:pPr lvl="0" rtl="0">
               <a:spcBef>
                 <a:spcPts val="0"/>
               </a:spcBef>
@@ -10931,7 +10969,7 @@
             </a:pPr>
             <a:r>
               <a:rPr lang="en"/>
-              <a:t>Enough HTML…. Let’s learn CSS!</a:t>
+              <a:t>Enough HTML... Let’s learn CSS!</a:t>
             </a:r>
           </a:p>
         </p:txBody>
@@ -10961,7 +10999,7 @@
           </a:bodyPr>
           <a:lstStyle/>
           <a:p>
-            <a:pPr lvl="0">
+            <a:pPr lvl="0" rtl="0">
               <a:spcBef>
                 <a:spcPts val="0"/>
               </a:spcBef>
@@ -11012,7 +11050,7 @@
         <p:spPr>
           <a:xfrm>
             <a:off x="311700" y="445025"/>
-            <a:ext cx="8520599" cy="707399"/>
+            <a:ext cx="8520600" cy="707400"/>
           </a:xfrm>
           <a:prstGeom prst="rect">
             <a:avLst/>
@@ -11077,7 +11115,7 @@
         <p:spPr>
           <a:xfrm>
             <a:off x="311700" y="1266325"/>
-            <a:ext cx="8520599" cy="3302700"/>
+            <a:ext cx="8520600" cy="3302700"/>
           </a:xfrm>
           <a:prstGeom prst="rect">
             <a:avLst/>
@@ -11157,7 +11195,7 @@
           <a:p>
             <a:pPr marL="0" marR="0" lvl="0" indent="0" algn="l" rtl="0">
               <a:lnSpc>
-                <a:spcPct val="115000"/>
+                <a:spcPct val="100000"/>
               </a:lnSpc>
               <a:spcBef>
                 <a:spcPts val="1600"/>
@@ -11173,7 +11211,11 @@
               <a:buNone/>
             </a:pPr>
             <a:r>
-              <a:rPr lang="en" dirty="0"/>
+              <a:rPr lang="en" dirty="0">
+                <a:solidFill>
+                  <a:schemeClr val="accent4"/>
+                </a:solidFill>
+              </a:rPr>
               <a:t>Can be defined in an HTML document inside a &lt;style&gt; tag inside the &lt;head&gt;:</a:t>
             </a:r>
           </a:p>
@@ -11220,38 +11262,30 @@
             </a:pPr>
             <a:r>
               <a:rPr lang="en" sz="1400" dirty="0"/>
-              <a:t>     &lt;style&gt;			</a:t>
-            </a:r>
-            <a:r>
-              <a:rPr lang="en" sz="1400" dirty="0" smtClean="0"/>
-              <a:t>&lt;!-- </a:t>
-            </a:r>
+              <a:t>     &lt;style&gt;				&lt;!-- CSS goes inside this tag --&gt;</a:t>
+            </a:r>
+          </a:p>
+          <a:p>
+            <a:pPr marL="457200" marR="0" lvl="0" indent="0" algn="l" rtl="0">
+              <a:lnSpc>
+                <a:spcPct val="100000"/>
+              </a:lnSpc>
+              <a:spcBef>
+                <a:spcPts val="0"/>
+              </a:spcBef>
+              <a:spcAft>
+                <a:spcPts val="0"/>
+              </a:spcAft>
+              <a:buClr>
+                <a:schemeClr val="dk2"/>
+              </a:buClr>
+              <a:buSzPct val="25000"/>
+              <a:buFont typeface="Open Sans"/>
+              <a:buNone/>
+            </a:pPr>
             <a:r>
               <a:rPr lang="en" sz="1400" dirty="0"/>
-              <a:t>CSS goes inside this tag --&gt;</a:t>
-            </a:r>
-          </a:p>
-          <a:p>
-            <a:pPr marL="457200" marR="0" lvl="0" indent="0" algn="l" rtl="0">
-              <a:lnSpc>
-                <a:spcPct val="100000"/>
-              </a:lnSpc>
-              <a:spcBef>
-                <a:spcPts val="0"/>
-              </a:spcBef>
-              <a:spcAft>
-                <a:spcPts val="0"/>
-              </a:spcAft>
-              <a:buClr>
-                <a:schemeClr val="dk2"/>
-              </a:buClr>
-              <a:buSzPct val="25000"/>
-              <a:buFont typeface="Open Sans"/>
-              <a:buNone/>
-            </a:pPr>
-            <a:r>
-              <a:rPr lang="en" sz="1400" dirty="0"/>
-              <a:t>          #my_div</a:t>
+              <a:t>          #my-div</a:t>
             </a:r>
             <a:r>
               <a:rPr lang="en" sz="1400" b="0" i="0" u="none" strike="noStrike" cap="none" dirty="0">
@@ -11437,7 +11471,11 @@
               <a:buNone/>
             </a:pPr>
             <a:r>
-              <a:rPr lang="en" dirty="0"/>
+              <a:rPr lang="en" dirty="0">
+                <a:solidFill>
+                  <a:srgbClr val="980000"/>
+                </a:solidFill>
+              </a:rPr>
               <a:t>Or it can be defined in-line with the HTML:</a:t>
             </a:r>
           </a:p>
@@ -11462,7 +11500,7 @@
           <a:p>
             <a:pPr marL="0" marR="0" lvl="0" indent="0" algn="l" rtl="0">
               <a:lnSpc>
-                <a:spcPct val="115000"/>
+                <a:spcPct val="100000"/>
               </a:lnSpc>
               <a:spcBef>
                 <a:spcPts val="1000"/>
@@ -11478,14 +11516,18 @@
               <a:buNone/>
             </a:pPr>
             <a:r>
-              <a:rPr lang="en" dirty="0"/>
+              <a:rPr lang="en" dirty="0">
+                <a:solidFill>
+                  <a:schemeClr val="accent2"/>
+                </a:solidFill>
+              </a:rPr>
               <a:t>Or it can even be pulled into an HTML document from a file externally:</a:t>
             </a:r>
           </a:p>
           <a:p>
             <a:pPr marL="457200" marR="0" lvl="0" indent="-317500" algn="l" rtl="0">
               <a:lnSpc>
-                <a:spcPct val="115000"/>
+                <a:spcPct val="100000"/>
               </a:lnSpc>
               <a:spcBef>
                 <a:spcPts val="0"/>
@@ -11516,7 +11558,7 @@
           <a:p>
             <a:pPr marL="457200" marR="0" lvl="0" indent="0" algn="l" rtl="0">
               <a:lnSpc>
-                <a:spcPct val="115000"/>
+                <a:spcPct val="100000"/>
               </a:lnSpc>
               <a:spcBef>
                 <a:spcPts val="1600"/>
@@ -11581,7 +11623,7 @@
         <p:spPr>
           <a:xfrm>
             <a:off x="311700" y="445025"/>
-            <a:ext cx="8520599" cy="707399"/>
+            <a:ext cx="8520600" cy="707400"/>
           </a:xfrm>
           <a:prstGeom prst="rect">
             <a:avLst/>
@@ -11642,7 +11684,7 @@
         <p:spPr>
           <a:xfrm>
             <a:off x="311700" y="1266325"/>
-            <a:ext cx="8520599" cy="3302700"/>
+            <a:ext cx="8520600" cy="3302700"/>
           </a:xfrm>
           <a:prstGeom prst="rect">
             <a:avLst/>
@@ -11658,13 +11700,10 @@
           </a:bodyPr>
           <a:lstStyle/>
           <a:p>
-            <a:pPr marL="228600" marR="0" lvl="0" indent="-228600" algn="l" rtl="0">
-              <a:lnSpc>
-                <a:spcPct val="100000"/>
-              </a:lnSpc>
-              <a:spcBef>
-                <a:spcPts val="0"/>
-              </a:spcBef>
+            <a:pPr marL="0" marR="0" lvl="0" indent="0" algn="l" rtl="0">
+              <a:lnSpc>
+                <a:spcPct val="120000"/>
+              </a:lnSpc>
               <a:spcAft>
                 <a:spcPts val="0"/>
               </a:spcAft>
@@ -11677,42 +11716,14 @@
             </a:pPr>
             <a:r>
               <a:rPr lang="en" dirty="0"/>
-              <a:t>In order to use CSS to style elements, you have to be able to select which elements you want your styling to apply </a:t>
-            </a:r>
-            <a:r>
-              <a:rPr lang="en" dirty="0" smtClean="0"/>
-              <a:t>to</a:t>
-            </a:r>
-            <a:endParaRPr lang="en-US" dirty="0" smtClean="0"/>
-          </a:p>
-          <a:p>
-            <a:pPr marL="228600" marR="0" lvl="0" indent="-228600" algn="l" rtl="0">
-              <a:lnSpc>
-                <a:spcPct val="100000"/>
-              </a:lnSpc>
-              <a:spcBef>
-                <a:spcPts val="0"/>
-              </a:spcBef>
-              <a:spcAft>
-                <a:spcPts val="0"/>
-              </a:spcAft>
-              <a:buClr>
-                <a:schemeClr val="dk2"/>
-              </a:buClr>
-              <a:buSzPct val="25000"/>
-              <a:buFont typeface="Open Sans"/>
-              <a:buNone/>
-            </a:pPr>
-            <a:endParaRPr lang="en" dirty="0"/>
-          </a:p>
-          <a:p>
-            <a:pPr marL="228600" marR="0" lvl="0" indent="-228600" algn="l" rtl="0">
-              <a:lnSpc>
-                <a:spcPct val="100000"/>
-              </a:lnSpc>
-              <a:spcBef>
-                <a:spcPts val="0"/>
-              </a:spcBef>
+              <a:t>In order to use CSS to style elements, you have to be able to select which elements you want your styling to apply to</a:t>
+            </a:r>
+          </a:p>
+          <a:p>
+            <a:pPr marL="457200" marR="0" lvl="0" indent="-317500" algn="l" rtl="0">
+              <a:lnSpc>
+                <a:spcPct val="120000"/>
+              </a:lnSpc>
               <a:spcAft>
                 <a:spcPts val="0"/>
               </a:spcAft>
@@ -11733,10 +11744,30 @@
                 <a:cs typeface="Open Sans"/>
                 <a:sym typeface="Open Sans"/>
               </a:rPr>
-              <a:t>Universal selector: * </a:t>
-            </a:r>
-            <a:r>
-              <a:rPr lang="en" sz="1400" b="0" i="0" u="none" strike="noStrike" cap="none" dirty="0" smtClean="0">
+              <a:t>Universal selector: * {}</a:t>
+            </a:r>
+          </a:p>
+          <a:p>
+            <a:pPr marL="457200" marR="0" lvl="0" indent="-317500" algn="l" rtl="0">
+              <a:lnSpc>
+                <a:spcPct val="120000"/>
+              </a:lnSpc>
+              <a:spcAft>
+                <a:spcPts val="0"/>
+              </a:spcAft>
+              <a:buClr>
+                <a:schemeClr val="dk2"/>
+              </a:buClr>
+              <a:buSzPct val="100000"/>
+              <a:buFont typeface="Open Sans"/>
+              <a:buChar char="●"/>
+            </a:pPr>
+            <a:r>
+              <a:rPr lang="en" sz="1400" dirty="0"/>
+              <a:t>Tag/element</a:t>
+            </a:r>
+            <a:r>
+              <a:rPr lang="en" sz="1400" b="0" i="0" u="none" strike="noStrike" cap="none" dirty="0">
                 <a:solidFill>
                   <a:schemeClr val="dk2"/>
                 </a:solidFill>
@@ -11745,26 +11776,14 @@
                 <a:cs typeface="Open Sans"/>
                 <a:sym typeface="Open Sans"/>
               </a:rPr>
-              <a:t>{}</a:t>
-            </a:r>
-            <a:endParaRPr lang="en-US" sz="1400" b="0" i="0" u="none" strike="noStrike" cap="none" dirty="0" smtClean="0">
-              <a:solidFill>
-                <a:schemeClr val="dk2"/>
-              </a:solidFill>
-              <a:latin typeface="Open Sans"/>
-              <a:ea typeface="Open Sans"/>
-              <a:cs typeface="Open Sans"/>
-              <a:sym typeface="Open Sans"/>
-            </a:endParaRPr>
-          </a:p>
-          <a:p>
-            <a:pPr marL="228600" marR="0" lvl="0" indent="-228600" algn="l" rtl="0">
-              <a:lnSpc>
-                <a:spcPct val="100000"/>
-              </a:lnSpc>
-              <a:spcBef>
-                <a:spcPts val="0"/>
-              </a:spcBef>
+              <a:t> selector: h1, h2, h3 {}</a:t>
+            </a:r>
+          </a:p>
+          <a:p>
+            <a:pPr marL="457200" marR="0" lvl="0" indent="-317500" algn="l" rtl="0">
+              <a:lnSpc>
+                <a:spcPct val="120000"/>
+              </a:lnSpc>
               <a:spcAft>
                 <a:spcPts val="0"/>
               </a:spcAft>
@@ -11776,7 +11795,7 @@
               <a:buChar char="●"/>
             </a:pPr>
             <a:r>
-              <a:rPr lang="en" sz="1400" b="0" i="0" u="none" strike="noStrike" cap="none" dirty="0" smtClean="0">
+              <a:rPr lang="en" sz="1400" b="0" i="0" u="none" strike="noStrike" cap="none" dirty="0">
                 <a:solidFill>
                   <a:schemeClr val="dk2"/>
                 </a:solidFill>
@@ -11785,8 +11804,24 @@
                 <a:cs typeface="Open Sans"/>
                 <a:sym typeface="Open Sans"/>
               </a:rPr>
-              <a:t>Type </a:t>
-            </a:r>
+              <a:t>Class selector: .note {}, p.note {}</a:t>
+            </a:r>
+          </a:p>
+          <a:p>
+            <a:pPr marL="457200" marR="0" lvl="0" indent="-317500" algn="l" rtl="0">
+              <a:lnSpc>
+                <a:spcPct val="120000"/>
+              </a:lnSpc>
+              <a:spcAft>
+                <a:spcPts val="0"/>
+              </a:spcAft>
+              <a:buClr>
+                <a:schemeClr val="dk2"/>
+              </a:buClr>
+              <a:buSzPct val="100000"/>
+              <a:buFont typeface="Open Sans"/>
+              <a:buChar char="●"/>
+            </a:pPr>
             <a:r>
               <a:rPr lang="en" sz="1400" b="0" i="0" u="none" strike="noStrike" cap="none" dirty="0">
                 <a:solidFill>
@@ -11797,10 +11832,26 @@
                 <a:cs typeface="Open Sans"/>
                 <a:sym typeface="Open Sans"/>
               </a:rPr>
-              <a:t>selector: h1, h2, h3 </a:t>
-            </a:r>
-            <a:r>
-              <a:rPr lang="en" sz="1400" b="0" i="0" u="none" strike="noStrike" cap="none" dirty="0" smtClean="0">
+              <a:t>ID selector: #intro {}</a:t>
+            </a:r>
+          </a:p>
+          <a:p>
+            <a:pPr marL="457200" marR="0" lvl="0" indent="-317500" algn="l" rtl="0">
+              <a:lnSpc>
+                <a:spcPct val="120000"/>
+              </a:lnSpc>
+              <a:spcAft>
+                <a:spcPts val="0"/>
+              </a:spcAft>
+              <a:buClr>
+                <a:schemeClr val="dk2"/>
+              </a:buClr>
+              <a:buSzPct val="100000"/>
+              <a:buFont typeface="Open Sans"/>
+              <a:buChar char="●"/>
+            </a:pPr>
+            <a:r>
+              <a:rPr lang="en" sz="1400" b="0" i="0" u="none" strike="noStrike" cap="none" dirty="0">
                 <a:solidFill>
                   <a:schemeClr val="dk2"/>
                 </a:solidFill>
@@ -11809,30 +11860,25 @@
                 <a:cs typeface="Open Sans"/>
                 <a:sym typeface="Open Sans"/>
               </a:rPr>
-              <a:t>{}</a:t>
-            </a:r>
-            <a:endParaRPr lang="en-US" sz="1400" dirty="0"/>
-          </a:p>
-          <a:p>
-            <a:pPr marL="228600" marR="0" lvl="0" indent="-228600" algn="l" rtl="0">
-              <a:lnSpc>
-                <a:spcPct val="100000"/>
-              </a:lnSpc>
-              <a:spcBef>
-                <a:spcPts val="0"/>
-              </a:spcBef>
-              <a:spcAft>
-                <a:spcPts val="0"/>
-              </a:spcAft>
-              <a:buClr>
-                <a:schemeClr val="dk2"/>
-              </a:buClr>
-              <a:buSzPct val="100000"/>
-              <a:buFont typeface="Open Sans"/>
-              <a:buChar char="●"/>
-            </a:pPr>
-            <a:r>
-              <a:rPr lang="en" sz="1400" b="0" i="0" u="none" strike="noStrike" cap="none" dirty="0" smtClean="0">
+              <a:t>Child selector: li&gt;a {}</a:t>
+            </a:r>
+          </a:p>
+          <a:p>
+            <a:pPr marL="914400" marR="0" lvl="1" indent="-228600" algn="l" rtl="0">
+              <a:lnSpc>
+                <a:spcPct val="120000"/>
+              </a:lnSpc>
+              <a:spcAft>
+                <a:spcPts val="0"/>
+              </a:spcAft>
+              <a:buClr>
+                <a:schemeClr val="dk2"/>
+              </a:buClr>
+              <a:buFont typeface="Open Sans"/>
+              <a:buChar char="○"/>
+            </a:pPr>
+            <a:r>
+              <a:rPr lang="en" b="0" i="0" u="none" strike="noStrike" cap="none" dirty="0">
                 <a:solidFill>
                   <a:schemeClr val="dk2"/>
                 </a:solidFill>
@@ -11841,205 +11887,7 @@
                 <a:cs typeface="Open Sans"/>
                 <a:sym typeface="Open Sans"/>
               </a:rPr>
-              <a:t>Class </a:t>
-            </a:r>
-            <a:r>
-              <a:rPr lang="en" sz="1400" b="0" i="0" u="none" strike="noStrike" cap="none" dirty="0">
-                <a:solidFill>
-                  <a:schemeClr val="dk2"/>
-                </a:solidFill>
-                <a:latin typeface="Open Sans"/>
-                <a:ea typeface="Open Sans"/>
-                <a:cs typeface="Open Sans"/>
-                <a:sym typeface="Open Sans"/>
-              </a:rPr>
-              <a:t>selector: .note {}, p.note </a:t>
-            </a:r>
-            <a:r>
-              <a:rPr lang="en" sz="1400" b="0" i="0" u="none" strike="noStrike" cap="none" dirty="0" smtClean="0">
-                <a:solidFill>
-                  <a:schemeClr val="dk2"/>
-                </a:solidFill>
-                <a:latin typeface="Open Sans"/>
-                <a:ea typeface="Open Sans"/>
-                <a:cs typeface="Open Sans"/>
-                <a:sym typeface="Open Sans"/>
-              </a:rPr>
-              <a:t>{}</a:t>
-            </a:r>
-            <a:endParaRPr lang="en-US" sz="1400" b="0" i="0" u="none" strike="noStrike" cap="none" dirty="0" smtClean="0">
-              <a:solidFill>
-                <a:schemeClr val="dk2"/>
-              </a:solidFill>
-              <a:latin typeface="Open Sans"/>
-              <a:ea typeface="Open Sans"/>
-              <a:cs typeface="Open Sans"/>
-              <a:sym typeface="Open Sans"/>
-            </a:endParaRPr>
-          </a:p>
-          <a:p>
-            <a:pPr marL="228600" marR="0" lvl="0" indent="-228600" algn="l" rtl="0">
-              <a:lnSpc>
-                <a:spcPct val="100000"/>
-              </a:lnSpc>
-              <a:spcBef>
-                <a:spcPts val="0"/>
-              </a:spcBef>
-              <a:spcAft>
-                <a:spcPts val="0"/>
-              </a:spcAft>
-              <a:buClr>
-                <a:schemeClr val="dk2"/>
-              </a:buClr>
-              <a:buSzPct val="100000"/>
-              <a:buFont typeface="Open Sans"/>
-              <a:buChar char="●"/>
-            </a:pPr>
-            <a:r>
-              <a:rPr lang="en" sz="1400" b="0" i="0" u="none" strike="noStrike" cap="none" dirty="0" smtClean="0">
-                <a:solidFill>
-                  <a:schemeClr val="dk2"/>
-                </a:solidFill>
-                <a:latin typeface="Open Sans"/>
-                <a:ea typeface="Open Sans"/>
-                <a:cs typeface="Open Sans"/>
-                <a:sym typeface="Open Sans"/>
-              </a:rPr>
-              <a:t>ID </a:t>
-            </a:r>
-            <a:r>
-              <a:rPr lang="en" sz="1400" b="0" i="0" u="none" strike="noStrike" cap="none" dirty="0">
-                <a:solidFill>
-                  <a:schemeClr val="dk2"/>
-                </a:solidFill>
-                <a:latin typeface="Open Sans"/>
-                <a:ea typeface="Open Sans"/>
-                <a:cs typeface="Open Sans"/>
-                <a:sym typeface="Open Sans"/>
-              </a:rPr>
-              <a:t>selector: #intro </a:t>
-            </a:r>
-            <a:r>
-              <a:rPr lang="en" sz="1400" b="0" i="0" u="none" strike="noStrike" cap="none" dirty="0" smtClean="0">
-                <a:solidFill>
-                  <a:schemeClr val="dk2"/>
-                </a:solidFill>
-                <a:latin typeface="Open Sans"/>
-                <a:ea typeface="Open Sans"/>
-                <a:cs typeface="Open Sans"/>
-                <a:sym typeface="Open Sans"/>
-              </a:rPr>
-              <a:t>{}</a:t>
-            </a:r>
-            <a:endParaRPr lang="en-US" sz="1400" b="0" i="0" u="none" strike="noStrike" cap="none" dirty="0" smtClean="0">
-              <a:solidFill>
-                <a:schemeClr val="dk2"/>
-              </a:solidFill>
-              <a:latin typeface="Open Sans"/>
-              <a:ea typeface="Open Sans"/>
-              <a:cs typeface="Open Sans"/>
-              <a:sym typeface="Open Sans"/>
-            </a:endParaRPr>
-          </a:p>
-          <a:p>
-            <a:pPr marL="228600" marR="0" lvl="0" indent="-228600" algn="l" rtl="0">
-              <a:lnSpc>
-                <a:spcPct val="100000"/>
-              </a:lnSpc>
-              <a:spcBef>
-                <a:spcPts val="0"/>
-              </a:spcBef>
-              <a:spcAft>
-                <a:spcPts val="0"/>
-              </a:spcAft>
-              <a:buClr>
-                <a:schemeClr val="dk2"/>
-              </a:buClr>
-              <a:buSzPct val="100000"/>
-              <a:buFont typeface="Open Sans"/>
-              <a:buChar char="●"/>
-            </a:pPr>
-            <a:r>
-              <a:rPr lang="en" sz="1400" b="0" i="0" u="none" strike="noStrike" cap="none" dirty="0" smtClean="0">
-                <a:solidFill>
-                  <a:schemeClr val="dk2"/>
-                </a:solidFill>
-                <a:latin typeface="Open Sans"/>
-                <a:ea typeface="Open Sans"/>
-                <a:cs typeface="Open Sans"/>
-                <a:sym typeface="Open Sans"/>
-              </a:rPr>
-              <a:t>Child </a:t>
-            </a:r>
-            <a:r>
-              <a:rPr lang="en" sz="1400" b="0" i="0" u="none" strike="noStrike" cap="none" dirty="0">
-                <a:solidFill>
-                  <a:schemeClr val="dk2"/>
-                </a:solidFill>
-                <a:latin typeface="Open Sans"/>
-                <a:ea typeface="Open Sans"/>
-                <a:cs typeface="Open Sans"/>
-                <a:sym typeface="Open Sans"/>
-              </a:rPr>
-              <a:t>selector: li&gt;a </a:t>
-            </a:r>
-            <a:r>
-              <a:rPr lang="en" sz="1400" b="0" i="0" u="none" strike="noStrike" cap="none" dirty="0" smtClean="0">
-                <a:solidFill>
-                  <a:schemeClr val="dk2"/>
-                </a:solidFill>
-                <a:latin typeface="Open Sans"/>
-                <a:ea typeface="Open Sans"/>
-                <a:cs typeface="Open Sans"/>
-                <a:sym typeface="Open Sans"/>
-              </a:rPr>
-              <a:t>{}</a:t>
-            </a:r>
-            <a:endParaRPr lang="en-US" sz="1400" b="0" i="0" u="none" strike="noStrike" cap="none" dirty="0" smtClean="0">
-              <a:solidFill>
-                <a:schemeClr val="dk2"/>
-              </a:solidFill>
-              <a:latin typeface="Open Sans"/>
-              <a:ea typeface="Open Sans"/>
-              <a:cs typeface="Open Sans"/>
-              <a:sym typeface="Open Sans"/>
-            </a:endParaRPr>
-          </a:p>
-          <a:p>
-            <a:pPr marL="685800" lvl="1" indent="-228600">
-              <a:lnSpc>
-                <a:spcPct val="100000"/>
-              </a:lnSpc>
-              <a:spcAft>
-                <a:spcPts val="0"/>
-              </a:spcAft>
-              <a:buSzPct val="100000"/>
-              <a:buFont typeface="Open Sans"/>
-              <a:buChar char="●"/>
-            </a:pPr>
-            <a:r>
-              <a:rPr lang="en" b="0" i="0" u="none" strike="noStrike" cap="none" dirty="0" smtClean="0">
-                <a:solidFill>
-                  <a:schemeClr val="dk2"/>
-                </a:solidFill>
-                <a:latin typeface="Open Sans"/>
-                <a:ea typeface="Open Sans"/>
-                <a:cs typeface="Open Sans"/>
-                <a:sym typeface="Open Sans"/>
-              </a:rPr>
-              <a:t>Targets </a:t>
-            </a:r>
-            <a:r>
-              <a:rPr lang="en" b="0" i="0" u="none" strike="noStrike" cap="none" dirty="0">
-                <a:solidFill>
-                  <a:schemeClr val="dk2"/>
-                </a:solidFill>
-                <a:latin typeface="Open Sans"/>
-                <a:ea typeface="Open Sans"/>
-                <a:cs typeface="Open Sans"/>
-                <a:sym typeface="Open Sans"/>
-              </a:rPr>
-              <a:t>o</a:t>
+              <a:t>Targets o</a:t>
             </a:r>
             <a:r>
               <a:rPr lang="en" dirty="0"/>
@@ -12103,10 +11951,26 @@
                 <a:cs typeface="Open Sans"/>
                 <a:sym typeface="Open Sans"/>
               </a:rPr>
-              <a:t>n the </a:t>
-            </a:r>
-            <a:r>
-              <a:rPr lang="en" b="0" i="0" u="none" strike="noStrike" cap="none" dirty="0" smtClean="0">
+              <a:t>n the page</a:t>
+            </a:r>
+          </a:p>
+          <a:p>
+            <a:pPr marL="457200" marR="0" lvl="0" indent="-317500" algn="l" rtl="0">
+              <a:lnSpc>
+                <a:spcPct val="120000"/>
+              </a:lnSpc>
+              <a:spcAft>
+                <a:spcPts val="0"/>
+              </a:spcAft>
+              <a:buClr>
+                <a:schemeClr val="dk2"/>
+              </a:buClr>
+              <a:buSzPct val="100000"/>
+              <a:buFont typeface="Open Sans"/>
+              <a:buChar char="●"/>
+            </a:pPr>
+            <a:r>
+              <a:rPr lang="en" sz="1400" b="0" i="0" u="none" strike="noStrike" cap="none" dirty="0">
                 <a:solidFill>
                   <a:schemeClr val="dk2"/>
                 </a:solidFill>
@@ -12115,24 +11979,25 @@
                 <a:cs typeface="Open Sans"/>
                 <a:sym typeface="Open Sans"/>
               </a:rPr>
-              <a:t>page</a:t>
-            </a:r>
-            <a:endParaRPr lang="en-US" sz="1400" dirty="0"/>
-          </a:p>
-          <a:p>
-            <a:pPr marL="228600" indent="-228600">
-              <a:lnSpc>
-                <a:spcPct val="100000"/>
-              </a:lnSpc>
-              <a:spcAft>
-                <a:spcPts val="0"/>
-              </a:spcAft>
-              <a:buSzPct val="100000"/>
-              <a:buFont typeface="Open Sans"/>
-              <a:buChar char="●"/>
-            </a:pPr>
-            <a:r>
-              <a:rPr lang="en" sz="1400" b="0" i="0" u="none" strike="noStrike" cap="none" dirty="0" smtClean="0">
+              <a:t>Descendent selector: p a {}</a:t>
+            </a:r>
+          </a:p>
+          <a:p>
+            <a:pPr marL="914400" marR="0" lvl="1" indent="-228600" algn="l" rtl="0">
+              <a:lnSpc>
+                <a:spcPct val="120000"/>
+              </a:lnSpc>
+              <a:spcAft>
+                <a:spcPts val="0"/>
+              </a:spcAft>
+              <a:buClr>
+                <a:schemeClr val="dk2"/>
+              </a:buClr>
+              <a:buFont typeface="Open Sans"/>
+              <a:buChar char="○"/>
+            </a:pPr>
+            <a:r>
+              <a:rPr lang="en" b="0" i="0" u="none" strike="noStrike" cap="none" dirty="0">
                 <a:solidFill>
                   <a:schemeClr val="dk2"/>
                 </a:solidFill>
@@ -12141,77 +12006,7 @@
                 <a:cs typeface="Open Sans"/>
                 <a:sym typeface="Open Sans"/>
               </a:rPr>
-              <a:t>Descendent </a:t>
-            </a:r>
-            <a:r>
-              <a:rPr lang="en" sz="1400" b="0" i="0" u="none" strike="noStrike" cap="none" dirty="0">
-                <a:solidFill>
-                  <a:schemeClr val="dk2"/>
-                </a:solidFill>
-                <a:latin typeface="Open Sans"/>
-                <a:ea typeface="Open Sans"/>
-                <a:cs typeface="Open Sans"/>
-                <a:sym typeface="Open Sans"/>
-              </a:rPr>
-              <a:t>selector: p a </a:t>
-            </a:r>
-            <a:r>
-              <a:rPr lang="en" sz="1400" b="0" i="0" u="none" strike="noStrike" cap="none" dirty="0" smtClean="0">
-                <a:solidFill>
-                  <a:schemeClr val="dk2"/>
-                </a:solidFill>
-                <a:latin typeface="Open Sans"/>
-                <a:ea typeface="Open Sans"/>
-                <a:cs typeface="Open Sans"/>
-                <a:sym typeface="Open Sans"/>
-              </a:rPr>
-              <a:t>{}</a:t>
-            </a:r>
-            <a:endParaRPr lang="en-US" sz="1400" b="0" i="0" u="none" strike="noStrike" cap="none" dirty="0" smtClean="0">
-              <a:solidFill>
-                <a:schemeClr val="dk2"/>
-              </a:solidFill>
-              <a:latin typeface="Open Sans"/>
-              <a:ea typeface="Open Sans"/>
-              <a:cs typeface="Open Sans"/>
-              <a:sym typeface="Open Sans"/>
-            </a:endParaRPr>
-          </a:p>
-          <a:p>
-            <a:pPr marL="685800" lvl="1" indent="-228600">
-              <a:lnSpc>
-                <a:spcPct val="100000"/>
-              </a:lnSpc>
-              <a:spcAft>
-                <a:spcPts val="0"/>
-              </a:spcAft>
-              <a:buSzPct val="100000"/>
-              <a:buFont typeface="Open Sans"/>
-              <a:buChar char="●"/>
-            </a:pPr>
-            <a:r>
-              <a:rPr lang="en" b="0" i="0" u="none" strike="noStrike" cap="none" dirty="0" smtClean="0">
-                <a:solidFill>
-                  <a:schemeClr val="dk2"/>
-                </a:solidFill>
-                <a:latin typeface="Open Sans"/>
-                <a:ea typeface="Open Sans"/>
-                <a:cs typeface="Open Sans"/>
-                <a:sym typeface="Open Sans"/>
-              </a:rPr>
-              <a:t>Targets </a:t>
-            </a:r>
-            <a:r>
-              <a:rPr lang="en" b="0" i="0" u="none" strike="noStrike" cap="none" dirty="0">
-                <a:solidFill>
-                  <a:schemeClr val="dk2"/>
-                </a:solidFill>
-                <a:latin typeface="Open Sans"/>
-                <a:ea typeface="Open Sans"/>
-                <a:cs typeface="Open Sans"/>
-                <a:sym typeface="Open Sans"/>
-              </a:rPr>
-              <a:t>only the anchor elements </a:t>
+              <a:t>Targets only the anchor elements </a:t>
             </a:r>
             <a:r>
               <a:rPr lang="en" dirty="0"/>
@@ -12298,7 +12093,7 @@
           </a:bodyPr>
           <a:lstStyle/>
           <a:p>
-            <a:pPr lvl="0">
+            <a:pPr lvl="0" rtl="0">
               <a:spcBef>
                 <a:spcPts val="0"/>
               </a:spcBef>
@@ -12340,145 +12135,371 @@
               <a:lnSpc>
                 <a:spcPct val="100000"/>
               </a:lnSpc>
-              <a:spcBef>
-                <a:spcPts val="0"/>
-              </a:spcBef>
-              <a:spcAft>
-                <a:spcPts val="0"/>
-              </a:spcAft>
-              <a:buNone/>
+              <a:spcAft>
+                <a:spcPts val="0"/>
+              </a:spcAft>
             </a:pPr>
             <a:r>
               <a:rPr lang="en" sz="1200" dirty="0"/>
-              <a:t>&lt;html</a:t>
+              <a:t>&lt;html&gt;</a:t>
+            </a:r>
+            <a:endParaRPr lang="en-US" sz="1200" dirty="0"/>
+          </a:p>
+          <a:p>
+            <a:pPr lvl="0">
+              <a:lnSpc>
+                <a:spcPct val="100000"/>
+              </a:lnSpc>
+              <a:spcAft>
+                <a:spcPts val="0"/>
+              </a:spcAft>
+            </a:pPr>
+            <a:r>
+              <a:rPr lang="en-US" sz="1200" dirty="0"/>
+              <a:t>    </a:t>
+            </a:r>
+            <a:r>
+              <a:rPr lang="en" sz="1200" dirty="0"/>
+              <a:t>&lt;head&gt;</a:t>
+            </a:r>
+            <a:endParaRPr lang="en-US" sz="1200" dirty="0"/>
+          </a:p>
+          <a:p>
+            <a:pPr lvl="0">
+              <a:lnSpc>
+                <a:spcPct val="100000"/>
+              </a:lnSpc>
+              <a:spcAft>
+                <a:spcPts val="0"/>
+              </a:spcAft>
+            </a:pPr>
+            <a:r>
+              <a:rPr lang="en-US" sz="1200" dirty="0"/>
+              <a:t>        </a:t>
+            </a:r>
+            <a:r>
+              <a:rPr lang="en" sz="1200" dirty="0"/>
+              <a:t>&lt;style&gt;</a:t>
+            </a:r>
+            <a:endParaRPr lang="en-US" sz="1200" dirty="0"/>
+          </a:p>
+          <a:p>
+            <a:pPr lvl="0">
+              <a:lnSpc>
+                <a:spcPct val="100000"/>
+              </a:lnSpc>
+              <a:spcAft>
+                <a:spcPts val="0"/>
+              </a:spcAft>
+            </a:pPr>
+            <a:r>
+              <a:rPr lang="en-US" sz="1200" dirty="0"/>
+              <a:t>            </a:t>
+            </a:r>
+            <a:r>
+              <a:rPr lang="en" sz="1200" dirty="0"/>
+              <a:t>div &gt; p.foo { color: red; }</a:t>
+            </a:r>
+            <a:endParaRPr lang="en-US" sz="1200" dirty="0"/>
+          </a:p>
+          <a:p>
+            <a:pPr lvl="0">
+              <a:lnSpc>
+                <a:spcPct val="100000"/>
+              </a:lnSpc>
+              <a:spcAft>
+                <a:spcPts val="0"/>
+              </a:spcAft>
+            </a:pPr>
+            <a:r>
+              <a:rPr lang="en-US" sz="1200" dirty="0"/>
+              <a:t>        </a:t>
+            </a:r>
+            <a:r>
+              <a:rPr lang="en" sz="1200" dirty="0"/>
+              <a:t>&lt;/style</a:t>
+            </a:r>
+            <a:r>
+              <a:rPr lang="en-US" sz="1200" dirty="0"/>
+              <a:t>&gt;</a:t>
+            </a:r>
+          </a:p>
+          <a:p>
+            <a:pPr lvl="0">
+              <a:lnSpc>
+                <a:spcPct val="100000"/>
+              </a:lnSpc>
+              <a:spcAft>
+                <a:spcPts val="0"/>
+              </a:spcAft>
+            </a:pPr>
+            <a:r>
+              <a:rPr lang="en-US" sz="1200" dirty="0"/>
+              <a:t>    </a:t>
+            </a:r>
+            <a:r>
+              <a:rPr lang="en" sz="1200" dirty="0"/>
+              <a:t>&lt;/head&gt;</a:t>
+            </a:r>
+            <a:endParaRPr lang="en-US" sz="1200" dirty="0"/>
+          </a:p>
+          <a:p>
+            <a:pPr lvl="0">
+              <a:lnSpc>
+                <a:spcPct val="100000"/>
+              </a:lnSpc>
+              <a:spcAft>
+                <a:spcPts val="0"/>
+              </a:spcAft>
+            </a:pPr>
+            <a:r>
+              <a:rPr lang="en-US" sz="1200" dirty="0"/>
+              <a:t>    </a:t>
+            </a:r>
+            <a:r>
+              <a:rPr lang="en" sz="1200" dirty="0"/>
+              <a:t>&lt;body&gt;</a:t>
+            </a:r>
+            <a:endParaRPr lang="en-US" sz="1200" dirty="0"/>
+          </a:p>
+          <a:p>
+            <a:pPr lvl="0">
+              <a:lnSpc>
+                <a:spcPct val="100000"/>
+              </a:lnSpc>
+              <a:spcAft>
+                <a:spcPts val="0"/>
+              </a:spcAft>
+            </a:pPr>
+            <a:r>
+              <a:rPr lang="en-US" sz="1200" dirty="0"/>
+              <a:t>        </a:t>
+            </a:r>
+            <a:r>
+              <a:rPr lang="en" sz="1200" dirty="0"/>
+              <a:t>&lt;div id=”</a:t>
             </a:r>
             <a:r>
               <a:rPr lang="en" sz="1200" dirty="0" smtClean="0"/>
+              <a:t>first</a:t>
+            </a:r>
+            <a:r>
+              <a:rPr lang="en-US" sz="1200" dirty="0" smtClean="0"/>
+              <a:t>-</a:t>
+            </a:r>
+            <a:r>
+              <a:rPr lang="en" sz="1200" dirty="0" smtClean="0"/>
+              <a:t>div</a:t>
+            </a:r>
+            <a:r>
+              <a:rPr lang="en" sz="1200" dirty="0"/>
+              <a:t>”&gt;</a:t>
+            </a:r>
+            <a:endParaRPr lang="en-US" sz="1200" dirty="0"/>
+          </a:p>
+          <a:p>
+            <a:pPr lvl="0">
+              <a:lnSpc>
+                <a:spcPct val="100000"/>
+              </a:lnSpc>
+              <a:spcAft>
+                <a:spcPts val="0"/>
+              </a:spcAft>
+            </a:pPr>
+            <a:r>
+              <a:rPr lang="en-US" sz="1200" dirty="0"/>
+              <a:t>            </a:t>
+            </a:r>
+            <a:r>
+              <a:rPr lang="en" sz="1200" dirty="0"/>
+              <a:t>&lt;div id=”</a:t>
+            </a:r>
+            <a:r>
+              <a:rPr lang="en" sz="1200" dirty="0" smtClean="0"/>
+              <a:t>nested</a:t>
+            </a:r>
+            <a:r>
+              <a:rPr lang="en-US" sz="1200" dirty="0" smtClean="0"/>
+              <a:t>-</a:t>
+            </a:r>
+            <a:r>
+              <a:rPr lang="en" sz="1200" dirty="0" smtClean="0"/>
+              <a:t>div</a:t>
+            </a:r>
+            <a:r>
+              <a:rPr lang="en" sz="1200" dirty="0"/>
+              <a:t>”&gt;</a:t>
+            </a:r>
+            <a:endParaRPr lang="en-US" sz="1200" dirty="0"/>
+          </a:p>
+          <a:p>
+            <a:pPr lvl="0">
+              <a:lnSpc>
+                <a:spcPct val="100000"/>
+              </a:lnSpc>
+              <a:spcAft>
+                <a:spcPts val="0"/>
+              </a:spcAft>
+            </a:pPr>
+            <a:r>
+              <a:rPr lang="en-US" sz="1200" dirty="0"/>
+              <a:t>                </a:t>
+            </a:r>
+            <a:r>
+              <a:rPr lang="en" sz="1200" dirty="0"/>
+              <a:t>&lt;p class=”foo”&gt;Hello!&lt;/p</a:t>
+            </a:r>
+            <a:r>
+              <a:rPr lang="en-US" sz="1200" dirty="0"/>
               <a:t>&gt;</a:t>
             </a:r>
-            <a:endParaRPr lang="en-US" sz="1200" dirty="0" smtClean="0"/>
           </a:p>
           <a:p>
             <a:pPr lvl="0">
               <a:lnSpc>
                 <a:spcPct val="100000"/>
               </a:lnSpc>
-              <a:spcBef>
-                <a:spcPts val="0"/>
-              </a:spcBef>
-              <a:spcAft>
-                <a:spcPts val="0"/>
-              </a:spcAft>
-              <a:buNone/>
+              <a:spcAft>
+                <a:spcPts val="0"/>
+              </a:spcAft>
             </a:pPr>
             <a:r>
               <a:rPr lang="en-US" sz="1200" dirty="0"/>
-              <a:t> </a:t>
-            </a:r>
-            <a:r>
-              <a:rPr lang="en-US" sz="1200" dirty="0" smtClean="0"/>
-              <a:t>   </a:t>
+              <a:t>            </a:t>
+            </a:r>
+            <a:r>
+              <a:rPr lang="en" sz="1200" dirty="0"/>
+              <a:t>&lt;/div&gt;</a:t>
+            </a:r>
+            <a:endParaRPr lang="en-US" sz="1200" dirty="0"/>
+          </a:p>
+          <a:p>
+            <a:pPr lvl="0">
+              <a:lnSpc>
+                <a:spcPct val="100000"/>
+              </a:lnSpc>
+              <a:spcAft>
+                <a:spcPts val="0"/>
+              </a:spcAft>
+            </a:pPr>
+            <a:r>
+              <a:rPr lang="en-US" sz="1200" dirty="0"/>
+              <a:t>        </a:t>
+            </a:r>
+            <a:r>
+              <a:rPr lang="en" sz="1200" dirty="0"/>
+              <a:t>&lt;/div&gt;</a:t>
+            </a:r>
+            <a:endParaRPr lang="en-US" sz="1200" dirty="0"/>
+          </a:p>
+          <a:p>
+            <a:pPr lvl="0">
+              <a:lnSpc>
+                <a:spcPct val="100000"/>
+              </a:lnSpc>
+              <a:spcAft>
+                <a:spcPts val="0"/>
+              </a:spcAft>
+            </a:pPr>
+            <a:r>
+              <a:rPr lang="en-US" sz="1200" dirty="0"/>
+              <a:t>        </a:t>
+            </a:r>
+            <a:r>
+              <a:rPr lang="en" sz="1200" dirty="0"/>
+              <a:t>&lt;p class=”foo”&gt;How are you?&lt;/p&gt;</a:t>
+            </a:r>
+            <a:endParaRPr lang="en-US" sz="1200" dirty="0"/>
+          </a:p>
+          <a:p>
+            <a:pPr lvl="0">
+              <a:lnSpc>
+                <a:spcPct val="100000"/>
+              </a:lnSpc>
+              <a:spcAft>
+                <a:spcPts val="0"/>
+              </a:spcAft>
+            </a:pPr>
+            <a:r>
+              <a:rPr lang="en-US" sz="1200" dirty="0"/>
+              <a:t>        </a:t>
+            </a:r>
+            <a:r>
+              <a:rPr lang="en" sz="1200" dirty="0"/>
+              <a:t>&lt;div id=”</a:t>
             </a:r>
             <a:r>
               <a:rPr lang="en" sz="1200" dirty="0" smtClean="0"/>
-              <a:t>&lt;</a:t>
+              <a:t>second</a:t>
+            </a:r>
+            <a:r>
+              <a:rPr lang="en-US" sz="1200" dirty="0"/>
+              <a:t>-</a:t>
+            </a:r>
+            <a:r>
+              <a:rPr lang="en" sz="1200" dirty="0" smtClean="0"/>
+              <a:t>div</a:t>
             </a:r>
             <a:r>
               <a:rPr lang="en" sz="1200" dirty="0"/>
-              <a:t>head</a:t>
-            </a:r>
-            <a:r>
-              <a:rPr lang="en" sz="1200" dirty="0" smtClean="0"/>
-              <a:t>&gt;</a:t>
-            </a:r>
-            <a:endParaRPr lang="en-US" sz="1200" dirty="0" smtClean="0"/>
+              <a:t>”&gt;</a:t>
+            </a:r>
+            <a:endParaRPr lang="en-US" sz="1200" dirty="0"/>
           </a:p>
           <a:p>
             <a:pPr lvl="0">
               <a:lnSpc>
                 <a:spcPct val="100000"/>
               </a:lnSpc>
-              <a:spcBef>
-                <a:spcPts val="0"/>
-              </a:spcBef>
-              <a:spcAft>
-                <a:spcPts val="0"/>
-              </a:spcAft>
-              <a:buNone/>
+              <a:spcAft>
+                <a:spcPts val="0"/>
+              </a:spcAft>
             </a:pPr>
             <a:r>
               <a:rPr lang="en-US" sz="1200" dirty="0"/>
-              <a:t> </a:t>
-            </a:r>
-            <a:r>
-              <a:rPr lang="en-US" sz="1200" dirty="0" smtClean="0"/>
-              <a:t>       </a:t>
-            </a:r>
-            <a:r>
-              <a:rPr lang="en" sz="1200" dirty="0" smtClean="0"/>
-              <a:t>&lt;style&gt;</a:t>
-            </a:r>
-            <a:endParaRPr lang="en-US" sz="1200" dirty="0" smtClean="0"/>
+              <a:t>            </a:t>
+            </a:r>
+            <a:r>
+              <a:rPr lang="en" sz="1200" dirty="0"/>
+              <a:t>&lt;p id=”foo”&gt;Goodbye!&lt;/p&gt;</a:t>
+            </a:r>
+            <a:endParaRPr lang="en-US" sz="1200" dirty="0"/>
           </a:p>
           <a:p>
             <a:pPr lvl="0">
               <a:lnSpc>
                 <a:spcPct val="100000"/>
               </a:lnSpc>
-              <a:spcBef>
-                <a:spcPts val="0"/>
-              </a:spcBef>
-              <a:spcAft>
-                <a:spcPts val="0"/>
-              </a:spcAft>
-              <a:buNone/>
-            </a:pPr>
-            <a:r>
-              <a:rPr lang="en-US" sz="1200" dirty="0" smtClean="0"/>
-              <a:t>            </a:t>
-            </a:r>
-            <a:r>
-              <a:rPr lang="en" sz="1200" dirty="0" smtClean="0"/>
-              <a:t>div </a:t>
+              <a:spcAft>
+                <a:spcPts val="0"/>
+              </a:spcAft>
+            </a:pPr>
+            <a:r>
+              <a:rPr lang="en-US" sz="1200" dirty="0"/>
+              <a:t>        </a:t>
             </a:r>
             <a:r>
               <a:rPr lang="en" sz="1200" dirty="0"/>
-              <a:t>&gt; p.foo { color: red; </a:t>
-            </a:r>
-            <a:r>
-              <a:rPr lang="en" sz="1200" dirty="0" smtClean="0"/>
-              <a:t>}</a:t>
-            </a:r>
-            <a:endParaRPr lang="en-US" sz="1200" dirty="0" smtClean="0"/>
+              <a:t>&lt;/div&gt;</a:t>
+            </a:r>
+            <a:endParaRPr lang="en-US" sz="1200" dirty="0"/>
           </a:p>
           <a:p>
             <a:pPr lvl="0">
               <a:lnSpc>
                 <a:spcPct val="100000"/>
               </a:lnSpc>
-              <a:spcBef>
-                <a:spcPts val="0"/>
-              </a:spcBef>
-              <a:spcAft>
-                <a:spcPts val="0"/>
-              </a:spcAft>
-              <a:buNone/>
+              <a:spcAft>
+                <a:spcPts val="0"/>
+              </a:spcAft>
             </a:pPr>
             <a:r>
               <a:rPr lang="en-US" sz="1200" dirty="0"/>
-              <a:t> </a:t>
-            </a:r>
-            <a:r>
-              <a:rPr lang="en-US" sz="1200" dirty="0" smtClean="0"/>
-              <a:t>       </a:t>
-            </a:r>
-            <a:r>
-              <a:rPr lang="en" sz="1200" dirty="0" smtClean="0"/>
-              <a:t>&lt;/style</a:t>
-            </a:r>
-            <a:r>
-              <a:rPr lang="en-US" sz="1200" dirty="0" smtClean="0"/>
-              <a:t>&gt;</a:t>
+              <a:t>    </a:t>
+            </a:r>
+            <a:r>
+              <a:rPr lang="en" sz="1200" dirty="0"/>
+              <a:t>&lt;/body&gt;</a:t>
             </a:r>
           </a:p>
           <a:p>
@@ -12486,424 +12507,15 @@
               <a:lnSpc>
                 <a:spcPct val="100000"/>
               </a:lnSpc>
-              <a:spcBef>
-                <a:spcPts val="0"/>
-              </a:spcBef>
-              <a:spcAft>
-                <a:spcPts val="0"/>
-              </a:spcAft>
-              <a:buNone/>
-            </a:pPr>
-            <a:r>
-              <a:rPr lang="en-US" sz="1200" dirty="0"/>
-              <a:t> </a:t>
-            </a:r>
-            <a:r>
-              <a:rPr lang="en-US" sz="1200" dirty="0" smtClean="0"/>
-              <a:t>   </a:t>
-            </a:r>
-            <a:r>
-              <a:rPr lang="en" sz="1200" dirty="0" smtClean="0"/>
-              <a:t>&lt;/</a:t>
-            </a:r>
-            <a:r>
-              <a:rPr lang="en" sz="1200" dirty="0"/>
-              <a:t>head</a:t>
-            </a:r>
-            <a:r>
-              <a:rPr lang="en" sz="1200" dirty="0" smtClean="0"/>
-              <a:t>&gt;</a:t>
-            </a:r>
-            <a:endParaRPr lang="en-US" sz="1200" dirty="0" smtClean="0"/>
-          </a:p>
-          <a:p>
-            <a:pPr lvl="0">
-              <a:lnSpc>
-                <a:spcPct val="100000"/>
-              </a:lnSpc>
-              <a:spcBef>
-                <a:spcPts val="0"/>
-              </a:spcBef>
-              <a:spcAft>
-                <a:spcPts val="0"/>
-              </a:spcAft>
-              <a:buNone/>
-            </a:pPr>
-            <a:r>
-              <a:rPr lang="en-US" sz="1200" dirty="0"/>
-              <a:t> </a:t>
-            </a:r>
-            <a:r>
-              <a:rPr lang="en-US" sz="1200" dirty="0" smtClean="0"/>
-              <a:t>   </a:t>
-            </a:r>
-            <a:r>
-              <a:rPr lang="en" sz="1200" dirty="0" smtClean="0"/>
-              <a:t>&lt;</a:t>
-            </a:r>
-            <a:r>
-              <a:rPr lang="en" sz="1200" dirty="0"/>
-              <a:t>body</a:t>
-            </a:r>
-            <a:r>
-              <a:rPr lang="en" sz="1200" dirty="0" smtClean="0"/>
-              <a:t>&gt;</a:t>
-            </a:r>
-            <a:endParaRPr lang="en-US" sz="1200" dirty="0" smtClean="0"/>
-          </a:p>
-          <a:p>
-            <a:pPr lvl="0">
-              <a:lnSpc>
-                <a:spcPct val="100000"/>
-              </a:lnSpc>
-              <a:spcBef>
-                <a:spcPts val="0"/>
-              </a:spcBef>
-              <a:spcAft>
-                <a:spcPts val="0"/>
-              </a:spcAft>
-              <a:buNone/>
-            </a:pPr>
-            <a:r>
-              <a:rPr lang="en-US" sz="1200" dirty="0"/>
-              <a:t> </a:t>
-            </a:r>
-            <a:r>
-              <a:rPr lang="en-US" sz="1200" dirty="0" smtClean="0"/>
-              <a:t>       </a:t>
-            </a:r>
-            <a:r>
-              <a:rPr lang="en" sz="1200" dirty="0" smtClean="0"/>
-              <a:t>&lt;</a:t>
-            </a:r>
-            <a:r>
-              <a:rPr lang="en" sz="1200" dirty="0"/>
-              <a:t>div id=”first_div</a:t>
-            </a:r>
-            <a:r>
-              <a:rPr lang="en" sz="1200" dirty="0" smtClean="0"/>
-              <a:t>”&gt;</a:t>
-            </a:r>
-            <a:endParaRPr lang="en-US" sz="1200" dirty="0" smtClean="0"/>
-          </a:p>
-          <a:p>
-            <a:pPr lvl="0">
-              <a:lnSpc>
-                <a:spcPct val="100000"/>
-              </a:lnSpc>
-              <a:spcBef>
-                <a:spcPts val="0"/>
-              </a:spcBef>
-              <a:spcAft>
-                <a:spcPts val="0"/>
-              </a:spcAft>
-              <a:buNone/>
-            </a:pPr>
-            <a:r>
-              <a:rPr lang="en-US" sz="1200" dirty="0"/>
-              <a:t> </a:t>
-            </a:r>
-            <a:r>
-              <a:rPr lang="en-US" sz="1200" dirty="0" smtClean="0"/>
-              <a:t>           </a:t>
-            </a:r>
-            <a:r>
-              <a:rPr lang="en" sz="1200" dirty="0" smtClean="0"/>
-              <a:t>&lt;</a:t>
-            </a:r>
-            <a:r>
-              <a:rPr lang="en" sz="1200" dirty="0"/>
-              <a:t>div id=”nested_div</a:t>
-            </a:r>
-            <a:r>
-              <a:rPr lang="en" sz="1200" dirty="0" smtClean="0"/>
-              <a:t>”&gt;</a:t>
-            </a:r>
-            <a:endParaRPr lang="en-US" sz="1200" dirty="0" smtClean="0"/>
-          </a:p>
-          <a:p>
-            <a:pPr lvl="0">
-              <a:lnSpc>
-                <a:spcPct val="100000"/>
-              </a:lnSpc>
-              <a:spcBef>
-                <a:spcPts val="0"/>
-              </a:spcBef>
-              <a:spcAft>
-                <a:spcPts val="0"/>
-              </a:spcAft>
-              <a:buNone/>
-            </a:pPr>
-            <a:r>
-              <a:rPr lang="en-US" sz="1200" dirty="0"/>
-              <a:t> </a:t>
-            </a:r>
-            <a:r>
-              <a:rPr lang="en-US" sz="1200" dirty="0" smtClean="0"/>
-              <a:t>               </a:t>
-            </a:r>
-            <a:r>
-              <a:rPr lang="en" sz="1200" dirty="0" smtClean="0"/>
-              <a:t>&lt;</a:t>
-            </a:r>
-            <a:r>
-              <a:rPr lang="en" sz="1200" dirty="0"/>
-              <a:t>p class=”foo”&gt;Hello!&lt;/</a:t>
-            </a:r>
-            <a:r>
-              <a:rPr lang="en" sz="1200" dirty="0" smtClean="0"/>
-              <a:t>p</a:t>
-            </a:r>
-            <a:r>
-              <a:rPr lang="en-US" sz="1200" dirty="0" smtClean="0"/>
-              <a:t>&gt;</a:t>
-            </a:r>
-          </a:p>
-          <a:p>
-            <a:pPr lvl="0">
-              <a:lnSpc>
-                <a:spcPct val="100000"/>
-              </a:lnSpc>
-              <a:spcBef>
-                <a:spcPts val="0"/>
-              </a:spcBef>
-              <a:spcAft>
-                <a:spcPts val="0"/>
-              </a:spcAft>
-              <a:buNone/>
-            </a:pPr>
-            <a:r>
-              <a:rPr lang="en-US" sz="1200" dirty="0"/>
-              <a:t> </a:t>
-            </a:r>
-            <a:r>
-              <a:rPr lang="en-US" sz="1200" dirty="0" smtClean="0"/>
-              <a:t>           </a:t>
-            </a:r>
-            <a:r>
-              <a:rPr lang="en" sz="1200" dirty="0" smtClean="0"/>
-              <a:t>&lt;/</a:t>
-            </a:r>
-            <a:r>
-              <a:rPr lang="en" sz="1200" dirty="0"/>
-              <a:t>div</a:t>
-            </a:r>
-            <a:r>
-              <a:rPr lang="en" sz="1200" dirty="0" smtClean="0"/>
-              <a:t>&gt;</a:t>
-            </a:r>
-            <a:endParaRPr lang="en-US" sz="1200" dirty="0"/>
-          </a:p>
-          <a:p>
-            <a:pPr lvl="0">
-              <a:lnSpc>
-                <a:spcPct val="100000"/>
-              </a:lnSpc>
-              <a:spcBef>
-                <a:spcPts val="0"/>
-              </a:spcBef>
-              <a:spcAft>
-                <a:spcPts val="0"/>
-              </a:spcAft>
-              <a:buNone/>
-            </a:pPr>
-            <a:r>
-              <a:rPr lang="en-US" sz="1200" dirty="0" smtClean="0"/>
-              <a:t>        </a:t>
-            </a:r>
-            <a:r>
-              <a:rPr lang="en" sz="1200" dirty="0" smtClean="0"/>
-              <a:t>&lt;/</a:t>
-            </a:r>
-            <a:r>
-              <a:rPr lang="en" sz="1200" dirty="0"/>
-              <a:t>div</a:t>
-            </a:r>
-            <a:r>
-              <a:rPr lang="en" sz="1200" dirty="0" smtClean="0"/>
-              <a:t>&gt;</a:t>
-            </a:r>
-            <a:endParaRPr lang="en-US" sz="1200" dirty="0"/>
-          </a:p>
-          <a:p>
-            <a:pPr lvl="0">
-              <a:lnSpc>
-                <a:spcPct val="100000"/>
-              </a:lnSpc>
-              <a:spcBef>
-                <a:spcPts val="0"/>
-              </a:spcBef>
-              <a:spcAft>
-                <a:spcPts val="0"/>
-              </a:spcAft>
-              <a:buNone/>
-            </a:pPr>
-            <a:r>
-              <a:rPr lang="en-US" sz="1200" dirty="0" smtClean="0"/>
-              <a:t>        </a:t>
-            </a:r>
-            <a:r>
-              <a:rPr lang="en" sz="1200" dirty="0" smtClean="0"/>
-              <a:t>&lt;</a:t>
-            </a:r>
-            <a:r>
-              <a:rPr lang="en" sz="1200" dirty="0"/>
-              <a:t>p class=”foo”&gt;How are you?&lt;/p</a:t>
-            </a:r>
-            <a:r>
-              <a:rPr lang="en" sz="1200" dirty="0" smtClean="0"/>
-              <a:t>&gt;</a:t>
-            </a:r>
-            <a:endParaRPr lang="en-US" sz="1200" dirty="0" smtClean="0"/>
-          </a:p>
-          <a:p>
-            <a:pPr lvl="0">
-              <a:lnSpc>
-                <a:spcPct val="100000"/>
-              </a:lnSpc>
-              <a:spcBef>
-                <a:spcPts val="0"/>
-              </a:spcBef>
-              <a:spcAft>
-                <a:spcPts val="0"/>
-              </a:spcAft>
-              <a:buNone/>
-            </a:pPr>
-            <a:r>
-              <a:rPr lang="en-US" sz="1200" dirty="0"/>
-              <a:t> </a:t>
-            </a:r>
-            <a:r>
-              <a:rPr lang="en-US" sz="1200" dirty="0" smtClean="0"/>
-              <a:t>       </a:t>
-            </a:r>
-            <a:r>
-              <a:rPr lang="en" sz="1200" dirty="0" smtClean="0"/>
-              <a:t>&lt;</a:t>
-            </a:r>
-            <a:r>
-              <a:rPr lang="en" sz="1200" dirty="0"/>
-              <a:t>div id=”second_div</a:t>
-            </a:r>
-            <a:r>
-              <a:rPr lang="en" sz="1200" dirty="0" smtClean="0"/>
-              <a:t>”&gt;</a:t>
-            </a:r>
-            <a:endParaRPr lang="en-US" sz="1200" dirty="0" smtClean="0"/>
-          </a:p>
-          <a:p>
-            <a:pPr lvl="0">
-              <a:lnSpc>
-                <a:spcPct val="100000"/>
-              </a:lnSpc>
-              <a:spcBef>
-                <a:spcPts val="0"/>
-              </a:spcBef>
-              <a:spcAft>
-                <a:spcPts val="0"/>
-              </a:spcAft>
-              <a:buNone/>
-            </a:pPr>
-            <a:r>
-              <a:rPr lang="en-US" sz="1200" dirty="0"/>
-              <a:t> </a:t>
-            </a:r>
-            <a:r>
-              <a:rPr lang="en-US" sz="1200" dirty="0" smtClean="0"/>
-              <a:t>           </a:t>
-            </a:r>
-            <a:r>
-              <a:rPr lang="en" sz="1200" dirty="0" smtClean="0"/>
-              <a:t>&lt;</a:t>
-            </a:r>
-            <a:r>
-              <a:rPr lang="en" sz="1200" dirty="0"/>
-              <a:t>p id=”foo”&gt;Goodbye!&lt;/p</a:t>
-            </a:r>
-            <a:r>
-              <a:rPr lang="en" sz="1200" dirty="0" smtClean="0"/>
-              <a:t>&gt;</a:t>
-            </a:r>
-            <a:endParaRPr lang="en-US" sz="1200" dirty="0" smtClean="0"/>
-          </a:p>
-          <a:p>
-            <a:pPr lvl="0">
-              <a:lnSpc>
-                <a:spcPct val="100000"/>
-              </a:lnSpc>
-              <a:spcBef>
-                <a:spcPts val="0"/>
-              </a:spcBef>
-              <a:spcAft>
-                <a:spcPts val="0"/>
-              </a:spcAft>
-              <a:buNone/>
-            </a:pPr>
-            <a:r>
-              <a:rPr lang="en-US" sz="1200" dirty="0"/>
-              <a:t> </a:t>
-            </a:r>
-            <a:r>
-              <a:rPr lang="en-US" sz="1200" dirty="0" smtClean="0"/>
-              <a:t>       </a:t>
-            </a:r>
-            <a:r>
-              <a:rPr lang="en" sz="1200" dirty="0" smtClean="0"/>
-              <a:t>&lt;/</a:t>
-            </a:r>
-            <a:r>
-              <a:rPr lang="en" sz="1200" dirty="0"/>
-              <a:t>div</a:t>
-            </a:r>
-            <a:r>
-              <a:rPr lang="en" sz="1200" dirty="0" smtClean="0"/>
-              <a:t>&gt;</a:t>
-            </a:r>
-            <a:endParaRPr lang="en-US" sz="1200" dirty="0"/>
-          </a:p>
-          <a:p>
-            <a:pPr lvl="0">
-              <a:lnSpc>
-                <a:spcPct val="100000"/>
-              </a:lnSpc>
-              <a:spcBef>
-                <a:spcPts val="0"/>
-              </a:spcBef>
-              <a:spcAft>
-                <a:spcPts val="0"/>
-              </a:spcAft>
-              <a:buNone/>
-            </a:pPr>
-            <a:r>
-              <a:rPr lang="en-US" sz="1200" dirty="0" smtClean="0"/>
-              <a:t>    </a:t>
-            </a:r>
-            <a:r>
-              <a:rPr lang="en" sz="1200" dirty="0" smtClean="0"/>
-              <a:t>&lt;/</a:t>
-            </a:r>
-            <a:r>
-              <a:rPr lang="en" sz="1200" dirty="0"/>
-              <a:t>body&gt;</a:t>
-            </a:r>
-          </a:p>
-          <a:p>
-            <a:pPr lvl="0">
-              <a:lnSpc>
-                <a:spcPct val="100000"/>
-              </a:lnSpc>
-              <a:spcBef>
-                <a:spcPts val="0"/>
-              </a:spcBef>
-              <a:spcAft>
-                <a:spcPts val="0"/>
-              </a:spcAft>
-              <a:buNone/>
+              <a:spcAft>
+                <a:spcPts val="0"/>
+              </a:spcAft>
             </a:pPr>
             <a:r>
               <a:rPr lang="en" sz="1200" dirty="0"/>
               <a:t>&lt;/html&gt;</a:t>
             </a:r>
+            <a:endParaRPr lang="en" sz="1200" dirty="0"/>
           </a:p>
         </p:txBody>
       </p:sp>
@@ -12945,7 +12557,7 @@
         <p:spPr>
           <a:xfrm>
             <a:off x="311700" y="445025"/>
-            <a:ext cx="8520599" cy="707399"/>
+            <a:ext cx="8520600" cy="707400"/>
           </a:xfrm>
           <a:prstGeom prst="rect">
             <a:avLst/>
@@ -12988,7 +12600,11 @@
                 <a:cs typeface="PT Sans Narrow"/>
                 <a:sym typeface="PT Sans Narrow"/>
               </a:rPr>
-              <a:t>CSS Cascade</a:t>
+              <a:t>CSS </a:t>
+            </a:r>
+            <a:r>
+              <a:rPr lang="en"/>
+              <a:t>Specificity</a:t>
             </a:r>
           </a:p>
         </p:txBody>
@@ -13006,7 +12622,7 @@
         <p:spPr>
           <a:xfrm>
             <a:off x="311700" y="1266325"/>
-            <a:ext cx="8520599" cy="3302700"/>
+            <a:ext cx="8520600" cy="3302700"/>
           </a:xfrm>
           <a:prstGeom prst="rect">
             <a:avLst/>
@@ -13182,7 +12798,7 @@
         <p:spPr>
           <a:xfrm>
             <a:off x="311700" y="445025"/>
-            <a:ext cx="8520599" cy="707399"/>
+            <a:ext cx="8520600" cy="707400"/>
           </a:xfrm>
           <a:prstGeom prst="rect">
             <a:avLst/>
@@ -13225,7 +12841,11 @@
                 <a:cs typeface="PT Sans Narrow"/>
                 <a:sym typeface="PT Sans Narrow"/>
               </a:rPr>
-              <a:t>CSS Inheritance</a:t>
+              <a:t>CSS </a:t>
+            </a:r>
+            <a:r>
+              <a:rPr lang="en"/>
+              <a:t>Cascading</a:t>
             </a:r>
           </a:p>
         </p:txBody>
@@ -13243,7 +12863,7 @@
         <p:spPr>
           <a:xfrm>
             <a:off x="311700" y="1266325"/>
-            <a:ext cx="8520599" cy="3302700"/>
+            <a:ext cx="8520600" cy="3302700"/>
           </a:xfrm>
           <a:prstGeom prst="rect">
             <a:avLst/>
@@ -13422,7 +13042,7 @@
         <p:spPr>
           <a:xfrm>
             <a:off x="311700" y="445025"/>
-            <a:ext cx="8520599" cy="707399"/>
+            <a:ext cx="8520600" cy="707400"/>
           </a:xfrm>
           <a:prstGeom prst="rect">
             <a:avLst/>
@@ -13483,7 +13103,7 @@
         <p:spPr>
           <a:xfrm>
             <a:off x="311700" y="1266325"/>
-            <a:ext cx="8520599" cy="3302700"/>
+            <a:ext cx="8520600" cy="3302700"/>
           </a:xfrm>
           <a:prstGeom prst="rect">
             <a:avLst/>
@@ -13517,7 +13137,7 @@
               <a:buNone/>
             </a:pPr>
             <a:r>
-              <a:rPr lang="en" sz="1800" b="0" i="0" u="none" strike="noStrike" cap="none" dirty="0">
+              <a:rPr lang="en" sz="1800" b="0" i="0" u="none" strike="noStrike" cap="none">
                 <a:solidFill>
                   <a:schemeClr val="dk2"/>
                 </a:solidFill>
@@ -13547,7 +13167,7 @@
               <a:buChar char="●"/>
             </a:pPr>
             <a:r>
-              <a:rPr lang="en" sz="1400" b="0" i="0" u="none" strike="noStrike" cap="none" dirty="0">
+              <a:rPr lang="en" sz="1400" b="0" i="0" u="none" strike="noStrike" cap="none">
                 <a:solidFill>
                   <a:schemeClr val="dk2"/>
                 </a:solidFill>
@@ -13556,10 +13176,28 @@
                 <a:cs typeface="Open Sans"/>
                 <a:sym typeface="Open Sans"/>
               </a:rPr>
-              <a:t>RGB values: rgb(102, 205, </a:t>
-            </a:r>
-            <a:r>
-              <a:rPr lang="en" sz="1400" b="0" i="0" u="none" strike="noStrike" cap="none" dirty="0" smtClean="0">
+              <a:t>RGB values: rgb(102, 205, 170)</a:t>
+            </a:r>
+          </a:p>
+          <a:p>
+            <a:pPr marL="457200" marR="0" lvl="0" indent="-228600" algn="l" rtl="0">
+              <a:lnSpc>
+                <a:spcPct val="115000"/>
+              </a:lnSpc>
+              <a:spcBef>
+                <a:spcPts val="1600"/>
+              </a:spcBef>
+              <a:spcAft>
+                <a:spcPts val="0"/>
+              </a:spcAft>
+              <a:buClr>
+                <a:schemeClr val="dk2"/>
+              </a:buClr>
+              <a:buFont typeface="Open Sans"/>
+              <a:buChar char="●"/>
+            </a:pPr>
+            <a:r>
+              <a:rPr lang="en" sz="1400" b="0" i="0" u="none" strike="noStrike" cap="none">
                 <a:solidFill>
                   <a:schemeClr val="dk2"/>
                 </a:solidFill>
@@ -13568,17 +13206,8 @@
                 <a:cs typeface="Open Sans"/>
                 <a:sym typeface="Open Sans"/>
               </a:rPr>
-              <a:t>170)</a:t>
-            </a:r>
-            <a:endParaRPr lang="en-US" sz="1400" b="0" i="0" u="none" strike="noStrike" cap="none" dirty="0" smtClean="0">
-              <a:solidFill>
-                <a:schemeClr val="dk2"/>
-              </a:solidFill>
-              <a:latin typeface="Open Sans"/>
-              <a:ea typeface="Open Sans"/>
-              <a:cs typeface="Open Sans"/>
-              <a:sym typeface="Open Sans"/>
-            </a:endParaRPr>
+              <a:t>Hex codes: #66cdaa</a:t>
+            </a:r>
           </a:p>
           <a:p>
             <a:pPr marL="457200" marR="0" lvl="0" indent="-228600" algn="l" rtl="0">
@@ -13586,7 +13215,7 @@
                 <a:spcPct val="115000"/>
               </a:lnSpc>
               <a:spcBef>
-                <a:spcPts val="0"/>
+                <a:spcPts val="1600"/>
               </a:spcBef>
               <a:spcAft>
                 <a:spcPts val="0"/>
@@ -13598,7 +13227,7 @@
               <a:buChar char="●"/>
             </a:pPr>
             <a:r>
-              <a:rPr lang="en" sz="1400" b="0" i="0" u="none" strike="noStrike" cap="none" dirty="0" smtClean="0">
+              <a:rPr lang="en" sz="1400" b="0" i="0" u="none" strike="noStrike" cap="none">
                 <a:solidFill>
                   <a:schemeClr val="dk2"/>
                 </a:solidFill>
@@ -13607,10 +13236,52 @@
                 <a:cs typeface="Open Sans"/>
                 <a:sym typeface="Open Sans"/>
               </a:rPr>
-              <a:t>Hex </a:t>
-            </a:r>
-            <a:r>
-              <a:rPr lang="en" sz="1400" b="0" i="0" u="none" strike="noStrike" cap="none" dirty="0">
+              <a:t>Color names: MediumAquaMarine</a:t>
+            </a:r>
+          </a:p>
+          <a:p>
+            <a:pPr marL="0" marR="0" lvl="0" indent="0" algn="l" rtl="0">
+              <a:lnSpc>
+                <a:spcPct val="115000"/>
+              </a:lnSpc>
+              <a:spcBef>
+                <a:spcPts val="1600"/>
+              </a:spcBef>
+              <a:spcAft>
+                <a:spcPts val="0"/>
+              </a:spcAft>
+              <a:buClr>
+                <a:schemeClr val="dk2"/>
+              </a:buClr>
+              <a:buSzPct val="25000"/>
+              <a:buFont typeface="Open Sans"/>
+              <a:buNone/>
+            </a:pPr>
+            <a:r>
+              <a:rPr lang="en"/>
+              <a:t>Hue, Saturation, Lightness</a:t>
+            </a:r>
+          </a:p>
+          <a:p>
+            <a:pPr marL="0" marR="0" lvl="0" indent="0" algn="l" rtl="0">
+              <a:lnSpc>
+                <a:spcPct val="115000"/>
+              </a:lnSpc>
+              <a:spcBef>
+                <a:spcPts val="1600"/>
+              </a:spcBef>
+              <a:spcAft>
+                <a:spcPts val="0"/>
+              </a:spcAft>
+              <a:buClr>
+                <a:schemeClr val="dk2"/>
+              </a:buClr>
+              <a:buSzPct val="25000"/>
+              <a:buFont typeface="Open Sans"/>
+              <a:buNone/>
+            </a:pPr>
+            <a:r>
+              <a:rPr lang="en" sz="1800" b="0" i="0" u="none" strike="noStrike" cap="none">
                 <a:solidFill>
                   <a:schemeClr val="dk2"/>
                 </a:solidFill>
@@ -13619,32 +13290,15 @@
                 <a:cs typeface="Open Sans"/>
                 <a:sym typeface="Open Sans"/>
               </a:rPr>
-              <a:t>codes: #</a:t>
-            </a:r>
-            <a:r>
-              <a:rPr lang="en" sz="1400" b="0" i="0" u="none" strike="noStrike" cap="none" dirty="0" smtClean="0">
-                <a:solidFill>
-                  <a:schemeClr val="dk2"/>
-                </a:solidFill>
-                <a:latin typeface="Open Sans"/>
-                <a:ea typeface="Open Sans"/>
-                <a:cs typeface="Open Sans"/>
-                <a:sym typeface="Open Sans"/>
-              </a:rPr>
-              <a:t>66cdaa</a:t>
-            </a:r>
-            <a:endParaRPr lang="en-US" sz="1400" b="0" i="0" u="none" strike="noStrike" cap="none" dirty="0" smtClean="0">
-              <a:solidFill>
-                <a:schemeClr val="dk2"/>
-              </a:solidFill>
-              <a:latin typeface="Open Sans"/>
-              <a:ea typeface="Open Sans"/>
-              <a:cs typeface="Open Sans"/>
-              <a:sym typeface="Open Sans"/>
-            </a:endParaRPr>
-          </a:p>
-          <a:p>
-            <a:pPr marL="457200" marR="0" lvl="0" indent="-228600" algn="l" rtl="0">
+              <a:t>Opacity (al</a:t>
+            </a:r>
+            <a:r>
+              <a:rPr lang="en"/>
+              <a:t>pha)</a:t>
+            </a:r>
+          </a:p>
+          <a:p>
+            <a:pPr marL="457200" marR="0" lvl="0" indent="-317500" algn="l" rtl="0">
               <a:lnSpc>
                 <a:spcPct val="115000"/>
               </a:lnSpc>
@@ -13657,147 +13311,12 @@
               <a:buClr>
                 <a:schemeClr val="dk2"/>
               </a:buClr>
+              <a:buSzPct val="100000"/>
               <a:buFont typeface="Open Sans"/>
               <a:buChar char="●"/>
             </a:pPr>
             <a:r>
-              <a:rPr lang="en" sz="1400" b="0" i="0" u="none" strike="noStrike" cap="none" dirty="0" smtClean="0">
-                <a:solidFill>
-                  <a:schemeClr val="dk2"/>
-                </a:solidFill>
-                <a:latin typeface="Open Sans"/>
-                <a:ea typeface="Open Sans"/>
-                <a:cs typeface="Open Sans"/>
-                <a:sym typeface="Open Sans"/>
-              </a:rPr>
-              <a:t>Color </a:t>
-            </a:r>
-            <a:r>
-              <a:rPr lang="en" sz="1400" b="0" i="0" u="none" strike="noStrike" cap="none" dirty="0">
-                <a:solidFill>
-                  <a:schemeClr val="dk2"/>
-                </a:solidFill>
-                <a:latin typeface="Open Sans"/>
-                <a:ea typeface="Open Sans"/>
-                <a:cs typeface="Open Sans"/>
-                <a:sym typeface="Open Sans"/>
-              </a:rPr>
-              <a:t>names: MediumAquaMarine</a:t>
-            </a:r>
-          </a:p>
-          <a:p>
-            <a:pPr marL="0" marR="0" lvl="0" indent="0" algn="l" rtl="0">
-              <a:lnSpc>
-                <a:spcPct val="115000"/>
-              </a:lnSpc>
-              <a:spcBef>
-                <a:spcPts val="1600"/>
-              </a:spcBef>
-              <a:spcAft>
-                <a:spcPts val="0"/>
-              </a:spcAft>
-              <a:buClr>
-                <a:schemeClr val="dk2"/>
-              </a:buClr>
-              <a:buSzPct val="25000"/>
-              <a:buFont typeface="Open Sans"/>
-              <a:buNone/>
-            </a:pPr>
-            <a:r>
-              <a:rPr lang="en" sz="1800" b="0" i="0" u="none" strike="noStrike" cap="none" dirty="0">
-                <a:solidFill>
-                  <a:schemeClr val="dk2"/>
-                </a:solidFill>
-                <a:latin typeface="Open Sans"/>
-                <a:ea typeface="Open Sans"/>
-                <a:cs typeface="Open Sans"/>
-                <a:sym typeface="Open Sans"/>
-              </a:rPr>
-              <a:t>Contrast</a:t>
-            </a:r>
-          </a:p>
-          <a:p>
-            <a:pPr marL="0" marR="0" lvl="0" indent="0" algn="l" rtl="0">
-              <a:lnSpc>
-                <a:spcPct val="115000"/>
-              </a:lnSpc>
-              <a:spcBef>
-                <a:spcPts val="1600"/>
-              </a:spcBef>
-              <a:spcAft>
-                <a:spcPts val="0"/>
-              </a:spcAft>
-              <a:buClr>
-                <a:schemeClr val="dk2"/>
-              </a:buClr>
-              <a:buSzPct val="25000"/>
-              <a:buFont typeface="Open Sans"/>
-              <a:buNone/>
-            </a:pPr>
-            <a:r>
-              <a:rPr lang="en" sz="1800" b="0" i="0" u="none" strike="noStrike" cap="none" dirty="0">
-                <a:solidFill>
-                  <a:schemeClr val="dk2"/>
-                </a:solidFill>
-                <a:latin typeface="Open Sans"/>
-                <a:ea typeface="Open Sans"/>
-                <a:cs typeface="Open Sans"/>
-                <a:sym typeface="Open Sans"/>
-              </a:rPr>
-              <a:t>Hue, Saturation, Lightness</a:t>
-            </a:r>
-          </a:p>
-          <a:p>
-            <a:pPr marL="0" marR="0" lvl="0" indent="0" algn="l" rtl="0">
-              <a:lnSpc>
-                <a:spcPct val="115000"/>
-              </a:lnSpc>
-              <a:spcBef>
-                <a:spcPts val="1600"/>
-              </a:spcBef>
-              <a:spcAft>
-                <a:spcPts val="0"/>
-              </a:spcAft>
-              <a:buClr>
-                <a:schemeClr val="dk2"/>
-              </a:buClr>
-              <a:buSzPct val="25000"/>
-              <a:buFont typeface="Open Sans"/>
-              <a:buNone/>
-            </a:pPr>
-            <a:r>
-              <a:rPr lang="en" sz="1800" b="0" i="0" u="none" strike="noStrike" cap="none" dirty="0">
-                <a:solidFill>
-                  <a:schemeClr val="dk2"/>
-                </a:solidFill>
-                <a:latin typeface="Open Sans"/>
-                <a:ea typeface="Open Sans"/>
-                <a:cs typeface="Open Sans"/>
-                <a:sym typeface="Open Sans"/>
-              </a:rPr>
-              <a:t>Opacity</a:t>
-            </a:r>
-          </a:p>
-          <a:p>
-            <a:pPr marL="457200" marR="0" lvl="0" indent="-317500" algn="l" rtl="0">
-              <a:lnSpc>
-                <a:spcPct val="115000"/>
-              </a:lnSpc>
-              <a:spcBef>
-                <a:spcPts val="0"/>
-              </a:spcBef>
-              <a:spcAft>
-                <a:spcPts val="0"/>
-              </a:spcAft>
-              <a:buClr>
-                <a:schemeClr val="dk2"/>
-              </a:buClr>
-              <a:buSzPct val="100000"/>
-              <a:buFont typeface="Open Sans"/>
-              <a:buChar char="●"/>
-            </a:pPr>
-            <a:r>
-              <a:rPr lang="en" sz="1400" b="0" i="0" u="none" strike="noStrike" cap="none" dirty="0">
+              <a:rPr lang="en" sz="1400" b="0" i="0" u="none" strike="noStrike" cap="none">
                 <a:solidFill>
                   <a:schemeClr val="dk2"/>
                 </a:solidFill>
@@ -13828,7 +13347,7 @@
               <a:buChar char="●"/>
             </a:pPr>
             <a:r>
-              <a:rPr lang="en" sz="1400" b="0" i="0" u="none" strike="noStrike" cap="none" dirty="0">
+              <a:rPr lang="en" sz="1400" b="0" i="0" u="none" strike="noStrike" cap="none">
                 <a:solidFill>
                   <a:schemeClr val="dk2"/>
                 </a:solidFill>
@@ -13880,7 +13399,7 @@
         <p:spPr>
           <a:xfrm>
             <a:off x="311700" y="445025"/>
-            <a:ext cx="8520599" cy="707399"/>
+            <a:ext cx="8520600" cy="707400"/>
           </a:xfrm>
           <a:prstGeom prst="rect">
             <a:avLst/>
@@ -13941,7 +13460,7 @@
         <p:spPr>
           <a:xfrm>
             <a:off x="311700" y="1080775"/>
-            <a:ext cx="8520599" cy="3488100"/>
+            <a:ext cx="8520600" cy="3488100"/>
           </a:xfrm>
           <a:prstGeom prst="rect">
             <a:avLst/>
@@ -13957,13 +13476,10 @@
           </a:bodyPr>
           <a:lstStyle/>
           <a:p>
-            <a:pPr marL="228600" marR="0" lvl="0" indent="-317500" algn="l" rtl="0">
-              <a:lnSpc>
-                <a:spcPct val="25000"/>
-              </a:lnSpc>
-              <a:spcBef>
-                <a:spcPts val="0"/>
-              </a:spcBef>
+            <a:pPr marL="457200" marR="0" lvl="0" indent="-317500" algn="l" rtl="0">
+              <a:lnSpc>
+                <a:spcPct val="130000"/>
+              </a:lnSpc>
               <a:spcAft>
                 <a:spcPts val="0"/>
               </a:spcAft>
@@ -13984,17 +13500,14 @@
                 <a:cs typeface="Open Sans"/>
                 <a:sym typeface="Open Sans"/>
               </a:rPr>
-              <a:t>font-family (serif, sans-serif)</a:t>
-            </a:r>
-          </a:p>
-          <a:p>
-            <a:pPr marL="228600" marR="0" lvl="0" indent="-317500" algn="l" rtl="0">
-              <a:lnSpc>
-                <a:spcPct val="25000"/>
-              </a:lnSpc>
-              <a:spcBef>
-                <a:spcPts val="1600"/>
-              </a:spcBef>
+              <a:t>font-family (serif, sans-serif, monospace)</a:t>
+            </a:r>
+          </a:p>
+          <a:p>
+            <a:pPr marL="457200" marR="0" lvl="0" indent="-317500" algn="l" rtl="0">
+              <a:lnSpc>
+                <a:spcPct val="130000"/>
+              </a:lnSpc>
               <a:spcAft>
                 <a:spcPts val="0"/>
               </a:spcAft>
@@ -14019,13 +13532,10 @@
             </a:r>
           </a:p>
           <a:p>
-            <a:pPr marL="228600" marR="0" lvl="0" indent="-317500" algn="l" rtl="0">
-              <a:lnSpc>
-                <a:spcPct val="25000"/>
-              </a:lnSpc>
-              <a:spcBef>
-                <a:spcPts val="1600"/>
-              </a:spcBef>
+            <a:pPr marL="457200" marR="0" lvl="0" indent="-317500" algn="l" rtl="0">
+              <a:lnSpc>
+                <a:spcPct val="130000"/>
+              </a:lnSpc>
               <a:spcAft>
                 <a:spcPts val="0"/>
               </a:spcAft>
@@ -14050,13 +13560,10 @@
             </a:r>
           </a:p>
           <a:p>
-            <a:pPr marL="228600" marR="0" lvl="0" indent="-317500" algn="l" rtl="0">
-              <a:lnSpc>
-                <a:spcPct val="25000"/>
-              </a:lnSpc>
-              <a:spcBef>
-                <a:spcPts val="1600"/>
-              </a:spcBef>
+            <a:pPr marL="457200" marR="0" lvl="0" indent="-317500" algn="l" rtl="0">
+              <a:lnSpc>
+                <a:spcPct val="130000"/>
+              </a:lnSpc>
               <a:spcAft>
                 <a:spcPts val="0"/>
               </a:spcAft>
@@ -14077,17 +13584,14 @@
                 <a:cs typeface="Open Sans"/>
                 <a:sym typeface="Open Sans"/>
               </a:rPr>
-              <a:t>font-weight (normal, bold)</a:t>
-            </a:r>
-          </a:p>
-          <a:p>
-            <a:pPr marL="228600" marR="0" lvl="0" indent="-317500" algn="l" rtl="0">
-              <a:lnSpc>
-                <a:spcPct val="25000"/>
-              </a:lnSpc>
-              <a:spcBef>
-                <a:spcPts val="1600"/>
-              </a:spcBef>
+              <a:t>font-weight (normal, bold, ...)</a:t>
+            </a:r>
+          </a:p>
+          <a:p>
+            <a:pPr marL="457200" marR="0" lvl="0" indent="-317500" algn="l" rtl="0">
+              <a:lnSpc>
+                <a:spcPct val="130000"/>
+              </a:lnSpc>
               <a:spcAft>
                 <a:spcPts val="0"/>
               </a:spcAft>
@@ -14112,13 +13616,10 @@
             </a:r>
           </a:p>
           <a:p>
-            <a:pPr marL="228600" marR="0" lvl="0" indent="-317500" algn="l" rtl="0">
-              <a:lnSpc>
-                <a:spcPct val="25000"/>
-              </a:lnSpc>
-              <a:spcBef>
-                <a:spcPts val="1600"/>
-              </a:spcBef>
+            <a:pPr marL="457200" marR="0" lvl="0" indent="-317500" algn="l" rtl="0">
+              <a:lnSpc>
+                <a:spcPct val="130000"/>
+              </a:lnSpc>
               <a:spcAft>
                 <a:spcPts val="0"/>
               </a:spcAft>
@@ -14143,13 +13644,10 @@
             </a:r>
           </a:p>
           <a:p>
-            <a:pPr marL="228600" marR="0" lvl="0" indent="-317500" algn="l" rtl="0">
-              <a:lnSpc>
-                <a:spcPct val="25000"/>
-              </a:lnSpc>
-              <a:spcBef>
-                <a:spcPts val="1600"/>
-              </a:spcBef>
+            <a:pPr marL="457200" marR="0" lvl="0" indent="-317500" algn="l" rtl="0">
+              <a:lnSpc>
+                <a:spcPct val="130000"/>
+              </a:lnSpc>
               <a:spcAft>
                 <a:spcPts val="0"/>
               </a:spcAft>
@@ -14170,17 +13668,14 @@
                 <a:cs typeface="Open Sans"/>
                 <a:sym typeface="Open Sans"/>
               </a:rPr>
-              <a:t>text-decoration (none, underline, overline line-through, blink)</a:t>
-            </a:r>
-          </a:p>
-          <a:p>
-            <a:pPr marL="228600" marR="0" lvl="0" indent="-317500" algn="l" rtl="0">
-              <a:lnSpc>
-                <a:spcPct val="25000"/>
-              </a:lnSpc>
-              <a:spcBef>
-                <a:spcPts val="1600"/>
-              </a:spcBef>
+              <a:t>text-decoration (none, underline, overline line-through)</a:t>
+            </a:r>
+          </a:p>
+          <a:p>
+            <a:pPr marL="457200" marR="0" lvl="0" indent="-317500" algn="l" rtl="0">
+              <a:lnSpc>
+                <a:spcPct val="130000"/>
+              </a:lnSpc>
               <a:spcAft>
                 <a:spcPts val="0"/>
               </a:spcAft>
@@ -14205,13 +13700,10 @@
             </a:r>
           </a:p>
           <a:p>
-            <a:pPr marL="228600" marR="0" lvl="0" indent="-317500" algn="l" rtl="0">
-              <a:lnSpc>
-                <a:spcPct val="25000"/>
-              </a:lnSpc>
-              <a:spcBef>
-                <a:spcPts val="1600"/>
-              </a:spcBef>
+            <a:pPr marL="457200" marR="0" lvl="0" indent="-317500" algn="l" rtl="0">
+              <a:lnSpc>
+                <a:spcPct val="130000"/>
+              </a:lnSpc>
               <a:spcAft>
                 <a:spcPts val="0"/>
               </a:spcAft>
@@ -14236,13 +13728,10 @@
             </a:r>
           </a:p>
           <a:p>
-            <a:pPr marL="228600" marR="0" lvl="0" indent="-317500" algn="l" rtl="0">
-              <a:lnSpc>
-                <a:spcPct val="25000"/>
-              </a:lnSpc>
-              <a:spcBef>
-                <a:spcPts val="1600"/>
-              </a:spcBef>
+            <a:pPr marL="457200" marR="0" lvl="0" indent="-317500" algn="l" rtl="0">
+              <a:lnSpc>
+                <a:spcPct val="130000"/>
+              </a:lnSpc>
               <a:spcAft>
                 <a:spcPts val="0"/>
               </a:spcAft>
@@ -14267,13 +13756,10 @@
             </a:r>
           </a:p>
           <a:p>
-            <a:pPr marL="228600" marR="0" lvl="0" indent="-317500" algn="l" rtl="0">
-              <a:lnSpc>
-                <a:spcPct val="25000"/>
-              </a:lnSpc>
-              <a:spcBef>
-                <a:spcPts val="1600"/>
-              </a:spcBef>
+            <a:pPr marL="457200" marR="0" lvl="0" indent="-317500" algn="l" rtl="0">
+              <a:lnSpc>
+                <a:spcPct val="130000"/>
+              </a:lnSpc>
               <a:spcAft>
                 <a:spcPts val="0"/>
               </a:spcAft>
@@ -14298,13 +13784,10 @@
             </a:r>
           </a:p>
           <a:p>
-            <a:pPr marL="228600" marR="0" lvl="0" indent="-317500" algn="l" rtl="0">
-              <a:lnSpc>
-                <a:spcPct val="25000"/>
-              </a:lnSpc>
-              <a:spcBef>
-                <a:spcPts val="1600"/>
-              </a:spcBef>
+            <a:pPr marL="457200" marR="0" lvl="0" indent="-317500" algn="l" rtl="0">
+              <a:lnSpc>
+                <a:spcPct val="130000"/>
+              </a:lnSpc>
               <a:spcAft>
                 <a:spcPts val="0"/>
               </a:spcAft>
@@ -14329,13 +13812,10 @@
             </a:r>
           </a:p>
           <a:p>
-            <a:pPr marL="228600" marR="0" lvl="0" indent="-317500" algn="l" rtl="0">
-              <a:lnSpc>
-                <a:spcPct val="25000"/>
-              </a:lnSpc>
-              <a:spcBef>
-                <a:spcPts val="1600"/>
-              </a:spcBef>
+            <a:pPr marL="457200" marR="0" lvl="0" indent="-317500" algn="l" rtl="0">
+              <a:lnSpc>
+                <a:spcPct val="130000"/>
+              </a:lnSpc>
               <a:spcAft>
                 <a:spcPts val="0"/>
               </a:spcAft>
@@ -14356,69 +13836,11 @@
                 <a:cs typeface="Open Sans"/>
                 <a:sym typeface="Open Sans"/>
               </a:rPr>
-              <a:t>:first-letter, :first-line</a:t>
-            </a:r>
-          </a:p>
-          <a:p>
-            <a:pPr marL="228600" marR="0" lvl="0" indent="-317500" algn="l" rtl="0">
-              <a:lnSpc>
-                <a:spcPct val="25000"/>
-              </a:lnSpc>
-              <a:spcBef>
-                <a:spcPts val="1600"/>
-              </a:spcBef>
-              <a:spcAft>
-                <a:spcPts val="0"/>
-              </a:spcAft>
-              <a:buClr>
-                <a:schemeClr val="dk2"/>
-              </a:buClr>
-              <a:buSzPct val="100000"/>
-              <a:buFont typeface="Open Sans"/>
-              <a:buChar char="●"/>
-            </a:pPr>
-            <a:r>
-              <a:rPr lang="en" sz="1400" b="0" i="0" u="none" strike="noStrike" cap="none" dirty="0">
-                <a:solidFill>
-                  <a:schemeClr val="dk2"/>
-                </a:solidFill>
-                <a:latin typeface="Open Sans"/>
-                <a:ea typeface="Open Sans"/>
-                <a:cs typeface="Open Sans"/>
-                <a:sym typeface="Open Sans"/>
-              </a:rPr>
-              <a:t>:link, :visited</a:t>
-            </a:r>
-          </a:p>
-          <a:p>
-            <a:pPr marL="228600" marR="0" lvl="0" indent="-317500" algn="l" rtl="0">
-              <a:lnSpc>
-                <a:spcPct val="25000"/>
-              </a:lnSpc>
-              <a:spcBef>
-                <a:spcPts val="1600"/>
-              </a:spcBef>
-              <a:spcAft>
-                <a:spcPts val="0"/>
-              </a:spcAft>
-              <a:buClr>
-                <a:schemeClr val="dk2"/>
-              </a:buClr>
-              <a:buSzPct val="100000"/>
-              <a:buFont typeface="Open Sans"/>
-              <a:buChar char="●"/>
-            </a:pPr>
-            <a:r>
-              <a:rPr lang="en" sz="1400" b="0" i="0" u="none" strike="noStrike" cap="none" dirty="0">
-                <a:solidFill>
-                  <a:schemeClr val="dk2"/>
-                </a:solidFill>
-                <a:latin typeface="Open Sans"/>
-                <a:ea typeface="Open Sans"/>
-                <a:cs typeface="Open Sans"/>
-                <a:sym typeface="Open Sans"/>
-              </a:rPr>
-              <a:t>:hover, :active, :focus</a:t>
+              <a:t>:first-letter, :first-lin</a:t>
+            </a:r>
+            <a:r>
+              <a:rPr lang="en" sz="1400" dirty="0"/>
+              <a:t>e</a:t>
             </a:r>
           </a:p>
         </p:txBody>
@@ -14473,17 +13895,13 @@
           </a:bodyPr>
           <a:lstStyle/>
           <a:p>
-            <a:pPr marL="228600" lvl="0" indent="-228600" rtl="0">
+            <a:pPr marL="228600" lvl="0" indent="-228600">
               <a:lnSpc>
                 <a:spcPct val="100000"/>
               </a:lnSpc>
-              <a:spcBef>
-                <a:spcPts val="0"/>
-              </a:spcBef>
-              <a:spcAft>
-                <a:spcPts val="0"/>
-              </a:spcAft>
-              <a:buNone/>
+              <a:spcAft>
+                <a:spcPts val="0"/>
+              </a:spcAft>
             </a:pPr>
             <a:r>
               <a:rPr lang="en" dirty="0"/>
@@ -14491,52 +13909,35 @@
             </a:r>
           </a:p>
           <a:p>
-            <a:pPr marL="228600" lvl="0" indent="-228600" rtl="0">
+            <a:pPr marL="228600" lvl="0" indent="-228600">
               <a:lnSpc>
                 <a:spcPct val="100000"/>
               </a:lnSpc>
-              <a:spcBef>
-                <a:spcPts val="0"/>
-              </a:spcBef>
               <a:buChar char="●"/>
             </a:pPr>
             <a:r>
               <a:rPr lang="en" sz="1400" dirty="0"/>
-              <a:t>Stands for HyperText Markup </a:t>
-            </a:r>
-            <a:r>
-              <a:rPr lang="en" sz="1400" dirty="0" smtClean="0"/>
-              <a:t>Language</a:t>
+              <a:t>Stands for HyperText Markup Language</a:t>
             </a:r>
             <a:endParaRPr lang="en-US" sz="1400" dirty="0"/>
           </a:p>
           <a:p>
-            <a:pPr marL="228600" lvl="0" indent="-228600" rtl="0">
+            <a:pPr marL="228600" lvl="0" indent="-228600">
               <a:lnSpc>
                 <a:spcPct val="100000"/>
               </a:lnSpc>
-              <a:spcBef>
-                <a:spcPts val="0"/>
-              </a:spcBef>
               <a:buChar char="●"/>
             </a:pPr>
             <a:r>
-              <a:rPr lang="en" sz="1400" dirty="0" smtClean="0"/>
-              <a:t>Describes </a:t>
-            </a:r>
-            <a:r>
               <a:rPr lang="en" sz="1400" dirty="0"/>
-              <a:t>the structure of web pages</a:t>
-            </a:r>
-          </a:p>
-          <a:p>
-            <a:pPr marL="228600" lvl="0" indent="-228600" rtl="0">
+              <a:t>Describes the structure of web pages</a:t>
+            </a:r>
+          </a:p>
+          <a:p>
+            <a:pPr marL="228600" lvl="0" indent="-228600">
               <a:lnSpc>
                 <a:spcPct val="100000"/>
               </a:lnSpc>
-              <a:spcBef>
-                <a:spcPts val="0"/>
-              </a:spcBef>
               <a:buChar char="●"/>
             </a:pPr>
             <a:r>
@@ -14545,17 +13946,13 @@
             </a:r>
           </a:p>
           <a:p>
-            <a:pPr marL="228600" lvl="0" indent="-228600" rtl="0">
+            <a:pPr marL="228600" lvl="0" indent="-228600">
               <a:lnSpc>
                 <a:spcPct val="100000"/>
               </a:lnSpc>
-              <a:spcBef>
-                <a:spcPts val="0"/>
-              </a:spcBef>
-              <a:spcAft>
-                <a:spcPts val="0"/>
-              </a:spcAft>
-              <a:buNone/>
+              <a:spcAft>
+                <a:spcPts val="0"/>
+              </a:spcAft>
             </a:pPr>
             <a:r>
               <a:rPr lang="en" dirty="0"/>
@@ -14563,13 +13960,10 @@
             </a:r>
           </a:p>
           <a:p>
-            <a:pPr marL="228600" lvl="0" indent="-228600" rtl="0">
+            <a:pPr marL="228600" lvl="0" indent="-228600">
               <a:lnSpc>
                 <a:spcPct val="100000"/>
               </a:lnSpc>
-              <a:spcBef>
-                <a:spcPts val="0"/>
-              </a:spcBef>
               <a:buChar char="●"/>
             </a:pPr>
             <a:r>
@@ -14578,13 +13972,10 @@
             </a:r>
           </a:p>
           <a:p>
-            <a:pPr marL="228600" lvl="0" indent="-228600" rtl="0">
+            <a:pPr marL="228600" lvl="0" indent="-228600">
               <a:lnSpc>
                 <a:spcPct val="100000"/>
               </a:lnSpc>
-              <a:spcBef>
-                <a:spcPts val="0"/>
-              </a:spcBef>
               <a:buChar char="●"/>
             </a:pPr>
             <a:r>
@@ -14593,23 +13984,21 @@
             </a:r>
           </a:p>
           <a:p>
-            <a:pPr marL="228600" lvl="1" indent="-228600" rtl="0">
+            <a:pPr marL="228600" lvl="1" indent="-228600">
               <a:lnSpc>
                 <a:spcPct val="100000"/>
               </a:lnSpc>
-              <a:spcBef>
-                <a:spcPts val="0"/>
-              </a:spcBef>
               <a:buChar char="○"/>
             </a:pPr>
             <a:r>
-              <a:rPr lang="en" sz="1400" dirty="0"/>
-              <a:t>In other words: “The HTML DOM is a standard for how to get, change, add, or delete HTML elements.”</a:t>
-            </a:r>
-            <a:br>
-              <a:rPr lang="en" sz="1400" dirty="0"/>
-            </a:br>
-            <a:endParaRPr lang="en" sz="1400" dirty="0"/>
+              <a:rPr lang="en" dirty="0"/>
+              <a:t>In other words: “The HTML DOM is a standard for how to get, change, add, or delete HTML elements</a:t>
+            </a:r>
+            <a:r>
+              <a:rPr lang="en" dirty="0" smtClean="0"/>
+              <a:t>.”</a:t>
+            </a:r>
+            <a:endParaRPr lang="en" dirty="0"/>
           </a:p>
         </p:txBody>
       </p:sp>
@@ -14638,7 +14027,7 @@
           </a:bodyPr>
           <a:lstStyle/>
           <a:p>
-            <a:pPr lvl="0">
+            <a:pPr lvl="0" rtl="0">
               <a:spcBef>
                 <a:spcPts val="0"/>
               </a:spcBef>
@@ -14655,7 +14044,7 @@
             </a:r>
           </a:p>
           <a:p>
-            <a:pPr lvl="0">
+            <a:pPr lvl="0" rtl="0">
               <a:spcBef>
                 <a:spcPts val="0"/>
               </a:spcBef>
@@ -14703,7 +14092,7 @@
         <p:spPr>
           <a:xfrm>
             <a:off x="311700" y="445025"/>
-            <a:ext cx="8520599" cy="707399"/>
+            <a:ext cx="8520600" cy="707400"/>
           </a:xfrm>
           <a:prstGeom prst="rect">
             <a:avLst/>
@@ -14746,25 +14135,28 @@
                 <a:cs typeface="PT Sans Narrow"/>
                 <a:sym typeface="PT Sans Narrow"/>
               </a:rPr>
-              <a:t>CSS Boxes</a:t>
+              <a:t>CSS Box Model</a:t>
             </a:r>
           </a:p>
         </p:txBody>
       </p:sp>
-      <p:sp>
-        <p:nvSpPr>
+      <p:pic>
+        <p:nvPicPr>
           <p:cNvPr id="181" name="Shape 181"/>
-          <p:cNvSpPr txBox="1">
-            <a:spLocks noGrp="1"/>
-          </p:cNvSpPr>
-          <p:nvPr>
-            <p:ph type="body" idx="1"/>
-          </p:nvPr>
-        </p:nvSpPr>
+          <p:cNvPicPr preferRelativeResize="0"/>
+          <p:nvPr/>
+        </p:nvPicPr>
+        <p:blipFill rotWithShape="1">
+          <a:blip r:embed="rId3">
+            <a:alphaModFix/>
+          </a:blip>
+          <a:srcRect/>
+          <a:stretch/>
+        </p:blipFill>
         <p:spPr>
           <a:xfrm>
-            <a:off x="311700" y="1266325"/>
-            <a:ext cx="8520599" cy="3302700"/>
+            <a:off x="1092900" y="1118725"/>
+            <a:ext cx="6958200" cy="3597900"/>
           </a:xfrm>
           <a:prstGeom prst="rect">
             <a:avLst/>
@@ -14774,312 +14166,78 @@
             <a:noFill/>
           </a:ln>
         </p:spPr>
+      </p:pic>
+      <p:sp>
+        <p:nvSpPr>
+          <p:cNvPr id="182" name="Shape 182"/>
+          <p:cNvSpPr/>
+          <p:nvPr/>
+        </p:nvSpPr>
+        <p:spPr>
+          <a:xfrm>
+            <a:off x="6548200" y="2360450"/>
+            <a:ext cx="908400" cy="438300"/>
+          </a:xfrm>
+          <a:prstGeom prst="rect">
+            <a:avLst/>
+          </a:prstGeom>
+          <a:solidFill>
+            <a:srgbClr val="FDE4CD"/>
+          </a:solidFill>
+          <a:ln>
+            <a:noFill/>
+          </a:ln>
+        </p:spPr>
         <p:txBody>
-          <a:bodyPr lIns="91425" tIns="91425" rIns="91425" bIns="91425" anchor="t" anchorCtr="0">
+          <a:bodyPr lIns="91425" tIns="91425" rIns="91425" bIns="91425" anchor="ctr" anchorCtr="0">
             <a:noAutofit/>
           </a:bodyPr>
           <a:lstStyle/>
           <a:p>
-            <a:pPr marL="182880" marR="0" lvl="0" indent="-228600" algn="l" rtl="0">
-              <a:lnSpc>
-                <a:spcPct val="25000"/>
-              </a:lnSpc>
-              <a:spcBef>
-                <a:spcPts val="0"/>
-              </a:spcBef>
-              <a:spcAft>
-                <a:spcPts val="0"/>
-              </a:spcAft>
-              <a:buClr>
-                <a:schemeClr val="dk2"/>
-              </a:buClr>
-              <a:buFont typeface="Open Sans"/>
-              <a:buChar char="●"/>
-            </a:pPr>
-            <a:r>
-              <a:rPr lang="en" sz="1400" b="0" i="0" u="none" strike="noStrike" cap="none" dirty="0">
-                <a:solidFill>
-                  <a:schemeClr val="dk2"/>
-                </a:solidFill>
-                <a:latin typeface="Open Sans"/>
-                <a:ea typeface="Open Sans"/>
-                <a:cs typeface="Open Sans"/>
-                <a:sym typeface="Open Sans"/>
-              </a:rPr>
-              <a:t>width, height, min-width, max-width, min-height, max-height</a:t>
-            </a:r>
-          </a:p>
-          <a:p>
-            <a:pPr marL="182880" marR="0" lvl="0" indent="-228600" algn="l" rtl="0">
-              <a:lnSpc>
-                <a:spcPct val="25000"/>
-              </a:lnSpc>
-              <a:spcBef>
-                <a:spcPts val="1600"/>
-              </a:spcBef>
-              <a:spcAft>
-                <a:spcPts val="0"/>
-              </a:spcAft>
-              <a:buClr>
-                <a:schemeClr val="dk2"/>
-              </a:buClr>
-              <a:buFont typeface="Open Sans"/>
-              <a:buChar char="●"/>
-            </a:pPr>
-            <a:r>
-              <a:rPr lang="en" sz="1400" b="0" i="0" u="none" strike="noStrike" cap="none" dirty="0">
-                <a:solidFill>
-                  <a:schemeClr val="dk2"/>
-                </a:solidFill>
-                <a:latin typeface="Open Sans"/>
-                <a:ea typeface="Open Sans"/>
-                <a:cs typeface="Open Sans"/>
-                <a:sym typeface="Open Sans"/>
-              </a:rPr>
-              <a:t>overflow (hidden, scroll)</a:t>
-            </a:r>
-          </a:p>
-          <a:p>
-            <a:pPr marL="182880" marR="0" lvl="0" indent="-228600" algn="l" rtl="0">
-              <a:lnSpc>
-                <a:spcPct val="25000"/>
-              </a:lnSpc>
-              <a:spcBef>
-                <a:spcPts val="1600"/>
-              </a:spcBef>
-              <a:spcAft>
-                <a:spcPts val="0"/>
-              </a:spcAft>
-              <a:buClr>
-                <a:schemeClr val="dk2"/>
-              </a:buClr>
-              <a:buFont typeface="Open Sans"/>
-              <a:buChar char="●"/>
-            </a:pPr>
-            <a:r>
-              <a:rPr lang="en" sz="1400" b="0" i="0" u="none" strike="noStrike" cap="none" dirty="0">
-                <a:solidFill>
-                  <a:schemeClr val="dk2"/>
-                </a:solidFill>
-                <a:latin typeface="Open Sans"/>
-                <a:ea typeface="Open Sans"/>
-                <a:cs typeface="Open Sans"/>
-                <a:sym typeface="Open Sans"/>
-              </a:rPr>
-              <a:t>border, margin, padding</a:t>
-            </a:r>
-          </a:p>
-          <a:p>
-            <a:pPr marL="182880" marR="0" lvl="0" indent="-228600" algn="l" rtl="0">
-              <a:lnSpc>
-                <a:spcPct val="25000"/>
-              </a:lnSpc>
-              <a:spcBef>
-                <a:spcPts val="1600"/>
-              </a:spcBef>
-              <a:spcAft>
-                <a:spcPts val="0"/>
-              </a:spcAft>
-              <a:buClr>
-                <a:schemeClr val="dk2"/>
-              </a:buClr>
-              <a:buFont typeface="Open Sans"/>
-              <a:buChar char="●"/>
-            </a:pPr>
-            <a:r>
-              <a:rPr lang="en" sz="1400" b="0" i="0" u="none" strike="noStrike" cap="none" dirty="0">
-                <a:solidFill>
-                  <a:schemeClr val="dk2"/>
-                </a:solidFill>
-                <a:latin typeface="Open Sans"/>
-                <a:ea typeface="Open Sans"/>
-                <a:cs typeface="Open Sans"/>
-                <a:sym typeface="Open Sans"/>
-              </a:rPr>
-              <a:t>border-width, border-style, border-color</a:t>
-            </a:r>
-          </a:p>
-          <a:p>
-            <a:pPr marL="182880" marR="0" lvl="0" indent="-228600" algn="l" rtl="0">
-              <a:lnSpc>
-                <a:spcPct val="25000"/>
-              </a:lnSpc>
-              <a:spcBef>
-                <a:spcPts val="1600"/>
-              </a:spcBef>
-              <a:spcAft>
-                <a:spcPts val="0"/>
-              </a:spcAft>
-              <a:buClr>
-                <a:schemeClr val="dk2"/>
-              </a:buClr>
-              <a:buFont typeface="Open Sans"/>
-              <a:buChar char="●"/>
-            </a:pPr>
-            <a:r>
-              <a:rPr lang="en" sz="1400" b="0" i="0" u="none" strike="noStrike" cap="none" dirty="0">
-                <a:solidFill>
-                  <a:schemeClr val="dk2"/>
-                </a:solidFill>
-                <a:latin typeface="Open Sans"/>
-                <a:ea typeface="Open Sans"/>
-                <a:cs typeface="Open Sans"/>
-                <a:sym typeface="Open Sans"/>
-              </a:rPr>
-              <a:t>display (inline, block, inline-block, none) </a:t>
-            </a:r>
-            <a:r>
-              <a:rPr lang="en" sz="1400" dirty="0"/>
-              <a:t>- </a:t>
-            </a:r>
-            <a:r>
-              <a:rPr lang="en" sz="1400" b="0" i="0" u="none" strike="noStrike" cap="none" dirty="0">
-                <a:solidFill>
-                  <a:schemeClr val="dk2"/>
-                </a:solidFill>
-                <a:latin typeface="Open Sans"/>
-                <a:ea typeface="Open Sans"/>
-                <a:cs typeface="Open Sans"/>
-                <a:sym typeface="Open Sans"/>
-              </a:rPr>
-              <a:t>turns inline element into block-level element</a:t>
-            </a:r>
-          </a:p>
-          <a:p>
-            <a:pPr marL="182880" marR="0" lvl="0" indent="-228600" algn="l" rtl="0">
-              <a:lnSpc>
-                <a:spcPct val="25000"/>
-              </a:lnSpc>
-              <a:spcBef>
-                <a:spcPts val="1600"/>
-              </a:spcBef>
-              <a:spcAft>
-                <a:spcPts val="0"/>
-              </a:spcAft>
-              <a:buClr>
-                <a:schemeClr val="dk2"/>
-              </a:buClr>
-              <a:buFont typeface="Open Sans"/>
-              <a:buChar char="●"/>
-            </a:pPr>
-            <a:r>
-              <a:rPr lang="en" sz="1400" b="0" i="0" u="none" strike="noStrike" cap="none" dirty="0">
-                <a:solidFill>
-                  <a:schemeClr val="dk2"/>
-                </a:solidFill>
-                <a:latin typeface="Open Sans"/>
-                <a:ea typeface="Open Sans"/>
-                <a:cs typeface="Open Sans"/>
-                <a:sym typeface="Open Sans"/>
-              </a:rPr>
-              <a:t>visibility (hidden, visible</a:t>
-            </a:r>
-            <a:r>
-              <a:rPr lang="en" sz="1400" dirty="0"/>
-              <a:t>) -</a:t>
-            </a:r>
-            <a:r>
-              <a:rPr lang="en" sz="1400" b="0" i="0" u="none" strike="noStrike" cap="none" dirty="0">
-                <a:solidFill>
-                  <a:schemeClr val="dk2"/>
-                </a:solidFill>
-                <a:latin typeface="Open Sans"/>
-                <a:ea typeface="Open Sans"/>
-                <a:cs typeface="Open Sans"/>
-                <a:sym typeface="Open Sans"/>
-              </a:rPr>
-              <a:t> hide boxes from users</a:t>
-            </a:r>
-          </a:p>
-          <a:p>
-            <a:pPr marL="182880" marR="0" lvl="0" indent="-228600" algn="l" rtl="0">
-              <a:lnSpc>
-                <a:spcPct val="25000"/>
-              </a:lnSpc>
-              <a:spcBef>
-                <a:spcPts val="1600"/>
-              </a:spcBef>
-              <a:spcAft>
-                <a:spcPts val="0"/>
-              </a:spcAft>
-              <a:buClr>
-                <a:schemeClr val="dk2"/>
-              </a:buClr>
-              <a:buFont typeface="Open Sans"/>
-              <a:buChar char="●"/>
-            </a:pPr>
-            <a:r>
-              <a:rPr lang="en" sz="1400" b="0" i="0" u="none" strike="noStrike" cap="none" dirty="0">
-                <a:solidFill>
-                  <a:schemeClr val="dk2"/>
-                </a:solidFill>
-                <a:latin typeface="Open Sans"/>
-                <a:ea typeface="Open Sans"/>
-                <a:cs typeface="Open Sans"/>
-                <a:sym typeface="Open Sans"/>
-              </a:rPr>
-              <a:t>border-image</a:t>
-            </a:r>
-          </a:p>
-          <a:p>
-            <a:pPr marL="182880" marR="0" lvl="0" indent="-228600" algn="l" rtl="0">
-              <a:lnSpc>
-                <a:spcPct val="25000"/>
-              </a:lnSpc>
-              <a:spcBef>
-                <a:spcPts val="1600"/>
-              </a:spcBef>
-              <a:spcAft>
-                <a:spcPts val="0"/>
-              </a:spcAft>
-              <a:buClr>
-                <a:schemeClr val="dk2"/>
-              </a:buClr>
-              <a:buFont typeface="Open Sans"/>
-              <a:buChar char="●"/>
-            </a:pPr>
-            <a:r>
-              <a:rPr lang="en" sz="1400" b="0" i="0" u="none" strike="noStrike" cap="none" dirty="0">
-                <a:solidFill>
-                  <a:schemeClr val="dk2"/>
-                </a:solidFill>
-                <a:latin typeface="Open Sans"/>
-                <a:ea typeface="Open Sans"/>
-                <a:cs typeface="Open Sans"/>
-                <a:sym typeface="Open Sans"/>
-              </a:rPr>
-              <a:t>box-shadow</a:t>
-            </a:r>
-          </a:p>
-          <a:p>
-            <a:pPr marL="182880" marR="0" lvl="0" indent="-228600" algn="l" rtl="0">
-              <a:lnSpc>
-                <a:spcPct val="25000"/>
-              </a:lnSpc>
-              <a:spcBef>
-                <a:spcPts val="1600"/>
-              </a:spcBef>
-              <a:spcAft>
-                <a:spcPts val="0"/>
-              </a:spcAft>
-              <a:buClr>
-                <a:schemeClr val="dk2"/>
-              </a:buClr>
-              <a:buFont typeface="Open Sans"/>
-              <a:buChar char="●"/>
-            </a:pPr>
-            <a:r>
-              <a:rPr lang="en" sz="1400" b="0" i="0" u="none" strike="noStrike" cap="none" dirty="0">
-                <a:solidFill>
-                  <a:schemeClr val="dk2"/>
-                </a:solidFill>
-                <a:latin typeface="Open Sans"/>
-                <a:ea typeface="Open Sans"/>
-                <a:cs typeface="Open Sans"/>
-                <a:sym typeface="Open Sans"/>
-              </a:rPr>
-              <a:t>border-radius</a:t>
-            </a:r>
+            <a:pPr lvl="0">
+              <a:spcBef>
+                <a:spcPts val="0"/>
+              </a:spcBef>
+              <a:buNone/>
+            </a:pPr>
+            <a:endParaRPr/>
+          </a:p>
+        </p:txBody>
+      </p:sp>
+      <p:sp>
+        <p:nvSpPr>
+          <p:cNvPr id="183" name="Shape 183"/>
+          <p:cNvSpPr/>
+          <p:nvPr/>
+        </p:nvSpPr>
+        <p:spPr>
+          <a:xfrm>
+            <a:off x="5179725" y="2512850"/>
+            <a:ext cx="1664100" cy="285900"/>
+          </a:xfrm>
+          <a:prstGeom prst="rect">
+            <a:avLst/>
+          </a:prstGeom>
+          <a:solidFill>
+            <a:srgbClr val="FDE4CD"/>
+          </a:solidFill>
+          <a:ln>
+            <a:noFill/>
+          </a:ln>
+        </p:spPr>
+        <p:txBody>
+          <a:bodyPr lIns="91425" tIns="91425" rIns="91425" bIns="91425" anchor="ctr" anchorCtr="0">
+            <a:noAutofit/>
+          </a:bodyPr>
+          <a:lstStyle/>
+          <a:p>
+            <a:pPr lvl="0">
+              <a:spcBef>
+                <a:spcPts val="0"/>
+              </a:spcBef>
+              <a:buNone/>
+            </a:pPr>
+            <a:endParaRPr/>
           </a:p>
         </p:txBody>
       </p:sp>
@@ -15096,7 +14254,7 @@
   <p:cSld>
     <p:spTree>
       <p:nvGrpSpPr>
-        <p:cNvPr id="1" name="Shape 185"/>
+        <p:cNvPr id="1" name="Shape 187"/>
         <p:cNvGrpSpPr/>
         <p:nvPr/>
       </p:nvGrpSpPr>
@@ -15110,7 +14268,7 @@
       </p:grpSpPr>
       <p:sp>
         <p:nvSpPr>
-          <p:cNvPr id="186" name="Shape 186"/>
+          <p:cNvPr id="188" name="Shape 188"/>
           <p:cNvSpPr txBox="1">
             <a:spLocks noGrp="1"/>
           </p:cNvSpPr>
@@ -15121,7 +14279,7 @@
         <p:spPr>
           <a:xfrm>
             <a:off x="311700" y="445025"/>
-            <a:ext cx="8520599" cy="707399"/>
+            <a:ext cx="8520600" cy="707400"/>
           </a:xfrm>
           <a:prstGeom prst="rect">
             <a:avLst/>
@@ -15155,7 +14313,7 @@
               <a:buNone/>
             </a:pPr>
             <a:r>
-              <a:rPr lang="en" sz="3600" b="1" i="0" u="none" strike="noStrike" cap="none">
+              <a:rPr lang="en" sz="3600" b="1" i="0" u="none" strike="noStrike" cap="none" dirty="0">
                 <a:solidFill>
                   <a:schemeClr val="accent1"/>
                 </a:solidFill>
@@ -15164,77 +14322,25 @@
                 <a:cs typeface="PT Sans Narrow"/>
                 <a:sym typeface="PT Sans Narrow"/>
               </a:rPr>
-              <a:t>CSS Box Model</a:t>
+              <a:t>CSS Boxes</a:t>
             </a:r>
           </a:p>
         </p:txBody>
       </p:sp>
-      <p:pic>
-        <p:nvPicPr>
-          <p:cNvPr id="187" name="Shape 187"/>
-          <p:cNvPicPr preferRelativeResize="0"/>
-          <p:nvPr/>
-        </p:nvPicPr>
-        <p:blipFill rotWithShape="1">
-          <a:blip r:embed="rId3">
-            <a:alphaModFix/>
-          </a:blip>
-          <a:srcRect/>
-          <a:stretch/>
-        </p:blipFill>
-        <p:spPr>
-          <a:xfrm>
-            <a:off x="1092900" y="1118725"/>
-            <a:ext cx="6958200" cy="3597899"/>
-          </a:xfrm>
-          <a:prstGeom prst="rect">
-            <a:avLst/>
-          </a:prstGeom>
-          <a:noFill/>
-          <a:ln>
-            <a:noFill/>
-          </a:ln>
-        </p:spPr>
-      </p:pic>
-    </p:spTree>
-  </p:cSld>
-  <p:clrMapOvr>
-    <a:masterClrMapping/>
-  </p:clrMapOvr>
-</p:sld>
-</file>
-
-<file path=ppt/slides/slide22.xml><?xml version="1.0" encoding="utf-8"?>
-<p:sld xmlns:a="http://schemas.openxmlformats.org/drawingml/2006/main" xmlns:r="http://schemas.openxmlformats.org/officeDocument/2006/relationships" xmlns:p="http://schemas.openxmlformats.org/presentationml/2006/main">
-  <p:cSld>
-    <p:spTree>
-      <p:nvGrpSpPr>
-        <p:cNvPr id="1" name="Shape 191"/>
-        <p:cNvGrpSpPr/>
-        <p:nvPr/>
-      </p:nvGrpSpPr>
-      <p:grpSpPr>
-        <a:xfrm>
-          <a:off x="0" y="0"/>
-          <a:ext cx="0" cy="0"/>
-          <a:chOff x="0" y="0"/>
-          <a:chExt cx="0" cy="0"/>
-        </a:xfrm>
-      </p:grpSpPr>
       <p:sp>
         <p:nvSpPr>
-          <p:cNvPr id="192" name="Shape 192"/>
+          <p:cNvPr id="189" name="Shape 189"/>
           <p:cNvSpPr txBox="1">
             <a:spLocks noGrp="1"/>
           </p:cNvSpPr>
           <p:nvPr>
-            <p:ph type="title"/>
+            <p:ph type="body" idx="1"/>
           </p:nvPr>
         </p:nvSpPr>
         <p:spPr>
           <a:xfrm>
-            <a:off x="311700" y="445025"/>
-            <a:ext cx="8520599" cy="707399"/>
+            <a:off x="311700" y="1266325"/>
+            <a:ext cx="8520600" cy="3302700"/>
           </a:xfrm>
           <a:prstGeom prst="rect">
             <a:avLst/>
@@ -15250,52 +14356,348 @@
           </a:bodyPr>
           <a:lstStyle/>
           <a:p>
-            <a:pPr marL="0" marR="0" lvl="0" indent="0" algn="l" rtl="0">
-              <a:lnSpc>
-                <a:spcPct val="100000"/>
-              </a:lnSpc>
-              <a:spcBef>
-                <a:spcPts val="0"/>
-              </a:spcBef>
-              <a:spcAft>
-                <a:spcPts val="0"/>
-              </a:spcAft>
-              <a:buClr>
-                <a:schemeClr val="accent1"/>
-              </a:buClr>
-              <a:buSzPct val="25000"/>
-              <a:buFont typeface="PT Sans Narrow"/>
-              <a:buNone/>
-            </a:pPr>
-            <a:r>
-              <a:rPr lang="en" sz="3600" b="1" i="0" u="none" strike="noStrike" cap="none">
-                <a:solidFill>
-                  <a:schemeClr val="accent1"/>
-                </a:solidFill>
-                <a:latin typeface="PT Sans Narrow"/>
-                <a:ea typeface="PT Sans Narrow"/>
-                <a:cs typeface="PT Sans Narrow"/>
-                <a:sym typeface="PT Sans Narrow"/>
+            <a:pPr marL="457200" marR="0" lvl="0" indent="-228600" algn="l" rtl="0">
+              <a:lnSpc>
+                <a:spcPct val="130000"/>
+              </a:lnSpc>
+              <a:spcBef>
+                <a:spcPts val="600"/>
+              </a:spcBef>
+              <a:spcAft>
+                <a:spcPts val="0"/>
+              </a:spcAft>
+              <a:buClr>
+                <a:schemeClr val="dk2"/>
+              </a:buClr>
+              <a:buFont typeface="Open Sans"/>
+              <a:buChar char="●"/>
+            </a:pPr>
+            <a:r>
+              <a:rPr lang="en" sz="1400" b="0" i="0" u="none" strike="noStrike" cap="none" dirty="0">
+                <a:solidFill>
+                  <a:schemeClr val="dk2"/>
+                </a:solidFill>
+                <a:latin typeface="Open Sans"/>
+                <a:ea typeface="Open Sans"/>
+                <a:cs typeface="Open Sans"/>
+                <a:sym typeface="Open Sans"/>
               </a:rPr>
-              <a:t>CSS Lists, Tables</a:t>
+              <a:t>width, height, min-width, max-width, min-height, max-height</a:t>
+            </a:r>
+          </a:p>
+          <a:p>
+            <a:pPr marL="457200" marR="0" lvl="0" indent="-228600" algn="l" rtl="0">
+              <a:lnSpc>
+                <a:spcPct val="130000"/>
+              </a:lnSpc>
+              <a:spcBef>
+                <a:spcPts val="600"/>
+              </a:spcBef>
+              <a:spcAft>
+                <a:spcPts val="0"/>
+              </a:spcAft>
+              <a:buClr>
+                <a:schemeClr val="dk2"/>
+              </a:buClr>
+              <a:buFont typeface="Open Sans"/>
+              <a:buChar char="●"/>
+            </a:pPr>
+            <a:r>
+              <a:rPr lang="en" sz="1400" b="0" i="0" u="none" strike="noStrike" cap="none" dirty="0">
+                <a:solidFill>
+                  <a:schemeClr val="dk2"/>
+                </a:solidFill>
+                <a:latin typeface="Open Sans"/>
+                <a:ea typeface="Open Sans"/>
+                <a:cs typeface="Open Sans"/>
+                <a:sym typeface="Open Sans"/>
+              </a:rPr>
+              <a:t>overflow (auto, hidden, scroll)</a:t>
+            </a:r>
+          </a:p>
+          <a:p>
+            <a:pPr marL="457200" marR="0" lvl="0" indent="-228600" algn="l" rtl="0">
+              <a:lnSpc>
+                <a:spcPct val="130000"/>
+              </a:lnSpc>
+              <a:spcBef>
+                <a:spcPts val="600"/>
+              </a:spcBef>
+              <a:spcAft>
+                <a:spcPts val="0"/>
+              </a:spcAft>
+              <a:buClr>
+                <a:schemeClr val="dk2"/>
+              </a:buClr>
+              <a:buFont typeface="Open Sans"/>
+              <a:buChar char="●"/>
+            </a:pPr>
+            <a:r>
+              <a:rPr lang="en" sz="1400" b="0" i="0" u="none" strike="noStrike" cap="none" dirty="0">
+                <a:solidFill>
+                  <a:schemeClr val="dk2"/>
+                </a:solidFill>
+                <a:latin typeface="Open Sans"/>
+                <a:ea typeface="Open Sans"/>
+                <a:cs typeface="Open Sans"/>
+                <a:sym typeface="Open Sans"/>
+              </a:rPr>
+              <a:t>border, margin, padding</a:t>
+            </a:r>
+          </a:p>
+          <a:p>
+            <a:pPr marL="457200" marR="0" lvl="0" indent="-228600" algn="l" rtl="0">
+              <a:lnSpc>
+                <a:spcPct val="130000"/>
+              </a:lnSpc>
+              <a:spcBef>
+                <a:spcPts val="600"/>
+              </a:spcBef>
+              <a:spcAft>
+                <a:spcPts val="0"/>
+              </a:spcAft>
+              <a:buClr>
+                <a:schemeClr val="dk2"/>
+              </a:buClr>
+              <a:buFont typeface="Open Sans"/>
+              <a:buChar char="●"/>
+            </a:pPr>
+            <a:r>
+              <a:rPr lang="en" sz="1400" b="0" i="0" u="none" strike="noStrike" cap="none" dirty="0">
+                <a:solidFill>
+                  <a:schemeClr val="dk2"/>
+                </a:solidFill>
+                <a:latin typeface="Open Sans"/>
+                <a:ea typeface="Open Sans"/>
+                <a:cs typeface="Open Sans"/>
+                <a:sym typeface="Open Sans"/>
+              </a:rPr>
+              <a:t>border-width, border-style, border-color</a:t>
+            </a:r>
+          </a:p>
+          <a:p>
+            <a:pPr marL="457200" marR="0" lvl="0" indent="-228600" algn="l" rtl="0">
+              <a:lnSpc>
+                <a:spcPct val="130000"/>
+              </a:lnSpc>
+              <a:spcBef>
+                <a:spcPts val="600"/>
+              </a:spcBef>
+              <a:spcAft>
+                <a:spcPts val="0"/>
+              </a:spcAft>
+              <a:buClr>
+                <a:schemeClr val="dk2"/>
+              </a:buClr>
+              <a:buFont typeface="Open Sans"/>
+              <a:buChar char="●"/>
+            </a:pPr>
+            <a:r>
+              <a:rPr lang="en" sz="1400" b="0" i="0" u="none" strike="noStrike" cap="none" dirty="0">
+                <a:solidFill>
+                  <a:schemeClr val="dk2"/>
+                </a:solidFill>
+                <a:latin typeface="Open Sans"/>
+                <a:ea typeface="Open Sans"/>
+                <a:cs typeface="Open Sans"/>
+                <a:sym typeface="Open Sans"/>
+              </a:rPr>
+              <a:t>display (inline, block, inline-block, none) </a:t>
+            </a:r>
+            <a:r>
+              <a:rPr lang="en" sz="1400" dirty="0"/>
+              <a:t>- </a:t>
+            </a:r>
+            <a:r>
+              <a:rPr lang="en" sz="1400" b="0" i="0" u="none" strike="noStrike" cap="none" dirty="0">
+                <a:solidFill>
+                  <a:schemeClr val="dk2"/>
+                </a:solidFill>
+                <a:latin typeface="Open Sans"/>
+                <a:ea typeface="Open Sans"/>
+                <a:cs typeface="Open Sans"/>
+                <a:sym typeface="Open Sans"/>
+              </a:rPr>
+              <a:t>turns inline element into block-level element</a:t>
+            </a:r>
+          </a:p>
+          <a:p>
+            <a:pPr marL="457200" marR="0" lvl="0" indent="-228600" algn="l" rtl="0">
+              <a:lnSpc>
+                <a:spcPct val="130000"/>
+              </a:lnSpc>
+              <a:spcBef>
+                <a:spcPts val="600"/>
+              </a:spcBef>
+              <a:spcAft>
+                <a:spcPts val="0"/>
+              </a:spcAft>
+              <a:buClr>
+                <a:schemeClr val="dk2"/>
+              </a:buClr>
+              <a:buFont typeface="Open Sans"/>
+              <a:buChar char="●"/>
+            </a:pPr>
+            <a:r>
+              <a:rPr lang="en" sz="1400" b="0" i="0" u="none" strike="noStrike" cap="none" dirty="0">
+                <a:solidFill>
+                  <a:schemeClr val="dk2"/>
+                </a:solidFill>
+                <a:latin typeface="Open Sans"/>
+                <a:ea typeface="Open Sans"/>
+                <a:cs typeface="Open Sans"/>
+                <a:sym typeface="Open Sans"/>
+              </a:rPr>
+              <a:t>visibility (hidden, visible</a:t>
+            </a:r>
+            <a:r>
+              <a:rPr lang="en" sz="1400" dirty="0"/>
+              <a:t>) -</a:t>
+            </a:r>
+            <a:r>
+              <a:rPr lang="en" sz="1400" b="0" i="0" u="none" strike="noStrike" cap="none" dirty="0">
+                <a:solidFill>
+                  <a:schemeClr val="dk2"/>
+                </a:solidFill>
+                <a:latin typeface="Open Sans"/>
+                <a:ea typeface="Open Sans"/>
+                <a:cs typeface="Open Sans"/>
+                <a:sym typeface="Open Sans"/>
+              </a:rPr>
+              <a:t> hide boxes from users</a:t>
+            </a:r>
+          </a:p>
+          <a:p>
+            <a:pPr marL="457200" marR="0" lvl="0" indent="-228600" algn="l" rtl="0">
+              <a:lnSpc>
+                <a:spcPct val="130000"/>
+              </a:lnSpc>
+              <a:spcBef>
+                <a:spcPts val="600"/>
+              </a:spcBef>
+              <a:spcAft>
+                <a:spcPts val="0"/>
+              </a:spcAft>
+              <a:buClr>
+                <a:schemeClr val="dk2"/>
+              </a:buClr>
+              <a:buFont typeface="Open Sans"/>
+              <a:buChar char="●"/>
+            </a:pPr>
+            <a:r>
+              <a:rPr lang="en" sz="1400" b="0" i="0" u="none" strike="noStrike" cap="none" dirty="0">
+                <a:solidFill>
+                  <a:schemeClr val="dk2"/>
+                </a:solidFill>
+                <a:latin typeface="Open Sans"/>
+                <a:ea typeface="Open Sans"/>
+                <a:cs typeface="Open Sans"/>
+                <a:sym typeface="Open Sans"/>
+              </a:rPr>
+              <a:t>border-image</a:t>
+            </a:r>
+          </a:p>
+          <a:p>
+            <a:pPr marL="457200" marR="0" lvl="0" indent="-228600" algn="l" rtl="0">
+              <a:lnSpc>
+                <a:spcPct val="130000"/>
+              </a:lnSpc>
+              <a:spcBef>
+                <a:spcPts val="600"/>
+              </a:spcBef>
+              <a:spcAft>
+                <a:spcPts val="0"/>
+              </a:spcAft>
+              <a:buClr>
+                <a:schemeClr val="dk2"/>
+              </a:buClr>
+              <a:buFont typeface="Open Sans"/>
+              <a:buChar char="●"/>
+            </a:pPr>
+            <a:r>
+              <a:rPr lang="en" sz="1400" b="0" i="0" u="none" strike="noStrike" cap="none" dirty="0">
+                <a:solidFill>
+                  <a:schemeClr val="dk2"/>
+                </a:solidFill>
+                <a:latin typeface="Open Sans"/>
+                <a:ea typeface="Open Sans"/>
+                <a:cs typeface="Open Sans"/>
+                <a:sym typeface="Open Sans"/>
+              </a:rPr>
+              <a:t>box-shadow</a:t>
+            </a:r>
+          </a:p>
+          <a:p>
+            <a:pPr marL="457200" marR="0" lvl="0" indent="-228600" algn="l" rtl="0">
+              <a:lnSpc>
+                <a:spcPct val="130000"/>
+              </a:lnSpc>
+              <a:spcBef>
+                <a:spcPts val="600"/>
+              </a:spcBef>
+              <a:spcAft>
+                <a:spcPts val="0"/>
+              </a:spcAft>
+              <a:buClr>
+                <a:schemeClr val="dk2"/>
+              </a:buClr>
+              <a:buFont typeface="Open Sans"/>
+              <a:buChar char="●"/>
+            </a:pPr>
+            <a:r>
+              <a:rPr lang="en" sz="1400" b="0" i="0" u="none" strike="noStrike" cap="none" dirty="0">
+                <a:solidFill>
+                  <a:schemeClr val="dk2"/>
+                </a:solidFill>
+                <a:latin typeface="Open Sans"/>
+                <a:ea typeface="Open Sans"/>
+                <a:cs typeface="Open Sans"/>
+                <a:sym typeface="Open Sans"/>
+              </a:rPr>
+              <a:t>border-radius</a:t>
             </a:r>
           </a:p>
         </p:txBody>
       </p:sp>
+    </p:spTree>
+  </p:cSld>
+  <p:clrMapOvr>
+    <a:masterClrMapping/>
+  </p:clrMapOvr>
+</p:sld>
+</file>
+
+<file path=ppt/slides/slide22.xml><?xml version="1.0" encoding="utf-8"?>
+<p:sld xmlns:a="http://schemas.openxmlformats.org/drawingml/2006/main" xmlns:r="http://schemas.openxmlformats.org/officeDocument/2006/relationships" xmlns:p="http://schemas.openxmlformats.org/presentationml/2006/main">
+  <p:cSld>
+    <p:spTree>
+      <p:nvGrpSpPr>
+        <p:cNvPr id="1" name="Shape 193"/>
+        <p:cNvGrpSpPr/>
+        <p:nvPr/>
+      </p:nvGrpSpPr>
+      <p:grpSpPr>
+        <a:xfrm>
+          <a:off x="0" y="0"/>
+          <a:ext cx="0" cy="0"/>
+          <a:chOff x="0" y="0"/>
+          <a:chExt cx="0" cy="0"/>
+        </a:xfrm>
+      </p:grpSpPr>
       <p:sp>
         <p:nvSpPr>
-          <p:cNvPr id="193" name="Shape 193"/>
+          <p:cNvPr id="194" name="Shape 194"/>
           <p:cNvSpPr txBox="1">
             <a:spLocks noGrp="1"/>
           </p:cNvSpPr>
           <p:nvPr>
-            <p:ph type="body" idx="1"/>
+            <p:ph type="title"/>
           </p:nvPr>
         </p:nvSpPr>
         <p:spPr>
           <a:xfrm>
-            <a:off x="311700" y="1266325"/>
-            <a:ext cx="8520599" cy="3302700"/>
+            <a:off x="311700" y="445025"/>
+            <a:ext cx="8520600" cy="707400"/>
           </a:xfrm>
           <a:prstGeom prst="rect">
             <a:avLst/>
@@ -15311,13 +14713,71 @@
           </a:bodyPr>
           <a:lstStyle/>
           <a:p>
-            <a:pPr marL="228600" marR="0" lvl="0" indent="-228600" algn="l" rtl="0">
+            <a:pPr marL="0" marR="0" lvl="0" indent="0" algn="l" rtl="0">
               <a:lnSpc>
                 <a:spcPct val="100000"/>
               </a:lnSpc>
               <a:spcBef>
                 <a:spcPts val="0"/>
               </a:spcBef>
+              <a:spcAft>
+                <a:spcPts val="0"/>
+              </a:spcAft>
+              <a:buClr>
+                <a:schemeClr val="accent1"/>
+              </a:buClr>
+              <a:buSzPct val="25000"/>
+              <a:buFont typeface="PT Sans Narrow"/>
+              <a:buNone/>
+            </a:pPr>
+            <a:r>
+              <a:rPr lang="en" sz="3600" b="1" i="0" u="none" strike="noStrike" cap="none">
+                <a:solidFill>
+                  <a:schemeClr val="accent1"/>
+                </a:solidFill>
+                <a:latin typeface="PT Sans Narrow"/>
+                <a:ea typeface="PT Sans Narrow"/>
+                <a:cs typeface="PT Sans Narrow"/>
+                <a:sym typeface="PT Sans Narrow"/>
+              </a:rPr>
+              <a:t>CSS Lists, Tables</a:t>
+            </a:r>
+          </a:p>
+        </p:txBody>
+      </p:sp>
+      <p:sp>
+        <p:nvSpPr>
+          <p:cNvPr id="195" name="Shape 195"/>
+          <p:cNvSpPr txBox="1">
+            <a:spLocks noGrp="1"/>
+          </p:cNvSpPr>
+          <p:nvPr>
+            <p:ph type="body" idx="1"/>
+          </p:nvPr>
+        </p:nvSpPr>
+        <p:spPr>
+          <a:xfrm>
+            <a:off x="311700" y="1266325"/>
+            <a:ext cx="8520600" cy="3302700"/>
+          </a:xfrm>
+          <a:prstGeom prst="rect">
+            <a:avLst/>
+          </a:prstGeom>
+          <a:noFill/>
+          <a:ln>
+            <a:noFill/>
+          </a:ln>
+        </p:spPr>
+        <p:txBody>
+          <a:bodyPr lIns="91425" tIns="91425" rIns="91425" bIns="91425" anchor="t" anchorCtr="0">
+            <a:noAutofit/>
+          </a:bodyPr>
+          <a:lstStyle/>
+          <a:p>
+            <a:pPr marL="0" marR="0" lvl="0" indent="0" algn="l" rtl="0">
+              <a:lnSpc>
+                <a:spcPct val="130000"/>
+              </a:lnSpc>
               <a:spcAft>
                 <a:spcPts val="0"/>
               </a:spcAft>
@@ -15342,13 +14802,10 @@
             </a:r>
           </a:p>
           <a:p>
-            <a:pPr marL="228600" marR="0" lvl="0" indent="-228600" algn="l" rtl="0">
-              <a:lnSpc>
-                <a:spcPct val="100000"/>
-              </a:lnSpc>
-              <a:spcBef>
-                <a:spcPts val="0"/>
-              </a:spcBef>
+            <a:pPr marL="457200" marR="0" lvl="0" indent="-317500" algn="l" rtl="0">
+              <a:lnSpc>
+                <a:spcPct val="130000"/>
+              </a:lnSpc>
               <a:spcAft>
                 <a:spcPts val="0"/>
               </a:spcAft>
@@ -15369,38 +14826,14 @@
                 <a:cs typeface="Open Sans"/>
                 <a:sym typeface="Open Sans"/>
               </a:rPr>
-              <a:t>list-style-type (none, disc, circle, </a:t>
-            </a:r>
-            <a:r>
-              <a:rPr lang="en" sz="1400" b="0" i="0" u="none" strike="noStrike" cap="none" dirty="0" smtClean="0">
-                <a:solidFill>
-                  <a:schemeClr val="dk2"/>
-                </a:solidFill>
-                <a:latin typeface="Open Sans"/>
-                <a:ea typeface="Open Sans"/>
-                <a:cs typeface="Open Sans"/>
-                <a:sym typeface="Open Sans"/>
-              </a:rPr>
-              <a:t>square)</a:t>
-            </a:r>
-            <a:endParaRPr lang="en-US" sz="1400" b="0" i="0" u="none" strike="noStrike" cap="none" dirty="0" smtClean="0">
-              <a:solidFill>
-                <a:schemeClr val="dk2"/>
-              </a:solidFill>
-              <a:latin typeface="Open Sans"/>
-              <a:ea typeface="Open Sans"/>
-              <a:cs typeface="Open Sans"/>
-              <a:sym typeface="Open Sans"/>
-            </a:endParaRPr>
-          </a:p>
-          <a:p>
-            <a:pPr marL="228600" marR="0" lvl="0" indent="-228600" algn="l" rtl="0">
-              <a:lnSpc>
-                <a:spcPct val="100000"/>
-              </a:lnSpc>
-              <a:spcBef>
-                <a:spcPts val="0"/>
-              </a:spcBef>
+              <a:t>list-style-type (none, disc, circle, square, upper-roman, lower-alpha)</a:t>
+            </a:r>
+          </a:p>
+          <a:p>
+            <a:pPr marL="457200" marR="0" lvl="0" indent="-317500" algn="l" rtl="0">
+              <a:lnSpc>
+                <a:spcPct val="130000"/>
+              </a:lnSpc>
               <a:spcAft>
                 <a:spcPts val="0"/>
               </a:spcAft>
@@ -15412,7 +14845,7 @@
               <a:buChar char="●"/>
             </a:pPr>
             <a:r>
-              <a:rPr lang="en" sz="1400" b="0" i="0" u="none" strike="noStrike" cap="none" dirty="0" smtClean="0">
+              <a:rPr lang="en" sz="1400" b="0" i="0" u="none" strike="noStrike" cap="none" dirty="0">
                 <a:solidFill>
                   <a:schemeClr val="dk2"/>
                 </a:solidFill>
@@ -15423,16 +14856,12 @@
               </a:rPr>
               <a:t>list-style-image</a:t>
             </a:r>
-            <a:endParaRPr lang="en-US" sz="1400" dirty="0"/>
-          </a:p>
-          <a:p>
-            <a:pPr marL="228600" marR="0" lvl="0" indent="-228600" algn="l" rtl="0">
-              <a:lnSpc>
-                <a:spcPct val="100000"/>
-              </a:lnSpc>
-              <a:spcBef>
-                <a:spcPts val="0"/>
-              </a:spcBef>
+          </a:p>
+          <a:p>
+            <a:pPr marL="457200" marR="0" lvl="0" indent="-317500" algn="l" rtl="0">
+              <a:lnSpc>
+                <a:spcPct val="130000"/>
+              </a:lnSpc>
               <a:spcAft>
                 <a:spcPts val="0"/>
               </a:spcAft>
@@ -15444,7 +14873,7 @@
               <a:buChar char="●"/>
             </a:pPr>
             <a:r>
-              <a:rPr lang="en" sz="1400" b="0" i="0" u="none" strike="noStrike" cap="none" dirty="0" smtClean="0">
+              <a:rPr lang="en" sz="1400" b="0" i="0" u="none" strike="noStrike" cap="none" dirty="0">
                 <a:solidFill>
                   <a:schemeClr val="dk2"/>
                 </a:solidFill>
@@ -15455,16 +14884,12 @@
               </a:rPr>
               <a:t>list-style-position</a:t>
             </a:r>
-            <a:endParaRPr lang="en-US" sz="1400" dirty="0"/>
-          </a:p>
-          <a:p>
-            <a:pPr marL="228600" marR="0" lvl="0" indent="-228600" algn="l" rtl="0">
-              <a:lnSpc>
-                <a:spcPct val="100000"/>
-              </a:lnSpc>
-              <a:spcBef>
-                <a:spcPts val="0"/>
-              </a:spcBef>
+          </a:p>
+          <a:p>
+            <a:pPr marL="457200" marR="0" lvl="0" indent="-317500" algn="l" rtl="0">
+              <a:lnSpc>
+                <a:spcPct val="130000"/>
+              </a:lnSpc>
               <a:spcAft>
                 <a:spcPts val="0"/>
               </a:spcAft>
@@ -15476,7 +14901,7 @@
               <a:buChar char="●"/>
             </a:pPr>
             <a:r>
-              <a:rPr lang="en" sz="1400" b="0" i="0" u="none" strike="noStrike" cap="none" dirty="0" smtClean="0">
+              <a:rPr lang="en" sz="1400" b="0" i="0" u="none" strike="noStrike" cap="none" dirty="0">
                 <a:solidFill>
                   <a:schemeClr val="dk2"/>
                 </a:solidFill>
@@ -15487,24 +14912,12 @@
               </a:rPr>
               <a:t>list-style</a:t>
             </a:r>
-            <a:endParaRPr lang="en" sz="1400" b="0" i="0" u="none" strike="noStrike" cap="none" dirty="0">
-              <a:solidFill>
-                <a:schemeClr val="dk2"/>
-              </a:solidFill>
-              <a:latin typeface="Open Sans"/>
-              <a:ea typeface="Open Sans"/>
-              <a:cs typeface="Open Sans"/>
-              <a:sym typeface="Open Sans"/>
-            </a:endParaRPr>
-          </a:p>
-          <a:p>
-            <a:pPr marL="228600" marR="0" lvl="0" indent="-228600" algn="l" rtl="0">
-              <a:lnSpc>
-                <a:spcPct val="100000"/>
-              </a:lnSpc>
-              <a:spcBef>
-                <a:spcPts val="1600"/>
-              </a:spcBef>
+          </a:p>
+          <a:p>
+            <a:pPr marL="0" marR="0" lvl="0" indent="0" algn="l" rtl="0">
+              <a:lnSpc>
+                <a:spcPct val="130000"/>
+              </a:lnSpc>
               <a:spcAft>
                 <a:spcPts val="0"/>
               </a:spcAft>
@@ -15529,13 +14942,10 @@
             </a:r>
           </a:p>
           <a:p>
-            <a:pPr marL="228600" marR="0" lvl="0" indent="-228600" algn="l" rtl="0">
-              <a:lnSpc>
-                <a:spcPct val="100000"/>
-              </a:lnSpc>
-              <a:spcBef>
-                <a:spcPts val="0"/>
-              </a:spcBef>
+            <a:pPr marL="457200" marR="0" lvl="0" indent="-317500" algn="l" rtl="0">
+              <a:lnSpc>
+                <a:spcPct val="130000"/>
+              </a:lnSpc>
               <a:spcAft>
                 <a:spcPts val="0"/>
               </a:spcAft>
@@ -15560,13 +14970,10 @@
             </a:r>
           </a:p>
           <a:p>
-            <a:pPr marL="228600" marR="0" lvl="0" indent="-228600" algn="l" rtl="0">
-              <a:lnSpc>
-                <a:spcPct val="100000"/>
-              </a:lnSpc>
-              <a:spcBef>
-                <a:spcPts val="0"/>
-              </a:spcBef>
+            <a:pPr marL="457200" marR="0" lvl="0" indent="-317500" algn="l" rtl="0">
+              <a:lnSpc>
+                <a:spcPct val="130000"/>
+              </a:lnSpc>
               <a:spcAft>
                 <a:spcPts val="0"/>
               </a:spcAft>
@@ -15578,6 +14985,10 @@
               <a:buChar char="●"/>
             </a:pPr>
             <a:r>
+              <a:rPr lang="en" sz="1400" dirty="0"/>
+              <a:t>b</a:t>
+            </a:r>
+            <a:r>
               <a:rPr lang="en" sz="1400" b="0" i="0" u="none" strike="noStrike" cap="none" dirty="0">
                 <a:solidFill>
                   <a:schemeClr val="dk2"/>
@@ -15587,17 +14998,18 @@
                 <a:cs typeface="Open Sans"/>
                 <a:sym typeface="Open Sans"/>
               </a:rPr>
-              <a:t>text-transform</a:t>
-            </a:r>
-          </a:p>
-          <a:p>
-            <a:pPr marL="228600" marR="0" lvl="0" indent="-228600" algn="l" rtl="0">
-              <a:lnSpc>
-                <a:spcPct val="100000"/>
-              </a:lnSpc>
-              <a:spcBef>
-                <a:spcPts val="0"/>
-              </a:spcBef>
+              <a:t>orde</a:t>
+            </a:r>
+            <a:r>
+              <a:rPr lang="en" sz="1400" dirty="0"/>
+              <a:t>r, border-collapse</a:t>
+            </a:r>
+          </a:p>
+          <a:p>
+            <a:pPr marL="457200" marR="0" lvl="0" indent="-317500" algn="l" rtl="0">
+              <a:lnSpc>
+                <a:spcPct val="130000"/>
+              </a:lnSpc>
               <a:spcAft>
                 <a:spcPts val="0"/>
               </a:spcAft>
@@ -15609,6 +15021,10 @@
               <a:buChar char="●"/>
             </a:pPr>
             <a:r>
+              <a:rPr lang="en" sz="1400" dirty="0"/>
+              <a:t>t</a:t>
+            </a:r>
+            <a:r>
               <a:rPr lang="en" sz="1400" b="0" i="0" u="none" strike="noStrike" cap="none" dirty="0">
                 <a:solidFill>
                   <a:schemeClr val="dk2"/>
@@ -15618,28 +15034,41 @@
                 <a:cs typeface="Open Sans"/>
                 <a:sym typeface="Open Sans"/>
               </a:rPr>
-              <a:t>letter-spacing, font-size</a:t>
-            </a:r>
-          </a:p>
-          <a:p>
-            <a:pPr marL="228600" marR="0" lvl="0" indent="-228600" algn="l" rtl="0">
-              <a:lnSpc>
-                <a:spcPct val="100000"/>
-              </a:lnSpc>
-              <a:spcBef>
-                <a:spcPts val="0"/>
-              </a:spcBef>
-              <a:spcAft>
-                <a:spcPts val="0"/>
-              </a:spcAft>
-              <a:buClr>
-                <a:schemeClr val="dk2"/>
-              </a:buClr>
+              <a:t>ext-align</a:t>
+            </a:r>
+          </a:p>
+          <a:p>
+            <a:pPr marL="457200" marR="0" lvl="0" indent="-317500" algn="l" rtl="0">
+              <a:lnSpc>
+                <a:spcPct val="130000"/>
+              </a:lnSpc>
+              <a:spcAft>
+                <a:spcPts val="0"/>
+              </a:spcAft>
               <a:buSzPct val="100000"/>
-              <a:buFont typeface="Open Sans"/>
               <a:buChar char="●"/>
             </a:pPr>
             <a:r>
+              <a:rPr lang="en" sz="1400" dirty="0"/>
+              <a:t>vertical-align</a:t>
+            </a:r>
+          </a:p>
+          <a:p>
+            <a:pPr marL="457200" marR="0" lvl="0" indent="-317500" algn="l" rtl="0">
+              <a:lnSpc>
+                <a:spcPct val="130000"/>
+              </a:lnSpc>
+              <a:spcAft>
+                <a:spcPts val="0"/>
+              </a:spcAft>
+              <a:buClr>
+                <a:schemeClr val="dk2"/>
+              </a:buClr>
+              <a:buSzPct val="100000"/>
+              <a:buFont typeface="Open Sans"/>
+              <a:buChar char="●"/>
+            </a:pPr>
+            <a:r>
               <a:rPr lang="en" sz="1400" b="0" i="0" u="none" strike="noStrike" cap="none" dirty="0">
                 <a:solidFill>
                   <a:schemeClr val="dk2"/>
@@ -15649,100 +15078,11 @@
                 <a:cs typeface="Open Sans"/>
                 <a:sym typeface="Open Sans"/>
               </a:rPr>
-              <a:t>border-top, border-bottom</a:t>
-            </a:r>
-          </a:p>
-          <a:p>
-            <a:pPr marL="228600" marR="0" lvl="0" indent="-228600" algn="l" rtl="0">
-              <a:lnSpc>
-                <a:spcPct val="100000"/>
-              </a:lnSpc>
-              <a:spcBef>
-                <a:spcPts val="0"/>
-              </a:spcBef>
-              <a:spcAft>
-                <a:spcPts val="0"/>
-              </a:spcAft>
-              <a:buClr>
-                <a:schemeClr val="dk2"/>
-              </a:buClr>
-              <a:buSzPct val="100000"/>
-              <a:buFont typeface="Open Sans"/>
-              <a:buChar char="●"/>
-            </a:pPr>
-            <a:r>
-              <a:rPr lang="en" sz="1400" b="0" i="0" u="none" strike="noStrike" cap="none" dirty="0">
-                <a:solidFill>
-                  <a:schemeClr val="dk2"/>
-                </a:solidFill>
-                <a:latin typeface="Open Sans"/>
-                <a:ea typeface="Open Sans"/>
-                <a:cs typeface="Open Sans"/>
-                <a:sym typeface="Open Sans"/>
-              </a:rPr>
-              <a:t>text-align</a:t>
-            </a:r>
-          </a:p>
-          <a:p>
-            <a:pPr marL="228600" marR="0" lvl="0" indent="-228600" algn="l" rtl="0">
-              <a:lnSpc>
-                <a:spcPct val="100000"/>
-              </a:lnSpc>
-              <a:spcBef>
-                <a:spcPts val="0"/>
-              </a:spcBef>
-              <a:spcAft>
-                <a:spcPts val="0"/>
-              </a:spcAft>
-              <a:buClr>
-                <a:schemeClr val="dk2"/>
-              </a:buClr>
-              <a:buSzPct val="100000"/>
-              <a:buFont typeface="Open Sans"/>
-              <a:buChar char="●"/>
-            </a:pPr>
-            <a:r>
-              <a:rPr lang="en" sz="1400" b="0" i="0" u="none" strike="noStrike" cap="none" dirty="0">
-                <a:solidFill>
-                  <a:schemeClr val="dk2"/>
-                </a:solidFill>
-                <a:latin typeface="Open Sans"/>
-                <a:ea typeface="Open Sans"/>
-                <a:cs typeface="Open Sans"/>
-                <a:sym typeface="Open Sans"/>
-              </a:rPr>
-              <a:t>background-color</a:t>
-            </a:r>
-          </a:p>
-          <a:p>
-            <a:pPr marL="228600" marR="0" lvl="0" indent="-228600" algn="l" rtl="0">
-              <a:lnSpc>
-                <a:spcPct val="100000"/>
-              </a:lnSpc>
-              <a:spcBef>
-                <a:spcPts val="0"/>
-              </a:spcBef>
-              <a:spcAft>
-                <a:spcPts val="0"/>
-              </a:spcAft>
-              <a:buClr>
-                <a:schemeClr val="dk2"/>
-              </a:buClr>
-              <a:buSzPct val="100000"/>
-              <a:buFont typeface="Open Sans"/>
-              <a:buChar char="●"/>
-            </a:pPr>
-            <a:r>
-              <a:rPr lang="en" sz="1400" b="0" i="0" u="none" strike="noStrike" cap="none" dirty="0">
-                <a:solidFill>
-                  <a:schemeClr val="dk2"/>
-                </a:solidFill>
-                <a:latin typeface="Open Sans"/>
-                <a:ea typeface="Open Sans"/>
-                <a:cs typeface="Open Sans"/>
-                <a:sym typeface="Open Sans"/>
-              </a:rPr>
-              <a:t>:hover</a:t>
+              <a:t>background-colo</a:t>
+            </a:r>
+            <a:r>
+              <a:rPr lang="en" sz="1400" dirty="0"/>
+              <a:t>r</a:t>
             </a:r>
           </a:p>
         </p:txBody>
@@ -15760,7 +15100,7 @@
   <p:cSld>
     <p:spTree>
       <p:nvGrpSpPr>
-        <p:cNvPr id="1" name="Shape 197"/>
+        <p:cNvPr id="1" name="Shape 199"/>
         <p:cNvGrpSpPr/>
         <p:nvPr/>
       </p:nvGrpSpPr>
@@ -15774,7 +15114,7 @@
       </p:grpSpPr>
       <p:sp>
         <p:nvSpPr>
-          <p:cNvPr id="198" name="Shape 198"/>
+          <p:cNvPr id="200" name="Shape 200"/>
           <p:cNvSpPr txBox="1">
             <a:spLocks noGrp="1"/>
           </p:cNvSpPr>
@@ -15797,7 +15137,7 @@
           </a:bodyPr>
           <a:lstStyle/>
           <a:p>
-            <a:pPr lvl="0">
+            <a:pPr lvl="0" rtl="0">
               <a:spcBef>
                 <a:spcPts val="0"/>
               </a:spcBef>
@@ -15814,7 +15154,7 @@
             </a:r>
           </a:p>
           <a:p>
-            <a:pPr lvl="0">
+            <a:pPr lvl="0" rtl="0">
               <a:spcBef>
                 <a:spcPts val="0"/>
               </a:spcBef>
@@ -15826,7 +15166,7 @@
       </p:sp>
       <p:sp>
         <p:nvSpPr>
-          <p:cNvPr id="199" name="Shape 199"/>
+          <p:cNvPr id="201" name="Shape 201"/>
           <p:cNvSpPr txBox="1">
             <a:spLocks noGrp="1"/>
           </p:cNvSpPr>
@@ -15864,18 +15204,19 @@
             </a:r>
           </a:p>
           <a:p>
-            <a:pPr marL="457200" lvl="0" indent="-228600" rtl="0">
-              <a:spcBef>
-                <a:spcPts val="0"/>
-              </a:spcBef>
-              <a:spcAft>
-                <a:spcPts val="0"/>
-              </a:spcAft>
+            <a:pPr marL="457200" lvl="0" indent="-317500" rtl="0">
+              <a:spcBef>
+                <a:spcPts val="0"/>
+              </a:spcBef>
+              <a:spcAft>
+                <a:spcPts val="0"/>
+              </a:spcAft>
+              <a:buSzPct val="100000"/>
               <a:buChar char="●"/>
             </a:pPr>
             <a:r>
               <a:rPr lang="en" sz="1400"/>
-              <a:t>Normal flow</a:t>
+              <a:t>Document flow</a:t>
             </a:r>
           </a:p>
           <a:p>
@@ -16023,7 +15364,7 @@
   <p:cSld>
     <p:spTree>
       <p:nvGrpSpPr>
-        <p:cNvPr id="1" name="Shape 203"/>
+        <p:cNvPr id="1" name="Shape 205"/>
         <p:cNvGrpSpPr/>
         <p:nvPr/>
       </p:nvGrpSpPr>
@@ -16037,7 +15378,7 @@
       </p:grpSpPr>
       <p:sp>
         <p:nvSpPr>
-          <p:cNvPr id="204" name="Shape 204"/>
+          <p:cNvPr id="206" name="Shape 206"/>
           <p:cNvSpPr txBox="1">
             <a:spLocks noGrp="1"/>
           </p:cNvSpPr>
@@ -16048,7 +15389,7 @@
         <p:spPr>
           <a:xfrm>
             <a:off x="311700" y="445025"/>
-            <a:ext cx="8520599" cy="707399"/>
+            <a:ext cx="8520600" cy="707400"/>
           </a:xfrm>
           <a:prstGeom prst="rect">
             <a:avLst/>
@@ -16098,7 +15439,7 @@
       </p:sp>
       <p:sp>
         <p:nvSpPr>
-          <p:cNvPr id="205" name="Shape 205"/>
+          <p:cNvPr id="207" name="Shape 207"/>
           <p:cNvSpPr txBox="1">
             <a:spLocks noGrp="1"/>
           </p:cNvSpPr>
@@ -16109,7 +15450,7 @@
         <p:spPr>
           <a:xfrm>
             <a:off x="311700" y="1266325"/>
-            <a:ext cx="8520599" cy="3302700"/>
+            <a:ext cx="8520600" cy="3302700"/>
           </a:xfrm>
           <a:prstGeom prst="rect">
             <a:avLst/>
@@ -16231,6 +15572,54 @@
               </a:rPr>
               <a:t> </a:t>
             </a:r>
+          </a:p>
+          <a:p>
+            <a:pPr marL="0" marR="0" lvl="0" indent="0" algn="l" rtl="0">
+              <a:lnSpc>
+                <a:spcPct val="115000"/>
+              </a:lnSpc>
+              <a:spcBef>
+                <a:spcPts val="1600"/>
+              </a:spcBef>
+              <a:spcAft>
+                <a:spcPts val="0"/>
+              </a:spcAft>
+              <a:buClr>
+                <a:schemeClr val="dk2"/>
+              </a:buClr>
+              <a:buSzPct val="25000"/>
+              <a:buFont typeface="Open Sans"/>
+              <a:buNone/>
+            </a:pPr>
+            <a:r>
+              <a:rPr lang="en" u="sng">
+                <a:solidFill>
+                  <a:schemeClr val="hlink"/>
+                </a:solidFill>
+                <a:hlinkClick r:id="rId6"/>
+              </a:rPr>
+              <a:t>http://onwebdev.blogspot.com/2011/01/css-understanding-document-flow.html</a:t>
+            </a:r>
+          </a:p>
+          <a:p>
+            <a:pPr marL="0" marR="0" lvl="0" indent="0" algn="l" rtl="0">
+              <a:lnSpc>
+                <a:spcPct val="115000"/>
+              </a:lnSpc>
+              <a:spcBef>
+                <a:spcPts val="1600"/>
+              </a:spcBef>
+              <a:spcAft>
+                <a:spcPts val="0"/>
+              </a:spcAft>
+              <a:buClr>
+                <a:schemeClr val="dk2"/>
+              </a:buClr>
+              <a:buSzPct val="25000"/>
+              <a:buFont typeface="Open Sans"/>
+              <a:buNone/>
+            </a:pPr>
+            <a:endParaRPr/>
           </a:p>
         </p:txBody>
       </p:sp>
@@ -16284,7 +15673,7 @@
           </a:bodyPr>
           <a:lstStyle/>
           <a:p>
-            <a:pPr lvl="0">
+            <a:pPr lvl="0" rtl="0">
               <a:spcBef>
                 <a:spcPts val="0"/>
               </a:spcBef>
@@ -16296,7 +15685,7 @@
             </a:r>
           </a:p>
           <a:p>
-            <a:pPr lvl="0">
+            <a:pPr lvl="0" rtl="0">
               <a:spcBef>
                 <a:spcPts val="0"/>
               </a:spcBef>
@@ -16332,6 +15721,9 @@
           <a:lstStyle/>
           <a:p>
             <a:pPr lvl="0" rtl="0">
+              <a:lnSpc>
+                <a:spcPct val="100000"/>
+              </a:lnSpc>
               <a:spcBef>
                 <a:spcPts val="0"/>
               </a:spcBef>
@@ -16351,6 +15743,9 @@
           </a:p>
           <a:p>
             <a:pPr marL="457200" lvl="0" indent="-228600" rtl="0">
+              <a:lnSpc>
+                <a:spcPct val="100000"/>
+              </a:lnSpc>
               <a:spcBef>
                 <a:spcPts val="0"/>
               </a:spcBef>
@@ -16361,18 +15756,16 @@
             </a:pPr>
             <a:r>
               <a:rPr lang="en" sz="1400" dirty="0"/>
-              <a:t>Semantic elements (define their content): &lt;table&gt;, &lt;form&gt;, &lt;img&gt;, &lt;</a:t>
-            </a:r>
-            <a:r>
-              <a:rPr lang="en" sz="1400" dirty="0" smtClean="0"/>
-              <a:t>h1&gt;</a:t>
-            </a:r>
-            <a:endParaRPr lang="en-US" sz="1400" dirty="0" smtClean="0"/>
+              <a:t>Specific-purpose elements: &lt;table&gt;, &lt;form&gt;, &lt;img&gt;, &lt;h1&gt;</a:t>
+            </a:r>
           </a:p>
           <a:p>
             <a:pPr marL="457200" lvl="0" indent="-228600" rtl="0">
-              <a:spcBef>
-                <a:spcPts val="0"/>
+              <a:lnSpc>
+                <a:spcPct val="100000"/>
+              </a:lnSpc>
+              <a:spcBef>
+                <a:spcPts val="1600"/>
               </a:spcBef>
               <a:spcAft>
                 <a:spcPts val="0"/>
@@ -16380,16 +15773,15 @@
               <a:buChar char="●"/>
             </a:pPr>
             <a:r>
-              <a:rPr lang="en" sz="1400" dirty="0" smtClean="0"/>
-              <a:t>Non-semantic </a:t>
-            </a:r>
-            <a:r>
               <a:rPr lang="en" sz="1400" dirty="0"/>
-              <a:t>elements (say nothing about their content): &lt;div&gt;, &lt;span&gt;</a:t>
+              <a:t>General-purpose elements: &lt;div&gt;, &lt;span&gt;</a:t>
             </a:r>
           </a:p>
           <a:p>
             <a:pPr lvl="0" rtl="0">
+              <a:lnSpc>
+                <a:spcPct val="100000"/>
+              </a:lnSpc>
               <a:spcBef>
                 <a:spcPts val="1600"/>
               </a:spcBef>
@@ -16409,6 +15801,9 @@
           </a:p>
           <a:p>
             <a:pPr marL="457200" lvl="0" indent="-228600" rtl="0">
+              <a:lnSpc>
+                <a:spcPct val="100000"/>
+              </a:lnSpc>
               <a:spcBef>
                 <a:spcPts val="0"/>
               </a:spcBef>
@@ -16419,11 +15814,14 @@
             </a:pPr>
             <a:r>
               <a:rPr lang="en" sz="1400" dirty="0"/>
-              <a:t>For example, &lt;foo&gt; opens the tag, &lt;/foo&gt; closes the tag</a:t>
+              <a:t>For example, &lt;foo&gt; opens the tag, &lt;/foo&gt; closes the tag (but some tags are self-closing!)</a:t>
             </a:r>
           </a:p>
           <a:p>
             <a:pPr marL="457200" lvl="0" indent="-228600" rtl="0">
+              <a:lnSpc>
+                <a:spcPct val="100000"/>
+              </a:lnSpc>
               <a:spcBef>
                 <a:spcPts val="0"/>
               </a:spcBef>
@@ -16439,6 +15837,9 @@
           </a:p>
           <a:p>
             <a:pPr marL="457200" lvl="0" indent="-228600" rtl="0">
+              <a:lnSpc>
+                <a:spcPct val="100000"/>
+              </a:lnSpc>
               <a:spcBef>
                 <a:spcPts val="0"/>
               </a:spcBef>
@@ -16454,6 +15855,9 @@
           </a:p>
           <a:p>
             <a:pPr lvl="0" rtl="0">
+              <a:lnSpc>
+                <a:spcPct val="100000"/>
+              </a:lnSpc>
               <a:spcBef>
                 <a:spcPts val="1600"/>
               </a:spcBef>
@@ -16473,6 +15877,9 @@
           </a:p>
           <a:p>
             <a:pPr marL="457200" lvl="0" indent="-228600" rtl="0">
+              <a:lnSpc>
+                <a:spcPct val="100000"/>
+              </a:lnSpc>
               <a:spcBef>
                 <a:spcPts val="0"/>
               </a:spcBef>
@@ -16488,6 +15895,9 @@
           </a:p>
           <a:p>
             <a:pPr lvl="0" rtl="0">
+              <a:lnSpc>
+                <a:spcPct val="100000"/>
+              </a:lnSpc>
               <a:spcBef>
                 <a:spcPts val="1600"/>
               </a:spcBef>
@@ -16502,7 +15912,10 @@
             </a:r>
           </a:p>
           <a:p>
-            <a:pPr lvl="0">
+            <a:pPr lvl="0" rtl="0">
+              <a:lnSpc>
+                <a:spcPct val="100000"/>
+              </a:lnSpc>
               <a:spcBef>
                 <a:spcPts val="0"/>
               </a:spcBef>
@@ -16562,7 +15975,7 @@
           </a:bodyPr>
           <a:lstStyle/>
           <a:p>
-            <a:pPr lvl="0">
+            <a:pPr lvl="0" rtl="0">
               <a:spcBef>
                 <a:spcPts val="0"/>
               </a:spcBef>
@@ -16600,388 +16013,188 @@
           </a:bodyPr>
           <a:lstStyle/>
           <a:p>
-            <a:pPr lvl="0">
-              <a:spcBef>
-                <a:spcPts val="0"/>
-              </a:spcBef>
-              <a:spcAft>
-                <a:spcPts val="0"/>
-              </a:spcAft>
-              <a:buNone/>
-            </a:pPr>
-            <a:r>
-              <a:rPr lang="en" dirty="0">
+            <a:pPr lvl="0" rtl="0">
+              <a:spcBef>
+                <a:spcPts val="0"/>
+              </a:spcBef>
+              <a:spcAft>
+                <a:spcPts val="0"/>
+              </a:spcAft>
+              <a:buNone/>
+            </a:pPr>
+            <a:r>
+              <a:rPr lang="en">
                 <a:solidFill>
                   <a:srgbClr val="38761D"/>
                 </a:solidFill>
               </a:rPr>
-              <a:t>&lt;html</a:t>
-            </a:r>
-            <a:r>
-              <a:rPr lang="en" dirty="0" smtClean="0">
+              <a:t>&lt;html&gt;</a:t>
+            </a:r>
+          </a:p>
+          <a:p>
+            <a:pPr lvl="0" indent="457200" rtl="0">
+              <a:spcBef>
+                <a:spcPts val="0"/>
+              </a:spcBef>
+              <a:spcAft>
+                <a:spcPts val="0"/>
+              </a:spcAft>
+              <a:buNone/>
+            </a:pPr>
+            <a:r>
+              <a:rPr lang="en">
                 <a:solidFill>
                   <a:srgbClr val="38761D"/>
                 </a:solidFill>
               </a:rPr>
-              <a:t>&gt;</a:t>
-            </a:r>
-            <a:endParaRPr lang="en-US" dirty="0" smtClean="0">
-              <a:solidFill>
-                <a:srgbClr val="38761D"/>
-              </a:solidFill>
-            </a:endParaRPr>
-          </a:p>
-          <a:p>
-            <a:pPr lvl="0">
-              <a:spcBef>
-                <a:spcPts val="0"/>
-              </a:spcBef>
-              <a:spcAft>
-                <a:spcPts val="0"/>
-              </a:spcAft>
-              <a:buNone/>
-            </a:pPr>
-            <a:r>
-              <a:rPr lang="en-US" dirty="0">
+              <a:t>&lt;head&gt;</a:t>
+            </a:r>
+          </a:p>
+          <a:p>
+            <a:pPr marL="457200" lvl="0" indent="457200" rtl="0">
+              <a:spcBef>
+                <a:spcPts val="0"/>
+              </a:spcBef>
+              <a:spcAft>
+                <a:spcPts val="0"/>
+              </a:spcAft>
+              <a:buNone/>
+            </a:pPr>
+            <a:r>
+              <a:rPr lang="en">
                 <a:solidFill>
                   <a:srgbClr val="38761D"/>
                 </a:solidFill>
               </a:rPr>
-              <a:t> </a:t>
-            </a:r>
-            <a:r>
-              <a:rPr lang="en-US" dirty="0" smtClean="0">
+              <a:t>&lt;title&gt;My First HTML!&lt;/title&gt;</a:t>
+            </a:r>
+          </a:p>
+          <a:p>
+            <a:pPr lvl="0" indent="457200" rtl="0">
+              <a:spcBef>
+                <a:spcPts val="0"/>
+              </a:spcBef>
+              <a:spcAft>
+                <a:spcPts val="0"/>
+              </a:spcAft>
+              <a:buNone/>
+            </a:pPr>
+            <a:r>
+              <a:rPr lang="en">
                 <a:solidFill>
                   <a:srgbClr val="38761D"/>
                 </a:solidFill>
               </a:rPr>
-              <a:t>   </a:t>
-            </a:r>
-            <a:r>
-              <a:rPr lang="en" dirty="0" smtClean="0">
+              <a:t>&lt;/head&gt;</a:t>
+            </a:r>
+          </a:p>
+          <a:p>
+            <a:pPr lvl="0" indent="457200" rtl="0">
+              <a:spcBef>
+                <a:spcPts val="0"/>
+              </a:spcBef>
+              <a:spcAft>
+                <a:spcPts val="0"/>
+              </a:spcAft>
+              <a:buNone/>
+            </a:pPr>
+            <a:r>
+              <a:rPr lang="en">
                 <a:solidFill>
                   <a:srgbClr val="38761D"/>
                 </a:solidFill>
               </a:rPr>
-              <a:t>&lt;</a:t>
-            </a:r>
-            <a:r>
-              <a:rPr lang="en" dirty="0">
+              <a:t>&lt;body&gt;</a:t>
+            </a:r>
+          </a:p>
+          <a:p>
+            <a:pPr lvl="0" indent="457200" rtl="0">
+              <a:spcBef>
+                <a:spcPts val="0"/>
+              </a:spcBef>
+              <a:spcAft>
+                <a:spcPts val="0"/>
+              </a:spcAft>
+              <a:buNone/>
+            </a:pPr>
+            <a:r>
+              <a:rPr lang="en">
                 <a:solidFill>
                   <a:srgbClr val="38761D"/>
                 </a:solidFill>
               </a:rPr>
-              <a:t>head</a:t>
-            </a:r>
-            <a:r>
-              <a:rPr lang="en" dirty="0" smtClean="0">
+              <a:t>	&lt;div&gt;</a:t>
+            </a:r>
+          </a:p>
+          <a:p>
+            <a:pPr lvl="0" indent="457200" rtl="0">
+              <a:spcBef>
+                <a:spcPts val="0"/>
+              </a:spcBef>
+              <a:spcAft>
+                <a:spcPts val="0"/>
+              </a:spcAft>
+              <a:buNone/>
+            </a:pPr>
+            <a:r>
+              <a:rPr lang="en">
                 <a:solidFill>
                   <a:srgbClr val="38761D"/>
                 </a:solidFill>
               </a:rPr>
-              <a:t>&gt;</a:t>
-            </a:r>
-            <a:endParaRPr lang="en-US" dirty="0" smtClean="0">
-              <a:solidFill>
-                <a:srgbClr val="38761D"/>
-              </a:solidFill>
-            </a:endParaRPr>
-          </a:p>
-          <a:p>
-            <a:pPr lvl="0">
-              <a:spcBef>
-                <a:spcPts val="0"/>
-              </a:spcBef>
-              <a:spcAft>
-                <a:spcPts val="0"/>
-              </a:spcAft>
-              <a:buNone/>
-            </a:pPr>
-            <a:r>
-              <a:rPr lang="en-US" dirty="0">
+              <a:t>		Here’s my first HTML</a:t>
+            </a:r>
+          </a:p>
+          <a:p>
+            <a:pPr lvl="0" indent="457200" rtl="0">
+              <a:spcBef>
+                <a:spcPts val="0"/>
+              </a:spcBef>
+              <a:spcAft>
+                <a:spcPts val="0"/>
+              </a:spcAft>
+              <a:buNone/>
+            </a:pPr>
+            <a:r>
+              <a:rPr lang="en">
                 <a:solidFill>
                   <a:srgbClr val="38761D"/>
                 </a:solidFill>
               </a:rPr>
-              <a:t> </a:t>
-            </a:r>
-            <a:r>
-              <a:rPr lang="en-US" dirty="0" smtClean="0">
+              <a:t>	&lt;/div&gt;</a:t>
+            </a:r>
+          </a:p>
+          <a:p>
+            <a:pPr lvl="0" indent="457200" rtl="0">
+              <a:spcBef>
+                <a:spcPts val="0"/>
+              </a:spcBef>
+              <a:spcAft>
+                <a:spcPts val="0"/>
+              </a:spcAft>
+              <a:buNone/>
+            </a:pPr>
+            <a:r>
+              <a:rPr lang="en">
                 <a:solidFill>
                   <a:srgbClr val="38761D"/>
                 </a:solidFill>
               </a:rPr>
-              <a:t>       </a:t>
-            </a:r>
-            <a:r>
-              <a:rPr lang="en" dirty="0" smtClean="0">
-                <a:solidFill>
-                  <a:srgbClr val="38761D"/>
-                </a:solidFill>
-              </a:rPr>
-              <a:t>&lt;</a:t>
-            </a:r>
-            <a:r>
-              <a:rPr lang="en" dirty="0">
-                <a:solidFill>
-                  <a:srgbClr val="38761D"/>
-                </a:solidFill>
-              </a:rPr>
-              <a:t>title&gt;My First HTML!&lt;/title</a:t>
-            </a:r>
-            <a:r>
-              <a:rPr lang="en" dirty="0" smtClean="0">
-                <a:solidFill>
-                  <a:srgbClr val="38761D"/>
-                </a:solidFill>
-              </a:rPr>
-              <a:t>&gt;</a:t>
-            </a:r>
-            <a:endParaRPr lang="en-US" dirty="0" smtClean="0">
-              <a:solidFill>
-                <a:srgbClr val="38761D"/>
-              </a:solidFill>
-            </a:endParaRPr>
-          </a:p>
-          <a:p>
-            <a:pPr lvl="0">
-              <a:spcBef>
-                <a:spcPts val="0"/>
-              </a:spcBef>
-              <a:spcAft>
-                <a:spcPts val="0"/>
-              </a:spcAft>
-              <a:buNone/>
-            </a:pPr>
-            <a:r>
-              <a:rPr lang="en-US" dirty="0">
-                <a:solidFill>
-                  <a:srgbClr val="38761D"/>
-                </a:solidFill>
-              </a:rPr>
-              <a:t> </a:t>
-            </a:r>
-            <a:r>
-              <a:rPr lang="en-US" dirty="0" smtClean="0">
-                <a:solidFill>
-                  <a:srgbClr val="38761D"/>
-                </a:solidFill>
-              </a:rPr>
-              <a:t>   </a:t>
-            </a:r>
-            <a:r>
-              <a:rPr lang="en" dirty="0" smtClean="0">
-                <a:solidFill>
-                  <a:srgbClr val="38761D"/>
-                </a:solidFill>
-              </a:rPr>
-              <a:t>&lt;/</a:t>
-            </a:r>
-            <a:r>
-              <a:rPr lang="en" dirty="0">
-                <a:solidFill>
-                  <a:srgbClr val="38761D"/>
-                </a:solidFill>
-              </a:rPr>
-              <a:t>head</a:t>
-            </a:r>
-            <a:r>
-              <a:rPr lang="en" dirty="0" smtClean="0">
-                <a:solidFill>
-                  <a:srgbClr val="38761D"/>
-                </a:solidFill>
-              </a:rPr>
-              <a:t>&gt;</a:t>
-            </a:r>
-            <a:endParaRPr lang="en-US" dirty="0" smtClean="0">
-              <a:solidFill>
-                <a:srgbClr val="38761D"/>
-              </a:solidFill>
-            </a:endParaRPr>
-          </a:p>
-          <a:p>
-            <a:pPr lvl="0">
-              <a:spcBef>
-                <a:spcPts val="0"/>
-              </a:spcBef>
-              <a:spcAft>
-                <a:spcPts val="0"/>
-              </a:spcAft>
-              <a:buNone/>
-            </a:pPr>
-            <a:r>
-              <a:rPr lang="en-US" dirty="0">
-                <a:solidFill>
-                  <a:srgbClr val="38761D"/>
-                </a:solidFill>
-              </a:rPr>
-              <a:t> </a:t>
-            </a:r>
-            <a:r>
-              <a:rPr lang="en-US" dirty="0" smtClean="0">
-                <a:solidFill>
-                  <a:srgbClr val="38761D"/>
-                </a:solidFill>
-              </a:rPr>
-              <a:t>   </a:t>
-            </a:r>
-            <a:r>
-              <a:rPr lang="en" dirty="0" smtClean="0">
-                <a:solidFill>
-                  <a:srgbClr val="38761D"/>
-                </a:solidFill>
-              </a:rPr>
-              <a:t>&lt;</a:t>
-            </a:r>
-            <a:r>
-              <a:rPr lang="en" dirty="0">
-                <a:solidFill>
-                  <a:srgbClr val="38761D"/>
-                </a:solidFill>
-              </a:rPr>
-              <a:t>body</a:t>
-            </a:r>
-            <a:r>
-              <a:rPr lang="en" dirty="0" smtClean="0">
-                <a:solidFill>
-                  <a:srgbClr val="38761D"/>
-                </a:solidFill>
-              </a:rPr>
-              <a:t>&gt;</a:t>
-            </a:r>
-            <a:endParaRPr lang="en-US" dirty="0" smtClean="0">
-              <a:solidFill>
-                <a:srgbClr val="38761D"/>
-              </a:solidFill>
-            </a:endParaRPr>
-          </a:p>
-          <a:p>
-            <a:pPr lvl="0">
-              <a:spcBef>
-                <a:spcPts val="0"/>
-              </a:spcBef>
-              <a:spcAft>
-                <a:spcPts val="0"/>
-              </a:spcAft>
-              <a:buNone/>
-            </a:pPr>
-            <a:r>
-              <a:rPr lang="en-US" dirty="0">
-                <a:solidFill>
-                  <a:srgbClr val="38761D"/>
-                </a:solidFill>
-              </a:rPr>
-              <a:t> </a:t>
-            </a:r>
-            <a:r>
-              <a:rPr lang="en-US" dirty="0" smtClean="0">
-                <a:solidFill>
-                  <a:srgbClr val="38761D"/>
-                </a:solidFill>
-              </a:rPr>
-              <a:t>       </a:t>
-            </a:r>
-            <a:r>
-              <a:rPr lang="en" dirty="0" smtClean="0">
-                <a:solidFill>
-                  <a:srgbClr val="38761D"/>
-                </a:solidFill>
-              </a:rPr>
-              <a:t>&lt;div&gt;Here’s </a:t>
-            </a:r>
-            <a:r>
-              <a:rPr lang="en" dirty="0">
-                <a:solidFill>
-                  <a:srgbClr val="38761D"/>
-                </a:solidFill>
-              </a:rPr>
-              <a:t>my first </a:t>
-            </a:r>
-            <a:r>
-              <a:rPr lang="en" dirty="0" smtClean="0">
-                <a:solidFill>
-                  <a:srgbClr val="38761D"/>
-                </a:solidFill>
-              </a:rPr>
-              <a:t>HTML&lt;/</a:t>
-            </a:r>
-            <a:r>
-              <a:rPr lang="en" dirty="0">
-                <a:solidFill>
-                  <a:srgbClr val="38761D"/>
-                </a:solidFill>
-              </a:rPr>
-              <a:t>div</a:t>
-            </a:r>
-            <a:r>
-              <a:rPr lang="en" dirty="0" smtClean="0">
-                <a:solidFill>
-                  <a:srgbClr val="38761D"/>
-                </a:solidFill>
-              </a:rPr>
-              <a:t>&gt;</a:t>
-            </a:r>
-            <a:endParaRPr lang="en-US" dirty="0" smtClean="0">
-              <a:solidFill>
-                <a:srgbClr val="38761D"/>
-              </a:solidFill>
-            </a:endParaRPr>
-          </a:p>
-          <a:p>
-            <a:pPr lvl="0">
-              <a:spcBef>
-                <a:spcPts val="0"/>
-              </a:spcBef>
-              <a:spcAft>
-                <a:spcPts val="0"/>
-              </a:spcAft>
-              <a:buNone/>
-            </a:pPr>
-            <a:r>
-              <a:rPr lang="en-US" dirty="0">
-                <a:solidFill>
-                  <a:srgbClr val="38761D"/>
-                </a:solidFill>
-              </a:rPr>
-              <a:t> </a:t>
-            </a:r>
-            <a:r>
-              <a:rPr lang="en-US" dirty="0" smtClean="0">
-                <a:solidFill>
-                  <a:srgbClr val="38761D"/>
-                </a:solidFill>
-              </a:rPr>
-              <a:t>   </a:t>
-            </a:r>
-            <a:r>
-              <a:rPr lang="en" dirty="0" smtClean="0">
-                <a:solidFill>
-                  <a:srgbClr val="38761D"/>
-                </a:solidFill>
-              </a:rPr>
-              <a:t>&lt;/</a:t>
-            </a:r>
-            <a:r>
-              <a:rPr lang="en" dirty="0">
-                <a:solidFill>
-                  <a:srgbClr val="38761D"/>
-                </a:solidFill>
-              </a:rPr>
-              <a:t>body&gt;</a:t>
-            </a:r>
-          </a:p>
-          <a:p>
-            <a:pPr lvl="0">
-              <a:spcBef>
-                <a:spcPts val="0"/>
-              </a:spcBef>
-              <a:spcAft>
-                <a:spcPts val="0"/>
-              </a:spcAft>
-              <a:buNone/>
-            </a:pPr>
-            <a:r>
-              <a:rPr lang="en" dirty="0">
+              <a:t>&lt;/body&gt;</a:t>
+            </a:r>
+          </a:p>
+          <a:p>
+            <a:pPr lvl="0" rtl="0">
+              <a:spcBef>
+                <a:spcPts val="0"/>
+              </a:spcBef>
+              <a:spcAft>
+                <a:spcPts val="0"/>
+              </a:spcAft>
+              <a:buNone/>
+            </a:pPr>
+            <a:r>
+              <a:rPr lang="en">
                 <a:solidFill>
                   <a:srgbClr val="38761D"/>
                 </a:solidFill>
@@ -17216,11 +16429,7 @@
               <a:buNone/>
             </a:pPr>
             <a:r>
-              <a:rPr lang="en">
-                <a:solidFill>
-                  <a:srgbClr val="990000"/>
-                </a:solidFill>
-              </a:rPr>
+              <a:rPr lang="en"/>
               <a:t>...or worse…</a:t>
             </a:r>
           </a:p>
@@ -17244,7 +16453,7 @@
             </a:r>
           </a:p>
           <a:p>
-            <a:pPr lvl="0">
+            <a:pPr lvl="0" rtl="0">
               <a:spcBef>
                 <a:spcPts val="0"/>
               </a:spcBef>
@@ -17296,7 +16505,7 @@
         <p:spPr>
           <a:xfrm>
             <a:off x="311700" y="445025"/>
-            <a:ext cx="8520599" cy="707399"/>
+            <a:ext cx="8520600" cy="707400"/>
           </a:xfrm>
           <a:prstGeom prst="rect">
             <a:avLst/>
@@ -17357,7 +16566,7 @@
         <p:spPr>
           <a:xfrm>
             <a:off x="311700" y="1266325"/>
-            <a:ext cx="8520599" cy="3302700"/>
+            <a:ext cx="8520600" cy="3302700"/>
           </a:xfrm>
           <a:prstGeom prst="rect">
             <a:avLst/>
@@ -17492,6 +16701,25 @@
             <a:r>
               <a:rPr lang="en"/>
               <a:t>&lt;title&gt;    defines the title of the document</a:t>
+            </a:r>
+            <a:br>
+              <a:rPr lang="en"/>
+            </a:br>
+            <a:r>
+              <a:rPr lang="en">
+                <a:solidFill>
+                  <a:srgbClr val="B7B7B7"/>
+                </a:solidFill>
+              </a:rPr>
+              <a:t>            </a:t>
+            </a:r>
+            <a:r>
+              <a:rPr lang="en">
+                <a:solidFill>
+                  <a:srgbClr val="999999"/>
+                </a:solidFill>
+              </a:rPr>
+              <a:t>(technically optional, but good practice to always have)</a:t>
             </a:r>
           </a:p>
           <a:p>
@@ -17593,7 +16821,7 @@
           </a:bodyPr>
           <a:lstStyle/>
           <a:p>
-            <a:pPr lvl="0">
+            <a:pPr lvl="0" rtl="0">
               <a:spcBef>
                 <a:spcPts val="0"/>
               </a:spcBef>
@@ -17610,7 +16838,7 @@
             </a:r>
           </a:p>
           <a:p>
-            <a:pPr lvl="0">
+            <a:pPr lvl="0" rtl="0">
               <a:spcBef>
                 <a:spcPts val="0"/>
               </a:spcBef>
@@ -17714,7 +16942,7 @@
             </a:pPr>
             <a:r>
               <a:rPr lang="en" sz="1400"/>
-              <a:t>&lt;b&gt; bold (and &lt;strong&gt;), &lt;i&gt; italicized (and &lt;em&gt; emphasis)</a:t>
+              <a:t>&lt;strong&gt; and &lt;em&gt; emphasis (preferred over &lt;b&gt; bold and &lt;i&gt; italic)</a:t>
             </a:r>
           </a:p>
           <a:p>
@@ -17771,7 +16999,7 @@
             </a:pPr>
             <a:r>
               <a:rPr lang="en" sz="1400"/>
-              <a:t>&lt;blockquote&gt;, &lt;q&gt; quote, &lt;abbr&gt; abbreviation/acronym, &lt;cite&gt;, &lt;dfn&gt; definition</a:t>
+              <a:t>&lt;blockquote&gt;, &lt;abbr&gt; abbreviation/acronym, &lt;cite&gt;, &lt;dfn&gt; definition</a:t>
             </a:r>
           </a:p>
           <a:p>
@@ -17812,7 +17040,7 @@
             </a:r>
           </a:p>
           <a:p>
-            <a:pPr lvl="0">
+            <a:pPr lvl="0" rtl="0">
               <a:lnSpc>
                 <a:spcPct val="100000"/>
               </a:lnSpc>
@@ -17863,7 +17091,7 @@
         <p:spPr>
           <a:xfrm>
             <a:off x="311700" y="445025"/>
-            <a:ext cx="8520599" cy="707399"/>
+            <a:ext cx="8520600" cy="707400"/>
           </a:xfrm>
           <a:prstGeom prst="rect">
             <a:avLst/>
@@ -17924,7 +17152,7 @@
         <p:spPr>
           <a:xfrm>
             <a:off x="311700" y="1266325"/>
-            <a:ext cx="8520599" cy="3302700"/>
+            <a:ext cx="8520600" cy="3302700"/>
           </a:xfrm>
           <a:prstGeom prst="rect">
             <a:avLst/>
@@ -17986,7 +17214,7 @@
               </a:buClr>
               <a:buSzPct val="100000"/>
               <a:buFont typeface="Open Sans"/>
-              <a:buChar char="●"/>
+              <a:buAutoNum type="arabicPeriod"/>
             </a:pPr>
             <a:r>
               <a:rPr lang="en" sz="1400" b="0" i="0" u="none" strike="noStrike" cap="none">
@@ -18017,7 +17245,7 @@
               </a:buClr>
               <a:buSzPct val="100000"/>
               <a:buFont typeface="Open Sans"/>
-              <a:buChar char="●"/>
+              <a:buAutoNum type="arabicPeriod"/>
             </a:pPr>
             <a:r>
               <a:rPr lang="en" sz="1400" b="0" i="0" u="none" strike="noStrike" cap="none">
@@ -18196,7 +17424,7 @@
         <p:spPr>
           <a:xfrm>
             <a:off x="311700" y="445025"/>
-            <a:ext cx="8520599" cy="707399"/>
+            <a:ext cx="8520600" cy="707400"/>
           </a:xfrm>
           <a:prstGeom prst="rect">
             <a:avLst/>
@@ -18257,7 +17485,7 @@
         <p:spPr>
           <a:xfrm>
             <a:off x="311700" y="1093800"/>
-            <a:ext cx="8520599" cy="3475200"/>
+            <a:ext cx="8520600" cy="3475200"/>
           </a:xfrm>
           <a:prstGeom prst="rect">
             <a:avLst/>
@@ -18598,7 +17826,19 @@
                 <a:cs typeface="Open Sans"/>
                 <a:sym typeface="Open Sans"/>
               </a:rPr>
-              <a:t>Link to a part of a web page</a:t>
+              <a:t>Link to a part of a web page (</a:t>
+            </a:r>
+            <a:r>
+              <a:rPr lang="en"/>
+              <a:t>usually referred to as an </a:t>
+            </a:r>
+            <a:r>
+              <a:rPr lang="en" b="1"/>
+              <a:t>anchor</a:t>
+            </a:r>
+            <a:r>
+              <a:rPr lang="en"/>
+              <a:t>)</a:t>
             </a:r>
           </a:p>
           <a:p>
@@ -18822,7 +18062,23 @@
                 <a:cs typeface="Open Sans"/>
                 <a:sym typeface="Open Sans"/>
               </a:rPr>
-              <a:t>&lt;a href=”page.html” target=”_new”&gt;Open me!&lt;/a&gt;</a:t>
+              <a:t>&lt;a href=”page.html” target=”_</a:t>
+            </a:r>
+            <a:r>
+              <a:rPr lang="en" sz="1400"/>
+              <a:t>blank</a:t>
+            </a:r>
+            <a:r>
+              <a:rPr lang="en" sz="1400" b="0" i="0" u="none" strike="noStrike" cap="none">
+                <a:solidFill>
+                  <a:schemeClr val="dk2"/>
+                </a:solidFill>
+                <a:latin typeface="Open Sans"/>
+                <a:ea typeface="Open Sans"/>
+                <a:cs typeface="Open Sans"/>
+                <a:sym typeface="Open Sans"/>
+              </a:rPr>
+              <a:t>”&gt;Open me!&lt;/a&gt;</a:t>
             </a:r>
           </a:p>
         </p:txBody>
@@ -18877,7 +18133,7 @@
           </a:bodyPr>
           <a:lstStyle/>
           <a:p>
-            <a:pPr lvl="0">
+            <a:pPr lvl="0" rtl="0">
               <a:spcBef>
                 <a:spcPts val="0"/>
               </a:spcBef>
@@ -18894,7 +18150,7 @@
             </a:r>
           </a:p>
           <a:p>
-            <a:pPr lvl="0">
+            <a:pPr lvl="0" rtl="0">
               <a:spcBef>
                 <a:spcPts val="0"/>
               </a:spcBef>
@@ -18953,7 +18209,7 @@
             </a:r>
           </a:p>
           <a:p>
-            <a:pPr lvl="0">
+            <a:pPr lvl="0" rtl="0">
               <a:spcBef>
                 <a:spcPts val="0"/>
               </a:spcBef>
@@ -18965,7 +18221,7 @@
             </a:r>
           </a:p>
           <a:p>
-            <a:pPr marL="457200" lvl="0" indent="-317500">
+            <a:pPr marL="457200" lvl="0" indent="-317500" rtl="0">
               <a:spcBef>
                 <a:spcPts val="0"/>
               </a:spcBef>
@@ -18990,7 +18246,7 @@
             </a:r>
           </a:p>
           <a:p>
-            <a:pPr marL="457200" lvl="0" indent="-228600">
+            <a:pPr marL="457200" lvl="0" indent="-228600" rtl="0">
               <a:spcBef>
                 <a:spcPts val="0"/>
               </a:spcBef>

--- a/Week_1/Lectures/1.3_HTML_and_CSS.pptx
+++ b/Week_1/Lectures/1.3_HTML_and_CSS.pptx
@@ -5,7 +5,7 @@
     <p:sldMasterId id="2147483659" r:id="rId1"/>
   </p:sldMasterIdLst>
   <p:notesMasterIdLst>
-    <p:notesMasterId r:id="rId26"/>
+    <p:notesMasterId r:id="rId28"/>
   </p:notesMasterIdLst>
   <p:sldIdLst>
     <p:sldId id="256" r:id="rId2"/>
@@ -19,7 +19,7 @@
     <p:sldId id="264" r:id="rId10"/>
     <p:sldId id="265" r:id="rId11"/>
     <p:sldId id="266" r:id="rId12"/>
-    <p:sldId id="267" r:id="rId13"/>
+    <p:sldId id="281" r:id="rId13"/>
     <p:sldId id="268" r:id="rId14"/>
     <p:sldId id="269" r:id="rId15"/>
     <p:sldId id="270" r:id="rId16"/>
@@ -32,6 +32,8 @@
     <p:sldId id="277" r:id="rId23"/>
     <p:sldId id="278" r:id="rId24"/>
     <p:sldId id="279" r:id="rId25"/>
+    <p:sldId id="282" r:id="rId26"/>
+    <p:sldId id="280" r:id="rId27"/>
   </p:sldIdLst>
   <p:sldSz cx="9144000" cy="5143500" type="screen16x9"/>
   <p:notesSz cx="6858000" cy="9144000"/>
@@ -411,7 +413,7 @@
     </p:spTree>
     <p:extLst>
       <p:ext uri="{BB962C8B-B14F-4D97-AF65-F5344CB8AC3E}">
-        <p14:creationId xmlns:p14="http://schemas.microsoft.com/office/powerpoint/2010/main" val="1685714810"/>
+        <p14:creationId xmlns:p14="http://schemas.microsoft.com/office/powerpoint/2010/main" val="1526588492"/>
       </p:ext>
     </p:extLst>
   </p:cSld>
@@ -868,7 +870,7 @@
   <p:cSld>
     <p:spTree>
       <p:nvGrpSpPr>
-        <p:cNvPr id="1" name="Shape 128"/>
+        <p:cNvPr id="1" name="Shape 172"/>
         <p:cNvGrpSpPr/>
         <p:nvPr/>
       </p:nvGrpSpPr>
@@ -882,7 +884,7 @@
       </p:grpSpPr>
       <p:sp>
         <p:nvSpPr>
-          <p:cNvPr id="129" name="Shape 129"/>
+          <p:cNvPr id="173" name="Shape 173"/>
           <p:cNvSpPr>
             <a:spLocks noGrp="1" noRot="1" noChangeAspect="1"/>
           </p:cNvSpPr>
@@ -892,7 +894,7 @@
         </p:nvSpPr>
         <p:spPr>
           <a:xfrm>
-            <a:off x="381300" y="685800"/>
+            <a:off x="381000" y="685800"/>
             <a:ext cx="6096000" cy="3429000"/>
           </a:xfrm>
           <a:custGeom>
@@ -923,7 +925,7 @@
       </p:sp>
       <p:sp>
         <p:nvSpPr>
-          <p:cNvPr id="130" name="Shape 130"/>
+          <p:cNvPr id="174" name="Shape 174"/>
           <p:cNvSpPr txBox="1">
             <a:spLocks noGrp="1"/>
           </p:cNvSpPr>
@@ -953,6 +955,50 @@
               <a:buNone/>
             </a:pPr>
             <a:endParaRPr/>
+          </a:p>
+        </p:txBody>
+      </p:sp>
+      <p:sp>
+        <p:nvSpPr>
+          <p:cNvPr id="175" name="Shape 175"/>
+          <p:cNvSpPr txBox="1">
+            <a:spLocks noGrp="1"/>
+          </p:cNvSpPr>
+          <p:nvPr>
+            <p:ph type="sldNum" idx="12"/>
+          </p:nvPr>
+        </p:nvSpPr>
+        <p:spPr>
+          <a:xfrm>
+            <a:off x="3884612" y="8685213"/>
+            <a:ext cx="2971800" cy="457200"/>
+          </a:xfrm>
+          <a:prstGeom prst="rect">
+            <a:avLst/>
+          </a:prstGeom>
+        </p:spPr>
+        <p:txBody>
+          <a:bodyPr lIns="91425" tIns="45700" rIns="91425" bIns="45700" anchor="b" anchorCtr="0">
+            <a:noAutofit/>
+          </a:bodyPr>
+          <a:lstStyle/>
+          <a:p>
+            <a:pPr lvl="0">
+              <a:spcBef>
+                <a:spcPts val="0"/>
+              </a:spcBef>
+              <a:buClr>
+                <a:srgbClr val="000000"/>
+              </a:buClr>
+              <a:buSzPct val="25000"/>
+              <a:buFont typeface="Arial"/>
+              <a:buNone/>
+            </a:pPr>
+            <a:fld id="{00000000-1234-1234-1234-123412341234}" type="slidenum">
+              <a:rPr lang="en-US"/>
+              <a:t>12</a:t>
+            </a:fld>
+            <a:endParaRPr lang="en-US"/>
           </a:p>
         </p:txBody>
       </p:sp>
@@ -1293,7 +1339,7 @@
         </p:nvSpPr>
         <p:spPr>
           <a:xfrm>
-            <a:off x="381000" y="685800"/>
+            <a:off x="381300" y="685800"/>
             <a:ext cx="6096000" cy="3429000"/>
           </a:xfrm>
           <a:custGeom>
@@ -1477,15 +1523,13 @@
           </a:bodyPr>
           <a:lstStyle/>
           <a:p>
-            <a:pPr marL="0" marR="0" lvl="0" indent="0" algn="l" rtl="0">
-              <a:spcBef>
-                <a:spcPts val="0"/>
-              </a:spcBef>
-              <a:buSzPct val="25000"/>
-              <a:buFont typeface="Arial"/>
-              <a:buNone/>
-            </a:pPr>
-            <a:endParaRPr sz="1100" b="0" i="0" u="none" strike="noStrike" cap="none"/>
+            <a:pPr marR="0" lvl="0" algn="l" rtl="0">
+              <a:spcBef>
+                <a:spcPts val="0"/>
+              </a:spcBef>
+              <a:buNone/>
+            </a:pPr>
+            <a:endParaRPr/>
           </a:p>
         </p:txBody>
       </p:sp>
@@ -1526,7 +1570,7 @@
         </p:nvSpPr>
         <p:spPr>
           <a:xfrm>
-            <a:off x="381300" y="685800"/>
+            <a:off x="381000" y="685800"/>
             <a:ext cx="6096000" cy="3429000"/>
           </a:xfrm>
           <a:custGeom>
@@ -2025,7 +2069,7 @@
         </p:nvSpPr>
         <p:spPr>
           <a:xfrm>
-            <a:off x="381300" y="685800"/>
+            <a:off x="381000" y="685800"/>
             <a:ext cx="6096000" cy="3429000"/>
           </a:xfrm>
           <a:custGeom>
@@ -2101,10 +2145,7 @@
               <a:buFont typeface="Arial"/>
               <a:buNone/>
             </a:pPr>
-            <a:r>
-              <a:rPr lang="en"/>
-              <a:t>Image from https://image.slidesharecdn.com/css-boxmodel-130811120108-phpapp02/95/css-box-model-2-638.jpg?cb=1376222562</a:t>
-            </a:r>
+            <a:endParaRPr sz="1100" b="0" i="0" u="none" strike="noStrike" cap="none"/>
           </a:p>
         </p:txBody>
       </p:sp>
@@ -2121,7 +2162,7 @@
   <p:cSld>
     <p:spTree>
       <p:nvGrpSpPr>
-        <p:cNvPr id="1" name="Shape 184"/>
+        <p:cNvPr id="1" name="Shape 182"/>
         <p:cNvGrpSpPr/>
         <p:nvPr/>
       </p:nvGrpSpPr>
@@ -2135,7 +2176,7 @@
       </p:grpSpPr>
       <p:sp>
         <p:nvSpPr>
-          <p:cNvPr id="185" name="Shape 185"/>
+          <p:cNvPr id="183" name="Shape 183"/>
           <p:cNvSpPr>
             <a:spLocks noGrp="1" noRot="1" noChangeAspect="1"/>
           </p:cNvSpPr>
@@ -2145,7 +2186,7 @@
         </p:nvSpPr>
         <p:spPr>
           <a:xfrm>
-            <a:off x="381000" y="685800"/>
+            <a:off x="381300" y="685800"/>
             <a:ext cx="6096000" cy="3429000"/>
           </a:xfrm>
           <a:custGeom>
@@ -2186,7 +2227,7 @@
       </p:sp>
       <p:sp>
         <p:nvSpPr>
-          <p:cNvPr id="186" name="Shape 186"/>
+          <p:cNvPr id="184" name="Shape 184"/>
           <p:cNvSpPr txBox="1">
             <a:spLocks noGrp="1"/>
           </p:cNvSpPr>
@@ -2221,7 +2262,10 @@
               <a:buFont typeface="Arial"/>
               <a:buNone/>
             </a:pPr>
-            <a:endParaRPr sz="1100" b="0" i="0" u="none" strike="noStrike" cap="none"/>
+            <a:r>
+              <a:rPr lang="en"/>
+              <a:t>Image from https://image.slidesharecdn.com/css-boxmodel-130811120108-phpapp02/95/css-box-model-2-638.jpg?cb=1376222562</a:t>
+            </a:r>
           </a:p>
         </p:txBody>
       </p:sp>
@@ -2379,7 +2423,124 @@
         </p:nvSpPr>
         <p:spPr>
           <a:xfrm>
-            <a:off x="381300" y="685800"/>
+            <a:off x="381000" y="685800"/>
+            <a:ext cx="6096000" cy="3429000"/>
+          </a:xfrm>
+          <a:custGeom>
+            <a:avLst/>
+            <a:gdLst/>
+            <a:ahLst/>
+            <a:cxnLst/>
+            <a:rect l="0" t="0" r="0" b="0"/>
+            <a:pathLst>
+              <a:path w="120000" h="120000" extrusionOk="0">
+                <a:moveTo>
+                  <a:pt x="0" y="0"/>
+                </a:moveTo>
+                <a:lnTo>
+                  <a:pt x="120000" y="0"/>
+                </a:lnTo>
+                <a:lnTo>
+                  <a:pt x="120000" y="120000"/>
+                </a:lnTo>
+                <a:lnTo>
+                  <a:pt x="0" y="120000"/>
+                </a:lnTo>
+                <a:close/>
+              </a:path>
+            </a:pathLst>
+          </a:custGeom>
+          <a:noFill/>
+          <a:ln w="9525" cap="flat" cmpd="sng">
+            <a:solidFill>
+              <a:srgbClr val="000000"/>
+            </a:solidFill>
+            <a:prstDash val="solid"/>
+            <a:round/>
+            <a:headEnd type="none" w="med" len="med"/>
+            <a:tailEnd type="none" w="med" len="med"/>
+          </a:ln>
+        </p:spPr>
+      </p:sp>
+      <p:sp>
+        <p:nvSpPr>
+          <p:cNvPr id="198" name="Shape 198"/>
+          <p:cNvSpPr txBox="1">
+            <a:spLocks noGrp="1"/>
+          </p:cNvSpPr>
+          <p:nvPr>
+            <p:ph type="body" idx="1"/>
+          </p:nvPr>
+        </p:nvSpPr>
+        <p:spPr>
+          <a:xfrm>
+            <a:off x="685800" y="4343400"/>
+            <a:ext cx="5486400" cy="4114800"/>
+          </a:xfrm>
+          <a:prstGeom prst="rect">
+            <a:avLst/>
+          </a:prstGeom>
+          <a:noFill/>
+          <a:ln>
+            <a:noFill/>
+          </a:ln>
+        </p:spPr>
+        <p:txBody>
+          <a:bodyPr lIns="91425" tIns="91425" rIns="91425" bIns="91425" anchor="t" anchorCtr="0">
+            <a:noAutofit/>
+          </a:bodyPr>
+          <a:lstStyle/>
+          <a:p>
+            <a:pPr marL="0" marR="0" lvl="0" indent="0" algn="l" rtl="0">
+              <a:spcBef>
+                <a:spcPts val="0"/>
+              </a:spcBef>
+              <a:buSzPct val="25000"/>
+              <a:buFont typeface="Arial"/>
+              <a:buNone/>
+            </a:pPr>
+            <a:endParaRPr sz="1100" b="0" i="0" u="none" strike="noStrike" cap="none"/>
+          </a:p>
+        </p:txBody>
+      </p:sp>
+    </p:spTree>
+  </p:cSld>
+  <p:clrMapOvr>
+    <a:masterClrMapping/>
+  </p:clrMapOvr>
+</p:notes>
+</file>
+
+<file path=ppt/notesSlides/notesSlide24.xml><?xml version="1.0" encoding="utf-8"?>
+<p:notes xmlns:a="http://schemas.openxmlformats.org/drawingml/2006/main" xmlns:r="http://schemas.openxmlformats.org/officeDocument/2006/relationships" xmlns:p="http://schemas.openxmlformats.org/presentationml/2006/main" showMasterSp="0" showMasterPhAnim="0">
+  <p:cSld>
+    <p:spTree>
+      <p:nvGrpSpPr>
+        <p:cNvPr id="1" name="Shape 202"/>
+        <p:cNvGrpSpPr/>
+        <p:nvPr/>
+      </p:nvGrpSpPr>
+      <p:grpSpPr>
+        <a:xfrm>
+          <a:off x="0" y="0"/>
+          <a:ext cx="0" cy="0"/>
+          <a:chOff x="0" y="0"/>
+          <a:chExt cx="0" cy="0"/>
+        </a:xfrm>
+      </p:grpSpPr>
+      <p:sp>
+        <p:nvSpPr>
+          <p:cNvPr id="203" name="Shape 203"/>
+          <p:cNvSpPr>
+            <a:spLocks noGrp="1" noRot="1" noChangeAspect="1"/>
+          </p:cNvSpPr>
+          <p:nvPr>
+            <p:ph type="sldImg" idx="2"/>
+          </p:nvPr>
+        </p:nvSpPr>
+        <p:spPr>
+          <a:xfrm>
+            <a:off x="381000" y="685800"/>
             <a:ext cx="6096000" cy="3429000"/>
           </a:xfrm>
           <a:custGeom>
@@ -2410,7 +2571,7 @@
       </p:sp>
       <p:sp>
         <p:nvSpPr>
-          <p:cNvPr id="198" name="Shape 198"/>
+          <p:cNvPr id="204" name="Shape 204"/>
           <p:cNvSpPr txBox="1">
             <a:spLocks noGrp="1"/>
           </p:cNvSpPr>
@@ -2451,12 +2612,12 @@
 </p:notes>
 </file>
 
-<file path=ppt/notesSlides/notesSlide24.xml><?xml version="1.0" encoding="utf-8"?>
+<file path=ppt/notesSlides/notesSlide25.xml><?xml version="1.0" encoding="utf-8"?>
 <p:notes xmlns:a="http://schemas.openxmlformats.org/drawingml/2006/main" xmlns:r="http://schemas.openxmlformats.org/officeDocument/2006/relationships" xmlns:p="http://schemas.openxmlformats.org/presentationml/2006/main" showMasterSp="0" showMasterPhAnim="0">
   <p:cSld>
     <p:spTree>
       <p:nvGrpSpPr>
-        <p:cNvPr id="1" name="Shape 202"/>
+        <p:cNvPr id="1" name="Shape 172"/>
         <p:cNvGrpSpPr/>
         <p:nvPr/>
       </p:nvGrpSpPr>
@@ -2470,7 +2631,152 @@
       </p:grpSpPr>
       <p:sp>
         <p:nvSpPr>
-          <p:cNvPr id="203" name="Shape 203"/>
+          <p:cNvPr id="173" name="Shape 173"/>
+          <p:cNvSpPr>
+            <a:spLocks noGrp="1" noRot="1" noChangeAspect="1"/>
+          </p:cNvSpPr>
+          <p:nvPr>
+            <p:ph type="sldImg" idx="2"/>
+          </p:nvPr>
+        </p:nvSpPr>
+        <p:spPr>
+          <a:xfrm>
+            <a:off x="381000" y="685800"/>
+            <a:ext cx="6096000" cy="3429000"/>
+          </a:xfrm>
+          <a:custGeom>
+            <a:avLst/>
+            <a:gdLst/>
+            <a:ahLst/>
+            <a:cxnLst/>
+            <a:rect l="0" t="0" r="0" b="0"/>
+            <a:pathLst>
+              <a:path w="120000" h="120000" extrusionOk="0">
+                <a:moveTo>
+                  <a:pt x="0" y="0"/>
+                </a:moveTo>
+                <a:lnTo>
+                  <a:pt x="120000" y="0"/>
+                </a:lnTo>
+                <a:lnTo>
+                  <a:pt x="120000" y="120000"/>
+                </a:lnTo>
+                <a:lnTo>
+                  <a:pt x="0" y="120000"/>
+                </a:lnTo>
+                <a:close/>
+              </a:path>
+            </a:pathLst>
+          </a:custGeom>
+        </p:spPr>
+      </p:sp>
+      <p:sp>
+        <p:nvSpPr>
+          <p:cNvPr id="174" name="Shape 174"/>
+          <p:cNvSpPr txBox="1">
+            <a:spLocks noGrp="1"/>
+          </p:cNvSpPr>
+          <p:nvPr>
+            <p:ph type="body" idx="1"/>
+          </p:nvPr>
+        </p:nvSpPr>
+        <p:spPr>
+          <a:xfrm>
+            <a:off x="685800" y="4343400"/>
+            <a:ext cx="5486400" cy="4114800"/>
+          </a:xfrm>
+          <a:prstGeom prst="rect">
+            <a:avLst/>
+          </a:prstGeom>
+        </p:spPr>
+        <p:txBody>
+          <a:bodyPr lIns="91425" tIns="91425" rIns="91425" bIns="91425" anchor="t" anchorCtr="0">
+            <a:noAutofit/>
+          </a:bodyPr>
+          <a:lstStyle/>
+          <a:p>
+            <a:pPr lvl="0">
+              <a:spcBef>
+                <a:spcPts val="0"/>
+              </a:spcBef>
+              <a:buNone/>
+            </a:pPr>
+            <a:endParaRPr/>
+          </a:p>
+        </p:txBody>
+      </p:sp>
+      <p:sp>
+        <p:nvSpPr>
+          <p:cNvPr id="175" name="Shape 175"/>
+          <p:cNvSpPr txBox="1">
+            <a:spLocks noGrp="1"/>
+          </p:cNvSpPr>
+          <p:nvPr>
+            <p:ph type="sldNum" idx="12"/>
+          </p:nvPr>
+        </p:nvSpPr>
+        <p:spPr>
+          <a:xfrm>
+            <a:off x="3884612" y="8685213"/>
+            <a:ext cx="2971800" cy="457200"/>
+          </a:xfrm>
+          <a:prstGeom prst="rect">
+            <a:avLst/>
+          </a:prstGeom>
+        </p:spPr>
+        <p:txBody>
+          <a:bodyPr lIns="91425" tIns="45700" rIns="91425" bIns="45700" anchor="b" anchorCtr="0">
+            <a:noAutofit/>
+          </a:bodyPr>
+          <a:lstStyle/>
+          <a:p>
+            <a:pPr lvl="0">
+              <a:spcBef>
+                <a:spcPts val="0"/>
+              </a:spcBef>
+              <a:buClr>
+                <a:srgbClr val="000000"/>
+              </a:buClr>
+              <a:buSzPct val="25000"/>
+              <a:buFont typeface="Arial"/>
+              <a:buNone/>
+            </a:pPr>
+            <a:fld id="{00000000-1234-1234-1234-123412341234}" type="slidenum">
+              <a:rPr lang="en-US"/>
+              <a:t>25</a:t>
+            </a:fld>
+            <a:endParaRPr lang="en-US"/>
+          </a:p>
+        </p:txBody>
+      </p:sp>
+    </p:spTree>
+  </p:cSld>
+  <p:clrMapOvr>
+    <a:masterClrMapping/>
+  </p:clrMapOvr>
+</p:notes>
+</file>
+
+<file path=ppt/notesSlides/notesSlide26.xml><?xml version="1.0" encoding="utf-8"?>
+<p:notes xmlns:a="http://schemas.openxmlformats.org/drawingml/2006/main" xmlns:r="http://schemas.openxmlformats.org/officeDocument/2006/relationships" xmlns:p="http://schemas.openxmlformats.org/presentationml/2006/main" showMasterSp="0" showMasterPhAnim="0">
+  <p:cSld>
+    <p:spTree>
+      <p:nvGrpSpPr>
+        <p:cNvPr id="1" name="Shape 208"/>
+        <p:cNvGrpSpPr/>
+        <p:nvPr/>
+      </p:nvGrpSpPr>
+      <p:grpSpPr>
+        <a:xfrm>
+          <a:off x="0" y="0"/>
+          <a:ext cx="0" cy="0"/>
+          <a:chOff x="0" y="0"/>
+          <a:chExt cx="0" cy="0"/>
+        </a:xfrm>
+      </p:grpSpPr>
+      <p:sp>
+        <p:nvSpPr>
+          <p:cNvPr id="209" name="Shape 209"/>
           <p:cNvSpPr>
             <a:spLocks noGrp="1" noRot="1" noChangeAspect="1"/>
           </p:cNvSpPr>
@@ -2521,7 +2827,7 @@
       </p:sp>
       <p:sp>
         <p:nvSpPr>
-          <p:cNvPr id="204" name="Shape 204"/>
+          <p:cNvPr id="210" name="Shape 210"/>
           <p:cNvSpPr txBox="1">
             <a:spLocks noGrp="1"/>
           </p:cNvSpPr>
@@ -3023,7 +3329,7 @@
         </p:nvSpPr>
         <p:spPr>
           <a:xfrm>
-            <a:off x="381300" y="685800"/>
+            <a:off x="381000" y="685800"/>
             <a:ext cx="6096000" cy="3429000"/>
           </a:xfrm>
           <a:custGeom>
@@ -10924,7 +11230,7 @@
   <p:cSld>
     <p:spTree>
       <p:nvGrpSpPr>
-        <p:cNvPr id="1" name="Shape 131"/>
+        <p:cNvPr id="1" name="Shape 176"/>
         <p:cNvGrpSpPr/>
         <p:nvPr/>
       </p:nvGrpSpPr>
@@ -10938,7 +11244,7 @@
       </p:grpSpPr>
       <p:sp>
         <p:nvSpPr>
-          <p:cNvPr id="132" name="Shape 132"/>
+          <p:cNvPr id="177" name="Shape 177"/>
           <p:cNvSpPr txBox="1">
             <a:spLocks noGrp="1"/>
           </p:cNvSpPr>
@@ -10948,50 +11254,46 @@
         </p:nvSpPr>
         <p:spPr>
           <a:xfrm>
-            <a:off x="311700" y="445025"/>
-            <a:ext cx="8520600" cy="707400"/>
+            <a:off x="311700" y="814800"/>
+            <a:ext cx="8571300" cy="942075"/>
           </a:xfrm>
           <a:prstGeom prst="rect">
             <a:avLst/>
           </a:prstGeom>
         </p:spPr>
         <p:txBody>
-          <a:bodyPr lIns="91425" tIns="91425" rIns="91425" bIns="91425" anchor="t" anchorCtr="0">
+          <a:bodyPr lIns="91425" tIns="91425" rIns="91425" bIns="91425" anchor="ctr" anchorCtr="0">
             <a:noAutofit/>
           </a:bodyPr>
           <a:lstStyle/>
           <a:p>
-            <a:pPr lvl="0" rtl="0">
-              <a:spcBef>
-                <a:spcPts val="0"/>
-              </a:spcBef>
-              <a:buNone/>
-            </a:pPr>
-            <a:r>
-              <a:rPr lang="en"/>
+            <a:pPr lvl="0"/>
+            <a:r>
+              <a:rPr lang="en" dirty="0"/>
               <a:t>Enough HTML... Let’s learn CSS!</a:t>
             </a:r>
+            <a:endParaRPr lang="en-US" dirty="0"/>
           </a:p>
         </p:txBody>
       </p:sp>
       <p:sp>
         <p:nvSpPr>
-          <p:cNvPr id="133" name="Shape 133"/>
-          <p:cNvSpPr txBox="1">
-            <a:spLocks noGrp="1"/>
-          </p:cNvSpPr>
-          <p:nvPr>
-            <p:ph type="body" idx="1"/>
-          </p:nvPr>
+          <p:cNvPr id="178" name="Shape 178"/>
+          <p:cNvSpPr txBox="1"/>
+          <p:nvPr/>
         </p:nvSpPr>
         <p:spPr>
           <a:xfrm>
-            <a:off x="311700" y="1266325"/>
-            <a:ext cx="8520600" cy="3302700"/>
+            <a:off x="3220464" y="2598150"/>
+            <a:ext cx="2702658" cy="329912"/>
           </a:xfrm>
           <a:prstGeom prst="rect">
             <a:avLst/>
           </a:prstGeom>
+          <a:noFill/>
+          <a:ln>
+            <a:noFill/>
+          </a:ln>
         </p:spPr>
         <p:txBody>
           <a:bodyPr lIns="91425" tIns="91425" rIns="91425" bIns="91425" anchor="t" anchorCtr="0">
@@ -10999,20 +11301,45 @@
           </a:bodyPr>
           <a:lstStyle/>
           <a:p>
-            <a:pPr lvl="0" rtl="0">
-              <a:spcBef>
-                <a:spcPts val="0"/>
-              </a:spcBef>
-              <a:buNone/>
-            </a:pPr>
-            <a:r>
-              <a:rPr lang="en"/>
-              <a:t>But first, any questions?</a:t>
+            <a:pPr lvl="0">
+              <a:spcBef>
+                <a:spcPts val="0"/>
+              </a:spcBef>
+              <a:buNone/>
+            </a:pPr>
+            <a:r>
+              <a:rPr lang="en-US" sz="1800" dirty="0" smtClean="0">
+                <a:solidFill>
+                  <a:srgbClr val="FFFFFF"/>
+                </a:solidFill>
+                <a:latin typeface="Open Sans"/>
+                <a:ea typeface="Open Sans"/>
+                <a:cs typeface="Open Sans"/>
+                <a:sym typeface="Open Sans"/>
+              </a:rPr>
+              <a:t>But first, any </a:t>
+            </a:r>
+            <a:r>
+              <a:rPr lang="en-US" sz="1800" dirty="0">
+                <a:solidFill>
+                  <a:srgbClr val="FFFFFF"/>
+                </a:solidFill>
+                <a:latin typeface="Open Sans"/>
+                <a:ea typeface="Open Sans"/>
+                <a:cs typeface="Open Sans"/>
+                <a:sym typeface="Open Sans"/>
+              </a:rPr>
+              <a:t>questions?</a:t>
             </a:r>
           </a:p>
         </p:txBody>
       </p:sp>
     </p:spTree>
+    <p:extLst>
+      <p:ext uri="{BB962C8B-B14F-4D97-AF65-F5344CB8AC3E}">
+        <p14:creationId xmlns:p14="http://schemas.microsoft.com/office/powerpoint/2010/main" val="2690935599"/>
+      </p:ext>
+    </p:extLst>
   </p:cSld>
   <p:clrMapOvr>
     <a:masterClrMapping/>
@@ -11195,7 +11522,7 @@
           <a:p>
             <a:pPr marL="0" marR="0" lvl="0" indent="0" algn="l" rtl="0">
               <a:lnSpc>
-                <a:spcPct val="100000"/>
+                <a:spcPct val="115000"/>
               </a:lnSpc>
               <a:spcBef>
                 <a:spcPts val="1600"/>
@@ -11500,7 +11827,7 @@
           <a:p>
             <a:pPr marL="0" marR="0" lvl="0" indent="0" algn="l" rtl="0">
               <a:lnSpc>
-                <a:spcPct val="100000"/>
+                <a:spcPct val="115000"/>
               </a:lnSpc>
               <a:spcBef>
                 <a:spcPts val="1000"/>
@@ -11527,7 +11854,7 @@
           <a:p>
             <a:pPr marL="457200" marR="0" lvl="0" indent="-317500" algn="l" rtl="0">
               <a:lnSpc>
-                <a:spcPct val="100000"/>
+                <a:spcPct val="115000"/>
               </a:lnSpc>
               <a:spcBef>
                 <a:spcPts val="0"/>
@@ -11554,34 +11881,6 @@
               </a:rPr>
               <a:t>&lt;link href=”css/styles.css” type=”text/css” rel=”stylesheet” /&gt;</a:t>
             </a:r>
-          </a:p>
-          <a:p>
-            <a:pPr marL="457200" marR="0" lvl="0" indent="0" algn="l" rtl="0">
-              <a:lnSpc>
-                <a:spcPct val="100000"/>
-              </a:lnSpc>
-              <a:spcBef>
-                <a:spcPts val="1600"/>
-              </a:spcBef>
-              <a:spcAft>
-                <a:spcPts val="0"/>
-              </a:spcAft>
-              <a:buClr>
-                <a:schemeClr val="dk2"/>
-              </a:buClr>
-              <a:buSzPct val="25000"/>
-              <a:buFont typeface="Open Sans"/>
-              <a:buNone/>
-            </a:pPr>
-            <a:endParaRPr sz="1800" b="0" i="0" u="none" strike="noStrike" cap="none" dirty="0">
-              <a:solidFill>
-                <a:schemeClr val="dk2"/>
-              </a:solidFill>
-              <a:latin typeface="Open Sans"/>
-              <a:ea typeface="Open Sans"/>
-              <a:cs typeface="Open Sans"/>
-              <a:sym typeface="Open Sans"/>
-            </a:endParaRPr>
           </a:p>
         </p:txBody>
       </p:sp>
@@ -11702,8 +12001,11 @@
           <a:p>
             <a:pPr marL="0" marR="0" lvl="0" indent="0" algn="l" rtl="0">
               <a:lnSpc>
-                <a:spcPct val="120000"/>
-              </a:lnSpc>
+                <a:spcPct val="115000"/>
+              </a:lnSpc>
+              <a:spcBef>
+                <a:spcPts val="0"/>
+              </a:spcBef>
               <a:spcAft>
                 <a:spcPts val="0"/>
               </a:spcAft>
@@ -11722,10 +12024,10 @@
           <a:p>
             <a:pPr marL="457200" marR="0" lvl="0" indent="-317500" algn="l" rtl="0">
               <a:lnSpc>
-                <a:spcPct val="120000"/>
-              </a:lnSpc>
-              <a:spcAft>
-                <a:spcPts val="0"/>
+                <a:spcPct val="115000"/>
+              </a:lnSpc>
+              <a:spcAft>
+                <a:spcPts val="400"/>
               </a:spcAft>
               <a:buClr>
                 <a:schemeClr val="dk2"/>
@@ -11750,10 +12052,10 @@
           <a:p>
             <a:pPr marL="457200" marR="0" lvl="0" indent="-317500" algn="l" rtl="0">
               <a:lnSpc>
-                <a:spcPct val="120000"/>
-              </a:lnSpc>
-              <a:spcAft>
-                <a:spcPts val="0"/>
+                <a:spcPct val="115000"/>
+              </a:lnSpc>
+              <a:spcAft>
+                <a:spcPts val="400"/>
               </a:spcAft>
               <a:buClr>
                 <a:schemeClr val="dk2"/>
@@ -11782,10 +12084,10 @@
           <a:p>
             <a:pPr marL="457200" marR="0" lvl="0" indent="-317500" algn="l" rtl="0">
               <a:lnSpc>
-                <a:spcPct val="120000"/>
-              </a:lnSpc>
-              <a:spcAft>
-                <a:spcPts val="0"/>
+                <a:spcPct val="115000"/>
+              </a:lnSpc>
+              <a:spcAft>
+                <a:spcPts val="400"/>
               </a:spcAft>
               <a:buClr>
                 <a:schemeClr val="dk2"/>
@@ -11810,10 +12112,10 @@
           <a:p>
             <a:pPr marL="457200" marR="0" lvl="0" indent="-317500" algn="l" rtl="0">
               <a:lnSpc>
-                <a:spcPct val="120000"/>
-              </a:lnSpc>
-              <a:spcAft>
-                <a:spcPts val="0"/>
+                <a:spcPct val="115000"/>
+              </a:lnSpc>
+              <a:spcAft>
+                <a:spcPts val="400"/>
               </a:spcAft>
               <a:buClr>
                 <a:schemeClr val="dk2"/>
@@ -11838,10 +12140,10 @@
           <a:p>
             <a:pPr marL="457200" marR="0" lvl="0" indent="-317500" algn="l" rtl="0">
               <a:lnSpc>
-                <a:spcPct val="120000"/>
-              </a:lnSpc>
-              <a:spcAft>
-                <a:spcPts val="0"/>
+                <a:spcPct val="115000"/>
+              </a:lnSpc>
+              <a:spcAft>
+                <a:spcPts val="400"/>
               </a:spcAft>
               <a:buClr>
                 <a:schemeClr val="dk2"/>
@@ -11866,10 +12168,10 @@
           <a:p>
             <a:pPr marL="914400" marR="0" lvl="1" indent="-228600" algn="l" rtl="0">
               <a:lnSpc>
-                <a:spcPct val="120000"/>
-              </a:lnSpc>
-              <a:spcAft>
-                <a:spcPts val="0"/>
+                <a:spcPct val="115000"/>
+              </a:lnSpc>
+              <a:spcAft>
+                <a:spcPts val="400"/>
               </a:spcAft>
               <a:buClr>
                 <a:schemeClr val="dk2"/>
@@ -11957,10 +12259,10 @@
           <a:p>
             <a:pPr marL="457200" marR="0" lvl="0" indent="-317500" algn="l" rtl="0">
               <a:lnSpc>
-                <a:spcPct val="120000"/>
-              </a:lnSpc>
-              <a:spcAft>
-                <a:spcPts val="0"/>
+                <a:spcPct val="115000"/>
+              </a:lnSpc>
+              <a:spcAft>
+                <a:spcPts val="400"/>
               </a:spcAft>
               <a:buClr>
                 <a:schemeClr val="dk2"/>
@@ -11985,10 +12287,10 @@
           <a:p>
             <a:pPr marL="914400" marR="0" lvl="1" indent="-228600" algn="l" rtl="0">
               <a:lnSpc>
-                <a:spcPct val="120000"/>
-              </a:lnSpc>
-              <a:spcAft>
-                <a:spcPts val="0"/>
+                <a:spcPct val="115000"/>
+              </a:lnSpc>
+              <a:spcAft>
+                <a:spcPts val="400"/>
               </a:spcAft>
               <a:buClr>
                 <a:schemeClr val="dk2"/>
@@ -12131,391 +12433,328 @@
           </a:bodyPr>
           <a:lstStyle/>
           <a:p>
-            <a:pPr lvl="0">
+            <a:pPr lvl="0" rtl="0">
               <a:lnSpc>
                 <a:spcPct val="100000"/>
               </a:lnSpc>
-              <a:spcAft>
-                <a:spcPts val="0"/>
-              </a:spcAft>
-            </a:pPr>
-            <a:r>
-              <a:rPr lang="en" sz="1200" dirty="0"/>
+              <a:spcBef>
+                <a:spcPts val="0"/>
+              </a:spcBef>
+              <a:spcAft>
+                <a:spcPts val="0"/>
+              </a:spcAft>
+              <a:buNone/>
+            </a:pPr>
+            <a:r>
+              <a:rPr lang="en" sz="1200"/>
               <a:t>&lt;html&gt;</a:t>
             </a:r>
-            <a:endParaRPr lang="en-US" sz="1200" dirty="0"/>
-          </a:p>
-          <a:p>
-            <a:pPr lvl="0">
+          </a:p>
+          <a:p>
+            <a:pPr lvl="0" indent="457200" rtl="0">
               <a:lnSpc>
                 <a:spcPct val="100000"/>
               </a:lnSpc>
-              <a:spcAft>
-                <a:spcPts val="0"/>
-              </a:spcAft>
-            </a:pPr>
-            <a:r>
-              <a:rPr lang="en-US" sz="1200" dirty="0"/>
-              <a:t>    </a:t>
-            </a:r>
-            <a:r>
-              <a:rPr lang="en" sz="1200" dirty="0"/>
+              <a:spcBef>
+                <a:spcPts val="0"/>
+              </a:spcBef>
+              <a:spcAft>
+                <a:spcPts val="0"/>
+              </a:spcAft>
+              <a:buNone/>
+            </a:pPr>
+            <a:r>
+              <a:rPr lang="en" sz="1200"/>
               <a:t>&lt;head&gt;</a:t>
             </a:r>
-            <a:endParaRPr lang="en-US" sz="1200" dirty="0"/>
-          </a:p>
-          <a:p>
-            <a:pPr lvl="0">
+          </a:p>
+          <a:p>
+            <a:pPr lvl="0" indent="457200" rtl="0">
               <a:lnSpc>
                 <a:spcPct val="100000"/>
               </a:lnSpc>
-              <a:spcAft>
-                <a:spcPts val="0"/>
-              </a:spcAft>
-            </a:pPr>
-            <a:r>
-              <a:rPr lang="en-US" sz="1200" dirty="0"/>
-              <a:t>        </a:t>
-            </a:r>
-            <a:r>
-              <a:rPr lang="en" sz="1200" dirty="0"/>
-              <a:t>&lt;style&gt;</a:t>
-            </a:r>
-            <a:endParaRPr lang="en-US" sz="1200" dirty="0"/>
-          </a:p>
-          <a:p>
-            <a:pPr lvl="0">
+              <a:spcBef>
+                <a:spcPts val="0"/>
+              </a:spcBef>
+              <a:spcAft>
+                <a:spcPts val="0"/>
+              </a:spcAft>
+              <a:buNone/>
+            </a:pPr>
+            <a:r>
+              <a:rPr lang="en" sz="1200"/>
+              <a:t>	&lt;style&gt;</a:t>
+            </a:r>
+          </a:p>
+          <a:p>
+            <a:pPr lvl="0" indent="457200" rtl="0">
               <a:lnSpc>
                 <a:spcPct val="100000"/>
               </a:lnSpc>
-              <a:spcAft>
-                <a:spcPts val="0"/>
-              </a:spcAft>
-            </a:pPr>
-            <a:r>
-              <a:rPr lang="en-US" sz="1200" dirty="0"/>
-              <a:t>            </a:t>
-            </a:r>
-            <a:r>
-              <a:rPr lang="en" sz="1200" dirty="0"/>
-              <a:t>div &gt; p.foo { color: red; }</a:t>
-            </a:r>
-            <a:endParaRPr lang="en-US" sz="1200" dirty="0"/>
-          </a:p>
-          <a:p>
-            <a:pPr lvl="0">
+              <a:spcBef>
+                <a:spcPts val="0"/>
+              </a:spcBef>
+              <a:spcAft>
+                <a:spcPts val="0"/>
+              </a:spcAft>
+              <a:buNone/>
+            </a:pPr>
+            <a:r>
+              <a:rPr lang="en" sz="1200"/>
+              <a:t>		div p.foo { color: red; }</a:t>
+            </a:r>
+          </a:p>
+          <a:p>
+            <a:pPr lvl="0" indent="457200" rtl="0">
               <a:lnSpc>
                 <a:spcPct val="100000"/>
               </a:lnSpc>
-              <a:spcAft>
-                <a:spcPts val="0"/>
-              </a:spcAft>
-            </a:pPr>
-            <a:r>
-              <a:rPr lang="en-US" sz="1200" dirty="0"/>
-              <a:t>        </a:t>
-            </a:r>
-            <a:r>
-              <a:rPr lang="en" sz="1200" dirty="0"/>
-              <a:t>&lt;/style</a:t>
-            </a:r>
-            <a:r>
-              <a:rPr lang="en-US" sz="1200" dirty="0"/>
-              <a:t>&gt;</a:t>
-            </a:r>
-          </a:p>
-          <a:p>
-            <a:pPr lvl="0">
+              <a:spcBef>
+                <a:spcPts val="0"/>
+              </a:spcBef>
+              <a:spcAft>
+                <a:spcPts val="0"/>
+              </a:spcAft>
+              <a:buNone/>
+            </a:pPr>
+            <a:r>
+              <a:rPr lang="en" sz="1200"/>
+              <a:t>	&lt;/style&gt;</a:t>
+            </a:r>
+          </a:p>
+          <a:p>
+            <a:pPr lvl="0" indent="457200" rtl="0">
               <a:lnSpc>
                 <a:spcPct val="100000"/>
               </a:lnSpc>
-              <a:spcAft>
-                <a:spcPts val="0"/>
-              </a:spcAft>
-            </a:pPr>
-            <a:r>
-              <a:rPr lang="en-US" sz="1200" dirty="0"/>
-              <a:t>    </a:t>
-            </a:r>
-            <a:r>
-              <a:rPr lang="en" sz="1200" dirty="0"/>
+              <a:spcBef>
+                <a:spcPts val="0"/>
+              </a:spcBef>
+              <a:spcAft>
+                <a:spcPts val="0"/>
+              </a:spcAft>
+              <a:buNone/>
+            </a:pPr>
+            <a:r>
+              <a:rPr lang="en" sz="1200"/>
               <a:t>&lt;/head&gt;</a:t>
             </a:r>
-            <a:endParaRPr lang="en-US" sz="1200" dirty="0"/>
-          </a:p>
-          <a:p>
-            <a:pPr lvl="0">
+          </a:p>
+          <a:p>
+            <a:pPr lvl="0" indent="457200" rtl="0">
               <a:lnSpc>
                 <a:spcPct val="100000"/>
               </a:lnSpc>
-              <a:spcAft>
-                <a:spcPts val="0"/>
-              </a:spcAft>
-            </a:pPr>
-            <a:r>
-              <a:rPr lang="en-US" sz="1200" dirty="0"/>
-              <a:t>    </a:t>
-            </a:r>
-            <a:r>
-              <a:rPr lang="en" sz="1200" dirty="0"/>
+              <a:spcBef>
+                <a:spcPts val="0"/>
+              </a:spcBef>
+              <a:spcAft>
+                <a:spcPts val="0"/>
+              </a:spcAft>
+              <a:buNone/>
+            </a:pPr>
+            <a:r>
+              <a:rPr lang="en" sz="1200"/>
               <a:t>&lt;body&gt;</a:t>
             </a:r>
-            <a:endParaRPr lang="en-US" sz="1200" dirty="0"/>
-          </a:p>
-          <a:p>
-            <a:pPr lvl="0">
+          </a:p>
+          <a:p>
+            <a:pPr lvl="0" indent="457200" rtl="0">
               <a:lnSpc>
                 <a:spcPct val="100000"/>
               </a:lnSpc>
-              <a:spcAft>
-                <a:spcPts val="0"/>
-              </a:spcAft>
-            </a:pPr>
-            <a:r>
-              <a:rPr lang="en-US" sz="1200" dirty="0"/>
-              <a:t>        </a:t>
-            </a:r>
-            <a:r>
-              <a:rPr lang="en" sz="1200" dirty="0"/>
-              <a:t>&lt;div id=”</a:t>
-            </a:r>
-            <a:r>
-              <a:rPr lang="en" sz="1200" dirty="0" smtClean="0"/>
-              <a:t>first</a:t>
-            </a:r>
-            <a:r>
-              <a:rPr lang="en-US" sz="1200" dirty="0" smtClean="0"/>
-              <a:t>-</a:t>
-            </a:r>
-            <a:r>
-              <a:rPr lang="en" sz="1200" dirty="0" smtClean="0"/>
-              <a:t>div</a:t>
-            </a:r>
-            <a:r>
-              <a:rPr lang="en" sz="1200" dirty="0"/>
-              <a:t>”&gt;</a:t>
-            </a:r>
-            <a:endParaRPr lang="en-US" sz="1200" dirty="0"/>
-          </a:p>
-          <a:p>
-            <a:pPr lvl="0">
+              <a:spcBef>
+                <a:spcPts val="0"/>
+              </a:spcBef>
+              <a:spcAft>
+                <a:spcPts val="0"/>
+              </a:spcAft>
+              <a:buNone/>
+            </a:pPr>
+            <a:r>
+              <a:rPr lang="en" sz="1200"/>
+              <a:t>	&lt;div id=”first-div”&gt;</a:t>
+            </a:r>
+          </a:p>
+          <a:p>
+            <a:pPr lvl="0" indent="457200" rtl="0">
               <a:lnSpc>
                 <a:spcPct val="100000"/>
               </a:lnSpc>
-              <a:spcAft>
-                <a:spcPts val="0"/>
-              </a:spcAft>
-            </a:pPr>
-            <a:r>
-              <a:rPr lang="en-US" sz="1200" dirty="0"/>
-              <a:t>            </a:t>
-            </a:r>
-            <a:r>
-              <a:rPr lang="en" sz="1200" dirty="0"/>
-              <a:t>&lt;div id=”</a:t>
-            </a:r>
-            <a:r>
-              <a:rPr lang="en" sz="1200" dirty="0" smtClean="0"/>
-              <a:t>nested</a:t>
-            </a:r>
-            <a:r>
-              <a:rPr lang="en-US" sz="1200" dirty="0" smtClean="0"/>
-              <a:t>-</a:t>
-            </a:r>
-            <a:r>
-              <a:rPr lang="en" sz="1200" dirty="0" smtClean="0"/>
-              <a:t>div</a:t>
-            </a:r>
-            <a:r>
-              <a:rPr lang="en" sz="1200" dirty="0"/>
-              <a:t>”&gt;</a:t>
-            </a:r>
-            <a:endParaRPr lang="en-US" sz="1200" dirty="0"/>
-          </a:p>
-          <a:p>
-            <a:pPr lvl="0">
+              <a:spcBef>
+                <a:spcPts val="0"/>
+              </a:spcBef>
+              <a:spcAft>
+                <a:spcPts val="0"/>
+              </a:spcAft>
+              <a:buNone/>
+            </a:pPr>
+            <a:r>
+              <a:rPr lang="en" sz="1200"/>
+              <a:t>		&lt;div id=”nested-div”&gt;</a:t>
+            </a:r>
+          </a:p>
+          <a:p>
+            <a:pPr lvl="0" indent="457200" rtl="0">
               <a:lnSpc>
                 <a:spcPct val="100000"/>
               </a:lnSpc>
-              <a:spcAft>
-                <a:spcPts val="0"/>
-              </a:spcAft>
-            </a:pPr>
-            <a:r>
-              <a:rPr lang="en-US" sz="1200" dirty="0"/>
-              <a:t>                </a:t>
-            </a:r>
-            <a:r>
-              <a:rPr lang="en" sz="1200" dirty="0"/>
-              <a:t>&lt;p class=”foo”&gt;Hello!&lt;/p</a:t>
-            </a:r>
-            <a:r>
-              <a:rPr lang="en-US" sz="1200" dirty="0"/>
-              <a:t>&gt;</a:t>
-            </a:r>
-          </a:p>
-          <a:p>
-            <a:pPr lvl="0">
+              <a:spcBef>
+                <a:spcPts val="0"/>
+              </a:spcBef>
+              <a:spcAft>
+                <a:spcPts val="0"/>
+              </a:spcAft>
+              <a:buNone/>
+            </a:pPr>
+            <a:r>
+              <a:rPr lang="en" sz="1200"/>
+              <a:t>			&lt;p class=”foo”&gt;Hello!&lt;/p&gt;</a:t>
+            </a:r>
+          </a:p>
+          <a:p>
+            <a:pPr marL="914400" lvl="0" indent="457200" rtl="0">
               <a:lnSpc>
                 <a:spcPct val="100000"/>
               </a:lnSpc>
-              <a:spcAft>
-                <a:spcPts val="0"/>
-              </a:spcAft>
-            </a:pPr>
-            <a:r>
-              <a:rPr lang="en-US" sz="1200" dirty="0"/>
-              <a:t>            </a:t>
-            </a:r>
-            <a:r>
-              <a:rPr lang="en" sz="1200" dirty="0"/>
+              <a:spcBef>
+                <a:spcPts val="0"/>
+              </a:spcBef>
+              <a:spcAft>
+                <a:spcPts val="0"/>
+              </a:spcAft>
+              <a:buNone/>
+            </a:pPr>
+            <a:r>
+              <a:rPr lang="en" sz="1200"/>
               <a:t>&lt;/div&gt;</a:t>
             </a:r>
-            <a:endParaRPr lang="en-US" sz="1200" dirty="0"/>
-          </a:p>
-          <a:p>
-            <a:pPr lvl="0">
+          </a:p>
+          <a:p>
+            <a:pPr marL="457200" lvl="0" indent="457200" rtl="0">
               <a:lnSpc>
                 <a:spcPct val="100000"/>
               </a:lnSpc>
-              <a:spcAft>
-                <a:spcPts val="0"/>
-              </a:spcAft>
-            </a:pPr>
-            <a:r>
-              <a:rPr lang="en-US" sz="1200" dirty="0"/>
-              <a:t>        </a:t>
-            </a:r>
-            <a:r>
-              <a:rPr lang="en" sz="1200" dirty="0"/>
+              <a:spcBef>
+                <a:spcPts val="0"/>
+              </a:spcBef>
+              <a:spcAft>
+                <a:spcPts val="0"/>
+              </a:spcAft>
+              <a:buNone/>
+            </a:pPr>
+            <a:r>
+              <a:rPr lang="en" sz="1200"/>
               <a:t>&lt;/div&gt;</a:t>
             </a:r>
-            <a:endParaRPr lang="en-US" sz="1200" dirty="0"/>
-          </a:p>
-          <a:p>
-            <a:pPr lvl="0">
+          </a:p>
+          <a:p>
+            <a:pPr marL="457200" lvl="0" indent="457200" rtl="0">
               <a:lnSpc>
                 <a:spcPct val="100000"/>
               </a:lnSpc>
-              <a:spcAft>
-                <a:spcPts val="0"/>
-              </a:spcAft>
-            </a:pPr>
-            <a:r>
-              <a:rPr lang="en-US" sz="1200" dirty="0"/>
-              <a:t>        </a:t>
-            </a:r>
-            <a:r>
-              <a:rPr lang="en" sz="1200" dirty="0"/>
+              <a:spcBef>
+                <a:spcPts val="0"/>
+              </a:spcBef>
+              <a:spcAft>
+                <a:spcPts val="0"/>
+              </a:spcAft>
+              <a:buNone/>
+            </a:pPr>
+            <a:r>
+              <a:rPr lang="en" sz="1200"/>
               <a:t>&lt;p class=”foo”&gt;How are you?&lt;/p&gt;</a:t>
             </a:r>
-            <a:endParaRPr lang="en-US" sz="1200" dirty="0"/>
-          </a:p>
-          <a:p>
-            <a:pPr lvl="0">
+          </a:p>
+          <a:p>
+            <a:pPr marL="457200" lvl="0" indent="457200" rtl="0">
               <a:lnSpc>
                 <a:spcPct val="100000"/>
               </a:lnSpc>
-              <a:spcAft>
-                <a:spcPts val="0"/>
-              </a:spcAft>
-            </a:pPr>
-            <a:r>
-              <a:rPr lang="en-US" sz="1200" dirty="0"/>
-              <a:t>        </a:t>
-            </a:r>
-            <a:r>
-              <a:rPr lang="en" sz="1200" dirty="0"/>
-              <a:t>&lt;div id=”</a:t>
-            </a:r>
-            <a:r>
-              <a:rPr lang="en" sz="1200" dirty="0" smtClean="0"/>
-              <a:t>second</a:t>
-            </a:r>
-            <a:r>
-              <a:rPr lang="en-US" sz="1200" dirty="0"/>
-              <a:t>-</a:t>
-            </a:r>
-            <a:r>
-              <a:rPr lang="en" sz="1200" dirty="0" smtClean="0"/>
-              <a:t>div</a:t>
-            </a:r>
-            <a:r>
-              <a:rPr lang="en" sz="1200" dirty="0"/>
-              <a:t>”&gt;</a:t>
-            </a:r>
-            <a:endParaRPr lang="en-US" sz="1200" dirty="0"/>
-          </a:p>
-          <a:p>
-            <a:pPr lvl="0">
+              <a:spcBef>
+                <a:spcPts val="0"/>
+              </a:spcBef>
+              <a:spcAft>
+                <a:spcPts val="0"/>
+              </a:spcAft>
+              <a:buNone/>
+            </a:pPr>
+            <a:r>
+              <a:rPr lang="en" sz="1200"/>
+              <a:t>&lt;div id=”second-div”&gt;</a:t>
+            </a:r>
+          </a:p>
+          <a:p>
+            <a:pPr marL="457200" lvl="0" indent="457200" rtl="0">
               <a:lnSpc>
                 <a:spcPct val="100000"/>
               </a:lnSpc>
-              <a:spcAft>
-                <a:spcPts val="0"/>
-              </a:spcAft>
-            </a:pPr>
-            <a:r>
-              <a:rPr lang="en-US" sz="1200" dirty="0"/>
-              <a:t>            </a:t>
-            </a:r>
-            <a:r>
-              <a:rPr lang="en" sz="1200" dirty="0"/>
-              <a:t>&lt;p id=”foo”&gt;Goodbye!&lt;/p&gt;</a:t>
-            </a:r>
-            <a:endParaRPr lang="en-US" sz="1200" dirty="0"/>
-          </a:p>
-          <a:p>
-            <a:pPr lvl="0">
+              <a:spcBef>
+                <a:spcPts val="0"/>
+              </a:spcBef>
+              <a:spcAft>
+                <a:spcPts val="0"/>
+              </a:spcAft>
+              <a:buNone/>
+            </a:pPr>
+            <a:r>
+              <a:rPr lang="en" sz="1200"/>
+              <a:t>	&lt;p id=”foo”&gt;Goodbye!&lt;/p&gt;</a:t>
+            </a:r>
+          </a:p>
+          <a:p>
+            <a:pPr marL="457200" lvl="0" indent="457200" rtl="0">
               <a:lnSpc>
                 <a:spcPct val="100000"/>
               </a:lnSpc>
-              <a:spcAft>
-                <a:spcPts val="0"/>
-              </a:spcAft>
-            </a:pPr>
-            <a:r>
-              <a:rPr lang="en-US" sz="1200" dirty="0"/>
-              <a:t>        </a:t>
-            </a:r>
-            <a:r>
-              <a:rPr lang="en" sz="1200" dirty="0"/>
+              <a:spcBef>
+                <a:spcPts val="0"/>
+              </a:spcBef>
+              <a:spcAft>
+                <a:spcPts val="0"/>
+              </a:spcAft>
+              <a:buNone/>
+            </a:pPr>
+            <a:r>
+              <a:rPr lang="en" sz="1200"/>
               <a:t>&lt;/div&gt;</a:t>
             </a:r>
-            <a:endParaRPr lang="en-US" sz="1200" dirty="0"/>
-          </a:p>
-          <a:p>
-            <a:pPr lvl="0">
+          </a:p>
+          <a:p>
+            <a:pPr lvl="0" indent="457200" rtl="0">
               <a:lnSpc>
                 <a:spcPct val="100000"/>
               </a:lnSpc>
-              <a:spcAft>
-                <a:spcPts val="0"/>
-              </a:spcAft>
-            </a:pPr>
-            <a:r>
-              <a:rPr lang="en-US" sz="1200" dirty="0"/>
-              <a:t>    </a:t>
-            </a:r>
-            <a:r>
-              <a:rPr lang="en" sz="1200" dirty="0"/>
+              <a:spcBef>
+                <a:spcPts val="0"/>
+              </a:spcBef>
+              <a:spcAft>
+                <a:spcPts val="0"/>
+              </a:spcAft>
+              <a:buNone/>
+            </a:pPr>
+            <a:r>
+              <a:rPr lang="en" sz="1200"/>
               <a:t>&lt;/body&gt;</a:t>
             </a:r>
           </a:p>
           <a:p>
-            <a:pPr lvl="0">
+            <a:pPr lvl="0" rtl="0">
               <a:lnSpc>
                 <a:spcPct val="100000"/>
               </a:lnSpc>
-              <a:spcAft>
-                <a:spcPts val="0"/>
-              </a:spcAft>
-            </a:pPr>
-            <a:r>
-              <a:rPr lang="en" sz="1200" dirty="0"/>
+              <a:spcBef>
+                <a:spcPts val="0"/>
+              </a:spcBef>
+              <a:spcAft>
+                <a:spcPts val="0"/>
+              </a:spcAft>
+              <a:buNone/>
+            </a:pPr>
+            <a:r>
+              <a:rPr lang="en" sz="1200"/>
               <a:t>&lt;/html&gt;</a:t>
             </a:r>
-            <a:endParaRPr lang="en" sz="1200" dirty="0"/>
           </a:p>
         </p:txBody>
       </p:sp>
@@ -12591,20 +12830,8 @@
               <a:buNone/>
             </a:pPr>
             <a:r>
-              <a:rPr lang="en" sz="3600" b="1" i="0" u="none" strike="noStrike" cap="none">
-                <a:solidFill>
-                  <a:schemeClr val="accent1"/>
-                </a:solidFill>
-                <a:latin typeface="PT Sans Narrow"/>
-                <a:ea typeface="PT Sans Narrow"/>
-                <a:cs typeface="PT Sans Narrow"/>
-                <a:sym typeface="PT Sans Narrow"/>
-              </a:rPr>
-              <a:t>CSS </a:t>
-            </a:r>
-            <a:r>
               <a:rPr lang="en"/>
-              <a:t>Specificity</a:t>
+              <a:t>ID vs. class</a:t>
             </a:r>
           </a:p>
         </p:txBody>
@@ -12638,34 +12865,25 @@
           </a:bodyPr>
           <a:lstStyle/>
           <a:p>
-            <a:pPr marL="0" marR="0" lvl="0" indent="0" algn="l" rtl="0">
+            <a:pPr marL="457200" marR="0" lvl="0" indent="-228600" algn="l" rtl="0">
               <a:lnSpc>
                 <a:spcPct val="115000"/>
               </a:lnSpc>
               <a:spcBef>
-                <a:spcPts val="0"/>
-              </a:spcBef>
-              <a:spcAft>
-                <a:spcPts val="0"/>
-              </a:spcAft>
-              <a:buClr>
-                <a:schemeClr val="dk2"/>
-              </a:buClr>
-              <a:buSzPct val="25000"/>
-              <a:buFont typeface="Open Sans"/>
-              <a:buNone/>
-            </a:pPr>
-            <a:r>
-              <a:rPr lang="en" sz="1800" b="0" i="0" u="none" strike="noStrike" cap="none">
-                <a:solidFill>
-                  <a:schemeClr val="dk2"/>
-                </a:solidFill>
-                <a:latin typeface="Open Sans"/>
-                <a:ea typeface="Open Sans"/>
-                <a:cs typeface="Open Sans"/>
-                <a:sym typeface="Open Sans"/>
-              </a:rPr>
-              <a:t>If there are two or more rules that apply to the same element, which takes precedence?</a:t>
+                <a:spcPts val="1600"/>
+              </a:spcBef>
+              <a:spcAft>
+                <a:spcPts val="0"/>
+              </a:spcAft>
+              <a:buClr>
+                <a:schemeClr val="dk2"/>
+              </a:buClr>
+              <a:buFont typeface="Open Sans"/>
+              <a:buChar char="●"/>
+            </a:pPr>
+            <a:r>
+              <a:rPr lang="en" dirty="0"/>
+              <a:t>ID: there should only be one of any given ID</a:t>
             </a:r>
           </a:p>
           <a:p>
@@ -12679,23 +12897,11 @@
               <a:spcAft>
                 <a:spcPts val="0"/>
               </a:spcAft>
-              <a:buClr>
-                <a:schemeClr val="dk2"/>
-              </a:buClr>
-              <a:buFont typeface="Open Sans"/>
               <a:buChar char="●"/>
             </a:pPr>
             <a:r>
-              <a:rPr lang="en" sz="1400" b="0" i="0" u="none" strike="noStrike" cap="none">
-                <a:solidFill>
-                  <a:schemeClr val="dk2"/>
-                </a:solidFill>
-                <a:latin typeface="Open Sans"/>
-                <a:ea typeface="Open Sans"/>
-                <a:cs typeface="Open Sans"/>
-                <a:sym typeface="Open Sans"/>
-              </a:rPr>
-              <a:t>The last rule</a:t>
+              <a:rPr lang="en" dirty="0"/>
+              <a:t>IDs are used for uniquely identifying elements</a:t>
             </a:r>
           </a:p>
           <a:p>
@@ -12709,23 +12915,11 @@
               <a:spcAft>
                 <a:spcPts val="0"/>
               </a:spcAft>
-              <a:buClr>
-                <a:schemeClr val="dk2"/>
-              </a:buClr>
-              <a:buFont typeface="Open Sans"/>
               <a:buChar char="●"/>
             </a:pPr>
             <a:r>
-              <a:rPr lang="en" sz="1400" b="0" i="0" u="none" strike="noStrike" cap="none">
-                <a:solidFill>
-                  <a:schemeClr val="dk2"/>
-                </a:solidFill>
-                <a:latin typeface="Open Sans"/>
-                <a:ea typeface="Open Sans"/>
-                <a:cs typeface="Open Sans"/>
-                <a:sym typeface="Open Sans"/>
-              </a:rPr>
-              <a:t>The most specific rule</a:t>
+              <a:rPr lang="en" dirty="0"/>
+              <a:t>Classes: can be used across multiple elements</a:t>
             </a:r>
           </a:p>
           <a:p>
@@ -12739,23 +12933,51 @@
               <a:spcAft>
                 <a:spcPts val="0"/>
               </a:spcAft>
-              <a:buClr>
-                <a:schemeClr val="dk2"/>
-              </a:buClr>
-              <a:buFont typeface="Open Sans"/>
               <a:buChar char="●"/>
             </a:pPr>
             <a:r>
-              <a:rPr lang="en" sz="1400" b="0" i="0" u="none" strike="noStrike" cap="none">
-                <a:solidFill>
-                  <a:schemeClr val="dk2"/>
-                </a:solidFill>
-                <a:latin typeface="Open Sans"/>
-                <a:ea typeface="Open Sans"/>
-                <a:cs typeface="Open Sans"/>
-                <a:sym typeface="Open Sans"/>
-              </a:rPr>
-              <a:t>You can also add !important to override</a:t>
+              <a:rPr lang="en" dirty="0"/>
+              <a:t>Classes should reused to group elements</a:t>
+            </a:r>
+            <a:br>
+              <a:rPr lang="en" dirty="0"/>
+            </a:br>
+            <a:endParaRPr lang="en" dirty="0"/>
+          </a:p>
+          <a:p>
+            <a:pPr marL="457200" marR="0" lvl="0" indent="-228600" algn="l" rtl="0">
+              <a:lnSpc>
+                <a:spcPct val="115000"/>
+              </a:lnSpc>
+              <a:spcBef>
+                <a:spcPts val="1600"/>
+              </a:spcBef>
+              <a:spcAft>
+                <a:spcPts val="0"/>
+              </a:spcAft>
+              <a:buChar char="●"/>
+            </a:pPr>
+            <a:r>
+              <a:rPr lang="en" dirty="0"/>
+              <a:t>Ideally, styles should be reusable across elements</a:t>
+            </a:r>
+          </a:p>
+          <a:p>
+            <a:pPr marL="457200" marR="0" lvl="0" indent="-228600" algn="l" rtl="0">
+              <a:lnSpc>
+                <a:spcPct val="115000"/>
+              </a:lnSpc>
+              <a:spcBef>
+                <a:spcPts val="1600"/>
+              </a:spcBef>
+              <a:spcAft>
+                <a:spcPts val="0"/>
+              </a:spcAft>
+              <a:buChar char="●"/>
+            </a:pPr>
+            <a:r>
+              <a:rPr lang="en" dirty="0"/>
+              <a:t>Best practice is to use classes for styling</a:t>
             </a:r>
           </a:p>
         </p:txBody>
@@ -12845,7 +13067,7 @@
             </a:r>
             <a:r>
               <a:rPr lang="en"/>
-              <a:t>Cascading</a:t>
+              <a:t>Specificity</a:t>
             </a:r>
           </a:p>
         </p:txBody>
@@ -12897,7 +13119,7 @@
               <a:buNone/>
             </a:pPr>
             <a:r>
-              <a:rPr lang="en" sz="1800" b="0" i="0" u="none" strike="noStrike" cap="none">
+              <a:rPr lang="en" sz="1800" b="0" i="0" u="none" strike="noStrike" cap="none" dirty="0">
                 <a:solidFill>
                   <a:schemeClr val="dk2"/>
                 </a:solidFill>
@@ -12906,29 +13128,25 @@
                 <a:cs typeface="Open Sans"/>
                 <a:sym typeface="Open Sans"/>
               </a:rPr>
-              <a:t>If you specify a rule like font-family to &lt;body&gt;, it will apply to most child elements</a:t>
-            </a:r>
-          </a:p>
-          <a:p>
-            <a:pPr marL="0" marR="0" lvl="0" indent="0" algn="l" rtl="0">
+              <a:t>If there are two or more rules that apply to the same element, which takes precedence?</a:t>
+            </a:r>
+          </a:p>
+          <a:p>
+            <a:pPr marL="457200" marR="0" lvl="0" indent="-228600" algn="l" rtl="0">
               <a:lnSpc>
                 <a:spcPct val="115000"/>
               </a:lnSpc>
-              <a:spcBef>
-                <a:spcPts val="1600"/>
-              </a:spcBef>
-              <a:spcAft>
-                <a:spcPts val="0"/>
-              </a:spcAft>
-              <a:buClr>
-                <a:schemeClr val="dk2"/>
-              </a:buClr>
-              <a:buSzPct val="25000"/>
-              <a:buFont typeface="Open Sans"/>
-              <a:buNone/>
-            </a:pPr>
-            <a:r>
-              <a:rPr lang="en" sz="1800" b="0" i="0" u="none" strike="noStrike" cap="none">
+              <a:spcAft>
+                <a:spcPts val="400"/>
+              </a:spcAft>
+              <a:buClr>
+                <a:schemeClr val="dk2"/>
+              </a:buClr>
+              <a:buFont typeface="Open Sans"/>
+              <a:buChar char="●"/>
+            </a:pPr>
+            <a:r>
+              <a:rPr lang="en" sz="1400" b="0" i="0" u="none" strike="noStrike" cap="none" dirty="0">
                 <a:solidFill>
                   <a:schemeClr val="dk2"/>
                 </a:solidFill>
@@ -12937,29 +13155,25 @@
                 <a:cs typeface="Open Sans"/>
                 <a:sym typeface="Open Sans"/>
               </a:rPr>
-              <a:t>Most properties are inherited by child elements</a:t>
-            </a:r>
-          </a:p>
-          <a:p>
-            <a:pPr marL="0" marR="0" lvl="0" indent="0" algn="l" rtl="0">
+              <a:t>The last rule</a:t>
+            </a:r>
+          </a:p>
+          <a:p>
+            <a:pPr marL="457200" marR="0" lvl="0" indent="-228600" algn="l" rtl="0">
               <a:lnSpc>
                 <a:spcPct val="115000"/>
               </a:lnSpc>
-              <a:spcBef>
-                <a:spcPts val="1600"/>
-              </a:spcBef>
-              <a:spcAft>
-                <a:spcPts val="0"/>
-              </a:spcAft>
-              <a:buClr>
-                <a:schemeClr val="dk2"/>
-              </a:buClr>
-              <a:buSzPct val="25000"/>
-              <a:buFont typeface="Open Sans"/>
-              <a:buNone/>
-            </a:pPr>
-            <a:r>
-              <a:rPr lang="en" sz="1800" b="0" i="0" u="none" strike="noStrike" cap="none">
+              <a:spcAft>
+                <a:spcPts val="400"/>
+              </a:spcAft>
+              <a:buClr>
+                <a:schemeClr val="dk2"/>
+              </a:buClr>
+              <a:buFont typeface="Open Sans"/>
+              <a:buChar char="●"/>
+            </a:pPr>
+            <a:r>
+              <a:rPr lang="en" sz="1400" b="0" i="0" u="none" strike="noStrike" cap="none" dirty="0">
                 <a:solidFill>
                   <a:schemeClr val="dk2"/>
                 </a:solidFill>
@@ -12968,29 +13182,25 @@
                 <a:cs typeface="Open Sans"/>
                 <a:sym typeface="Open Sans"/>
               </a:rPr>
-              <a:t>A few properties are not inherited by child elements, like background-color and border</a:t>
-            </a:r>
-          </a:p>
-          <a:p>
-            <a:pPr marL="0" marR="0" lvl="0" indent="0" algn="l" rtl="0">
+              <a:t>The most specific rule</a:t>
+            </a:r>
+          </a:p>
+          <a:p>
+            <a:pPr marL="457200" marR="0" lvl="0" indent="-228600" algn="l" rtl="0">
               <a:lnSpc>
                 <a:spcPct val="115000"/>
               </a:lnSpc>
-              <a:spcBef>
-                <a:spcPts val="1600"/>
-              </a:spcBef>
-              <a:spcAft>
-                <a:spcPts val="0"/>
-              </a:spcAft>
-              <a:buClr>
-                <a:schemeClr val="dk2"/>
-              </a:buClr>
-              <a:buSzPct val="25000"/>
-              <a:buFont typeface="Open Sans"/>
-              <a:buNone/>
-            </a:pPr>
-            <a:r>
-              <a:rPr lang="en" sz="1800" b="0" i="0" u="none" strike="noStrike" cap="none">
+              <a:spcAft>
+                <a:spcPts val="400"/>
+              </a:spcAft>
+              <a:buClr>
+                <a:schemeClr val="dk2"/>
+              </a:buClr>
+              <a:buFont typeface="Open Sans"/>
+              <a:buChar char="●"/>
+            </a:pPr>
+            <a:r>
+              <a:rPr lang="en" sz="1400" b="0" i="0" u="none" strike="noStrike" cap="none" dirty="0">
                 <a:solidFill>
                   <a:schemeClr val="dk2"/>
                 </a:solidFill>
@@ -12999,7 +13209,7 @@
                 <a:cs typeface="Open Sans"/>
                 <a:sym typeface="Open Sans"/>
               </a:rPr>
-              <a:t>Use inherit to force properties to inherit values from parent</a:t>
+              <a:t>You can also add !important to override</a:t>
             </a:r>
           </a:p>
         </p:txBody>
@@ -13085,7 +13295,11 @@
                 <a:cs typeface="PT Sans Narrow"/>
                 <a:sym typeface="PT Sans Narrow"/>
               </a:rPr>
-              <a:t>CSS Color</a:t>
+              <a:t>CSS </a:t>
+            </a:r>
+            <a:r>
+              <a:rPr lang="en"/>
+              <a:t>Cascading</a:t>
             </a:r>
           </a:p>
         </p:txBody>
@@ -13146,28 +13360,29 @@
                 <a:cs typeface="Open Sans"/>
                 <a:sym typeface="Open Sans"/>
               </a:rPr>
-              <a:t>Three ways to specify color:</a:t>
-            </a:r>
-          </a:p>
-          <a:p>
-            <a:pPr marL="457200" marR="0" lvl="0" indent="-228600" algn="l" rtl="0">
+              <a:t>If you specify a rule like font-family to &lt;body&gt;, it will apply to most child elements</a:t>
+            </a:r>
+          </a:p>
+          <a:p>
+            <a:pPr marL="0" marR="0" lvl="0" indent="0" algn="l" rtl="0">
               <a:lnSpc>
                 <a:spcPct val="115000"/>
               </a:lnSpc>
               <a:spcBef>
-                <a:spcPts val="0"/>
-              </a:spcBef>
-              <a:spcAft>
-                <a:spcPts val="0"/>
-              </a:spcAft>
-              <a:buClr>
-                <a:schemeClr val="dk2"/>
-              </a:buClr>
-              <a:buFont typeface="Open Sans"/>
-              <a:buChar char="●"/>
-            </a:pPr>
-            <a:r>
-              <a:rPr lang="en" sz="1400" b="0" i="0" u="none" strike="noStrike" cap="none">
+                <a:spcPts val="1600"/>
+              </a:spcBef>
+              <a:spcAft>
+                <a:spcPts val="0"/>
+              </a:spcAft>
+              <a:buClr>
+                <a:schemeClr val="dk2"/>
+              </a:buClr>
+              <a:buSzPct val="25000"/>
+              <a:buFont typeface="Open Sans"/>
+              <a:buNone/>
+            </a:pPr>
+            <a:r>
+              <a:rPr lang="en" sz="1800" b="0" i="0" u="none" strike="noStrike" cap="none">
                 <a:solidFill>
                   <a:schemeClr val="dk2"/>
                 </a:solidFill>
@@ -13176,11 +13391,11 @@
                 <a:cs typeface="Open Sans"/>
                 <a:sym typeface="Open Sans"/>
               </a:rPr>
-              <a:t>RGB values: rgb(102, 205, 170)</a:t>
-            </a:r>
-          </a:p>
-          <a:p>
-            <a:pPr marL="457200" marR="0" lvl="0" indent="-228600" algn="l" rtl="0">
+              <a:t>Most properties are inherited by child elements</a:t>
+            </a:r>
+          </a:p>
+          <a:p>
+            <a:pPr marL="0" marR="0" lvl="0" indent="0" algn="l" rtl="0">
               <a:lnSpc>
                 <a:spcPct val="115000"/>
               </a:lnSpc>
@@ -13193,11 +13408,12 @@
               <a:buClr>
                 <a:schemeClr val="dk2"/>
               </a:buClr>
-              <a:buFont typeface="Open Sans"/>
-              <a:buChar char="●"/>
-            </a:pPr>
-            <a:r>
-              <a:rPr lang="en" sz="1400" b="0" i="0" u="none" strike="noStrike" cap="none">
+              <a:buSzPct val="25000"/>
+              <a:buFont typeface="Open Sans"/>
+              <a:buNone/>
+            </a:pPr>
+            <a:r>
+              <a:rPr lang="en" sz="1800" b="0" i="0" u="none" strike="noStrike" cap="none">
                 <a:solidFill>
                   <a:schemeClr val="dk2"/>
                 </a:solidFill>
@@ -13206,11 +13422,11 @@
                 <a:cs typeface="Open Sans"/>
                 <a:sym typeface="Open Sans"/>
               </a:rPr>
-              <a:t>Hex codes: #66cdaa</a:t>
-            </a:r>
-          </a:p>
-          <a:p>
-            <a:pPr marL="457200" marR="0" lvl="0" indent="-228600" algn="l" rtl="0">
+              <a:t>A few properties are not inherited by child elements, like background-color and border</a:t>
+            </a:r>
+          </a:p>
+          <a:p>
+            <a:pPr marL="0" marR="0" lvl="0" indent="0" algn="l" rtl="0">
               <a:lnSpc>
                 <a:spcPct val="115000"/>
               </a:lnSpc>
@@ -13223,11 +13439,12 @@
               <a:buClr>
                 <a:schemeClr val="dk2"/>
               </a:buClr>
-              <a:buFont typeface="Open Sans"/>
-              <a:buChar char="●"/>
-            </a:pPr>
-            <a:r>
-              <a:rPr lang="en" sz="1400" b="0" i="0" u="none" strike="noStrike" cap="none">
+              <a:buSzPct val="25000"/>
+              <a:buFont typeface="Open Sans"/>
+              <a:buNone/>
+            </a:pPr>
+            <a:r>
+              <a:rPr lang="en" sz="1800" b="0" i="0" u="none" strike="noStrike" cap="none">
                 <a:solidFill>
                   <a:schemeClr val="dk2"/>
                 </a:solidFill>
@@ -13236,127 +13453,7 @@
                 <a:cs typeface="Open Sans"/>
                 <a:sym typeface="Open Sans"/>
               </a:rPr>
-              <a:t>Color names: MediumAquaMarine</a:t>
-            </a:r>
-          </a:p>
-          <a:p>
-            <a:pPr marL="0" marR="0" lvl="0" indent="0" algn="l" rtl="0">
-              <a:lnSpc>
-                <a:spcPct val="115000"/>
-              </a:lnSpc>
-              <a:spcBef>
-                <a:spcPts val="1600"/>
-              </a:spcBef>
-              <a:spcAft>
-                <a:spcPts val="0"/>
-              </a:spcAft>
-              <a:buClr>
-                <a:schemeClr val="dk2"/>
-              </a:buClr>
-              <a:buSzPct val="25000"/>
-              <a:buFont typeface="Open Sans"/>
-              <a:buNone/>
-            </a:pPr>
-            <a:r>
-              <a:rPr lang="en"/>
-              <a:t>Hue, Saturation, Lightness</a:t>
-            </a:r>
-          </a:p>
-          <a:p>
-            <a:pPr marL="0" marR="0" lvl="0" indent="0" algn="l" rtl="0">
-              <a:lnSpc>
-                <a:spcPct val="115000"/>
-              </a:lnSpc>
-              <a:spcBef>
-                <a:spcPts val="1600"/>
-              </a:spcBef>
-              <a:spcAft>
-                <a:spcPts val="0"/>
-              </a:spcAft>
-              <a:buClr>
-                <a:schemeClr val="dk2"/>
-              </a:buClr>
-              <a:buSzPct val="25000"/>
-              <a:buFont typeface="Open Sans"/>
-              <a:buNone/>
-            </a:pPr>
-            <a:r>
-              <a:rPr lang="en" sz="1800" b="0" i="0" u="none" strike="noStrike" cap="none">
-                <a:solidFill>
-                  <a:schemeClr val="dk2"/>
-                </a:solidFill>
-                <a:latin typeface="Open Sans"/>
-                <a:ea typeface="Open Sans"/>
-                <a:cs typeface="Open Sans"/>
-                <a:sym typeface="Open Sans"/>
-              </a:rPr>
-              <a:t>Opacity (al</a:t>
-            </a:r>
-            <a:r>
-              <a:rPr lang="en"/>
-              <a:t>pha)</a:t>
-            </a:r>
-          </a:p>
-          <a:p>
-            <a:pPr marL="457200" marR="0" lvl="0" indent="-317500" algn="l" rtl="0">
-              <a:lnSpc>
-                <a:spcPct val="115000"/>
-              </a:lnSpc>
-              <a:spcBef>
-                <a:spcPts val="0"/>
-              </a:spcBef>
-              <a:spcAft>
-                <a:spcPts val="0"/>
-              </a:spcAft>
-              <a:buClr>
-                <a:schemeClr val="dk2"/>
-              </a:buClr>
-              <a:buSzPct val="100000"/>
-              <a:buFont typeface="Open Sans"/>
-              <a:buChar char="●"/>
-            </a:pPr>
-            <a:r>
-              <a:rPr lang="en" sz="1400" b="0" i="0" u="none" strike="noStrike" cap="none">
-                <a:solidFill>
-                  <a:schemeClr val="dk2"/>
-                </a:solidFill>
-                <a:latin typeface="Open Sans"/>
-                <a:ea typeface="Open Sans"/>
-                <a:cs typeface="Open Sans"/>
-                <a:sym typeface="Open Sans"/>
-              </a:rPr>
-              <a:t>hsla(0, 100%, 100%, 0.5)</a:t>
-            </a:r>
-          </a:p>
-          <a:p>
-            <a:pPr marL="457200" marR="0" lvl="0" indent="-317500" algn="l" rtl="0">
-              <a:lnSpc>
-                <a:spcPct val="115000"/>
-              </a:lnSpc>
-              <a:spcBef>
-                <a:spcPts val="0"/>
-              </a:spcBef>
-              <a:spcAft>
-                <a:spcPts val="0"/>
-              </a:spcAft>
-              <a:buClr>
-                <a:schemeClr val="dk2"/>
-              </a:buClr>
-              <a:buSzPct val="100000"/>
-              <a:buFont typeface="Open Sans"/>
-              <a:buChar char="●"/>
-            </a:pPr>
-            <a:r>
-              <a:rPr lang="en" sz="1400" b="0" i="0" u="none" strike="noStrike" cap="none">
-                <a:solidFill>
-                  <a:schemeClr val="dk2"/>
-                </a:solidFill>
-                <a:latin typeface="Open Sans"/>
-                <a:ea typeface="Open Sans"/>
-                <a:cs typeface="Open Sans"/>
-                <a:sym typeface="Open Sans"/>
-              </a:rPr>
-              <a:t>rgba(0, 0, 0, 0.5)</a:t>
+              <a:t>Use inherit to force properties to inherit values from parent</a:t>
             </a:r>
           </a:p>
         </p:txBody>
@@ -13442,7 +13539,7 @@
                 <a:cs typeface="PT Sans Narrow"/>
                 <a:sym typeface="PT Sans Narrow"/>
               </a:rPr>
-              <a:t>CSS Text</a:t>
+              <a:t>CSS Color</a:t>
             </a:r>
           </a:p>
         </p:txBody>
@@ -13459,8 +13556,8 @@
         </p:nvSpPr>
         <p:spPr>
           <a:xfrm>
-            <a:off x="311700" y="1080775"/>
-            <a:ext cx="8520600" cy="3488100"/>
+            <a:off x="311700" y="1266325"/>
+            <a:ext cx="8520600" cy="3302700"/>
           </a:xfrm>
           <a:prstGeom prst="rect">
             <a:avLst/>
@@ -13476,12 +13573,185 @@
           </a:bodyPr>
           <a:lstStyle/>
           <a:p>
+            <a:pPr marL="0" marR="0" lvl="0" indent="0" algn="l" rtl="0">
+              <a:lnSpc>
+                <a:spcPct val="115000"/>
+              </a:lnSpc>
+              <a:spcBef>
+                <a:spcPts val="0"/>
+              </a:spcBef>
+              <a:spcAft>
+                <a:spcPts val="0"/>
+              </a:spcAft>
+              <a:buClr>
+                <a:schemeClr val="dk2"/>
+              </a:buClr>
+              <a:buSzPct val="25000"/>
+              <a:buFont typeface="Open Sans"/>
+              <a:buNone/>
+            </a:pPr>
+            <a:r>
+              <a:rPr lang="en" sz="1800" b="0" i="0" u="none" strike="noStrike" cap="none" dirty="0">
+                <a:solidFill>
+                  <a:schemeClr val="dk2"/>
+                </a:solidFill>
+                <a:latin typeface="Open Sans"/>
+                <a:ea typeface="Open Sans"/>
+                <a:cs typeface="Open Sans"/>
+                <a:sym typeface="Open Sans"/>
+              </a:rPr>
+              <a:t>Three ways to specify color:</a:t>
+            </a:r>
+          </a:p>
+          <a:p>
+            <a:pPr marL="457200" marR="0" lvl="0" indent="-228600" algn="l" rtl="0">
+              <a:lnSpc>
+                <a:spcPct val="115000"/>
+              </a:lnSpc>
+              <a:spcAft>
+                <a:spcPts val="400"/>
+              </a:spcAft>
+              <a:buClr>
+                <a:schemeClr val="dk2"/>
+              </a:buClr>
+              <a:buFont typeface="Open Sans"/>
+              <a:buChar char="●"/>
+            </a:pPr>
+            <a:r>
+              <a:rPr lang="en" sz="1400" b="0" i="0" u="none" strike="noStrike" cap="none" dirty="0">
+                <a:solidFill>
+                  <a:schemeClr val="dk2"/>
+                </a:solidFill>
+                <a:latin typeface="Open Sans"/>
+                <a:ea typeface="Open Sans"/>
+                <a:cs typeface="Open Sans"/>
+                <a:sym typeface="Open Sans"/>
+              </a:rPr>
+              <a:t>RGB values: rgb(102, 205, 170)</a:t>
+            </a:r>
+          </a:p>
+          <a:p>
+            <a:pPr marL="457200" marR="0" lvl="0" indent="-228600" algn="l" rtl="0">
+              <a:lnSpc>
+                <a:spcPct val="115000"/>
+              </a:lnSpc>
+              <a:spcAft>
+                <a:spcPts val="400"/>
+              </a:spcAft>
+              <a:buClr>
+                <a:schemeClr val="dk2"/>
+              </a:buClr>
+              <a:buFont typeface="Open Sans"/>
+              <a:buChar char="●"/>
+            </a:pPr>
+            <a:r>
+              <a:rPr lang="en" sz="1400" b="0" i="0" u="none" strike="noStrike" cap="none" dirty="0">
+                <a:solidFill>
+                  <a:schemeClr val="dk2"/>
+                </a:solidFill>
+                <a:latin typeface="Open Sans"/>
+                <a:ea typeface="Open Sans"/>
+                <a:cs typeface="Open Sans"/>
+                <a:sym typeface="Open Sans"/>
+              </a:rPr>
+              <a:t>Hex codes: #66cdaa</a:t>
+            </a:r>
+          </a:p>
+          <a:p>
+            <a:pPr marL="457200" marR="0" lvl="0" indent="-228600" algn="l" rtl="0">
+              <a:lnSpc>
+                <a:spcPct val="115000"/>
+              </a:lnSpc>
+              <a:spcAft>
+                <a:spcPts val="400"/>
+              </a:spcAft>
+              <a:buClr>
+                <a:schemeClr val="dk2"/>
+              </a:buClr>
+              <a:buFont typeface="Open Sans"/>
+              <a:buChar char="●"/>
+            </a:pPr>
+            <a:r>
+              <a:rPr lang="en" sz="1400" b="0" i="0" u="none" strike="noStrike" cap="none" dirty="0">
+                <a:solidFill>
+                  <a:schemeClr val="dk2"/>
+                </a:solidFill>
+                <a:latin typeface="Open Sans"/>
+                <a:ea typeface="Open Sans"/>
+                <a:cs typeface="Open Sans"/>
+                <a:sym typeface="Open Sans"/>
+              </a:rPr>
+              <a:t>Color names: MediumAquaMarine</a:t>
+            </a:r>
+          </a:p>
+          <a:p>
+            <a:pPr marL="0" marR="0" lvl="0" indent="0" algn="l" rtl="0">
+              <a:lnSpc>
+                <a:spcPct val="115000"/>
+              </a:lnSpc>
+              <a:spcBef>
+                <a:spcPts val="1600"/>
+              </a:spcBef>
+              <a:spcAft>
+                <a:spcPts val="0"/>
+              </a:spcAft>
+              <a:buClr>
+                <a:schemeClr val="dk2"/>
+              </a:buClr>
+              <a:buSzPct val="25000"/>
+              <a:buFont typeface="Open Sans"/>
+              <a:buNone/>
+            </a:pPr>
+            <a:r>
+              <a:rPr lang="en" dirty="0"/>
+              <a:t>Hue, Saturation, Lightness</a:t>
+            </a:r>
+          </a:p>
+          <a:p>
+            <a:pPr marL="0" marR="0" lvl="0" indent="0" algn="l" rtl="0">
+              <a:lnSpc>
+                <a:spcPct val="115000"/>
+              </a:lnSpc>
+              <a:spcBef>
+                <a:spcPts val="1600"/>
+              </a:spcBef>
+              <a:spcAft>
+                <a:spcPts val="0"/>
+              </a:spcAft>
+              <a:buClr>
+                <a:schemeClr val="dk2"/>
+              </a:buClr>
+              <a:buSzPct val="25000"/>
+              <a:buFont typeface="Open Sans"/>
+              <a:buNone/>
+            </a:pPr>
+            <a:r>
+              <a:rPr lang="en" sz="1800" b="0" i="0" u="none" strike="noStrike" cap="none" dirty="0">
+                <a:solidFill>
+                  <a:schemeClr val="dk2"/>
+                </a:solidFill>
+                <a:latin typeface="Open Sans"/>
+                <a:ea typeface="Open Sans"/>
+                <a:cs typeface="Open Sans"/>
+                <a:sym typeface="Open Sans"/>
+              </a:rPr>
+              <a:t>Opacity (al</a:t>
+            </a:r>
+            <a:r>
+              <a:rPr lang="en" dirty="0"/>
+              <a:t>pha)</a:t>
+            </a:r>
+          </a:p>
+          <a:p>
             <a:pPr marL="457200" marR="0" lvl="0" indent="-317500" algn="l" rtl="0">
               <a:lnSpc>
-                <a:spcPct val="130000"/>
-              </a:lnSpc>
-              <a:spcAft>
-                <a:spcPts val="0"/>
+                <a:spcPct val="115000"/>
+              </a:lnSpc>
+              <a:spcBef>
+                <a:spcPts val="0"/>
+              </a:spcBef>
+              <a:spcAft>
+                <a:spcPts val="400"/>
               </a:spcAft>
               <a:buClr>
                 <a:schemeClr val="dk2"/>
@@ -13500,16 +13770,19 @@
                 <a:cs typeface="Open Sans"/>
                 <a:sym typeface="Open Sans"/>
               </a:rPr>
-              <a:t>font-family (serif, sans-serif, monospace)</a:t>
+              <a:t>hsla(0, 100%, 100%, 0.5)</a:t>
             </a:r>
           </a:p>
           <a:p>
             <a:pPr marL="457200" marR="0" lvl="0" indent="-317500" algn="l" rtl="0">
               <a:lnSpc>
-                <a:spcPct val="130000"/>
-              </a:lnSpc>
-              <a:spcAft>
-                <a:spcPts val="0"/>
+                <a:spcPct val="115000"/>
+              </a:lnSpc>
+              <a:spcBef>
+                <a:spcPts val="0"/>
+              </a:spcBef>
+              <a:spcAft>
+                <a:spcPts val="400"/>
               </a:spcAft>
               <a:buClr>
                 <a:schemeClr val="dk2"/>
@@ -13528,319 +13801,7 @@
                 <a:cs typeface="Open Sans"/>
                 <a:sym typeface="Open Sans"/>
               </a:rPr>
-              <a:t>font-size</a:t>
-            </a:r>
-          </a:p>
-          <a:p>
-            <a:pPr marL="457200" marR="0" lvl="0" indent="-317500" algn="l" rtl="0">
-              <a:lnSpc>
-                <a:spcPct val="130000"/>
-              </a:lnSpc>
-              <a:spcAft>
-                <a:spcPts val="0"/>
-              </a:spcAft>
-              <a:buClr>
-                <a:schemeClr val="dk2"/>
-              </a:buClr>
-              <a:buSzPct val="100000"/>
-              <a:buFont typeface="Open Sans"/>
-              <a:buChar char="●"/>
-            </a:pPr>
-            <a:r>
-              <a:rPr lang="en" sz="1400" b="0" i="0" u="none" strike="noStrike" cap="none" dirty="0">
-                <a:solidFill>
-                  <a:schemeClr val="dk2"/>
-                </a:solidFill>
-                <a:latin typeface="Open Sans"/>
-                <a:ea typeface="Open Sans"/>
-                <a:cs typeface="Open Sans"/>
-                <a:sym typeface="Open Sans"/>
-              </a:rPr>
-              <a:t>@font-face {font-family: ‘Times’; src: url(‘fonts/times.eot’);}</a:t>
-            </a:r>
-          </a:p>
-          <a:p>
-            <a:pPr marL="457200" marR="0" lvl="0" indent="-317500" algn="l" rtl="0">
-              <a:lnSpc>
-                <a:spcPct val="130000"/>
-              </a:lnSpc>
-              <a:spcAft>
-                <a:spcPts val="0"/>
-              </a:spcAft>
-              <a:buClr>
-                <a:schemeClr val="dk2"/>
-              </a:buClr>
-              <a:buSzPct val="100000"/>
-              <a:buFont typeface="Open Sans"/>
-              <a:buChar char="●"/>
-            </a:pPr>
-            <a:r>
-              <a:rPr lang="en" sz="1400" b="0" i="0" u="none" strike="noStrike" cap="none" dirty="0">
-                <a:solidFill>
-                  <a:schemeClr val="dk2"/>
-                </a:solidFill>
-                <a:latin typeface="Open Sans"/>
-                <a:ea typeface="Open Sans"/>
-                <a:cs typeface="Open Sans"/>
-                <a:sym typeface="Open Sans"/>
-              </a:rPr>
-              <a:t>font-weight (normal, bold, ...)</a:t>
-            </a:r>
-          </a:p>
-          <a:p>
-            <a:pPr marL="457200" marR="0" lvl="0" indent="-317500" algn="l" rtl="0">
-              <a:lnSpc>
-                <a:spcPct val="130000"/>
-              </a:lnSpc>
-              <a:spcAft>
-                <a:spcPts val="0"/>
-              </a:spcAft>
-              <a:buClr>
-                <a:schemeClr val="dk2"/>
-              </a:buClr>
-              <a:buSzPct val="100000"/>
-              <a:buFont typeface="Open Sans"/>
-              <a:buChar char="●"/>
-            </a:pPr>
-            <a:r>
-              <a:rPr lang="en" sz="1400" b="0" i="0" u="none" strike="noStrike" cap="none" dirty="0">
-                <a:solidFill>
-                  <a:schemeClr val="dk2"/>
-                </a:solidFill>
-                <a:latin typeface="Open Sans"/>
-                <a:ea typeface="Open Sans"/>
-                <a:cs typeface="Open Sans"/>
-                <a:sym typeface="Open Sans"/>
-              </a:rPr>
-              <a:t>font-style (normal, italic, oblique)</a:t>
-            </a:r>
-          </a:p>
-          <a:p>
-            <a:pPr marL="457200" marR="0" lvl="0" indent="-317500" algn="l" rtl="0">
-              <a:lnSpc>
-                <a:spcPct val="130000"/>
-              </a:lnSpc>
-              <a:spcAft>
-                <a:spcPts val="0"/>
-              </a:spcAft>
-              <a:buClr>
-                <a:schemeClr val="dk2"/>
-              </a:buClr>
-              <a:buSzPct val="100000"/>
-              <a:buFont typeface="Open Sans"/>
-              <a:buChar char="●"/>
-            </a:pPr>
-            <a:r>
-              <a:rPr lang="en" sz="1400" b="0" i="0" u="none" strike="noStrike" cap="none" dirty="0">
-                <a:solidFill>
-                  <a:schemeClr val="dk2"/>
-                </a:solidFill>
-                <a:latin typeface="Open Sans"/>
-                <a:ea typeface="Open Sans"/>
-                <a:cs typeface="Open Sans"/>
-                <a:sym typeface="Open Sans"/>
-              </a:rPr>
-              <a:t>text-transform (uppercase,lowercase, capitalize)</a:t>
-            </a:r>
-          </a:p>
-          <a:p>
-            <a:pPr marL="457200" marR="0" lvl="0" indent="-317500" algn="l" rtl="0">
-              <a:lnSpc>
-                <a:spcPct val="130000"/>
-              </a:lnSpc>
-              <a:spcAft>
-                <a:spcPts val="0"/>
-              </a:spcAft>
-              <a:buClr>
-                <a:schemeClr val="dk2"/>
-              </a:buClr>
-              <a:buSzPct val="100000"/>
-              <a:buFont typeface="Open Sans"/>
-              <a:buChar char="●"/>
-            </a:pPr>
-            <a:r>
-              <a:rPr lang="en" sz="1400" b="0" i="0" u="none" strike="noStrike" cap="none" dirty="0">
-                <a:solidFill>
-                  <a:schemeClr val="dk2"/>
-                </a:solidFill>
-                <a:latin typeface="Open Sans"/>
-                <a:ea typeface="Open Sans"/>
-                <a:cs typeface="Open Sans"/>
-                <a:sym typeface="Open Sans"/>
-              </a:rPr>
-              <a:t>text-decoration (none, underline, overline line-through)</a:t>
-            </a:r>
-          </a:p>
-          <a:p>
-            <a:pPr marL="457200" marR="0" lvl="0" indent="-317500" algn="l" rtl="0">
-              <a:lnSpc>
-                <a:spcPct val="130000"/>
-              </a:lnSpc>
-              <a:spcAft>
-                <a:spcPts val="0"/>
-              </a:spcAft>
-              <a:buClr>
-                <a:schemeClr val="dk2"/>
-              </a:buClr>
-              <a:buSzPct val="100000"/>
-              <a:buFont typeface="Open Sans"/>
-              <a:buChar char="●"/>
-            </a:pPr>
-            <a:r>
-              <a:rPr lang="en" sz="1400" b="0" i="0" u="none" strike="noStrike" cap="none" dirty="0">
-                <a:solidFill>
-                  <a:schemeClr val="dk2"/>
-                </a:solidFill>
-                <a:latin typeface="Open Sans"/>
-                <a:ea typeface="Open Sans"/>
-                <a:cs typeface="Open Sans"/>
-                <a:sym typeface="Open Sans"/>
-              </a:rPr>
-              <a:t>line-height</a:t>
-            </a:r>
-          </a:p>
-          <a:p>
-            <a:pPr marL="457200" marR="0" lvl="0" indent="-317500" algn="l" rtl="0">
-              <a:lnSpc>
-                <a:spcPct val="130000"/>
-              </a:lnSpc>
-              <a:spcAft>
-                <a:spcPts val="0"/>
-              </a:spcAft>
-              <a:buClr>
-                <a:schemeClr val="dk2"/>
-              </a:buClr>
-              <a:buSzPct val="100000"/>
-              <a:buFont typeface="Open Sans"/>
-              <a:buChar char="●"/>
-            </a:pPr>
-            <a:r>
-              <a:rPr lang="en" sz="1400" b="0" i="0" u="none" strike="noStrike" cap="none" dirty="0">
-                <a:solidFill>
-                  <a:schemeClr val="dk2"/>
-                </a:solidFill>
-                <a:latin typeface="Open Sans"/>
-                <a:ea typeface="Open Sans"/>
-                <a:cs typeface="Open Sans"/>
-                <a:sym typeface="Open Sans"/>
-              </a:rPr>
-              <a:t>letter-spacing, word-spacing</a:t>
-            </a:r>
-          </a:p>
-          <a:p>
-            <a:pPr marL="457200" marR="0" lvl="0" indent="-317500" algn="l" rtl="0">
-              <a:lnSpc>
-                <a:spcPct val="130000"/>
-              </a:lnSpc>
-              <a:spcAft>
-                <a:spcPts val="0"/>
-              </a:spcAft>
-              <a:buClr>
-                <a:schemeClr val="dk2"/>
-              </a:buClr>
-              <a:buSzPct val="100000"/>
-              <a:buFont typeface="Open Sans"/>
-              <a:buChar char="●"/>
-            </a:pPr>
-            <a:r>
-              <a:rPr lang="en" sz="1400" b="0" i="0" u="none" strike="noStrike" cap="none" dirty="0">
-                <a:solidFill>
-                  <a:schemeClr val="dk2"/>
-                </a:solidFill>
-                <a:latin typeface="Open Sans"/>
-                <a:ea typeface="Open Sans"/>
-                <a:cs typeface="Open Sans"/>
-                <a:sym typeface="Open Sans"/>
-              </a:rPr>
-              <a:t>text-align (left, right, center, justify), vertical-align (top, middle, bottom, etc)</a:t>
-            </a:r>
-          </a:p>
-          <a:p>
-            <a:pPr marL="457200" marR="0" lvl="0" indent="-317500" algn="l" rtl="0">
-              <a:lnSpc>
-                <a:spcPct val="130000"/>
-              </a:lnSpc>
-              <a:spcAft>
-                <a:spcPts val="0"/>
-              </a:spcAft>
-              <a:buClr>
-                <a:schemeClr val="dk2"/>
-              </a:buClr>
-              <a:buSzPct val="100000"/>
-              <a:buFont typeface="Open Sans"/>
-              <a:buChar char="●"/>
-            </a:pPr>
-            <a:r>
-              <a:rPr lang="en" sz="1400" b="0" i="0" u="none" strike="noStrike" cap="none" dirty="0">
-                <a:solidFill>
-                  <a:schemeClr val="dk2"/>
-                </a:solidFill>
-                <a:latin typeface="Open Sans"/>
-                <a:ea typeface="Open Sans"/>
-                <a:cs typeface="Open Sans"/>
-                <a:sym typeface="Open Sans"/>
-              </a:rPr>
-              <a:t>text-indent</a:t>
-            </a:r>
-          </a:p>
-          <a:p>
-            <a:pPr marL="457200" marR="0" lvl="0" indent="-317500" algn="l" rtl="0">
-              <a:lnSpc>
-                <a:spcPct val="130000"/>
-              </a:lnSpc>
-              <a:spcAft>
-                <a:spcPts val="0"/>
-              </a:spcAft>
-              <a:buClr>
-                <a:schemeClr val="dk2"/>
-              </a:buClr>
-              <a:buSzPct val="100000"/>
-              <a:buFont typeface="Open Sans"/>
-              <a:buChar char="●"/>
-            </a:pPr>
-            <a:r>
-              <a:rPr lang="en" sz="1400" b="0" i="0" u="none" strike="noStrike" cap="none" dirty="0">
-                <a:solidFill>
-                  <a:schemeClr val="dk2"/>
-                </a:solidFill>
-                <a:latin typeface="Open Sans"/>
-                <a:ea typeface="Open Sans"/>
-                <a:cs typeface="Open Sans"/>
-                <a:sym typeface="Open Sans"/>
-              </a:rPr>
-              <a:t>text-shadow</a:t>
-            </a:r>
-          </a:p>
-          <a:p>
-            <a:pPr marL="457200" marR="0" lvl="0" indent="-317500" algn="l" rtl="0">
-              <a:lnSpc>
-                <a:spcPct val="130000"/>
-              </a:lnSpc>
-              <a:spcAft>
-                <a:spcPts val="0"/>
-              </a:spcAft>
-              <a:buClr>
-                <a:schemeClr val="dk2"/>
-              </a:buClr>
-              <a:buSzPct val="100000"/>
-              <a:buFont typeface="Open Sans"/>
-              <a:buChar char="●"/>
-            </a:pPr>
-            <a:r>
-              <a:rPr lang="en" sz="1400" b="0" i="0" u="none" strike="noStrike" cap="none" dirty="0">
-                <a:solidFill>
-                  <a:schemeClr val="dk2"/>
-                </a:solidFill>
-                <a:latin typeface="Open Sans"/>
-                <a:ea typeface="Open Sans"/>
-                <a:cs typeface="Open Sans"/>
-                <a:sym typeface="Open Sans"/>
-              </a:rPr>
-              <a:t>:first-letter, :first-lin</a:t>
-            </a:r>
-            <a:r>
-              <a:rPr lang="en" sz="1400" dirty="0"/>
-              <a:t>e</a:t>
+              <a:t>rgba(0, 0, 0, 0.5)</a:t>
             </a:r>
           </a:p>
         </p:txBody>
@@ -13895,13 +13856,14 @@
           </a:bodyPr>
           <a:lstStyle/>
           <a:p>
-            <a:pPr marL="228600" lvl="0" indent="-228600">
-              <a:lnSpc>
-                <a:spcPct val="100000"/>
-              </a:lnSpc>
-              <a:spcAft>
-                <a:spcPts val="0"/>
-              </a:spcAft>
+            <a:pPr lvl="0" rtl="0">
+              <a:spcBef>
+                <a:spcPts val="0"/>
+              </a:spcBef>
+              <a:spcAft>
+                <a:spcPts val="0"/>
+              </a:spcAft>
+              <a:buNone/>
             </a:pPr>
             <a:r>
               <a:rPr lang="en" dirty="0"/>
@@ -13909,23 +13871,28 @@
             </a:r>
           </a:p>
           <a:p>
-            <a:pPr marL="228600" lvl="0" indent="-228600">
-              <a:lnSpc>
-                <a:spcPct val="100000"/>
-              </a:lnSpc>
+            <a:pPr marL="457200" lvl="0" indent="-228600" rtl="0">
+              <a:spcBef>
+                <a:spcPts val="0"/>
+              </a:spcBef>
+              <a:spcAft>
+                <a:spcPts val="400"/>
+              </a:spcAft>
               <a:buChar char="●"/>
             </a:pPr>
             <a:r>
               <a:rPr lang="en" sz="1400" dirty="0"/>
               <a:t>Stands for HyperText Markup Language</a:t>
             </a:r>
-            <a:endParaRPr lang="en-US" sz="1400" dirty="0"/>
-          </a:p>
-          <a:p>
-            <a:pPr marL="228600" lvl="0" indent="-228600">
-              <a:lnSpc>
-                <a:spcPct val="100000"/>
-              </a:lnSpc>
+          </a:p>
+          <a:p>
+            <a:pPr marL="457200" lvl="0" indent="-228600" rtl="0">
+              <a:spcBef>
+                <a:spcPts val="0"/>
+              </a:spcBef>
+              <a:spcAft>
+                <a:spcPts val="400"/>
+              </a:spcAft>
               <a:buChar char="●"/>
             </a:pPr>
             <a:r>
@@ -13934,25 +13901,29 @@
             </a:r>
           </a:p>
           <a:p>
-            <a:pPr marL="228600" lvl="0" indent="-228600">
-              <a:lnSpc>
-                <a:spcPct val="100000"/>
-              </a:lnSpc>
+            <a:pPr marL="457200" lvl="0" indent="-228600" rtl="0">
+              <a:spcBef>
+                <a:spcPts val="0"/>
+              </a:spcBef>
+              <a:spcAft>
+                <a:spcPts val="400"/>
+              </a:spcAft>
               <a:buChar char="●"/>
             </a:pPr>
             <a:r>
               <a:rPr lang="en" sz="1400" dirty="0"/>
-              <a:t>An HTML page is a text document with the .html or .htm extension</a:t>
-            </a:r>
-          </a:p>
-          <a:p>
-            <a:pPr marL="228600" lvl="0" indent="-228600">
-              <a:lnSpc>
-                <a:spcPct val="100000"/>
-              </a:lnSpc>
-              <a:spcAft>
-                <a:spcPts val="0"/>
-              </a:spcAft>
+              <a:t>An HTML page is a text document with the .html extension</a:t>
+            </a:r>
+          </a:p>
+          <a:p>
+            <a:pPr lvl="0" rtl="0">
+              <a:spcBef>
+                <a:spcPts val="0"/>
+              </a:spcBef>
+              <a:spcAft>
+                <a:spcPts val="0"/>
+              </a:spcAft>
+              <a:buNone/>
             </a:pPr>
             <a:r>
               <a:rPr lang="en" dirty="0"/>
@@ -13960,10 +13931,13 @@
             </a:r>
           </a:p>
           <a:p>
-            <a:pPr marL="228600" lvl="0" indent="-228600">
-              <a:lnSpc>
-                <a:spcPct val="100000"/>
-              </a:lnSpc>
+            <a:pPr marL="457200" lvl="0" indent="-228600" rtl="0">
+              <a:spcBef>
+                <a:spcPts val="0"/>
+              </a:spcBef>
+              <a:spcAft>
+                <a:spcPts val="400"/>
+              </a:spcAft>
               <a:buChar char="●"/>
             </a:pPr>
             <a:r>
@@ -13972,10 +13946,13 @@
             </a:r>
           </a:p>
           <a:p>
-            <a:pPr marL="228600" lvl="0" indent="-228600">
-              <a:lnSpc>
-                <a:spcPct val="100000"/>
-              </a:lnSpc>
+            <a:pPr marL="457200" lvl="0" indent="-228600" rtl="0">
+              <a:spcBef>
+                <a:spcPts val="0"/>
+              </a:spcBef>
+              <a:spcAft>
+                <a:spcPts val="400"/>
+              </a:spcAft>
               <a:buChar char="●"/>
             </a:pPr>
             <a:r>
@@ -13984,21 +13961,23 @@
             </a:r>
           </a:p>
           <a:p>
-            <a:pPr marL="228600" lvl="1" indent="-228600">
-              <a:lnSpc>
-                <a:spcPct val="100000"/>
-              </a:lnSpc>
+            <a:pPr marL="914400" lvl="1" indent="-228600" rtl="0">
+              <a:spcBef>
+                <a:spcPts val="0"/>
+              </a:spcBef>
+              <a:spcAft>
+                <a:spcPts val="400"/>
+              </a:spcAft>
               <a:buChar char="○"/>
             </a:pPr>
             <a:r>
-              <a:rPr lang="en" dirty="0"/>
-              <a:t>In other words: “The HTML DOM is a standard for how to get, change, add, or delete HTML elements</a:t>
-            </a:r>
-            <a:r>
-              <a:rPr lang="en" dirty="0" smtClean="0"/>
-              <a:t>.”</a:t>
-            </a:r>
-            <a:endParaRPr lang="en" dirty="0"/>
+              <a:rPr lang="en" sz="1400" dirty="0"/>
+              <a:t>In other words: “The HTML DOM is a standard for how to get, change, add, or delete HTML elements.”</a:t>
+            </a:r>
+            <a:br>
+              <a:rPr lang="en" sz="1400" dirty="0"/>
+            </a:br>
+            <a:endParaRPr lang="en" sz="1400" dirty="0"/>
           </a:p>
         </p:txBody>
       </p:sp>
@@ -14135,6 +14114,490 @@
                 <a:cs typeface="PT Sans Narrow"/>
                 <a:sym typeface="PT Sans Narrow"/>
               </a:rPr>
+              <a:t>CSS Text</a:t>
+            </a:r>
+          </a:p>
+        </p:txBody>
+      </p:sp>
+      <p:sp>
+        <p:nvSpPr>
+          <p:cNvPr id="181" name="Shape 181"/>
+          <p:cNvSpPr txBox="1">
+            <a:spLocks noGrp="1"/>
+          </p:cNvSpPr>
+          <p:nvPr>
+            <p:ph type="body" idx="1"/>
+          </p:nvPr>
+        </p:nvSpPr>
+        <p:spPr>
+          <a:xfrm>
+            <a:off x="311700" y="1080775"/>
+            <a:ext cx="8520600" cy="3488100"/>
+          </a:xfrm>
+          <a:prstGeom prst="rect">
+            <a:avLst/>
+          </a:prstGeom>
+          <a:noFill/>
+          <a:ln>
+            <a:noFill/>
+          </a:ln>
+        </p:spPr>
+        <p:txBody>
+          <a:bodyPr lIns="91425" tIns="91425" rIns="91425" bIns="91425" anchor="t" anchorCtr="0">
+            <a:noAutofit/>
+          </a:bodyPr>
+          <a:lstStyle/>
+          <a:p>
+            <a:pPr marL="457200" marR="0" lvl="0" indent="-317500" algn="l" rtl="0">
+              <a:lnSpc>
+                <a:spcPct val="115000"/>
+              </a:lnSpc>
+              <a:spcAft>
+                <a:spcPts val="400"/>
+              </a:spcAft>
+              <a:buClr>
+                <a:schemeClr val="dk2"/>
+              </a:buClr>
+              <a:buSzPct val="100000"/>
+              <a:buFont typeface="Open Sans"/>
+              <a:buChar char="●"/>
+            </a:pPr>
+            <a:r>
+              <a:rPr lang="en" sz="1400" b="0" i="0" u="none" strike="noStrike" cap="none" dirty="0">
+                <a:solidFill>
+                  <a:schemeClr val="dk2"/>
+                </a:solidFill>
+                <a:latin typeface="Open Sans"/>
+                <a:ea typeface="Open Sans"/>
+                <a:cs typeface="Open Sans"/>
+                <a:sym typeface="Open Sans"/>
+              </a:rPr>
+              <a:t>font-family (serif, sans-serif, monospace)</a:t>
+            </a:r>
+          </a:p>
+          <a:p>
+            <a:pPr marL="457200" marR="0" lvl="0" indent="-317500" algn="l" rtl="0">
+              <a:lnSpc>
+                <a:spcPct val="115000"/>
+              </a:lnSpc>
+              <a:spcAft>
+                <a:spcPts val="400"/>
+              </a:spcAft>
+              <a:buClr>
+                <a:schemeClr val="dk2"/>
+              </a:buClr>
+              <a:buSzPct val="100000"/>
+              <a:buFont typeface="Open Sans"/>
+              <a:buChar char="●"/>
+            </a:pPr>
+            <a:r>
+              <a:rPr lang="en" sz="1400" b="0" i="0" u="none" strike="noStrike" cap="none" dirty="0">
+                <a:solidFill>
+                  <a:schemeClr val="dk2"/>
+                </a:solidFill>
+                <a:latin typeface="Open Sans"/>
+                <a:ea typeface="Open Sans"/>
+                <a:cs typeface="Open Sans"/>
+                <a:sym typeface="Open Sans"/>
+              </a:rPr>
+              <a:t>font-size</a:t>
+            </a:r>
+          </a:p>
+          <a:p>
+            <a:pPr marL="457200" marR="0" lvl="0" indent="-317500" algn="l" rtl="0">
+              <a:lnSpc>
+                <a:spcPct val="115000"/>
+              </a:lnSpc>
+              <a:spcAft>
+                <a:spcPts val="400"/>
+              </a:spcAft>
+              <a:buClr>
+                <a:schemeClr val="dk2"/>
+              </a:buClr>
+              <a:buSzPct val="100000"/>
+              <a:buFont typeface="Open Sans"/>
+              <a:buChar char="●"/>
+            </a:pPr>
+            <a:r>
+              <a:rPr lang="en" sz="1400" b="0" i="0" u="none" strike="noStrike" cap="none" dirty="0">
+                <a:solidFill>
+                  <a:schemeClr val="dk2"/>
+                </a:solidFill>
+                <a:latin typeface="Open Sans"/>
+                <a:ea typeface="Open Sans"/>
+                <a:cs typeface="Open Sans"/>
+                <a:sym typeface="Open Sans"/>
+              </a:rPr>
+              <a:t>@font-face {font-family: ‘Times’; src: url(‘fonts/times.eot’);}</a:t>
+            </a:r>
+          </a:p>
+          <a:p>
+            <a:pPr marL="457200" marR="0" lvl="0" indent="-317500" algn="l" rtl="0">
+              <a:lnSpc>
+                <a:spcPct val="115000"/>
+              </a:lnSpc>
+              <a:spcAft>
+                <a:spcPts val="400"/>
+              </a:spcAft>
+              <a:buClr>
+                <a:schemeClr val="dk2"/>
+              </a:buClr>
+              <a:buSzPct val="100000"/>
+              <a:buFont typeface="Open Sans"/>
+              <a:buChar char="●"/>
+            </a:pPr>
+            <a:r>
+              <a:rPr lang="en" sz="1400" b="0" i="0" u="none" strike="noStrike" cap="none" dirty="0">
+                <a:solidFill>
+                  <a:schemeClr val="dk2"/>
+                </a:solidFill>
+                <a:latin typeface="Open Sans"/>
+                <a:ea typeface="Open Sans"/>
+                <a:cs typeface="Open Sans"/>
+                <a:sym typeface="Open Sans"/>
+              </a:rPr>
+              <a:t>font-weight (normal, bold, ...)</a:t>
+            </a:r>
+          </a:p>
+          <a:p>
+            <a:pPr marL="457200" marR="0" lvl="0" indent="-317500" algn="l" rtl="0">
+              <a:lnSpc>
+                <a:spcPct val="115000"/>
+              </a:lnSpc>
+              <a:spcAft>
+                <a:spcPts val="400"/>
+              </a:spcAft>
+              <a:buClr>
+                <a:schemeClr val="dk2"/>
+              </a:buClr>
+              <a:buSzPct val="100000"/>
+              <a:buFont typeface="Open Sans"/>
+              <a:buChar char="●"/>
+            </a:pPr>
+            <a:r>
+              <a:rPr lang="en" sz="1400" b="0" i="0" u="none" strike="noStrike" cap="none" dirty="0">
+                <a:solidFill>
+                  <a:schemeClr val="dk2"/>
+                </a:solidFill>
+                <a:latin typeface="Open Sans"/>
+                <a:ea typeface="Open Sans"/>
+                <a:cs typeface="Open Sans"/>
+                <a:sym typeface="Open Sans"/>
+              </a:rPr>
+              <a:t>font-style (normal, italic, oblique)</a:t>
+            </a:r>
+          </a:p>
+          <a:p>
+            <a:pPr marL="457200" marR="0" lvl="0" indent="-317500" algn="l" rtl="0">
+              <a:lnSpc>
+                <a:spcPct val="115000"/>
+              </a:lnSpc>
+              <a:spcAft>
+                <a:spcPts val="400"/>
+              </a:spcAft>
+              <a:buClr>
+                <a:schemeClr val="dk2"/>
+              </a:buClr>
+              <a:buSzPct val="100000"/>
+              <a:buFont typeface="Open Sans"/>
+              <a:buChar char="●"/>
+            </a:pPr>
+            <a:r>
+              <a:rPr lang="en" sz="1400" b="0" i="0" u="none" strike="noStrike" cap="none" dirty="0">
+                <a:solidFill>
+                  <a:schemeClr val="dk2"/>
+                </a:solidFill>
+                <a:latin typeface="Open Sans"/>
+                <a:ea typeface="Open Sans"/>
+                <a:cs typeface="Open Sans"/>
+                <a:sym typeface="Open Sans"/>
+              </a:rPr>
+              <a:t>text-transform (uppercase,lowercase, capitalize)</a:t>
+            </a:r>
+          </a:p>
+          <a:p>
+            <a:pPr marL="457200" marR="0" lvl="0" indent="-317500" algn="l" rtl="0">
+              <a:lnSpc>
+                <a:spcPct val="115000"/>
+              </a:lnSpc>
+              <a:spcAft>
+                <a:spcPts val="400"/>
+              </a:spcAft>
+              <a:buClr>
+                <a:schemeClr val="dk2"/>
+              </a:buClr>
+              <a:buSzPct val="100000"/>
+              <a:buFont typeface="Open Sans"/>
+              <a:buChar char="●"/>
+            </a:pPr>
+            <a:r>
+              <a:rPr lang="en" sz="1400" b="0" i="0" u="none" strike="noStrike" cap="none" dirty="0">
+                <a:solidFill>
+                  <a:schemeClr val="dk2"/>
+                </a:solidFill>
+                <a:latin typeface="Open Sans"/>
+                <a:ea typeface="Open Sans"/>
+                <a:cs typeface="Open Sans"/>
+                <a:sym typeface="Open Sans"/>
+              </a:rPr>
+              <a:t>text-decoration (none, underline, overline line-through)</a:t>
+            </a:r>
+          </a:p>
+          <a:p>
+            <a:pPr marL="457200" marR="0" lvl="0" indent="-317500" algn="l" rtl="0">
+              <a:lnSpc>
+                <a:spcPct val="115000"/>
+              </a:lnSpc>
+              <a:spcAft>
+                <a:spcPts val="400"/>
+              </a:spcAft>
+              <a:buClr>
+                <a:schemeClr val="dk2"/>
+              </a:buClr>
+              <a:buSzPct val="100000"/>
+              <a:buFont typeface="Open Sans"/>
+              <a:buChar char="●"/>
+            </a:pPr>
+            <a:r>
+              <a:rPr lang="en" sz="1400" b="0" i="0" u="none" strike="noStrike" cap="none" dirty="0">
+                <a:solidFill>
+                  <a:schemeClr val="dk2"/>
+                </a:solidFill>
+                <a:latin typeface="Open Sans"/>
+                <a:ea typeface="Open Sans"/>
+                <a:cs typeface="Open Sans"/>
+                <a:sym typeface="Open Sans"/>
+              </a:rPr>
+              <a:t>line-height</a:t>
+            </a:r>
+          </a:p>
+          <a:p>
+            <a:pPr marL="457200" marR="0" lvl="0" indent="-317500" algn="l" rtl="0">
+              <a:lnSpc>
+                <a:spcPct val="115000"/>
+              </a:lnSpc>
+              <a:spcAft>
+                <a:spcPts val="400"/>
+              </a:spcAft>
+              <a:buClr>
+                <a:schemeClr val="dk2"/>
+              </a:buClr>
+              <a:buSzPct val="100000"/>
+              <a:buFont typeface="Open Sans"/>
+              <a:buChar char="●"/>
+            </a:pPr>
+            <a:r>
+              <a:rPr lang="en" sz="1400" b="0" i="0" u="none" strike="noStrike" cap="none" dirty="0">
+                <a:solidFill>
+                  <a:schemeClr val="dk2"/>
+                </a:solidFill>
+                <a:latin typeface="Open Sans"/>
+                <a:ea typeface="Open Sans"/>
+                <a:cs typeface="Open Sans"/>
+                <a:sym typeface="Open Sans"/>
+              </a:rPr>
+              <a:t>letter-spacing, word-spacing</a:t>
+            </a:r>
+          </a:p>
+          <a:p>
+            <a:pPr marL="457200" marR="0" lvl="0" indent="-317500" algn="l" rtl="0">
+              <a:lnSpc>
+                <a:spcPct val="115000"/>
+              </a:lnSpc>
+              <a:spcAft>
+                <a:spcPts val="400"/>
+              </a:spcAft>
+              <a:buClr>
+                <a:schemeClr val="dk2"/>
+              </a:buClr>
+              <a:buSzPct val="100000"/>
+              <a:buFont typeface="Open Sans"/>
+              <a:buChar char="●"/>
+            </a:pPr>
+            <a:r>
+              <a:rPr lang="en" sz="1400" b="0" i="0" u="none" strike="noStrike" cap="none" dirty="0">
+                <a:solidFill>
+                  <a:schemeClr val="dk2"/>
+                </a:solidFill>
+                <a:latin typeface="Open Sans"/>
+                <a:ea typeface="Open Sans"/>
+                <a:cs typeface="Open Sans"/>
+                <a:sym typeface="Open Sans"/>
+              </a:rPr>
+              <a:t>text-align (left, right, center, justify), vertical-align (top, middle, bottom, etc)</a:t>
+            </a:r>
+          </a:p>
+          <a:p>
+            <a:pPr marL="457200" marR="0" lvl="0" indent="-317500" algn="l" rtl="0">
+              <a:lnSpc>
+                <a:spcPct val="115000"/>
+              </a:lnSpc>
+              <a:spcAft>
+                <a:spcPts val="400"/>
+              </a:spcAft>
+              <a:buClr>
+                <a:schemeClr val="dk2"/>
+              </a:buClr>
+              <a:buSzPct val="100000"/>
+              <a:buFont typeface="Open Sans"/>
+              <a:buChar char="●"/>
+            </a:pPr>
+            <a:r>
+              <a:rPr lang="en" sz="1400" b="0" i="0" u="none" strike="noStrike" cap="none" dirty="0">
+                <a:solidFill>
+                  <a:schemeClr val="dk2"/>
+                </a:solidFill>
+                <a:latin typeface="Open Sans"/>
+                <a:ea typeface="Open Sans"/>
+                <a:cs typeface="Open Sans"/>
+                <a:sym typeface="Open Sans"/>
+              </a:rPr>
+              <a:t>text-indent</a:t>
+            </a:r>
+          </a:p>
+          <a:p>
+            <a:pPr marL="457200" marR="0" lvl="0" indent="-317500" algn="l" rtl="0">
+              <a:lnSpc>
+                <a:spcPct val="115000"/>
+              </a:lnSpc>
+              <a:spcAft>
+                <a:spcPts val="400"/>
+              </a:spcAft>
+              <a:buClr>
+                <a:schemeClr val="dk2"/>
+              </a:buClr>
+              <a:buSzPct val="100000"/>
+              <a:buFont typeface="Open Sans"/>
+              <a:buChar char="●"/>
+            </a:pPr>
+            <a:r>
+              <a:rPr lang="en" sz="1400" b="0" i="0" u="none" strike="noStrike" cap="none" dirty="0">
+                <a:solidFill>
+                  <a:schemeClr val="dk2"/>
+                </a:solidFill>
+                <a:latin typeface="Open Sans"/>
+                <a:ea typeface="Open Sans"/>
+                <a:cs typeface="Open Sans"/>
+                <a:sym typeface="Open Sans"/>
+              </a:rPr>
+              <a:t>text-shadow</a:t>
+            </a:r>
+          </a:p>
+          <a:p>
+            <a:pPr marL="457200" marR="0" lvl="0" indent="-317500" algn="l" rtl="0">
+              <a:lnSpc>
+                <a:spcPct val="115000"/>
+              </a:lnSpc>
+              <a:spcAft>
+                <a:spcPts val="400"/>
+              </a:spcAft>
+              <a:buClr>
+                <a:schemeClr val="dk2"/>
+              </a:buClr>
+              <a:buSzPct val="100000"/>
+              <a:buFont typeface="Open Sans"/>
+              <a:buChar char="●"/>
+            </a:pPr>
+            <a:r>
+              <a:rPr lang="en" sz="1400" b="0" i="0" u="none" strike="noStrike" cap="none" dirty="0">
+                <a:solidFill>
+                  <a:schemeClr val="dk2"/>
+                </a:solidFill>
+                <a:latin typeface="Open Sans"/>
+                <a:ea typeface="Open Sans"/>
+                <a:cs typeface="Open Sans"/>
+                <a:sym typeface="Open Sans"/>
+              </a:rPr>
+              <a:t>:first-letter, :first-lin</a:t>
+            </a:r>
+            <a:r>
+              <a:rPr lang="en" sz="1400" dirty="0"/>
+              <a:t>e</a:t>
+            </a:r>
+          </a:p>
+        </p:txBody>
+      </p:sp>
+    </p:spTree>
+  </p:cSld>
+  <p:clrMapOvr>
+    <a:masterClrMapping/>
+  </p:clrMapOvr>
+</p:sld>
+</file>
+
+<file path=ppt/slides/slide21.xml><?xml version="1.0" encoding="utf-8"?>
+<p:sld xmlns:a="http://schemas.openxmlformats.org/drawingml/2006/main" xmlns:r="http://schemas.openxmlformats.org/officeDocument/2006/relationships" xmlns:p="http://schemas.openxmlformats.org/presentationml/2006/main">
+  <p:cSld>
+    <p:spTree>
+      <p:nvGrpSpPr>
+        <p:cNvPr id="1" name="Shape 185"/>
+        <p:cNvGrpSpPr/>
+        <p:nvPr/>
+      </p:nvGrpSpPr>
+      <p:grpSpPr>
+        <a:xfrm>
+          <a:off x="0" y="0"/>
+          <a:ext cx="0" cy="0"/>
+          <a:chOff x="0" y="0"/>
+          <a:chExt cx="0" cy="0"/>
+        </a:xfrm>
+      </p:grpSpPr>
+      <p:sp>
+        <p:nvSpPr>
+          <p:cNvPr id="186" name="Shape 186"/>
+          <p:cNvSpPr txBox="1">
+            <a:spLocks noGrp="1"/>
+          </p:cNvSpPr>
+          <p:nvPr>
+            <p:ph type="title"/>
+          </p:nvPr>
+        </p:nvSpPr>
+        <p:spPr>
+          <a:xfrm>
+            <a:off x="311700" y="445025"/>
+            <a:ext cx="8520600" cy="707400"/>
+          </a:xfrm>
+          <a:prstGeom prst="rect">
+            <a:avLst/>
+          </a:prstGeom>
+          <a:noFill/>
+          <a:ln>
+            <a:noFill/>
+          </a:ln>
+        </p:spPr>
+        <p:txBody>
+          <a:bodyPr lIns="91425" tIns="91425" rIns="91425" bIns="91425" anchor="t" anchorCtr="0">
+            <a:noAutofit/>
+          </a:bodyPr>
+          <a:lstStyle/>
+          <a:p>
+            <a:pPr marL="0" marR="0" lvl="0" indent="0" algn="l" rtl="0">
+              <a:lnSpc>
+                <a:spcPct val="100000"/>
+              </a:lnSpc>
+              <a:spcBef>
+                <a:spcPts val="0"/>
+              </a:spcBef>
+              <a:spcAft>
+                <a:spcPts val="0"/>
+              </a:spcAft>
+              <a:buClr>
+                <a:schemeClr val="accent1"/>
+              </a:buClr>
+              <a:buSzPct val="25000"/>
+              <a:buFont typeface="PT Sans Narrow"/>
+              <a:buNone/>
+            </a:pPr>
+            <a:r>
+              <a:rPr lang="en" sz="3600" b="1" i="0" u="none" strike="noStrike" cap="none">
+                <a:solidFill>
+                  <a:schemeClr val="accent1"/>
+                </a:solidFill>
+                <a:latin typeface="PT Sans Narrow"/>
+                <a:ea typeface="PT Sans Narrow"/>
+                <a:cs typeface="PT Sans Narrow"/>
+                <a:sym typeface="PT Sans Narrow"/>
+              </a:rPr>
               <a:t>CSS Box Model</a:t>
             </a:r>
           </a:p>
@@ -14142,7 +14605,7 @@
       </p:sp>
       <p:pic>
         <p:nvPicPr>
-          <p:cNvPr id="181" name="Shape 181"/>
+          <p:cNvPr id="187" name="Shape 187"/>
           <p:cNvPicPr preferRelativeResize="0"/>
           <p:nvPr/>
         </p:nvPicPr>
@@ -14169,7 +14632,7 @@
       </p:pic>
       <p:sp>
         <p:nvSpPr>
-          <p:cNvPr id="182" name="Shape 182"/>
+          <p:cNvPr id="188" name="Shape 188"/>
           <p:cNvSpPr/>
           <p:nvPr/>
         </p:nvSpPr>
@@ -14206,7 +14669,7 @@
       </p:sp>
       <p:sp>
         <p:nvSpPr>
-          <p:cNvPr id="183" name="Shape 183"/>
+          <p:cNvPr id="189" name="Shape 189"/>
           <p:cNvSpPr/>
           <p:nvPr/>
         </p:nvSpPr>
@@ -14238,424 +14701,6 @@
               <a:buNone/>
             </a:pPr>
             <a:endParaRPr/>
-          </a:p>
-        </p:txBody>
-      </p:sp>
-    </p:spTree>
-  </p:cSld>
-  <p:clrMapOvr>
-    <a:masterClrMapping/>
-  </p:clrMapOvr>
-</p:sld>
-</file>
-
-<file path=ppt/slides/slide21.xml><?xml version="1.0" encoding="utf-8"?>
-<p:sld xmlns:a="http://schemas.openxmlformats.org/drawingml/2006/main" xmlns:r="http://schemas.openxmlformats.org/officeDocument/2006/relationships" xmlns:p="http://schemas.openxmlformats.org/presentationml/2006/main">
-  <p:cSld>
-    <p:spTree>
-      <p:nvGrpSpPr>
-        <p:cNvPr id="1" name="Shape 187"/>
-        <p:cNvGrpSpPr/>
-        <p:nvPr/>
-      </p:nvGrpSpPr>
-      <p:grpSpPr>
-        <a:xfrm>
-          <a:off x="0" y="0"/>
-          <a:ext cx="0" cy="0"/>
-          <a:chOff x="0" y="0"/>
-          <a:chExt cx="0" cy="0"/>
-        </a:xfrm>
-      </p:grpSpPr>
-      <p:sp>
-        <p:nvSpPr>
-          <p:cNvPr id="188" name="Shape 188"/>
-          <p:cNvSpPr txBox="1">
-            <a:spLocks noGrp="1"/>
-          </p:cNvSpPr>
-          <p:nvPr>
-            <p:ph type="title"/>
-          </p:nvPr>
-        </p:nvSpPr>
-        <p:spPr>
-          <a:xfrm>
-            <a:off x="311700" y="445025"/>
-            <a:ext cx="8520600" cy="707400"/>
-          </a:xfrm>
-          <a:prstGeom prst="rect">
-            <a:avLst/>
-          </a:prstGeom>
-          <a:noFill/>
-          <a:ln>
-            <a:noFill/>
-          </a:ln>
-        </p:spPr>
-        <p:txBody>
-          <a:bodyPr lIns="91425" tIns="91425" rIns="91425" bIns="91425" anchor="t" anchorCtr="0">
-            <a:noAutofit/>
-          </a:bodyPr>
-          <a:lstStyle/>
-          <a:p>
-            <a:pPr marL="0" marR="0" lvl="0" indent="0" algn="l" rtl="0">
-              <a:lnSpc>
-                <a:spcPct val="100000"/>
-              </a:lnSpc>
-              <a:spcBef>
-                <a:spcPts val="0"/>
-              </a:spcBef>
-              <a:spcAft>
-                <a:spcPts val="0"/>
-              </a:spcAft>
-              <a:buClr>
-                <a:schemeClr val="accent1"/>
-              </a:buClr>
-              <a:buSzPct val="25000"/>
-              <a:buFont typeface="PT Sans Narrow"/>
-              <a:buNone/>
-            </a:pPr>
-            <a:r>
-              <a:rPr lang="en" sz="3600" b="1" i="0" u="none" strike="noStrike" cap="none" dirty="0">
-                <a:solidFill>
-                  <a:schemeClr val="accent1"/>
-                </a:solidFill>
-                <a:latin typeface="PT Sans Narrow"/>
-                <a:ea typeface="PT Sans Narrow"/>
-                <a:cs typeface="PT Sans Narrow"/>
-                <a:sym typeface="PT Sans Narrow"/>
-              </a:rPr>
-              <a:t>CSS Boxes</a:t>
-            </a:r>
-          </a:p>
-        </p:txBody>
-      </p:sp>
-      <p:sp>
-        <p:nvSpPr>
-          <p:cNvPr id="189" name="Shape 189"/>
-          <p:cNvSpPr txBox="1">
-            <a:spLocks noGrp="1"/>
-          </p:cNvSpPr>
-          <p:nvPr>
-            <p:ph type="body" idx="1"/>
-          </p:nvPr>
-        </p:nvSpPr>
-        <p:spPr>
-          <a:xfrm>
-            <a:off x="311700" y="1266325"/>
-            <a:ext cx="8520600" cy="3302700"/>
-          </a:xfrm>
-          <a:prstGeom prst="rect">
-            <a:avLst/>
-          </a:prstGeom>
-          <a:noFill/>
-          <a:ln>
-            <a:noFill/>
-          </a:ln>
-        </p:spPr>
-        <p:txBody>
-          <a:bodyPr lIns="91425" tIns="91425" rIns="91425" bIns="91425" anchor="t" anchorCtr="0">
-            <a:noAutofit/>
-          </a:bodyPr>
-          <a:lstStyle/>
-          <a:p>
-            <a:pPr marL="457200" marR="0" lvl="0" indent="-228600" algn="l" rtl="0">
-              <a:lnSpc>
-                <a:spcPct val="130000"/>
-              </a:lnSpc>
-              <a:spcBef>
-                <a:spcPts val="600"/>
-              </a:spcBef>
-              <a:spcAft>
-                <a:spcPts val="0"/>
-              </a:spcAft>
-              <a:buClr>
-                <a:schemeClr val="dk2"/>
-              </a:buClr>
-              <a:buFont typeface="Open Sans"/>
-              <a:buChar char="●"/>
-            </a:pPr>
-            <a:r>
-              <a:rPr lang="en" sz="1400" b="0" i="0" u="none" strike="noStrike" cap="none" dirty="0">
-                <a:solidFill>
-                  <a:schemeClr val="dk2"/>
-                </a:solidFill>
-                <a:latin typeface="Open Sans"/>
-                <a:ea typeface="Open Sans"/>
-                <a:cs typeface="Open Sans"/>
-                <a:sym typeface="Open Sans"/>
-              </a:rPr>
-              <a:t>width, height, min-width, max-width, min-height, max-height</a:t>
-            </a:r>
-          </a:p>
-          <a:p>
-            <a:pPr marL="457200" marR="0" lvl="0" indent="-228600" algn="l" rtl="0">
-              <a:lnSpc>
-                <a:spcPct val="130000"/>
-              </a:lnSpc>
-              <a:spcBef>
-                <a:spcPts val="600"/>
-              </a:spcBef>
-              <a:spcAft>
-                <a:spcPts val="0"/>
-              </a:spcAft>
-              <a:buClr>
-                <a:schemeClr val="dk2"/>
-              </a:buClr>
-              <a:buFont typeface="Open Sans"/>
-              <a:buChar char="●"/>
-            </a:pPr>
-            <a:r>
-              <a:rPr lang="en" sz="1400" b="0" i="0" u="none" strike="noStrike" cap="none" dirty="0">
-                <a:solidFill>
-                  <a:schemeClr val="dk2"/>
-                </a:solidFill>
-                <a:latin typeface="Open Sans"/>
-                <a:ea typeface="Open Sans"/>
-                <a:cs typeface="Open Sans"/>
-                <a:sym typeface="Open Sans"/>
-              </a:rPr>
-              <a:t>overflow (auto, hidden, scroll)</a:t>
-            </a:r>
-          </a:p>
-          <a:p>
-            <a:pPr marL="457200" marR="0" lvl="0" indent="-228600" algn="l" rtl="0">
-              <a:lnSpc>
-                <a:spcPct val="130000"/>
-              </a:lnSpc>
-              <a:spcBef>
-                <a:spcPts val="600"/>
-              </a:spcBef>
-              <a:spcAft>
-                <a:spcPts val="0"/>
-              </a:spcAft>
-              <a:buClr>
-                <a:schemeClr val="dk2"/>
-              </a:buClr>
-              <a:buFont typeface="Open Sans"/>
-              <a:buChar char="●"/>
-            </a:pPr>
-            <a:r>
-              <a:rPr lang="en" sz="1400" b="0" i="0" u="none" strike="noStrike" cap="none" dirty="0">
-                <a:solidFill>
-                  <a:schemeClr val="dk2"/>
-                </a:solidFill>
-                <a:latin typeface="Open Sans"/>
-                <a:ea typeface="Open Sans"/>
-                <a:cs typeface="Open Sans"/>
-                <a:sym typeface="Open Sans"/>
-              </a:rPr>
-              <a:t>border, margin, padding</a:t>
-            </a:r>
-          </a:p>
-          <a:p>
-            <a:pPr marL="457200" marR="0" lvl="0" indent="-228600" algn="l" rtl="0">
-              <a:lnSpc>
-                <a:spcPct val="130000"/>
-              </a:lnSpc>
-              <a:spcBef>
-                <a:spcPts val="600"/>
-              </a:spcBef>
-              <a:spcAft>
-                <a:spcPts val="0"/>
-              </a:spcAft>
-              <a:buClr>
-                <a:schemeClr val="dk2"/>
-              </a:buClr>
-              <a:buFont typeface="Open Sans"/>
-              <a:buChar char="●"/>
-            </a:pPr>
-            <a:r>
-              <a:rPr lang="en" sz="1400" b="0" i="0" u="none" strike="noStrike" cap="none" dirty="0">
-                <a:solidFill>
-                  <a:schemeClr val="dk2"/>
-                </a:solidFill>
-                <a:latin typeface="Open Sans"/>
-                <a:ea typeface="Open Sans"/>
-                <a:cs typeface="Open Sans"/>
-                <a:sym typeface="Open Sans"/>
-              </a:rPr>
-              <a:t>border-width, border-style, border-color</a:t>
-            </a:r>
-          </a:p>
-          <a:p>
-            <a:pPr marL="457200" marR="0" lvl="0" indent="-228600" algn="l" rtl="0">
-              <a:lnSpc>
-                <a:spcPct val="130000"/>
-              </a:lnSpc>
-              <a:spcBef>
-                <a:spcPts val="600"/>
-              </a:spcBef>
-              <a:spcAft>
-                <a:spcPts val="0"/>
-              </a:spcAft>
-              <a:buClr>
-                <a:schemeClr val="dk2"/>
-              </a:buClr>
-              <a:buFont typeface="Open Sans"/>
-              <a:buChar char="●"/>
-            </a:pPr>
-            <a:r>
-              <a:rPr lang="en" sz="1400" b="0" i="0" u="none" strike="noStrike" cap="none" dirty="0">
-                <a:solidFill>
-                  <a:schemeClr val="dk2"/>
-                </a:solidFill>
-                <a:latin typeface="Open Sans"/>
-                <a:ea typeface="Open Sans"/>
-                <a:cs typeface="Open Sans"/>
-                <a:sym typeface="Open Sans"/>
-              </a:rPr>
-              <a:t>display (inline, block, inline-block, none) </a:t>
-            </a:r>
-            <a:r>
-              <a:rPr lang="en" sz="1400" dirty="0"/>
-              <a:t>- </a:t>
-            </a:r>
-            <a:r>
-              <a:rPr lang="en" sz="1400" b="0" i="0" u="none" strike="noStrike" cap="none" dirty="0">
-                <a:solidFill>
-                  <a:schemeClr val="dk2"/>
-                </a:solidFill>
-                <a:latin typeface="Open Sans"/>
-                <a:ea typeface="Open Sans"/>
-                <a:cs typeface="Open Sans"/>
-                <a:sym typeface="Open Sans"/>
-              </a:rPr>
-              <a:t>turns inline element into block-level element</a:t>
-            </a:r>
-          </a:p>
-          <a:p>
-            <a:pPr marL="457200" marR="0" lvl="0" indent="-228600" algn="l" rtl="0">
-              <a:lnSpc>
-                <a:spcPct val="130000"/>
-              </a:lnSpc>
-              <a:spcBef>
-                <a:spcPts val="600"/>
-              </a:spcBef>
-              <a:spcAft>
-                <a:spcPts val="0"/>
-              </a:spcAft>
-              <a:buClr>
-                <a:schemeClr val="dk2"/>
-              </a:buClr>
-              <a:buFont typeface="Open Sans"/>
-              <a:buChar char="●"/>
-            </a:pPr>
-            <a:r>
-              <a:rPr lang="en" sz="1400" b="0" i="0" u="none" strike="noStrike" cap="none" dirty="0">
-                <a:solidFill>
-                  <a:schemeClr val="dk2"/>
-                </a:solidFill>
-                <a:latin typeface="Open Sans"/>
-                <a:ea typeface="Open Sans"/>
-                <a:cs typeface="Open Sans"/>
-                <a:sym typeface="Open Sans"/>
-              </a:rPr>
-              <a:t>visibility (hidden, visible</a:t>
-            </a:r>
-            <a:r>
-              <a:rPr lang="en" sz="1400" dirty="0"/>
-              <a:t>) -</a:t>
-            </a:r>
-            <a:r>
-              <a:rPr lang="en" sz="1400" b="0" i="0" u="none" strike="noStrike" cap="none" dirty="0">
-                <a:solidFill>
-                  <a:schemeClr val="dk2"/>
-                </a:solidFill>
-                <a:latin typeface="Open Sans"/>
-                <a:ea typeface="Open Sans"/>
-                <a:cs typeface="Open Sans"/>
-                <a:sym typeface="Open Sans"/>
-              </a:rPr>
-              <a:t> hide boxes from users</a:t>
-            </a:r>
-          </a:p>
-          <a:p>
-            <a:pPr marL="457200" marR="0" lvl="0" indent="-228600" algn="l" rtl="0">
-              <a:lnSpc>
-                <a:spcPct val="130000"/>
-              </a:lnSpc>
-              <a:spcBef>
-                <a:spcPts val="600"/>
-              </a:spcBef>
-              <a:spcAft>
-                <a:spcPts val="0"/>
-              </a:spcAft>
-              <a:buClr>
-                <a:schemeClr val="dk2"/>
-              </a:buClr>
-              <a:buFont typeface="Open Sans"/>
-              <a:buChar char="●"/>
-            </a:pPr>
-            <a:r>
-              <a:rPr lang="en" sz="1400" b="0" i="0" u="none" strike="noStrike" cap="none" dirty="0">
-                <a:solidFill>
-                  <a:schemeClr val="dk2"/>
-                </a:solidFill>
-                <a:latin typeface="Open Sans"/>
-                <a:ea typeface="Open Sans"/>
-                <a:cs typeface="Open Sans"/>
-                <a:sym typeface="Open Sans"/>
-              </a:rPr>
-              <a:t>border-image</a:t>
-            </a:r>
-          </a:p>
-          <a:p>
-            <a:pPr marL="457200" marR="0" lvl="0" indent="-228600" algn="l" rtl="0">
-              <a:lnSpc>
-                <a:spcPct val="130000"/>
-              </a:lnSpc>
-              <a:spcBef>
-                <a:spcPts val="600"/>
-              </a:spcBef>
-              <a:spcAft>
-                <a:spcPts val="0"/>
-              </a:spcAft>
-              <a:buClr>
-                <a:schemeClr val="dk2"/>
-              </a:buClr>
-              <a:buFont typeface="Open Sans"/>
-              <a:buChar char="●"/>
-            </a:pPr>
-            <a:r>
-              <a:rPr lang="en" sz="1400" b="0" i="0" u="none" strike="noStrike" cap="none" dirty="0">
-                <a:solidFill>
-                  <a:schemeClr val="dk2"/>
-                </a:solidFill>
-                <a:latin typeface="Open Sans"/>
-                <a:ea typeface="Open Sans"/>
-                <a:cs typeface="Open Sans"/>
-                <a:sym typeface="Open Sans"/>
-              </a:rPr>
-              <a:t>box-shadow</a:t>
-            </a:r>
-          </a:p>
-          <a:p>
-            <a:pPr marL="457200" marR="0" lvl="0" indent="-228600" algn="l" rtl="0">
-              <a:lnSpc>
-                <a:spcPct val="130000"/>
-              </a:lnSpc>
-              <a:spcBef>
-                <a:spcPts val="600"/>
-              </a:spcBef>
-              <a:spcAft>
-                <a:spcPts val="0"/>
-              </a:spcAft>
-              <a:buClr>
-                <a:schemeClr val="dk2"/>
-              </a:buClr>
-              <a:buFont typeface="Open Sans"/>
-              <a:buChar char="●"/>
-            </a:pPr>
-            <a:r>
-              <a:rPr lang="en" sz="1400" b="0" i="0" u="none" strike="noStrike" cap="none" dirty="0">
-                <a:solidFill>
-                  <a:schemeClr val="dk2"/>
-                </a:solidFill>
-                <a:latin typeface="Open Sans"/>
-                <a:ea typeface="Open Sans"/>
-                <a:cs typeface="Open Sans"/>
-                <a:sym typeface="Open Sans"/>
-              </a:rPr>
-              <a:t>border-radius</a:t>
-            </a:r>
           </a:p>
         </p:txBody>
       </p:sp>
@@ -14740,7 +14785,7 @@
                 <a:cs typeface="PT Sans Narrow"/>
                 <a:sym typeface="PT Sans Narrow"/>
               </a:rPr>
-              <a:t>CSS Lists, Tables</a:t>
+              <a:t>CSS Boxes</a:t>
             </a:r>
           </a:p>
         </p:txBody>
@@ -14774,22 +14819,21 @@
           </a:bodyPr>
           <a:lstStyle/>
           <a:p>
-            <a:pPr marL="0" marR="0" lvl="0" indent="0" algn="l" rtl="0">
-              <a:lnSpc>
-                <a:spcPct val="130000"/>
-              </a:lnSpc>
-              <a:spcAft>
-                <a:spcPts val="0"/>
-              </a:spcAft>
-              <a:buClr>
-                <a:schemeClr val="dk2"/>
-              </a:buClr>
-              <a:buSzPct val="25000"/>
-              <a:buFont typeface="Open Sans"/>
-              <a:buNone/>
-            </a:pPr>
-            <a:r>
-              <a:rPr lang="en" sz="1800" b="0" i="0" u="none" strike="noStrike" cap="none" dirty="0">
+            <a:pPr marL="457200" marR="0" lvl="0" indent="-228600" algn="l" rtl="0">
+              <a:lnSpc>
+                <a:spcPct val="115000"/>
+              </a:lnSpc>
+              <a:spcAft>
+                <a:spcPts val="400"/>
+              </a:spcAft>
+              <a:buClr>
+                <a:schemeClr val="dk2"/>
+              </a:buClr>
+              <a:buFont typeface="Open Sans"/>
+              <a:buChar char="●"/>
+            </a:pPr>
+            <a:r>
+              <a:rPr lang="en" sz="1400" b="0" i="0" u="none" strike="noStrike" cap="none" dirty="0">
                 <a:solidFill>
                   <a:schemeClr val="dk2"/>
                 </a:solidFill>
@@ -14798,21 +14842,20 @@
                 <a:cs typeface="Open Sans"/>
                 <a:sym typeface="Open Sans"/>
               </a:rPr>
-              <a:t>Lists styles</a:t>
-            </a:r>
-          </a:p>
-          <a:p>
-            <a:pPr marL="457200" marR="0" lvl="0" indent="-317500" algn="l" rtl="0">
-              <a:lnSpc>
-                <a:spcPct val="130000"/>
-              </a:lnSpc>
-              <a:spcAft>
-                <a:spcPts val="0"/>
-              </a:spcAft>
-              <a:buClr>
-                <a:schemeClr val="dk2"/>
-              </a:buClr>
-              <a:buSzPct val="100000"/>
+              <a:t>width, height, min-width, max-width, min-height, max-height</a:t>
+            </a:r>
+          </a:p>
+          <a:p>
+            <a:pPr marL="457200" marR="0" lvl="0" indent="-228600" algn="l" rtl="0">
+              <a:lnSpc>
+                <a:spcPct val="115000"/>
+              </a:lnSpc>
+              <a:spcAft>
+                <a:spcPts val="400"/>
+              </a:spcAft>
+              <a:buClr>
+                <a:schemeClr val="dk2"/>
+              </a:buClr>
               <a:buFont typeface="Open Sans"/>
               <a:buChar char="●"/>
             </a:pPr>
@@ -14826,21 +14869,20 @@
                 <a:cs typeface="Open Sans"/>
                 <a:sym typeface="Open Sans"/>
               </a:rPr>
-              <a:t>list-style-type (none, disc, circle, square, upper-roman, lower-alpha)</a:t>
-            </a:r>
-          </a:p>
-          <a:p>
-            <a:pPr marL="457200" marR="0" lvl="0" indent="-317500" algn="l" rtl="0">
-              <a:lnSpc>
-                <a:spcPct val="130000"/>
-              </a:lnSpc>
-              <a:spcAft>
-                <a:spcPts val="0"/>
-              </a:spcAft>
-              <a:buClr>
-                <a:schemeClr val="dk2"/>
-              </a:buClr>
-              <a:buSzPct val="100000"/>
+              <a:t>overflow (auto, hidden, scroll)</a:t>
+            </a:r>
+          </a:p>
+          <a:p>
+            <a:pPr marL="457200" marR="0" lvl="0" indent="-228600" algn="l" rtl="0">
+              <a:lnSpc>
+                <a:spcPct val="115000"/>
+              </a:lnSpc>
+              <a:spcAft>
+                <a:spcPts val="400"/>
+              </a:spcAft>
+              <a:buClr>
+                <a:schemeClr val="dk2"/>
+              </a:buClr>
               <a:buFont typeface="Open Sans"/>
               <a:buChar char="●"/>
             </a:pPr>
@@ -14854,21 +14896,20 @@
                 <a:cs typeface="Open Sans"/>
                 <a:sym typeface="Open Sans"/>
               </a:rPr>
-              <a:t>list-style-image</a:t>
-            </a:r>
-          </a:p>
-          <a:p>
-            <a:pPr marL="457200" marR="0" lvl="0" indent="-317500" algn="l" rtl="0">
-              <a:lnSpc>
-                <a:spcPct val="130000"/>
-              </a:lnSpc>
-              <a:spcAft>
-                <a:spcPts val="0"/>
-              </a:spcAft>
-              <a:buClr>
-                <a:schemeClr val="dk2"/>
-              </a:buClr>
-              <a:buSzPct val="100000"/>
+              <a:t>border, margin, padding</a:t>
+            </a:r>
+          </a:p>
+          <a:p>
+            <a:pPr marL="457200" marR="0" lvl="0" indent="-228600" algn="l" rtl="0">
+              <a:lnSpc>
+                <a:spcPct val="115000"/>
+              </a:lnSpc>
+              <a:spcAft>
+                <a:spcPts val="400"/>
+              </a:spcAft>
+              <a:buClr>
+                <a:schemeClr val="dk2"/>
+              </a:buClr>
               <a:buFont typeface="Open Sans"/>
               <a:buChar char="●"/>
             </a:pPr>
@@ -14882,21 +14923,20 @@
                 <a:cs typeface="Open Sans"/>
                 <a:sym typeface="Open Sans"/>
               </a:rPr>
-              <a:t>list-style-position</a:t>
-            </a:r>
-          </a:p>
-          <a:p>
-            <a:pPr marL="457200" marR="0" lvl="0" indent="-317500" algn="l" rtl="0">
-              <a:lnSpc>
-                <a:spcPct val="130000"/>
-              </a:lnSpc>
-              <a:spcAft>
-                <a:spcPts val="0"/>
-              </a:spcAft>
-              <a:buClr>
-                <a:schemeClr val="dk2"/>
-              </a:buClr>
-              <a:buSzPct val="100000"/>
+              <a:t>border-width, border-style, border-color</a:t>
+            </a:r>
+          </a:p>
+          <a:p>
+            <a:pPr marL="457200" marR="0" lvl="0" indent="-228600" algn="l" rtl="0">
+              <a:lnSpc>
+                <a:spcPct val="115000"/>
+              </a:lnSpc>
+              <a:spcAft>
+                <a:spcPts val="400"/>
+              </a:spcAft>
+              <a:buClr>
+                <a:schemeClr val="dk2"/>
+              </a:buClr>
               <a:buFont typeface="Open Sans"/>
               <a:buChar char="●"/>
             </a:pPr>
@@ -14910,26 +14950,14 @@
                 <a:cs typeface="Open Sans"/>
                 <a:sym typeface="Open Sans"/>
               </a:rPr>
-              <a:t>list-style</a:t>
-            </a:r>
-          </a:p>
-          <a:p>
-            <a:pPr marL="0" marR="0" lvl="0" indent="0" algn="l" rtl="0">
-              <a:lnSpc>
-                <a:spcPct val="130000"/>
-              </a:lnSpc>
-              <a:spcAft>
-                <a:spcPts val="0"/>
-              </a:spcAft>
-              <a:buClr>
-                <a:schemeClr val="dk2"/>
-              </a:buClr>
-              <a:buSzPct val="25000"/>
-              <a:buFont typeface="Open Sans"/>
-              <a:buNone/>
-            </a:pPr>
-            <a:r>
-              <a:rPr lang="en" sz="1800" b="0" i="0" u="none" strike="noStrike" cap="none" dirty="0">
+              <a:t>display (inline, block, inline-block, none) </a:t>
+            </a:r>
+            <a:r>
+              <a:rPr lang="en" sz="1400" dirty="0"/>
+              <a:t>- </a:t>
+            </a:r>
+            <a:r>
+              <a:rPr lang="en" sz="1400" b="0" i="0" u="none" strike="noStrike" cap="none" dirty="0">
                 <a:solidFill>
                   <a:schemeClr val="dk2"/>
                 </a:solidFill>
@@ -14938,21 +14966,20 @@
                 <a:cs typeface="Open Sans"/>
                 <a:sym typeface="Open Sans"/>
               </a:rPr>
-              <a:t>Table properties</a:t>
-            </a:r>
-          </a:p>
-          <a:p>
-            <a:pPr marL="457200" marR="0" lvl="0" indent="-317500" algn="l" rtl="0">
-              <a:lnSpc>
-                <a:spcPct val="130000"/>
-              </a:lnSpc>
-              <a:spcAft>
-                <a:spcPts val="0"/>
-              </a:spcAft>
-              <a:buClr>
-                <a:schemeClr val="dk2"/>
-              </a:buClr>
-              <a:buSzPct val="100000"/>
+              <a:t>turns inline element into block-level element</a:t>
+            </a:r>
+          </a:p>
+          <a:p>
+            <a:pPr marL="457200" marR="0" lvl="0" indent="-228600" algn="l" rtl="0">
+              <a:lnSpc>
+                <a:spcPct val="115000"/>
+              </a:lnSpc>
+              <a:spcAft>
+                <a:spcPts val="400"/>
+              </a:spcAft>
+              <a:buClr>
+                <a:schemeClr val="dk2"/>
+              </a:buClr>
               <a:buFont typeface="Open Sans"/>
               <a:buChar char="●"/>
             </a:pPr>
@@ -14966,29 +14993,40 @@
                 <a:cs typeface="Open Sans"/>
                 <a:sym typeface="Open Sans"/>
               </a:rPr>
-              <a:t>width, padding</a:t>
-            </a:r>
-          </a:p>
-          <a:p>
-            <a:pPr marL="457200" marR="0" lvl="0" indent="-317500" algn="l" rtl="0">
-              <a:lnSpc>
-                <a:spcPct val="130000"/>
-              </a:lnSpc>
-              <a:spcAft>
-                <a:spcPts val="0"/>
-              </a:spcAft>
-              <a:buClr>
-                <a:schemeClr val="dk2"/>
-              </a:buClr>
-              <a:buSzPct val="100000"/>
+              <a:t>visibility (hidden, visible</a:t>
+            </a:r>
+            <a:r>
+              <a:rPr lang="en" sz="1400" dirty="0"/>
+              <a:t>) -</a:t>
+            </a:r>
+            <a:r>
+              <a:rPr lang="en" sz="1400" b="0" i="0" u="none" strike="noStrike" cap="none" dirty="0">
+                <a:solidFill>
+                  <a:schemeClr val="dk2"/>
+                </a:solidFill>
+                <a:latin typeface="Open Sans"/>
+                <a:ea typeface="Open Sans"/>
+                <a:cs typeface="Open Sans"/>
+                <a:sym typeface="Open Sans"/>
+              </a:rPr>
+              <a:t> hide boxes from users</a:t>
+            </a:r>
+          </a:p>
+          <a:p>
+            <a:pPr marL="457200" marR="0" lvl="0" indent="-228600" algn="l" rtl="0">
+              <a:lnSpc>
+                <a:spcPct val="115000"/>
+              </a:lnSpc>
+              <a:spcAft>
+                <a:spcPts val="400"/>
+              </a:spcAft>
+              <a:buClr>
+                <a:schemeClr val="dk2"/>
+              </a:buClr>
               <a:buFont typeface="Open Sans"/>
               <a:buChar char="●"/>
             </a:pPr>
             <a:r>
-              <a:rPr lang="en" sz="1400" dirty="0"/>
-              <a:t>b</a:t>
-            </a:r>
-            <a:r>
               <a:rPr lang="en" sz="1400" b="0" i="0" u="none" strike="noStrike" cap="none" dirty="0">
                 <a:solidFill>
                   <a:schemeClr val="dk2"/>
@@ -14998,33 +15036,24 @@
                 <a:cs typeface="Open Sans"/>
                 <a:sym typeface="Open Sans"/>
               </a:rPr>
-              <a:t>orde</a:t>
-            </a:r>
-            <a:r>
-              <a:rPr lang="en" sz="1400" dirty="0"/>
-              <a:t>r, border-collapse</a:t>
-            </a:r>
-          </a:p>
-          <a:p>
-            <a:pPr marL="457200" marR="0" lvl="0" indent="-317500" algn="l" rtl="0">
-              <a:lnSpc>
-                <a:spcPct val="130000"/>
-              </a:lnSpc>
-              <a:spcAft>
-                <a:spcPts val="0"/>
-              </a:spcAft>
-              <a:buClr>
-                <a:schemeClr val="dk2"/>
-              </a:buClr>
-              <a:buSzPct val="100000"/>
+              <a:t>border-image</a:t>
+            </a:r>
+          </a:p>
+          <a:p>
+            <a:pPr marL="457200" marR="0" lvl="0" indent="-228600" algn="l" rtl="0">
+              <a:lnSpc>
+                <a:spcPct val="115000"/>
+              </a:lnSpc>
+              <a:spcAft>
+                <a:spcPts val="400"/>
+              </a:spcAft>
+              <a:buClr>
+                <a:schemeClr val="dk2"/>
+              </a:buClr>
               <a:buFont typeface="Open Sans"/>
               <a:buChar char="●"/>
             </a:pPr>
             <a:r>
-              <a:rPr lang="en" sz="1400" dirty="0"/>
-              <a:t>t</a:t>
-            </a:r>
-            <a:r>
               <a:rPr lang="en" sz="1400" b="0" i="0" u="none" strike="noStrike" cap="none" dirty="0">
                 <a:solidFill>
                   <a:schemeClr val="dk2"/>
@@ -15034,41 +15063,24 @@
                 <a:cs typeface="Open Sans"/>
                 <a:sym typeface="Open Sans"/>
               </a:rPr>
-              <a:t>ext-align</a:t>
-            </a:r>
-          </a:p>
-          <a:p>
-            <a:pPr marL="457200" marR="0" lvl="0" indent="-317500" algn="l" rtl="0">
-              <a:lnSpc>
-                <a:spcPct val="130000"/>
-              </a:lnSpc>
-              <a:spcAft>
-                <a:spcPts val="0"/>
-              </a:spcAft>
-              <a:buSzPct val="100000"/>
+              <a:t>box-shadow</a:t>
+            </a:r>
+          </a:p>
+          <a:p>
+            <a:pPr marL="457200" marR="0" lvl="0" indent="-228600" algn="l" rtl="0">
+              <a:lnSpc>
+                <a:spcPct val="115000"/>
+              </a:lnSpc>
+              <a:spcAft>
+                <a:spcPts val="400"/>
+              </a:spcAft>
+              <a:buClr>
+                <a:schemeClr val="dk2"/>
+              </a:buClr>
+              <a:buFont typeface="Open Sans"/>
               <a:buChar char="●"/>
             </a:pPr>
             <a:r>
-              <a:rPr lang="en" sz="1400" dirty="0"/>
-              <a:t>vertical-align</a:t>
-            </a:r>
-          </a:p>
-          <a:p>
-            <a:pPr marL="457200" marR="0" lvl="0" indent="-317500" algn="l" rtl="0">
-              <a:lnSpc>
-                <a:spcPct val="130000"/>
-              </a:lnSpc>
-              <a:spcAft>
-                <a:spcPts val="0"/>
-              </a:spcAft>
-              <a:buClr>
-                <a:schemeClr val="dk2"/>
-              </a:buClr>
-              <a:buSzPct val="100000"/>
-              <a:buFont typeface="Open Sans"/>
-              <a:buChar char="●"/>
-            </a:pPr>
-            <a:r>
               <a:rPr lang="en" sz="1400" b="0" i="0" u="none" strike="noStrike" cap="none" dirty="0">
                 <a:solidFill>
                   <a:schemeClr val="dk2"/>
@@ -15078,11 +15090,7 @@
                 <a:cs typeface="Open Sans"/>
                 <a:sym typeface="Open Sans"/>
               </a:rPr>
-              <a:t>background-colo</a:t>
-            </a:r>
-            <a:r>
-              <a:rPr lang="en" sz="1400" dirty="0"/>
-              <a:t>r</a:t>
+              <a:t>border-radius</a:t>
             </a:r>
           </a:p>
         </p:txBody>
@@ -15130,6 +15138,10 @@
           <a:prstGeom prst="rect">
             <a:avLst/>
           </a:prstGeom>
+          <a:noFill/>
+          <a:ln>
+            <a:noFill/>
+          </a:ln>
         </p:spPr>
         <p:txBody>
           <a:bodyPr lIns="91425" tIns="91425" rIns="91425" bIns="91425" anchor="t" anchorCtr="0">
@@ -15137,10 +15149,16 @@
           </a:bodyPr>
           <a:lstStyle/>
           <a:p>
-            <a:pPr lvl="0" rtl="0">
-              <a:spcBef>
-                <a:spcPts val="0"/>
-              </a:spcBef>
+            <a:pPr marL="0" marR="0" lvl="0" indent="0" algn="l" rtl="0">
+              <a:lnSpc>
+                <a:spcPct val="100000"/>
+              </a:lnSpc>
+              <a:spcBef>
+                <a:spcPts val="0"/>
+              </a:spcBef>
+              <a:spcAft>
+                <a:spcPts val="0"/>
+              </a:spcAft>
               <a:buClr>
                 <a:schemeClr val="accent1"/>
               </a:buClr>
@@ -15149,18 +15167,17 @@
               <a:buNone/>
             </a:pPr>
             <a:r>
-              <a:rPr lang="en"/>
-              <a:t>CSS Layout</a:t>
-            </a:r>
-          </a:p>
-          <a:p>
-            <a:pPr lvl="0" rtl="0">
-              <a:spcBef>
-                <a:spcPts val="0"/>
-              </a:spcBef>
-              <a:buNone/>
-            </a:pPr>
-            <a:endParaRPr/>
+              <a:rPr lang="en" sz="3600" b="1" i="0" u="none" strike="noStrike" cap="none">
+                <a:solidFill>
+                  <a:schemeClr val="accent1"/>
+                </a:solidFill>
+                <a:latin typeface="PT Sans Narrow"/>
+                <a:ea typeface="PT Sans Narrow"/>
+                <a:cs typeface="PT Sans Narrow"/>
+                <a:sym typeface="PT Sans Narrow"/>
+              </a:rPr>
+              <a:t>CSS Lists, Tables</a:t>
+            </a:r>
           </a:p>
         </p:txBody>
       </p:sp>
@@ -15182,6 +15199,10 @@
           <a:prstGeom prst="rect">
             <a:avLst/>
           </a:prstGeom>
+          <a:noFill/>
+          <a:ln>
+            <a:noFill/>
+          </a:ln>
         </p:spPr>
         <p:txBody>
           <a:bodyPr lIns="91425" tIns="91425" rIns="91425" bIns="91425" anchor="t" anchorCtr="0">
@@ -15189,164 +15210,336 @@
           </a:bodyPr>
           <a:lstStyle/>
           <a:p>
-            <a:pPr lvl="0" rtl="0">
-              <a:spcBef>
-                <a:spcPts val="0"/>
-              </a:spcBef>
-              <a:spcAft>
-                <a:spcPts val="0"/>
-              </a:spcAft>
-              <a:buNone/>
-            </a:pPr>
-            <a:r>
-              <a:rPr lang="en"/>
-              <a:t>Positioning elements</a:t>
-            </a:r>
-          </a:p>
-          <a:p>
-            <a:pPr marL="457200" lvl="0" indent="-317500" rtl="0">
-              <a:spcBef>
-                <a:spcPts val="0"/>
-              </a:spcBef>
-              <a:spcAft>
-                <a:spcPts val="0"/>
+            <a:pPr marL="0" marR="0" lvl="0" indent="0" algn="l" rtl="0">
+              <a:lnSpc>
+                <a:spcPct val="115000"/>
+              </a:lnSpc>
+              <a:spcBef>
+                <a:spcPts val="0"/>
+              </a:spcBef>
+              <a:spcAft>
+                <a:spcPts val="0"/>
+              </a:spcAft>
+              <a:buClr>
+                <a:schemeClr val="dk2"/>
+              </a:buClr>
+              <a:buSzPct val="25000"/>
+              <a:buFont typeface="Open Sans"/>
+              <a:buNone/>
+            </a:pPr>
+            <a:r>
+              <a:rPr lang="en" sz="1800" b="0" i="0" u="none" strike="noStrike" cap="none" dirty="0">
+                <a:solidFill>
+                  <a:schemeClr val="dk2"/>
+                </a:solidFill>
+                <a:latin typeface="Open Sans"/>
+                <a:ea typeface="Open Sans"/>
+                <a:cs typeface="Open Sans"/>
+                <a:sym typeface="Open Sans"/>
+              </a:rPr>
+              <a:t>Lists styles</a:t>
+            </a:r>
+          </a:p>
+          <a:p>
+            <a:pPr marL="457200" marR="0" lvl="0" indent="-317500" algn="l" rtl="0">
+              <a:lnSpc>
+                <a:spcPct val="115000"/>
+              </a:lnSpc>
+              <a:spcAft>
+                <a:spcPts val="400"/>
+              </a:spcAft>
+              <a:buClr>
+                <a:schemeClr val="dk2"/>
+              </a:buClr>
+              <a:buSzPct val="100000"/>
+              <a:buFont typeface="Open Sans"/>
+              <a:buChar char="●"/>
+            </a:pPr>
+            <a:r>
+              <a:rPr lang="en" sz="1400" b="0" i="0" u="none" strike="noStrike" cap="none" dirty="0">
+                <a:solidFill>
+                  <a:schemeClr val="dk2"/>
+                </a:solidFill>
+                <a:latin typeface="Open Sans"/>
+                <a:ea typeface="Open Sans"/>
+                <a:cs typeface="Open Sans"/>
+                <a:sym typeface="Open Sans"/>
+              </a:rPr>
+              <a:t>list-style-type (none, disc, circle, square, upper-roman, lower-alpha)</a:t>
+            </a:r>
+          </a:p>
+          <a:p>
+            <a:pPr marL="457200" marR="0" lvl="0" indent="-317500" algn="l" rtl="0">
+              <a:lnSpc>
+                <a:spcPct val="115000"/>
+              </a:lnSpc>
+              <a:spcAft>
+                <a:spcPts val="400"/>
+              </a:spcAft>
+              <a:buClr>
+                <a:schemeClr val="dk2"/>
+              </a:buClr>
+              <a:buSzPct val="100000"/>
+              <a:buFont typeface="Open Sans"/>
+              <a:buChar char="●"/>
+            </a:pPr>
+            <a:r>
+              <a:rPr lang="en" sz="1400" b="0" i="0" u="none" strike="noStrike" cap="none" dirty="0">
+                <a:solidFill>
+                  <a:schemeClr val="dk2"/>
+                </a:solidFill>
+                <a:latin typeface="Open Sans"/>
+                <a:ea typeface="Open Sans"/>
+                <a:cs typeface="Open Sans"/>
+                <a:sym typeface="Open Sans"/>
+              </a:rPr>
+              <a:t>list-style-image</a:t>
+            </a:r>
+          </a:p>
+          <a:p>
+            <a:pPr marL="457200" marR="0" lvl="0" indent="-317500" algn="l" rtl="0">
+              <a:lnSpc>
+                <a:spcPct val="115000"/>
+              </a:lnSpc>
+              <a:spcAft>
+                <a:spcPts val="400"/>
+              </a:spcAft>
+              <a:buClr>
+                <a:schemeClr val="dk2"/>
+              </a:buClr>
+              <a:buSzPct val="100000"/>
+              <a:buFont typeface="Open Sans"/>
+              <a:buChar char="●"/>
+            </a:pPr>
+            <a:r>
+              <a:rPr lang="en" sz="1400" b="0" i="0" u="none" strike="noStrike" cap="none" dirty="0">
+                <a:solidFill>
+                  <a:schemeClr val="dk2"/>
+                </a:solidFill>
+                <a:latin typeface="Open Sans"/>
+                <a:ea typeface="Open Sans"/>
+                <a:cs typeface="Open Sans"/>
+                <a:sym typeface="Open Sans"/>
+              </a:rPr>
+              <a:t>list-style-position</a:t>
+            </a:r>
+          </a:p>
+          <a:p>
+            <a:pPr marL="457200" marR="0" lvl="0" indent="-317500" algn="l" rtl="0">
+              <a:lnSpc>
+                <a:spcPct val="115000"/>
+              </a:lnSpc>
+              <a:spcAft>
+                <a:spcPts val="400"/>
+              </a:spcAft>
+              <a:buClr>
+                <a:schemeClr val="dk2"/>
+              </a:buClr>
+              <a:buSzPct val="100000"/>
+              <a:buFont typeface="Open Sans"/>
+              <a:buChar char="●"/>
+            </a:pPr>
+            <a:r>
+              <a:rPr lang="en" sz="1400" b="0" i="0" u="none" strike="noStrike" cap="none" dirty="0">
+                <a:solidFill>
+                  <a:schemeClr val="dk2"/>
+                </a:solidFill>
+                <a:latin typeface="Open Sans"/>
+                <a:ea typeface="Open Sans"/>
+                <a:cs typeface="Open Sans"/>
+                <a:sym typeface="Open Sans"/>
+              </a:rPr>
+              <a:t>list-style</a:t>
+            </a:r>
+          </a:p>
+          <a:p>
+            <a:pPr marL="0" marR="0" lvl="0" indent="0" algn="l" rtl="0">
+              <a:lnSpc>
+                <a:spcPct val="115000"/>
+              </a:lnSpc>
+              <a:spcBef>
+                <a:spcPts val="1600"/>
+              </a:spcBef>
+              <a:spcAft>
+                <a:spcPts val="0"/>
+              </a:spcAft>
+              <a:buClr>
+                <a:schemeClr val="dk2"/>
+              </a:buClr>
+              <a:buSzPct val="25000"/>
+              <a:buFont typeface="Open Sans"/>
+              <a:buNone/>
+            </a:pPr>
+            <a:r>
+              <a:rPr lang="en" sz="1800" b="0" i="0" u="none" strike="noStrike" cap="none" dirty="0">
+                <a:solidFill>
+                  <a:schemeClr val="dk2"/>
+                </a:solidFill>
+                <a:latin typeface="Open Sans"/>
+                <a:ea typeface="Open Sans"/>
+                <a:cs typeface="Open Sans"/>
+                <a:sym typeface="Open Sans"/>
+              </a:rPr>
+              <a:t>Table properties</a:t>
+            </a:r>
+          </a:p>
+          <a:p>
+            <a:pPr marL="457200" marR="0" lvl="0" indent="-317500" algn="l" rtl="0">
+              <a:lnSpc>
+                <a:spcPct val="115000"/>
+              </a:lnSpc>
+              <a:spcBef>
+                <a:spcPts val="0"/>
+              </a:spcBef>
+              <a:spcAft>
+                <a:spcPts val="400"/>
+              </a:spcAft>
+              <a:buClr>
+                <a:schemeClr val="dk2"/>
+              </a:buClr>
+              <a:buSzPct val="100000"/>
+              <a:buFont typeface="Open Sans"/>
+              <a:buChar char="●"/>
+            </a:pPr>
+            <a:r>
+              <a:rPr lang="en" sz="1400" b="0" i="0" u="none" strike="noStrike" cap="none" dirty="0">
+                <a:solidFill>
+                  <a:schemeClr val="dk2"/>
+                </a:solidFill>
+                <a:latin typeface="Open Sans"/>
+                <a:ea typeface="Open Sans"/>
+                <a:cs typeface="Open Sans"/>
+                <a:sym typeface="Open Sans"/>
+              </a:rPr>
+              <a:t>width, padding</a:t>
+            </a:r>
+          </a:p>
+          <a:p>
+            <a:pPr marL="457200" marR="0" lvl="0" indent="-317500" algn="l" rtl="0">
+              <a:lnSpc>
+                <a:spcPct val="115000"/>
+              </a:lnSpc>
+              <a:spcBef>
+                <a:spcPts val="0"/>
+              </a:spcBef>
+              <a:spcAft>
+                <a:spcPts val="400"/>
+              </a:spcAft>
+              <a:buClr>
+                <a:schemeClr val="dk2"/>
+              </a:buClr>
+              <a:buSzPct val="100000"/>
+              <a:buFont typeface="Open Sans"/>
+              <a:buChar char="●"/>
+            </a:pPr>
+            <a:r>
+              <a:rPr lang="en" sz="1400" dirty="0"/>
+              <a:t>b</a:t>
+            </a:r>
+            <a:r>
+              <a:rPr lang="en" sz="1400" b="0" i="0" u="none" strike="noStrike" cap="none" dirty="0">
+                <a:solidFill>
+                  <a:schemeClr val="dk2"/>
+                </a:solidFill>
+                <a:latin typeface="Open Sans"/>
+                <a:ea typeface="Open Sans"/>
+                <a:cs typeface="Open Sans"/>
+                <a:sym typeface="Open Sans"/>
+              </a:rPr>
+              <a:t>orde</a:t>
+            </a:r>
+            <a:r>
+              <a:rPr lang="en" sz="1400" dirty="0"/>
+              <a:t>r, border-collapse</a:t>
+            </a:r>
+          </a:p>
+          <a:p>
+            <a:pPr marL="457200" marR="0" lvl="0" indent="-317500" algn="l" rtl="0">
+              <a:lnSpc>
+                <a:spcPct val="115000"/>
+              </a:lnSpc>
+              <a:spcBef>
+                <a:spcPts val="0"/>
+              </a:spcBef>
+              <a:spcAft>
+                <a:spcPts val="400"/>
+              </a:spcAft>
+              <a:buClr>
+                <a:schemeClr val="dk2"/>
+              </a:buClr>
+              <a:buSzPct val="100000"/>
+              <a:buFont typeface="Open Sans"/>
+              <a:buChar char="●"/>
+            </a:pPr>
+            <a:r>
+              <a:rPr lang="en" sz="1400" dirty="0"/>
+              <a:t>t</a:t>
+            </a:r>
+            <a:r>
+              <a:rPr lang="en" sz="1400" b="0" i="0" u="none" strike="noStrike" cap="none" dirty="0">
+                <a:solidFill>
+                  <a:schemeClr val="dk2"/>
+                </a:solidFill>
+                <a:latin typeface="Open Sans"/>
+                <a:ea typeface="Open Sans"/>
+                <a:cs typeface="Open Sans"/>
+                <a:sym typeface="Open Sans"/>
+              </a:rPr>
+              <a:t>ext-align</a:t>
+            </a:r>
+          </a:p>
+          <a:p>
+            <a:pPr marL="457200" marR="0" lvl="0" indent="-317500" algn="l" rtl="0">
+              <a:lnSpc>
+                <a:spcPct val="115000"/>
+              </a:lnSpc>
+              <a:spcBef>
+                <a:spcPts val="0"/>
+              </a:spcBef>
+              <a:spcAft>
+                <a:spcPts val="400"/>
               </a:spcAft>
               <a:buSzPct val="100000"/>
               <a:buChar char="●"/>
             </a:pPr>
             <a:r>
-              <a:rPr lang="en" sz="1400"/>
-              <a:t>Document flow</a:t>
-            </a:r>
-          </a:p>
-          <a:p>
-            <a:pPr marL="457200" lvl="0" indent="-228600" rtl="0">
-              <a:spcBef>
-                <a:spcPts val="0"/>
-              </a:spcBef>
-              <a:spcAft>
-                <a:spcPts val="0"/>
-              </a:spcAft>
+              <a:rPr lang="en" sz="1400" dirty="0"/>
+              <a:t>vertical-align</a:t>
+            </a:r>
+          </a:p>
+          <a:p>
+            <a:pPr marL="457200" marR="0" lvl="0" indent="-317500" algn="l" rtl="0">
+              <a:lnSpc>
+                <a:spcPct val="115000"/>
+              </a:lnSpc>
+              <a:spcBef>
+                <a:spcPts val="0"/>
+              </a:spcBef>
+              <a:spcAft>
+                <a:spcPts val="400"/>
+              </a:spcAft>
+              <a:buClr>
+                <a:schemeClr val="dk2"/>
+              </a:buClr>
+              <a:buSzPct val="100000"/>
+              <a:buFont typeface="Open Sans"/>
               <a:buChar char="●"/>
             </a:pPr>
             <a:r>
-              <a:rPr lang="en" sz="1400"/>
-              <a:t>Relative positioning</a:t>
-            </a:r>
-          </a:p>
-          <a:p>
-            <a:pPr marL="457200" lvl="0" indent="-228600" rtl="0">
-              <a:spcBef>
-                <a:spcPts val="0"/>
-              </a:spcBef>
-              <a:spcAft>
-                <a:spcPts val="0"/>
-              </a:spcAft>
-              <a:buChar char="●"/>
-            </a:pPr>
-            <a:r>
-              <a:rPr lang="en" sz="1400"/>
-              <a:t>Absolute positioning</a:t>
-            </a:r>
-          </a:p>
-          <a:p>
-            <a:pPr lvl="0" rtl="0">
-              <a:spcBef>
-                <a:spcPts val="1600"/>
-              </a:spcBef>
-              <a:spcAft>
-                <a:spcPts val="0"/>
-              </a:spcAft>
-              <a:buClr>
-                <a:schemeClr val="dk2"/>
-              </a:buClr>
-              <a:buSzPct val="25000"/>
-              <a:buFont typeface="Open Sans"/>
-              <a:buNone/>
-            </a:pPr>
-            <a:r>
-              <a:rPr lang="en"/>
-              <a:t>Overlapping/layering elements</a:t>
-            </a:r>
-          </a:p>
-          <a:p>
-            <a:pPr marL="457200" lvl="0" indent="-228600" rtl="0">
-              <a:spcBef>
-                <a:spcPts val="0"/>
-              </a:spcBef>
-              <a:spcAft>
-                <a:spcPts val="0"/>
-              </a:spcAft>
-              <a:buChar char="●"/>
-            </a:pPr>
-            <a:r>
-              <a:rPr lang="en" sz="1400"/>
-              <a:t>z-index</a:t>
-            </a:r>
-          </a:p>
-          <a:p>
-            <a:pPr lvl="0" rtl="0">
-              <a:spcBef>
-                <a:spcPts val="1600"/>
-              </a:spcBef>
-              <a:spcAft>
-                <a:spcPts val="0"/>
-              </a:spcAft>
-              <a:buClr>
-                <a:schemeClr val="dk2"/>
-              </a:buClr>
-              <a:buSzPct val="25000"/>
-              <a:buFont typeface="Open Sans"/>
-              <a:buNone/>
-            </a:pPr>
-            <a:r>
-              <a:rPr lang="en"/>
-              <a:t>Floating elements</a:t>
-            </a:r>
-          </a:p>
-          <a:p>
-            <a:pPr marL="457200" lvl="0" indent="-228600" rtl="0">
-              <a:spcBef>
-                <a:spcPts val="0"/>
-              </a:spcBef>
-              <a:spcAft>
-                <a:spcPts val="0"/>
-              </a:spcAft>
-              <a:buChar char="●"/>
-            </a:pPr>
-            <a:r>
-              <a:rPr lang="en" sz="1400"/>
-              <a:t>float</a:t>
-            </a:r>
-          </a:p>
-          <a:p>
-            <a:pPr marL="457200" lvl="0" indent="-228600" rtl="0">
-              <a:spcBef>
-                <a:spcPts val="0"/>
-              </a:spcBef>
-              <a:spcAft>
-                <a:spcPts val="0"/>
-              </a:spcAft>
-              <a:buChar char="●"/>
-            </a:pPr>
-            <a:r>
-              <a:rPr lang="en" sz="1400"/>
-              <a:t>Can be used to create multi-column layouts</a:t>
-            </a:r>
-          </a:p>
-          <a:p>
-            <a:pPr lvl="0" rtl="0">
-              <a:spcBef>
-                <a:spcPts val="1600"/>
-              </a:spcBef>
-              <a:spcAft>
-                <a:spcPts val="0"/>
-              </a:spcAft>
-              <a:buNone/>
-            </a:pPr>
-            <a:r>
-              <a:rPr lang="en"/>
-              <a:t>Fixed-width layouts vs liquid layouts (percentages)</a:t>
+              <a:rPr lang="en" sz="1400" b="0" i="0" u="none" strike="noStrike" cap="none" dirty="0">
+                <a:solidFill>
+                  <a:schemeClr val="dk2"/>
+                </a:solidFill>
+                <a:latin typeface="Open Sans"/>
+                <a:ea typeface="Open Sans"/>
+                <a:cs typeface="Open Sans"/>
+                <a:sym typeface="Open Sans"/>
+              </a:rPr>
+              <a:t>background-colo</a:t>
+            </a:r>
+            <a:r>
+              <a:rPr lang="en" sz="1400" dirty="0"/>
+              <a:t>r</a:t>
             </a:r>
           </a:p>
         </p:txBody>
@@ -15394,6 +15587,314 @@
           <a:prstGeom prst="rect">
             <a:avLst/>
           </a:prstGeom>
+        </p:spPr>
+        <p:txBody>
+          <a:bodyPr lIns="91425" tIns="91425" rIns="91425" bIns="91425" anchor="t" anchorCtr="0">
+            <a:noAutofit/>
+          </a:bodyPr>
+          <a:lstStyle/>
+          <a:p>
+            <a:pPr lvl="0" rtl="0">
+              <a:spcBef>
+                <a:spcPts val="0"/>
+              </a:spcBef>
+              <a:buClr>
+                <a:schemeClr val="accent1"/>
+              </a:buClr>
+              <a:buSzPct val="25000"/>
+              <a:buFont typeface="PT Sans Narrow"/>
+              <a:buNone/>
+            </a:pPr>
+            <a:r>
+              <a:rPr lang="en"/>
+              <a:t>CSS Layout</a:t>
+            </a:r>
+          </a:p>
+          <a:p>
+            <a:pPr lvl="0" rtl="0">
+              <a:spcBef>
+                <a:spcPts val="0"/>
+              </a:spcBef>
+              <a:buNone/>
+            </a:pPr>
+            <a:endParaRPr/>
+          </a:p>
+        </p:txBody>
+      </p:sp>
+      <p:sp>
+        <p:nvSpPr>
+          <p:cNvPr id="207" name="Shape 207"/>
+          <p:cNvSpPr txBox="1">
+            <a:spLocks noGrp="1"/>
+          </p:cNvSpPr>
+          <p:nvPr>
+            <p:ph type="body" idx="1"/>
+          </p:nvPr>
+        </p:nvSpPr>
+        <p:spPr>
+          <a:xfrm>
+            <a:off x="311700" y="1266325"/>
+            <a:ext cx="8520600" cy="3302700"/>
+          </a:xfrm>
+          <a:prstGeom prst="rect">
+            <a:avLst/>
+          </a:prstGeom>
+        </p:spPr>
+        <p:txBody>
+          <a:bodyPr lIns="91425" tIns="91425" rIns="91425" bIns="91425" anchor="t" anchorCtr="0">
+            <a:noAutofit/>
+          </a:bodyPr>
+          <a:lstStyle/>
+          <a:p>
+            <a:pPr lvl="0" rtl="0">
+              <a:spcBef>
+                <a:spcPts val="0"/>
+              </a:spcBef>
+              <a:spcAft>
+                <a:spcPts val="0"/>
+              </a:spcAft>
+              <a:buNone/>
+            </a:pPr>
+            <a:r>
+              <a:rPr lang="en" dirty="0"/>
+              <a:t>Positioning </a:t>
+            </a:r>
+            <a:r>
+              <a:rPr lang="en" dirty="0" smtClean="0"/>
+              <a:t>elements</a:t>
+            </a:r>
+            <a:endParaRPr lang="en-US" dirty="0"/>
+          </a:p>
+          <a:p>
+            <a:pPr marL="457200" lvl="0" indent="-228600">
+              <a:spcAft>
+                <a:spcPts val="0"/>
+              </a:spcAft>
+              <a:buChar char="●"/>
+            </a:pPr>
+            <a:r>
+              <a:rPr lang="en-US" sz="1400" dirty="0" smtClean="0"/>
+              <a:t>Document flow</a:t>
+            </a:r>
+            <a:endParaRPr lang="en" sz="1400" dirty="0"/>
+          </a:p>
+          <a:p>
+            <a:pPr marL="457200" lvl="0" indent="-228600" rtl="0">
+              <a:spcBef>
+                <a:spcPts val="0"/>
+              </a:spcBef>
+              <a:spcAft>
+                <a:spcPts val="0"/>
+              </a:spcAft>
+              <a:buChar char="●"/>
+            </a:pPr>
+            <a:r>
+              <a:rPr lang="en" sz="1400" dirty="0" smtClean="0"/>
+              <a:t>Relative positioning</a:t>
+            </a:r>
+          </a:p>
+          <a:p>
+            <a:pPr marL="457200" lvl="0" indent="-228600" rtl="0">
+              <a:spcBef>
+                <a:spcPts val="0"/>
+              </a:spcBef>
+              <a:spcAft>
+                <a:spcPts val="0"/>
+              </a:spcAft>
+              <a:buChar char="●"/>
+            </a:pPr>
+            <a:r>
+              <a:rPr lang="en" sz="1400" dirty="0" smtClean="0"/>
+              <a:t>Absolute positioning</a:t>
+            </a:r>
+          </a:p>
+          <a:p>
+            <a:pPr lvl="0" rtl="0">
+              <a:spcBef>
+                <a:spcPts val="1600"/>
+              </a:spcBef>
+              <a:spcAft>
+                <a:spcPts val="0"/>
+              </a:spcAft>
+              <a:buClr>
+                <a:schemeClr val="dk2"/>
+              </a:buClr>
+              <a:buSzPct val="25000"/>
+              <a:buFont typeface="Open Sans"/>
+              <a:buNone/>
+            </a:pPr>
+            <a:r>
+              <a:rPr lang="en" dirty="0" smtClean="0"/>
+              <a:t>Overlapping/layering </a:t>
+            </a:r>
+            <a:r>
+              <a:rPr lang="en" dirty="0"/>
+              <a:t>elements</a:t>
+            </a:r>
+          </a:p>
+          <a:p>
+            <a:pPr marL="457200" lvl="0" indent="-228600" rtl="0">
+              <a:spcBef>
+                <a:spcPts val="0"/>
+              </a:spcBef>
+              <a:spcAft>
+                <a:spcPts val="0"/>
+              </a:spcAft>
+              <a:buChar char="●"/>
+            </a:pPr>
+            <a:r>
+              <a:rPr lang="en" sz="1400" dirty="0"/>
+              <a:t>z-index</a:t>
+            </a:r>
+          </a:p>
+          <a:p>
+            <a:pPr lvl="0" rtl="0">
+              <a:spcBef>
+                <a:spcPts val="1600"/>
+              </a:spcBef>
+              <a:spcAft>
+                <a:spcPts val="0"/>
+              </a:spcAft>
+              <a:buClr>
+                <a:schemeClr val="dk2"/>
+              </a:buClr>
+              <a:buSzPct val="25000"/>
+              <a:buFont typeface="Open Sans"/>
+              <a:buNone/>
+            </a:pPr>
+            <a:r>
+              <a:rPr lang="en" dirty="0"/>
+              <a:t>Floating elements</a:t>
+            </a:r>
+          </a:p>
+          <a:p>
+            <a:pPr marL="457200" lvl="0" indent="-228600" rtl="0">
+              <a:spcBef>
+                <a:spcPts val="0"/>
+              </a:spcBef>
+              <a:spcAft>
+                <a:spcPts val="0"/>
+              </a:spcAft>
+              <a:buChar char="●"/>
+            </a:pPr>
+            <a:r>
+              <a:rPr lang="en" sz="1400" dirty="0"/>
+              <a:t>float</a:t>
+            </a:r>
+          </a:p>
+          <a:p>
+            <a:pPr marL="457200" lvl="0" indent="-228600" rtl="0">
+              <a:spcBef>
+                <a:spcPts val="0"/>
+              </a:spcBef>
+              <a:spcAft>
+                <a:spcPts val="0"/>
+              </a:spcAft>
+              <a:buChar char="●"/>
+            </a:pPr>
+            <a:r>
+              <a:rPr lang="en" sz="1400" dirty="0"/>
+              <a:t>Can be used to create multi-column layouts</a:t>
+            </a:r>
+          </a:p>
+          <a:p>
+            <a:pPr lvl="0" rtl="0">
+              <a:spcBef>
+                <a:spcPts val="1600"/>
+              </a:spcBef>
+              <a:spcAft>
+                <a:spcPts val="0"/>
+              </a:spcAft>
+              <a:buNone/>
+            </a:pPr>
+            <a:r>
+              <a:rPr lang="en" dirty="0"/>
+              <a:t>Fixed-width layouts vs liquid layouts (percentages)</a:t>
+            </a:r>
+          </a:p>
+        </p:txBody>
+      </p:sp>
+    </p:spTree>
+  </p:cSld>
+  <p:clrMapOvr>
+    <a:masterClrMapping/>
+  </p:clrMapOvr>
+</p:sld>
+</file>
+
+<file path=ppt/slides/slide25.xml><?xml version="1.0" encoding="utf-8"?>
+<p:sld xmlns:a="http://schemas.openxmlformats.org/drawingml/2006/main" xmlns:r="http://schemas.openxmlformats.org/officeDocument/2006/relationships" xmlns:p="http://schemas.openxmlformats.org/presentationml/2006/main">
+  <p:cSld>
+    <p:spTree>
+      <p:nvGrpSpPr>
+        <p:cNvPr id="1" name="Shape 176"/>
+        <p:cNvGrpSpPr/>
+        <p:nvPr/>
+      </p:nvGrpSpPr>
+      <p:grpSpPr>
+        <a:xfrm>
+          <a:off x="0" y="0"/>
+          <a:ext cx="0" cy="0"/>
+          <a:chOff x="0" y="0"/>
+          <a:chExt cx="0" cy="0"/>
+        </a:xfrm>
+      </p:grpSpPr>
+      <p:sp>
+        <p:nvSpPr>
+          <p:cNvPr id="177" name="Shape 177"/>
+          <p:cNvSpPr txBox="1">
+            <a:spLocks noGrp="1"/>
+          </p:cNvSpPr>
+          <p:nvPr>
+            <p:ph type="title"/>
+          </p:nvPr>
+        </p:nvSpPr>
+        <p:spPr>
+          <a:xfrm>
+            <a:off x="311700" y="814800"/>
+            <a:ext cx="8571300" cy="942075"/>
+          </a:xfrm>
+          <a:prstGeom prst="rect">
+            <a:avLst/>
+          </a:prstGeom>
+        </p:spPr>
+        <p:txBody>
+          <a:bodyPr lIns="91425" tIns="91425" rIns="91425" bIns="91425" anchor="ctr" anchorCtr="0">
+            <a:noAutofit/>
+          </a:bodyPr>
+          <a:lstStyle/>
+          <a:p>
+            <a:pPr lvl="0"/>
+            <a:r>
+              <a:rPr lang="en" dirty="0"/>
+              <a:t>That’s it for </a:t>
+            </a:r>
+            <a:r>
+              <a:rPr lang="en-US" dirty="0" smtClean="0"/>
+              <a:t>CSS</a:t>
+            </a:r>
+            <a:r>
+              <a:rPr lang="en" dirty="0" smtClean="0"/>
+              <a:t>!</a:t>
+            </a:r>
+            <a:endParaRPr lang="en-US" dirty="0"/>
+          </a:p>
+        </p:txBody>
+      </p:sp>
+      <p:sp>
+        <p:nvSpPr>
+          <p:cNvPr id="178" name="Shape 178"/>
+          <p:cNvSpPr txBox="1"/>
+          <p:nvPr/>
+        </p:nvSpPr>
+        <p:spPr>
+          <a:xfrm>
+            <a:off x="3656700" y="2598150"/>
+            <a:ext cx="1830600" cy="232425"/>
+          </a:xfrm>
+          <a:prstGeom prst="rect">
+            <a:avLst/>
+          </a:prstGeom>
           <a:noFill/>
           <a:ln>
             <a:noFill/>
@@ -15405,6 +15906,86 @@
           </a:bodyPr>
           <a:lstStyle/>
           <a:p>
+            <a:pPr lvl="0">
+              <a:spcBef>
+                <a:spcPts val="0"/>
+              </a:spcBef>
+              <a:buNone/>
+            </a:pPr>
+            <a:r>
+              <a:rPr lang="en-US" sz="1800">
+                <a:solidFill>
+                  <a:srgbClr val="FFFFFF"/>
+                </a:solidFill>
+                <a:latin typeface="Open Sans"/>
+                <a:ea typeface="Open Sans"/>
+                <a:cs typeface="Open Sans"/>
+                <a:sym typeface="Open Sans"/>
+              </a:rPr>
+              <a:t>Any questions?</a:t>
+            </a:r>
+          </a:p>
+        </p:txBody>
+      </p:sp>
+    </p:spTree>
+    <p:extLst>
+      <p:ext uri="{BB962C8B-B14F-4D97-AF65-F5344CB8AC3E}">
+        <p14:creationId xmlns:p14="http://schemas.microsoft.com/office/powerpoint/2010/main" val="2690935599"/>
+      </p:ext>
+    </p:extLst>
+  </p:cSld>
+  <p:clrMapOvr>
+    <a:masterClrMapping/>
+  </p:clrMapOvr>
+</p:sld>
+</file>
+
+<file path=ppt/slides/slide26.xml><?xml version="1.0" encoding="utf-8"?>
+<p:sld xmlns:a="http://schemas.openxmlformats.org/drawingml/2006/main" xmlns:r="http://schemas.openxmlformats.org/officeDocument/2006/relationships" xmlns:p="http://schemas.openxmlformats.org/presentationml/2006/main">
+  <p:cSld>
+    <p:spTree>
+      <p:nvGrpSpPr>
+        <p:cNvPr id="1" name="Shape 211"/>
+        <p:cNvGrpSpPr/>
+        <p:nvPr/>
+      </p:nvGrpSpPr>
+      <p:grpSpPr>
+        <a:xfrm>
+          <a:off x="0" y="0"/>
+          <a:ext cx="0" cy="0"/>
+          <a:chOff x="0" y="0"/>
+          <a:chExt cx="0" cy="0"/>
+        </a:xfrm>
+      </p:grpSpPr>
+      <p:sp>
+        <p:nvSpPr>
+          <p:cNvPr id="212" name="Shape 212"/>
+          <p:cNvSpPr txBox="1">
+            <a:spLocks noGrp="1"/>
+          </p:cNvSpPr>
+          <p:nvPr>
+            <p:ph type="title"/>
+          </p:nvPr>
+        </p:nvSpPr>
+        <p:spPr>
+          <a:xfrm>
+            <a:off x="311700" y="445025"/>
+            <a:ext cx="8520600" cy="707400"/>
+          </a:xfrm>
+          <a:prstGeom prst="rect">
+            <a:avLst/>
+          </a:prstGeom>
+          <a:noFill/>
+          <a:ln>
+            <a:noFill/>
+          </a:ln>
+        </p:spPr>
+        <p:txBody>
+          <a:bodyPr lIns="91425" tIns="91425" rIns="91425" bIns="91425" anchor="t" anchorCtr="0">
+            <a:noAutofit/>
+          </a:bodyPr>
+          <a:lstStyle/>
+          <a:p>
             <a:pPr marL="0" marR="0" lvl="0" indent="0" algn="l" rtl="0">
               <a:lnSpc>
                 <a:spcPct val="100000"/>
@@ -15439,7 +16020,7 @@
       </p:sp>
       <p:sp>
         <p:nvSpPr>
-          <p:cNvPr id="207" name="Shape 207"/>
+          <p:cNvPr id="213" name="Shape 213"/>
           <p:cNvSpPr txBox="1">
             <a:spLocks noGrp="1"/>
           </p:cNvSpPr>
@@ -15721,9 +16302,6 @@
           <a:lstStyle/>
           <a:p>
             <a:pPr lvl="0" rtl="0">
-              <a:lnSpc>
-                <a:spcPct val="100000"/>
-              </a:lnSpc>
               <a:spcBef>
                 <a:spcPts val="0"/>
               </a:spcBef>
@@ -15743,14 +16321,8 @@
           </a:p>
           <a:p>
             <a:pPr marL="457200" lvl="0" indent="-228600" rtl="0">
-              <a:lnSpc>
-                <a:spcPct val="100000"/>
-              </a:lnSpc>
-              <a:spcBef>
-                <a:spcPts val="0"/>
-              </a:spcBef>
-              <a:spcAft>
-                <a:spcPts val="0"/>
+              <a:spcAft>
+                <a:spcPts val="400"/>
               </a:spcAft>
               <a:buChar char="●"/>
             </a:pPr>
@@ -15761,14 +16333,8 @@
           </a:p>
           <a:p>
             <a:pPr marL="457200" lvl="0" indent="-228600" rtl="0">
-              <a:lnSpc>
-                <a:spcPct val="100000"/>
-              </a:lnSpc>
-              <a:spcBef>
-                <a:spcPts val="1600"/>
-              </a:spcBef>
-              <a:spcAft>
-                <a:spcPts val="0"/>
+              <a:spcAft>
+                <a:spcPts val="400"/>
               </a:spcAft>
               <a:buChar char="●"/>
             </a:pPr>
@@ -15779,9 +16345,6 @@
           </a:p>
           <a:p>
             <a:pPr lvl="0" rtl="0">
-              <a:lnSpc>
-                <a:spcPct val="100000"/>
-              </a:lnSpc>
               <a:spcBef>
                 <a:spcPts val="1600"/>
               </a:spcBef>
@@ -15801,9 +16364,6 @@
           </a:p>
           <a:p>
             <a:pPr marL="457200" lvl="0" indent="-228600" rtl="0">
-              <a:lnSpc>
-                <a:spcPct val="100000"/>
-              </a:lnSpc>
               <a:spcBef>
                 <a:spcPts val="0"/>
               </a:spcBef>
@@ -15819,9 +16379,6 @@
           </a:p>
           <a:p>
             <a:pPr marL="457200" lvl="0" indent="-228600" rtl="0">
-              <a:lnSpc>
-                <a:spcPct val="100000"/>
-              </a:lnSpc>
               <a:spcBef>
                 <a:spcPts val="0"/>
               </a:spcBef>
@@ -15837,9 +16394,6 @@
           </a:p>
           <a:p>
             <a:pPr marL="457200" lvl="0" indent="-228600" rtl="0">
-              <a:lnSpc>
-                <a:spcPct val="100000"/>
-              </a:lnSpc>
               <a:spcBef>
                 <a:spcPts val="0"/>
               </a:spcBef>
@@ -15855,9 +16409,6 @@
           </a:p>
           <a:p>
             <a:pPr lvl="0" rtl="0">
-              <a:lnSpc>
-                <a:spcPct val="100000"/>
-              </a:lnSpc>
               <a:spcBef>
                 <a:spcPts val="1600"/>
               </a:spcBef>
@@ -15877,9 +16428,6 @@
           </a:p>
           <a:p>
             <a:pPr marL="457200" lvl="0" indent="-228600" rtl="0">
-              <a:lnSpc>
-                <a:spcPct val="100000"/>
-              </a:lnSpc>
               <a:spcBef>
                 <a:spcPts val="0"/>
               </a:spcBef>
@@ -15895,9 +16443,6 @@
           </a:p>
           <a:p>
             <a:pPr lvl="0" rtl="0">
-              <a:lnSpc>
-                <a:spcPct val="100000"/>
-              </a:lnSpc>
               <a:spcBef>
                 <a:spcPts val="1600"/>
               </a:spcBef>
@@ -15913,9 +16458,6 @@
           </a:p>
           <a:p>
             <a:pPr lvl="0" rtl="0">
-              <a:lnSpc>
-                <a:spcPct val="100000"/>
-              </a:lnSpc>
               <a:spcBef>
                 <a:spcPts val="0"/>
               </a:spcBef>
@@ -17186,7 +17728,7 @@
               <a:buNone/>
             </a:pPr>
             <a:r>
-              <a:rPr lang="en" sz="1800" b="0" i="0" u="none" strike="noStrike" cap="none">
+              <a:rPr lang="en" sz="1800" b="0" i="0" u="none" strike="noStrike" cap="none" dirty="0">
                 <a:solidFill>
                   <a:schemeClr val="dk2"/>
                 </a:solidFill>
@@ -17217,7 +17759,7 @@
               <a:buAutoNum type="arabicPeriod"/>
             </a:pPr>
             <a:r>
-              <a:rPr lang="en" sz="1400" b="0" i="0" u="none" strike="noStrike" cap="none">
+              <a:rPr lang="en" sz="1400" b="0" i="0" u="none" strike="noStrike" cap="none" dirty="0">
                 <a:solidFill>
                   <a:schemeClr val="dk2"/>
                 </a:solidFill>
@@ -17248,7 +17790,7 @@
               <a:buAutoNum type="arabicPeriod"/>
             </a:pPr>
             <a:r>
-              <a:rPr lang="en" sz="1400" b="0" i="0" u="none" strike="noStrike" cap="none">
+              <a:rPr lang="en" sz="1400" b="0" i="0" u="none" strike="noStrike" cap="none" dirty="0">
                 <a:solidFill>
                   <a:schemeClr val="dk2"/>
                 </a:solidFill>
@@ -17257,8 +17799,72 @@
                 <a:cs typeface="Open Sans"/>
                 <a:sym typeface="Open Sans"/>
               </a:rPr>
-              <a:t>&lt;li&gt; list item</a:t>
-            </a:r>
+              <a:t>&lt;li&gt; list </a:t>
+            </a:r>
+            <a:r>
+              <a:rPr lang="en" sz="1400" b="0" i="0" u="none" strike="noStrike" cap="none" dirty="0" smtClean="0">
+                <a:solidFill>
+                  <a:schemeClr val="dk2"/>
+                </a:solidFill>
+                <a:latin typeface="Open Sans"/>
+                <a:ea typeface="Open Sans"/>
+                <a:cs typeface="Open Sans"/>
+                <a:sym typeface="Open Sans"/>
+              </a:rPr>
+              <a:t>item</a:t>
+            </a:r>
+            <a:r>
+              <a:rPr lang="en-US" sz="1400" b="0" i="0" u="none" strike="noStrike" cap="none" dirty="0" smtClean="0">
+                <a:solidFill>
+                  <a:schemeClr val="dk2"/>
+                </a:solidFill>
+                <a:latin typeface="Open Sans"/>
+                <a:ea typeface="Open Sans"/>
+                <a:cs typeface="Open Sans"/>
+                <a:sym typeface="Open Sans"/>
+              </a:rPr>
+              <a:t> &lt;/li&gt;</a:t>
+            </a:r>
+          </a:p>
+          <a:p>
+            <a:pPr marL="457200" marR="0" lvl="0" indent="-317500" algn="l" rtl="0">
+              <a:lnSpc>
+                <a:spcPct val="115000"/>
+              </a:lnSpc>
+              <a:spcBef>
+                <a:spcPts val="0"/>
+              </a:spcBef>
+              <a:spcAft>
+                <a:spcPts val="0"/>
+              </a:spcAft>
+              <a:buClr>
+                <a:schemeClr val="dk2"/>
+              </a:buClr>
+              <a:buSzPct val="100000"/>
+              <a:buFont typeface="Open Sans"/>
+              <a:buAutoNum type="arabicPeriod"/>
+            </a:pPr>
+            <a:r>
+              <a:rPr lang="en-US" sz="1400" dirty="0" smtClean="0"/>
+              <a:t>&lt;/</a:t>
+            </a:r>
+            <a:r>
+              <a:rPr lang="en-US" sz="1400" dirty="0" err="1" smtClean="0"/>
+              <a:t>ol</a:t>
+            </a:r>
+            <a:r>
+              <a:rPr lang="en-US" sz="1400" dirty="0" smtClean="0"/>
+              <a:t>&gt;</a:t>
+            </a:r>
+            <a:endParaRPr lang="en" sz="1400" b="0" i="0" u="none" strike="noStrike" cap="none" dirty="0">
+              <a:solidFill>
+                <a:schemeClr val="dk2"/>
+              </a:solidFill>
+              <a:latin typeface="Open Sans"/>
+              <a:ea typeface="Open Sans"/>
+              <a:cs typeface="Open Sans"/>
+              <a:sym typeface="Open Sans"/>
+            </a:endParaRPr>
           </a:p>
           <a:p>
             <a:pPr marL="0" marR="0" lvl="0" indent="0" algn="l" rtl="0">
@@ -17279,7 +17885,7 @@
               <a:buNone/>
             </a:pPr>
             <a:r>
-              <a:rPr lang="en" sz="1800" b="0" i="0" u="none" strike="noStrike" cap="none">
+              <a:rPr lang="en" sz="1800" b="0" i="0" u="none" strike="noStrike" cap="none" dirty="0">
                 <a:solidFill>
                   <a:schemeClr val="dk2"/>
                 </a:solidFill>
@@ -17310,7 +17916,7 @@
               <a:buChar char="●"/>
             </a:pPr>
             <a:r>
-              <a:rPr lang="en" sz="1400" b="0" i="0" u="none" strike="noStrike" cap="none">
+              <a:rPr lang="en" sz="1400" b="0" i="0" u="none" strike="noStrike" cap="none" dirty="0">
                 <a:solidFill>
                   <a:schemeClr val="dk2"/>
                 </a:solidFill>
@@ -17341,7 +17947,7 @@
               <a:buChar char="●"/>
             </a:pPr>
             <a:r>
-              <a:rPr lang="en" sz="1400" b="0" i="0" u="none" strike="noStrike" cap="none">
+              <a:rPr lang="en" sz="1400" b="0" i="0" u="none" strike="noStrike" cap="none" dirty="0">
                 <a:solidFill>
                   <a:schemeClr val="dk2"/>
                 </a:solidFill>
@@ -17350,8 +17956,72 @@
                 <a:cs typeface="Open Sans"/>
                 <a:sym typeface="Open Sans"/>
               </a:rPr>
-              <a:t>&lt;li&gt; list item</a:t>
-            </a:r>
+              <a:t>&lt;li&gt; list </a:t>
+            </a:r>
+            <a:r>
+              <a:rPr lang="en" sz="1400" b="0" i="0" u="none" strike="noStrike" cap="none" dirty="0" smtClean="0">
+                <a:solidFill>
+                  <a:schemeClr val="dk2"/>
+                </a:solidFill>
+                <a:latin typeface="Open Sans"/>
+                <a:ea typeface="Open Sans"/>
+                <a:cs typeface="Open Sans"/>
+                <a:sym typeface="Open Sans"/>
+              </a:rPr>
+              <a:t>item</a:t>
+            </a:r>
+            <a:r>
+              <a:rPr lang="en-US" sz="1400" b="0" i="0" u="none" strike="noStrike" cap="none" dirty="0" smtClean="0">
+                <a:solidFill>
+                  <a:schemeClr val="dk2"/>
+                </a:solidFill>
+                <a:latin typeface="Open Sans"/>
+                <a:ea typeface="Open Sans"/>
+                <a:cs typeface="Open Sans"/>
+                <a:sym typeface="Open Sans"/>
+              </a:rPr>
+              <a:t> &lt;/li&gt;</a:t>
+            </a:r>
+          </a:p>
+          <a:p>
+            <a:pPr marL="457200" marR="0" lvl="0" indent="-317500" algn="l" rtl="0">
+              <a:lnSpc>
+                <a:spcPct val="115000"/>
+              </a:lnSpc>
+              <a:spcBef>
+                <a:spcPts val="0"/>
+              </a:spcBef>
+              <a:spcAft>
+                <a:spcPts val="0"/>
+              </a:spcAft>
+              <a:buClr>
+                <a:schemeClr val="dk2"/>
+              </a:buClr>
+              <a:buSzPct val="100000"/>
+              <a:buFont typeface="Open Sans"/>
+              <a:buChar char="●"/>
+            </a:pPr>
+            <a:r>
+              <a:rPr lang="en-US" sz="1400" dirty="0" smtClean="0"/>
+              <a:t>&lt;/</a:t>
+            </a:r>
+            <a:r>
+              <a:rPr lang="en-US" sz="1400" dirty="0" err="1" smtClean="0"/>
+              <a:t>ul</a:t>
+            </a:r>
+            <a:r>
+              <a:rPr lang="en-US" sz="1400" dirty="0" smtClean="0"/>
+              <a:t>&gt;</a:t>
+            </a:r>
+            <a:endParaRPr lang="en" sz="1400" b="0" i="0" u="none" strike="noStrike" cap="none" dirty="0">
+              <a:solidFill>
+                <a:schemeClr val="dk2"/>
+              </a:solidFill>
+              <a:latin typeface="Open Sans"/>
+              <a:ea typeface="Open Sans"/>
+              <a:cs typeface="Open Sans"/>
+              <a:sym typeface="Open Sans"/>
+            </a:endParaRPr>
           </a:p>
           <a:p>
             <a:pPr marL="0" marR="0" lvl="0" indent="0" algn="l" rtl="0">
@@ -17372,7 +18042,7 @@
               <a:buNone/>
             </a:pPr>
             <a:r>
-              <a:rPr lang="en" sz="1800" b="0" i="0" u="none" strike="noStrike" cap="none">
+              <a:rPr lang="en" sz="1800" b="0" i="0" u="none" strike="noStrike" cap="none" dirty="0">
                 <a:solidFill>
                   <a:schemeClr val="dk2"/>
                 </a:solidFill>
